--- a/Project Proposal New.pptx
+++ b/Project Proposal New.pptx
@@ -24259,10 +24259,154 @@
             <p:ph idx="1"/>
           </p:nvPr>
         </p:nvSpPr>
-        <p:spPr/>
+        <p:spPr>
+          <a:gradFill flip="none" rotWithShape="1">
+            <a:gsLst>
+              <a:gs pos="0">
+                <a:schemeClr val="accent1">
+                  <a:shade val="30000"/>
+                  <a:satMod val="115000"/>
+                  <a:alpha val="11000"/>
+                </a:schemeClr>
+              </a:gs>
+              <a:gs pos="50000">
+                <a:schemeClr val="accent1">
+                  <a:shade val="67500"/>
+                  <a:satMod val="115000"/>
+                </a:schemeClr>
+              </a:gs>
+              <a:gs pos="100000">
+                <a:schemeClr val="accent1">
+                  <a:shade val="100000"/>
+                  <a:satMod val="115000"/>
+                </a:schemeClr>
+              </a:gs>
+            </a:gsLst>
+            <a:lin ang="5400000" scaled="1"/>
+            <a:tileRect/>
+          </a:gradFill>
+          <a:effectLst>
+            <a:softEdge rad="317500"/>
+          </a:effectLst>
+        </p:spPr>
         <p:txBody>
-          <a:bodyPr/>
+          <a:bodyPr>
+            <a:normAutofit lnSpcReduction="10000"/>
+          </a:bodyPr>
           <a:lstStyle/>
+          <a:p>
+            <a:r>
+              <a:rPr lang="en-US" sz="3200" b="1" dirty="0">
+                <a:solidFill>
+                  <a:schemeClr val="bg1"/>
+                </a:solidFill>
+                <a:latin typeface="Agency FB" panose="020B0503020202020204" pitchFamily="34" charset="0"/>
+              </a:rPr>
+              <a:t>Planning to use software s like,</a:t>
+            </a:r>
+          </a:p>
+          <a:p>
+            <a:pPr marL="1371611" lvl="2" indent="-457200">
+              <a:buFont typeface="+mj-lt"/>
+              <a:buAutoNum type="arabicPeriod"/>
+            </a:pPr>
+            <a:r>
+              <a:rPr lang="en-US" sz="3200" b="1" dirty="0">
+                <a:solidFill>
+                  <a:schemeClr val="bg1"/>
+                </a:solidFill>
+                <a:latin typeface="Agency FB" panose="020B0503020202020204" pitchFamily="34" charset="0"/>
+              </a:rPr>
+              <a:t>Eclipse – for IDE to  code implementation</a:t>
+            </a:r>
+          </a:p>
+          <a:p>
+            <a:pPr marL="1371611" lvl="2" indent="-457200">
+              <a:buFont typeface="+mj-lt"/>
+              <a:buAutoNum type="arabicPeriod"/>
+            </a:pPr>
+            <a:r>
+              <a:rPr lang="en-US" sz="3200" b="1" dirty="0">
+                <a:solidFill>
+                  <a:schemeClr val="bg1"/>
+                </a:solidFill>
+                <a:latin typeface="Agency FB" panose="020B0503020202020204" pitchFamily="34" charset="0"/>
+              </a:rPr>
+              <a:t>Java – as a programming language</a:t>
+            </a:r>
+          </a:p>
+          <a:p>
+            <a:pPr marL="1371611" lvl="2" indent="-457200">
+              <a:buFont typeface="+mj-lt"/>
+              <a:buAutoNum type="arabicPeriod"/>
+            </a:pPr>
+            <a:r>
+              <a:rPr lang="en-US" sz="3200" b="1" dirty="0">
+                <a:solidFill>
+                  <a:schemeClr val="bg1"/>
+                </a:solidFill>
+                <a:latin typeface="Agency FB" panose="020B0503020202020204" pitchFamily="34" charset="0"/>
+              </a:rPr>
+              <a:t>Scene Builder – to develop the UI / UX</a:t>
+            </a:r>
+          </a:p>
+          <a:p>
+            <a:pPr marL="1371611" lvl="2" indent="-457200">
+              <a:buFont typeface="+mj-lt"/>
+              <a:buAutoNum type="arabicPeriod"/>
+            </a:pPr>
+            <a:r>
+              <a:rPr lang="en-US" sz="3200" b="1" dirty="0">
+                <a:solidFill>
+                  <a:schemeClr val="bg1"/>
+                </a:solidFill>
+                <a:latin typeface="Agency FB" panose="020B0503020202020204" pitchFamily="34" charset="0"/>
+              </a:rPr>
+              <a:t>MongoDB , MYSQL – to create the database</a:t>
+            </a:r>
+          </a:p>
+          <a:p>
+            <a:pPr marL="1371611" lvl="2" indent="-457200">
+              <a:buFont typeface="+mj-lt"/>
+              <a:buAutoNum type="arabicPeriod"/>
+            </a:pPr>
+            <a:endParaRPr lang="en-US" sz="3200" b="1" dirty="0">
+              <a:solidFill>
+                <a:schemeClr val="bg1"/>
+              </a:solidFill>
+              <a:latin typeface="Agency FB" panose="020B0503020202020204" pitchFamily="34" charset="0"/>
+            </a:endParaRPr>
+          </a:p>
+          <a:p>
+            <a:r>
+              <a:rPr lang="en-US" sz="3200" b="1" dirty="0">
+                <a:solidFill>
+                  <a:schemeClr val="bg1"/>
+                </a:solidFill>
+                <a:latin typeface="Agency FB" panose="020B0503020202020204" pitchFamily="34" charset="0"/>
+              </a:rPr>
+              <a:t>Develop a desktop application using JavaFX, Java Swing frame works.</a:t>
+            </a:r>
+          </a:p>
+          <a:p>
+            <a:endParaRPr lang="en-US" sz="3200" b="1" dirty="0">
+              <a:solidFill>
+                <a:schemeClr val="bg1"/>
+              </a:solidFill>
+              <a:latin typeface="Agency FB" panose="020B0503020202020204" pitchFamily="34" charset="0"/>
+            </a:endParaRPr>
+          </a:p>
+          <a:p>
+            <a:r>
+              <a:rPr lang="en-US" sz="3200" b="1" dirty="0">
+                <a:solidFill>
+                  <a:schemeClr val="bg1"/>
+                </a:solidFill>
+                <a:latin typeface="Agency FB" panose="020B0503020202020204" pitchFamily="34" charset="0"/>
+              </a:rPr>
+              <a:t>Other necessary libraries will be used to create quality UI and UX</a:t>
+            </a:r>
+          </a:p>
           <a:p>
             <a:endParaRPr lang="en-US" dirty="0"/>
           </a:p>

--- a/Project Proposal New.pptx
+++ b/Project Proposal New.pptx
@@ -26455,6 +26455,232 @@
           </a:prstGeom>
         </p:spPr>
       </p:pic>
+      <p:sp>
+        <p:nvSpPr>
+          <p:cNvPr id="5" name="TextBox 4">
+            <a:extLst>
+              <a:ext uri="{FF2B5EF4-FFF2-40B4-BE49-F238E27FC236}">
+                <a16:creationId xmlns:a16="http://schemas.microsoft.com/office/drawing/2014/main" id="{AA0238F0-C296-46CC-A2ED-BD3E15F40FA8}"/>
+              </a:ext>
+            </a:extLst>
+          </p:cNvPr>
+          <p:cNvSpPr txBox="1"/>
+          <p:nvPr/>
+        </p:nvSpPr>
+        <p:spPr>
+          <a:xfrm>
+            <a:off x="1556238" y="1478742"/>
+            <a:ext cx="9451731" cy="5298886"/>
+          </a:xfrm>
+          <a:prstGeom prst="rect">
+            <a:avLst/>
+          </a:prstGeom>
+          <a:gradFill flip="none" rotWithShape="1">
+            <a:gsLst>
+              <a:gs pos="0">
+                <a:schemeClr val="accent1">
+                  <a:shade val="30000"/>
+                  <a:satMod val="115000"/>
+                </a:schemeClr>
+              </a:gs>
+              <a:gs pos="50000">
+                <a:schemeClr val="accent1">
+                  <a:shade val="67500"/>
+                  <a:satMod val="115000"/>
+                </a:schemeClr>
+              </a:gs>
+              <a:gs pos="100000">
+                <a:schemeClr val="accent1">
+                  <a:shade val="100000"/>
+                  <a:satMod val="115000"/>
+                </a:schemeClr>
+              </a:gs>
+            </a:gsLst>
+            <a:lin ang="5400000" scaled="1"/>
+            <a:tileRect/>
+          </a:gradFill>
+          <a:effectLst>
+            <a:softEdge rad="317500"/>
+          </a:effectLst>
+        </p:spPr>
+        <p:txBody>
+          <a:bodyPr wrap="square" rtlCol="0">
+            <a:spAutoFit/>
+          </a:bodyPr>
+          <a:lstStyle/>
+          <a:p>
+            <a:pPr marL="228604" indent="-228604" defTabSz="914411">
+              <a:lnSpc>
+                <a:spcPct val="90000"/>
+              </a:lnSpc>
+              <a:spcBef>
+                <a:spcPts val="1001"/>
+              </a:spcBef>
+              <a:buFont typeface="Wingdings" panose="05000000000000000000" pitchFamily="2" charset="2"/>
+              <a:buChar char="v"/>
+            </a:pPr>
+            <a:r>
+              <a:rPr lang="en-US" sz="2800" b="1" dirty="0">
+                <a:solidFill>
+                  <a:schemeClr val="bg1"/>
+                </a:solidFill>
+                <a:latin typeface="Bahnschrift Condensed" panose="020B0502040204020203" pitchFamily="34" charset="0"/>
+              </a:rPr>
+              <a:t>Vehicle Repairing, Workload and Maintenance Management of Vehicles</a:t>
+            </a:r>
+          </a:p>
+          <a:p>
+            <a:pPr marL="228604" indent="-228604" defTabSz="914411">
+              <a:lnSpc>
+                <a:spcPct val="90000"/>
+              </a:lnSpc>
+              <a:spcBef>
+                <a:spcPts val="1001"/>
+              </a:spcBef>
+              <a:buFont typeface="Wingdings" panose="05000000000000000000" pitchFamily="2" charset="2"/>
+              <a:buChar char="v"/>
+            </a:pPr>
+            <a:r>
+              <a:rPr lang="en-US" sz="2800" b="1" dirty="0">
+                <a:solidFill>
+                  <a:schemeClr val="bg1"/>
+                </a:solidFill>
+                <a:latin typeface="Bahnschrift Condensed" panose="020B0502040204020203" pitchFamily="34" charset="0"/>
+              </a:rPr>
+              <a:t>Metal Crusher Machines Repairing, Workload and Maintenance Management</a:t>
+            </a:r>
+          </a:p>
+          <a:p>
+            <a:pPr marL="228604" indent="-228604" defTabSz="914411">
+              <a:lnSpc>
+                <a:spcPct val="90000"/>
+              </a:lnSpc>
+              <a:spcBef>
+                <a:spcPts val="1001"/>
+              </a:spcBef>
+              <a:buFont typeface="Wingdings" panose="05000000000000000000" pitchFamily="2" charset="2"/>
+              <a:buChar char="v"/>
+            </a:pPr>
+            <a:r>
+              <a:rPr lang="en-US" sz="2800" b="1" dirty="0">
+                <a:solidFill>
+                  <a:schemeClr val="bg1"/>
+                </a:solidFill>
+                <a:latin typeface="Bahnschrift Condensed" panose="020B0502040204020203" pitchFamily="34" charset="0"/>
+              </a:rPr>
+              <a:t>Loader Machines Repairing, Workload and Maintenance Management</a:t>
+            </a:r>
+          </a:p>
+          <a:p>
+            <a:pPr marL="228604" indent="-228604" defTabSz="914411">
+              <a:lnSpc>
+                <a:spcPct val="90000"/>
+              </a:lnSpc>
+              <a:spcBef>
+                <a:spcPts val="1001"/>
+              </a:spcBef>
+              <a:buFont typeface="Wingdings" panose="05000000000000000000" pitchFamily="2" charset="2"/>
+              <a:buChar char="v"/>
+            </a:pPr>
+            <a:r>
+              <a:rPr lang="en-US" sz="2800" b="1" dirty="0">
+                <a:solidFill>
+                  <a:schemeClr val="bg1"/>
+                </a:solidFill>
+                <a:latin typeface="Bahnschrift Condensed" panose="020B0502040204020203" pitchFamily="34" charset="0"/>
+              </a:rPr>
+              <a:t>Generator Machines Repairing, Workload and Maintenance Management and Sales Management</a:t>
+            </a:r>
+          </a:p>
+          <a:p>
+            <a:pPr marL="228604" indent="-228604" defTabSz="914411">
+              <a:lnSpc>
+                <a:spcPct val="90000"/>
+              </a:lnSpc>
+              <a:spcBef>
+                <a:spcPts val="1001"/>
+              </a:spcBef>
+              <a:buFont typeface="Wingdings" panose="05000000000000000000" pitchFamily="2" charset="2"/>
+              <a:buChar char="v"/>
+            </a:pPr>
+            <a:r>
+              <a:rPr lang="en-US" sz="2800" b="1" dirty="0">
+                <a:solidFill>
+                  <a:schemeClr val="bg1"/>
+                </a:solidFill>
+                <a:latin typeface="Bahnschrift Condensed" panose="020B0502040204020203" pitchFamily="34" charset="0"/>
+              </a:rPr>
+              <a:t>Administrative Tasks and Employee Attendance Management</a:t>
+            </a:r>
+          </a:p>
+          <a:p>
+            <a:pPr marL="228604" indent="-228604" defTabSz="914411">
+              <a:lnSpc>
+                <a:spcPct val="90000"/>
+              </a:lnSpc>
+              <a:spcBef>
+                <a:spcPts val="1001"/>
+              </a:spcBef>
+              <a:buFont typeface="Wingdings" panose="05000000000000000000" pitchFamily="2" charset="2"/>
+              <a:buChar char="v"/>
+            </a:pPr>
+            <a:r>
+              <a:rPr lang="en-US" sz="2800" b="1" dirty="0">
+                <a:solidFill>
+                  <a:schemeClr val="bg1"/>
+                </a:solidFill>
+                <a:latin typeface="Bahnschrift Condensed" panose="020B0502040204020203" pitchFamily="34" charset="0"/>
+              </a:rPr>
+              <a:t>Hammer, Compressor Machines Repairing, Workload and Maintenance Management</a:t>
+            </a:r>
+          </a:p>
+          <a:p>
+            <a:pPr marL="228604" indent="-228604" defTabSz="914411">
+              <a:lnSpc>
+                <a:spcPct val="90000"/>
+              </a:lnSpc>
+              <a:spcBef>
+                <a:spcPts val="1001"/>
+              </a:spcBef>
+              <a:buFont typeface="Wingdings" panose="05000000000000000000" pitchFamily="2" charset="2"/>
+              <a:buChar char="v"/>
+            </a:pPr>
+            <a:r>
+              <a:rPr lang="en-US" sz="2800" b="1" dirty="0">
+                <a:solidFill>
+                  <a:schemeClr val="bg1"/>
+                </a:solidFill>
+                <a:latin typeface="Bahnschrift Condensed" panose="020B0502040204020203" pitchFamily="34" charset="0"/>
+              </a:rPr>
+              <a:t>Excavator Machines Repairing, Workload and Maintenance Management</a:t>
+            </a:r>
+          </a:p>
+          <a:p>
+            <a:pPr marL="228604" indent="-228604" defTabSz="914411">
+              <a:lnSpc>
+                <a:spcPct val="90000"/>
+              </a:lnSpc>
+              <a:spcBef>
+                <a:spcPts val="1001"/>
+              </a:spcBef>
+              <a:buFont typeface="Wingdings" panose="05000000000000000000" pitchFamily="2" charset="2"/>
+              <a:buChar char="v"/>
+            </a:pPr>
+            <a:r>
+              <a:rPr lang="en-US" sz="2800" b="1" dirty="0">
+                <a:solidFill>
+                  <a:schemeClr val="bg1"/>
+                </a:solidFill>
+                <a:latin typeface="Bahnschrift Condensed" panose="020B0502040204020203" pitchFamily="34" charset="0"/>
+              </a:rPr>
+              <a:t>Other Remaining Items in Stock Management</a:t>
+            </a:r>
+          </a:p>
+          <a:p>
+            <a:endParaRPr lang="en-US" sz="2800" dirty="0"/>
+          </a:p>
+        </p:txBody>
+      </p:sp>
     </p:spTree>
     <p:extLst>
       <p:ext uri="{BB962C8B-B14F-4D97-AF65-F5344CB8AC3E}">

--- a/Project Proposal New.pptx
+++ b/Project Proposal New.pptx
@@ -24571,12 +24571,58 @@
             <p:ph idx="1"/>
           </p:nvPr>
         </p:nvSpPr>
-        <p:spPr/>
+        <p:spPr>
+          <a:xfrm>
+            <a:off x="838200" y="2561376"/>
+            <a:ext cx="10515600" cy="2632597"/>
+          </a:xfrm>
+          <a:gradFill flip="none" rotWithShape="1">
+            <a:gsLst>
+              <a:gs pos="0">
+                <a:schemeClr val="accent1">
+                  <a:shade val="30000"/>
+                  <a:satMod val="115000"/>
+                  <a:alpha val="0"/>
+                </a:schemeClr>
+              </a:gs>
+              <a:gs pos="50000">
+                <a:schemeClr val="accent1">
+                  <a:shade val="67500"/>
+                  <a:satMod val="115000"/>
+                </a:schemeClr>
+              </a:gs>
+              <a:gs pos="100000">
+                <a:schemeClr val="accent1">
+                  <a:shade val="100000"/>
+                  <a:satMod val="115000"/>
+                </a:schemeClr>
+              </a:gs>
+            </a:gsLst>
+            <a:lin ang="5400000" scaled="1"/>
+            <a:tileRect/>
+          </a:gradFill>
+          <a:effectLst>
+            <a:softEdge rad="635000"/>
+          </a:effectLst>
+        </p:spPr>
         <p:txBody>
-          <a:bodyPr/>
+          <a:bodyPr>
+            <a:normAutofit/>
+          </a:bodyPr>
           <a:lstStyle/>
           <a:p>
-            <a:endParaRPr lang="en-US" dirty="0"/>
+            <a:pPr marL="0" indent="0" algn="just">
+              <a:buNone/>
+            </a:pPr>
+            <a:r>
+              <a:rPr lang="en-US" sz="4400" b="1" dirty="0">
+                <a:solidFill>
+                  <a:schemeClr val="bg1"/>
+                </a:solidFill>
+                <a:latin typeface="Agency FB" panose="020B0503020202020204" pitchFamily="34" charset="0"/>
+              </a:rPr>
+              <a:t>Our main goal is to implement a completely automatic management system to Herath Metal Crushers in order to help the work done easier and to carry out the business processes effectively.</a:t>
+            </a:r>
           </a:p>
         </p:txBody>
       </p:sp>

--- a/Project Proposal New.pptx
+++ b/Project Proposal New.pptx
@@ -23220,12 +23220,133 @@
             <p:ph idx="1"/>
           </p:nvPr>
         </p:nvSpPr>
-        <p:spPr/>
+        <p:spPr>
+          <a:xfrm>
+            <a:off x="1" y="1825625"/>
+            <a:ext cx="6743700" cy="4944452"/>
+          </a:xfrm>
+          <a:gradFill flip="none" rotWithShape="1">
+            <a:gsLst>
+              <a:gs pos="0">
+                <a:schemeClr val="accent1">
+                  <a:shade val="30000"/>
+                  <a:satMod val="115000"/>
+                </a:schemeClr>
+              </a:gs>
+              <a:gs pos="50000">
+                <a:schemeClr val="accent1">
+                  <a:shade val="67500"/>
+                  <a:satMod val="115000"/>
+                </a:schemeClr>
+              </a:gs>
+              <a:gs pos="100000">
+                <a:schemeClr val="accent1">
+                  <a:shade val="100000"/>
+                  <a:satMod val="115000"/>
+                </a:schemeClr>
+              </a:gs>
+            </a:gsLst>
+            <a:lin ang="5400000" scaled="1"/>
+            <a:tileRect/>
+          </a:gradFill>
+          <a:effectLst>
+            <a:softEdge rad="317500"/>
+          </a:effectLst>
+        </p:spPr>
         <p:txBody>
-          <a:bodyPr/>
+          <a:bodyPr>
+            <a:normAutofit fontScale="85000" lnSpcReduction="20000"/>
+          </a:bodyPr>
           <a:lstStyle/>
           <a:p>
-            <a:endParaRPr lang="en-US" dirty="0"/>
+            <a:pPr>
+              <a:lnSpc>
+                <a:spcPct val="110000"/>
+              </a:lnSpc>
+              <a:buFont typeface="Wingdings" panose="05000000000000000000" pitchFamily="2" charset="2"/>
+              <a:buChar char="v"/>
+            </a:pPr>
+            <a:r>
+              <a:rPr lang="en-US" b="1" dirty="0">
+                <a:solidFill>
+                  <a:schemeClr val="bg1"/>
+                </a:solidFill>
+                <a:latin typeface="Bahnschrift Condensed" panose="020B0502040204020203" pitchFamily="34" charset="0"/>
+              </a:rPr>
+              <a:t>Main function would be that users would need to see the expenses that they spend specifically for the Metal Crusher spare parts in a specific time (ex: daily, monthly, yearly, given date)</a:t>
+            </a:r>
+          </a:p>
+          <a:p>
+            <a:pPr>
+              <a:lnSpc>
+                <a:spcPct val="110000"/>
+              </a:lnSpc>
+              <a:buFont typeface="Wingdings" panose="05000000000000000000" pitchFamily="2" charset="2"/>
+              <a:buChar char="v"/>
+            </a:pPr>
+            <a:r>
+              <a:rPr lang="en-US" b="1" dirty="0">
+                <a:solidFill>
+                  <a:schemeClr val="bg1"/>
+                </a:solidFill>
+                <a:latin typeface="Bahnschrift Condensed" panose="020B0502040204020203" pitchFamily="34" charset="0"/>
+              </a:rPr>
+              <a:t>Users want to update database when they restock the metal crusher spare parts at the end of the month.</a:t>
+            </a:r>
+          </a:p>
+          <a:p>
+            <a:pPr>
+              <a:lnSpc>
+                <a:spcPct val="110000"/>
+              </a:lnSpc>
+              <a:buFont typeface="Wingdings" panose="05000000000000000000" pitchFamily="2" charset="2"/>
+              <a:buChar char="v"/>
+            </a:pPr>
+            <a:r>
+              <a:rPr lang="en-US" b="1" dirty="0">
+                <a:solidFill>
+                  <a:schemeClr val="bg1"/>
+                </a:solidFill>
+                <a:latin typeface="Bahnschrift Condensed" panose="020B0502040204020203" pitchFamily="34" charset="0"/>
+              </a:rPr>
+              <a:t>Users want to check whether the wanted spare part is available in stock, if available notify them and reduce the quantity and if not available notify them to buy that from a store</a:t>
+            </a:r>
+          </a:p>
+          <a:p>
+            <a:pPr>
+              <a:lnSpc>
+                <a:spcPct val="110000"/>
+              </a:lnSpc>
+              <a:buFont typeface="Wingdings" panose="05000000000000000000" pitchFamily="2" charset="2"/>
+              <a:buChar char="v"/>
+            </a:pPr>
+            <a:r>
+              <a:rPr lang="en-US" b="1" dirty="0">
+                <a:solidFill>
+                  <a:schemeClr val="bg1"/>
+                </a:solidFill>
+                <a:latin typeface="Bahnschrift Condensed" panose="020B0502040204020203" pitchFamily="34" charset="0"/>
+              </a:rPr>
+              <a:t>Users want to delete spare parts if they will not import that again </a:t>
+            </a:r>
+          </a:p>
+          <a:p>
+            <a:pPr>
+              <a:lnSpc>
+                <a:spcPct val="110000"/>
+              </a:lnSpc>
+              <a:buFont typeface="Wingdings" panose="05000000000000000000" pitchFamily="2" charset="2"/>
+              <a:buChar char="v"/>
+            </a:pPr>
+            <a:r>
+              <a:rPr lang="en-US" b="1" dirty="0">
+                <a:solidFill>
+                  <a:schemeClr val="bg1"/>
+                </a:solidFill>
+                <a:latin typeface="Bahnschrift Condensed" panose="020B0502040204020203" pitchFamily="34" charset="0"/>
+              </a:rPr>
+              <a:t>Users want to sort the spare parts by its name or id</a:t>
+            </a:r>
           </a:p>
         </p:txBody>
       </p:sp>
@@ -23259,6 +23380,42 @@
           <a:xfrm>
             <a:off x="295812" y="337041"/>
             <a:ext cx="1514231" cy="957840"/>
+          </a:xfrm>
+          <a:prstGeom prst="rect">
+            <a:avLst/>
+          </a:prstGeom>
+        </p:spPr>
+      </p:pic>
+      <p:pic>
+        <p:nvPicPr>
+          <p:cNvPr id="6" name="Picture 5">
+            <a:extLst>
+              <a:ext uri="{FF2B5EF4-FFF2-40B4-BE49-F238E27FC236}">
+                <a16:creationId xmlns:a16="http://schemas.microsoft.com/office/drawing/2014/main" id="{8718FD1E-0676-416D-BCEB-E9AD891C5FA4}"/>
+              </a:ext>
+            </a:extLst>
+          </p:cNvPr>
+          <p:cNvPicPr>
+            <a:picLocks noChangeAspect="1"/>
+          </p:cNvPicPr>
+          <p:nvPr/>
+        </p:nvPicPr>
+        <p:blipFill>
+          <a:blip r:embed="rId3">
+            <a:extLst>
+              <a:ext uri="{28A0092B-C50C-407E-A947-70E740481C1C}">
+                <a14:useLocalDpi xmlns:a14="http://schemas.microsoft.com/office/drawing/2010/main" val="0"/>
+              </a:ext>
+            </a:extLst>
+          </a:blip>
+          <a:stretch>
+            <a:fillRect/>
+          </a:stretch>
+        </p:blipFill>
+        <p:spPr>
+          <a:xfrm>
+            <a:off x="6951980" y="2314575"/>
+            <a:ext cx="4944208" cy="3708156"/>
           </a:xfrm>
           <a:prstGeom prst="rect">
             <a:avLst/>

--- a/Project Proposal New.pptx
+++ b/Project Proposal New.pptx
@@ -24416,10 +24416,152 @@
             <p:ph idx="1"/>
           </p:nvPr>
         </p:nvSpPr>
-        <p:spPr/>
+        <p:spPr>
+          <a:gradFill flip="none" rotWithShape="1">
+            <a:gsLst>
+              <a:gs pos="0">
+                <a:schemeClr val="accent1">
+                  <a:shade val="30000"/>
+                  <a:satMod val="115000"/>
+                  <a:alpha val="0"/>
+                </a:schemeClr>
+              </a:gs>
+              <a:gs pos="50000">
+                <a:schemeClr val="accent1">
+                  <a:shade val="67500"/>
+                  <a:satMod val="115000"/>
+                </a:schemeClr>
+              </a:gs>
+              <a:gs pos="100000">
+                <a:schemeClr val="accent1">
+                  <a:shade val="100000"/>
+                  <a:satMod val="115000"/>
+                </a:schemeClr>
+              </a:gs>
+            </a:gsLst>
+            <a:lin ang="5400000" scaled="1"/>
+            <a:tileRect/>
+          </a:gradFill>
+          <a:effectLst>
+            <a:softEdge rad="635000"/>
+          </a:effectLst>
+        </p:spPr>
         <p:txBody>
           <a:bodyPr/>
           <a:lstStyle/>
+          <a:p>
+            <a:r>
+              <a:rPr lang="en-US" b="1" dirty="0">
+                <a:solidFill>
+                  <a:schemeClr val="bg1"/>
+                </a:solidFill>
+                <a:latin typeface="Agency FB" panose="020B0503020202020204" pitchFamily="34" charset="0"/>
+              </a:rPr>
+              <a:t>Planning to use software s like,</a:t>
+            </a:r>
+          </a:p>
+          <a:p>
+            <a:pPr marL="1371611" lvl="2" indent="-457200">
+              <a:buFont typeface="+mj-lt"/>
+              <a:buAutoNum type="arabicPeriod"/>
+            </a:pPr>
+            <a:r>
+              <a:rPr lang="en-US" sz="2800" b="1" dirty="0">
+                <a:solidFill>
+                  <a:schemeClr val="bg1"/>
+                </a:solidFill>
+                <a:latin typeface="Agency FB" panose="020B0503020202020204" pitchFamily="34" charset="0"/>
+              </a:rPr>
+              <a:t>Eclipse – for IDE to  code implementation</a:t>
+            </a:r>
+          </a:p>
+          <a:p>
+            <a:pPr marL="1371611" lvl="2" indent="-457200">
+              <a:buFont typeface="+mj-lt"/>
+              <a:buAutoNum type="arabicPeriod"/>
+            </a:pPr>
+            <a:r>
+              <a:rPr lang="en-US" sz="2800" b="1" dirty="0">
+                <a:solidFill>
+                  <a:schemeClr val="bg1"/>
+                </a:solidFill>
+                <a:latin typeface="Agency FB" panose="020B0503020202020204" pitchFamily="34" charset="0"/>
+              </a:rPr>
+              <a:t>Java – as a programming language</a:t>
+            </a:r>
+          </a:p>
+          <a:p>
+            <a:pPr marL="1371611" lvl="2" indent="-457200">
+              <a:buFont typeface="+mj-lt"/>
+              <a:buAutoNum type="arabicPeriod"/>
+            </a:pPr>
+            <a:r>
+              <a:rPr lang="en-US" sz="2800" b="1" dirty="0">
+                <a:solidFill>
+                  <a:schemeClr val="bg1"/>
+                </a:solidFill>
+                <a:latin typeface="Agency FB" panose="020B0503020202020204" pitchFamily="34" charset="0"/>
+              </a:rPr>
+              <a:t>Scene Builder – to develop the UI / UX</a:t>
+            </a:r>
+          </a:p>
+          <a:p>
+            <a:pPr marL="1371611" lvl="2" indent="-457200">
+              <a:buFont typeface="+mj-lt"/>
+              <a:buAutoNum type="arabicPeriod"/>
+            </a:pPr>
+            <a:r>
+              <a:rPr lang="en-US" sz="2800" b="1" dirty="0">
+                <a:solidFill>
+                  <a:schemeClr val="bg1"/>
+                </a:solidFill>
+                <a:latin typeface="Agency FB" panose="020B0503020202020204" pitchFamily="34" charset="0"/>
+              </a:rPr>
+              <a:t>MongoDB , MYSQL – to create the database</a:t>
+            </a:r>
+          </a:p>
+          <a:p>
+            <a:pPr marL="1371611" lvl="2" indent="-457200">
+              <a:buFont typeface="+mj-lt"/>
+              <a:buAutoNum type="arabicPeriod"/>
+            </a:pPr>
+            <a:endParaRPr lang="en-US" sz="2800" b="1" dirty="0">
+              <a:solidFill>
+                <a:schemeClr val="bg1"/>
+              </a:solidFill>
+              <a:latin typeface="Agency FB" panose="020B0503020202020204" pitchFamily="34" charset="0"/>
+            </a:endParaRPr>
+          </a:p>
+          <a:p>
+            <a:r>
+              <a:rPr lang="en-US" b="1" dirty="0">
+                <a:solidFill>
+                  <a:schemeClr val="bg1"/>
+                </a:solidFill>
+                <a:latin typeface="Agency FB" panose="020B0503020202020204" pitchFamily="34" charset="0"/>
+              </a:rPr>
+              <a:t>Develop a desktop application using JavaFx frame work.</a:t>
+            </a:r>
+          </a:p>
+          <a:p>
+            <a:endParaRPr lang="en-US" b="1" dirty="0">
+              <a:solidFill>
+                <a:schemeClr val="bg1"/>
+              </a:solidFill>
+              <a:latin typeface="Agency FB" panose="020B0503020202020204" pitchFamily="34" charset="0"/>
+            </a:endParaRPr>
+          </a:p>
+          <a:p>
+            <a:r>
+              <a:rPr lang="en-US" b="1" dirty="0">
+                <a:solidFill>
+                  <a:schemeClr val="bg1"/>
+                </a:solidFill>
+                <a:latin typeface="Agency FB" panose="020B0503020202020204" pitchFamily="34" charset="0"/>
+              </a:rPr>
+              <a:t>Other necessary libraries will be used to create quality UI and UX</a:t>
+            </a:r>
+          </a:p>
           <a:p>
             <a:endParaRPr lang="en-US" dirty="0"/>
           </a:p>

--- a/Project Proposal New.pptx
+++ b/Project Proposal New.pptx
@@ -26484,6 +26484,20 @@
 <file path=ppt/slides/slide8.xml><?xml version="1.0" encoding="utf-8"?>
 <p:sld xmlns:a="http://schemas.openxmlformats.org/drawingml/2006/main" xmlns:r="http://schemas.openxmlformats.org/officeDocument/2006/relationships" xmlns:p="http://schemas.openxmlformats.org/presentationml/2006/main">
   <p:cSld>
+    <p:bg>
+      <p:bgPr>
+        <a:blipFill dpi="0" rotWithShape="1">
+          <a:blip r:embed="rId2">
+            <a:lum/>
+          </a:blip>
+          <a:srcRect/>
+          <a:stretch>
+            <a:fillRect/>
+          </a:stretch>
+        </a:blipFill>
+        <a:effectLst/>
+      </p:bgPr>
+    </p:bg>
     <p:spTree>
       <p:nvGrpSpPr>
         <p:cNvPr id="1" name=""/>
@@ -26516,7 +26530,7 @@
         </p:nvSpPr>
         <p:spPr>
           <a:xfrm>
-            <a:off x="798926" y="182245"/>
+            <a:off x="798926" y="68978"/>
             <a:ext cx="10594147" cy="1325563"/>
           </a:xfrm>
         </p:spPr>
@@ -26554,7 +26568,7 @@
           <p:nvPr/>
         </p:nvPicPr>
         <p:blipFill>
-          <a:blip r:embed="rId2">
+          <a:blip r:embed="rId3">
             <a:extLst>
               <a:ext uri="{28A0092B-C50C-407E-A947-70E740481C1C}">
                 <a14:useLocalDpi xmlns:a14="http://schemas.microsoft.com/office/drawing/2010/main" val="0"/>
@@ -26590,7 +26604,7 @@
           <p:nvPr/>
         </p:nvPicPr>
         <p:blipFill>
-          <a:blip r:embed="rId3">
+          <a:blip r:embed="rId4">
             <a:extLst>
               <a:ext uri="{28A0092B-C50C-407E-A947-70E740481C1C}">
                 <a14:useLocalDpi xmlns:a14="http://schemas.microsoft.com/office/drawing/2010/main" val="0"/>
@@ -26611,6 +26625,1043 @@
           </a:prstGeom>
         </p:spPr>
       </p:pic>
+      <p:sp>
+        <p:nvSpPr>
+          <p:cNvPr id="15" name="TextBox 14">
+            <a:extLst>
+              <a:ext uri="{FF2B5EF4-FFF2-40B4-BE49-F238E27FC236}">
+                <a16:creationId xmlns:a16="http://schemas.microsoft.com/office/drawing/2014/main" id="{1D2E6625-7392-4302-BD06-A28EDA7C50FE}"/>
+              </a:ext>
+            </a:extLst>
+          </p:cNvPr>
+          <p:cNvSpPr txBox="1"/>
+          <p:nvPr/>
+        </p:nvSpPr>
+        <p:spPr>
+          <a:xfrm>
+            <a:off x="8800735" y="1520017"/>
+            <a:ext cx="2798420" cy="1077218"/>
+          </a:xfrm>
+          <a:prstGeom prst="rect">
+            <a:avLst/>
+          </a:prstGeom>
+          <a:noFill/>
+        </p:spPr>
+        <p:txBody>
+          <a:bodyPr wrap="square" rtlCol="0">
+            <a:spAutoFit/>
+          </a:bodyPr>
+          <a:lstStyle/>
+          <a:p>
+            <a:r>
+              <a:rPr lang="en-US" sz="3200" b="1" dirty="0">
+                <a:solidFill>
+                  <a:schemeClr val="bg1"/>
+                </a:solidFill>
+                <a:latin typeface="Agency FB" panose="020B0503020202020204" pitchFamily="34" charset="0"/>
+              </a:rPr>
+              <a:t>Other Stock Management </a:t>
+            </a:r>
+          </a:p>
+        </p:txBody>
+      </p:sp>
+      <p:sp>
+        <p:nvSpPr>
+          <p:cNvPr id="16" name="TextBox 15">
+            <a:extLst>
+              <a:ext uri="{FF2B5EF4-FFF2-40B4-BE49-F238E27FC236}">
+                <a16:creationId xmlns:a16="http://schemas.microsoft.com/office/drawing/2014/main" id="{CF5FB746-8EC5-49D7-B624-9DA4B1444C81}"/>
+              </a:ext>
+            </a:extLst>
+          </p:cNvPr>
+          <p:cNvSpPr txBox="1"/>
+          <p:nvPr/>
+        </p:nvSpPr>
+        <p:spPr>
+          <a:xfrm>
+            <a:off x="8637726" y="4141606"/>
+            <a:ext cx="2501599" cy="1077218"/>
+          </a:xfrm>
+          <a:prstGeom prst="rect">
+            <a:avLst/>
+          </a:prstGeom>
+          <a:noFill/>
+        </p:spPr>
+        <p:txBody>
+          <a:bodyPr wrap="square" rtlCol="0">
+            <a:spAutoFit/>
+          </a:bodyPr>
+          <a:lstStyle/>
+          <a:p>
+            <a:r>
+              <a:rPr lang="en-US" sz="3200" b="1" dirty="0">
+                <a:solidFill>
+                  <a:schemeClr val="bg1"/>
+                </a:solidFill>
+                <a:latin typeface="Agency FB" panose="020B0503020202020204" pitchFamily="34" charset="0"/>
+              </a:rPr>
+              <a:t>Crusher Management </a:t>
+            </a:r>
+          </a:p>
+        </p:txBody>
+      </p:sp>
+      <p:sp>
+        <p:nvSpPr>
+          <p:cNvPr id="17" name="TextBox 16">
+            <a:extLst>
+              <a:ext uri="{FF2B5EF4-FFF2-40B4-BE49-F238E27FC236}">
+                <a16:creationId xmlns:a16="http://schemas.microsoft.com/office/drawing/2014/main" id="{55C74035-59A6-4CCF-82C3-C7E0DAEC1BA9}"/>
+              </a:ext>
+            </a:extLst>
+          </p:cNvPr>
+          <p:cNvSpPr txBox="1"/>
+          <p:nvPr/>
+        </p:nvSpPr>
+        <p:spPr>
+          <a:xfrm>
+            <a:off x="4576996" y="1413310"/>
+            <a:ext cx="3092647" cy="584775"/>
+          </a:xfrm>
+          <a:prstGeom prst="rect">
+            <a:avLst/>
+          </a:prstGeom>
+          <a:noFill/>
+        </p:spPr>
+        <p:txBody>
+          <a:bodyPr wrap="square" rtlCol="0">
+            <a:spAutoFit/>
+          </a:bodyPr>
+          <a:lstStyle/>
+          <a:p>
+            <a:r>
+              <a:rPr lang="en-US" sz="3200" b="1" dirty="0">
+                <a:solidFill>
+                  <a:schemeClr val="bg1"/>
+                </a:solidFill>
+                <a:latin typeface="Agency FB" panose="020B0503020202020204" pitchFamily="34" charset="0"/>
+              </a:rPr>
+              <a:t>Vehicle Management</a:t>
+            </a:r>
+          </a:p>
+        </p:txBody>
+      </p:sp>
+      <p:sp>
+        <p:nvSpPr>
+          <p:cNvPr id="19" name="TextBox 18">
+            <a:extLst>
+              <a:ext uri="{FF2B5EF4-FFF2-40B4-BE49-F238E27FC236}">
+                <a16:creationId xmlns:a16="http://schemas.microsoft.com/office/drawing/2014/main" id="{F339F6B7-C949-40C8-8FC6-86E46ED1D49D}"/>
+              </a:ext>
+            </a:extLst>
+          </p:cNvPr>
+          <p:cNvSpPr txBox="1"/>
+          <p:nvPr/>
+        </p:nvSpPr>
+        <p:spPr>
+          <a:xfrm>
+            <a:off x="5213266" y="5241517"/>
+            <a:ext cx="2647266" cy="1569660"/>
+          </a:xfrm>
+          <a:prstGeom prst="rect">
+            <a:avLst/>
+          </a:prstGeom>
+          <a:noFill/>
+        </p:spPr>
+        <p:txBody>
+          <a:bodyPr wrap="square" rtlCol="0">
+            <a:spAutoFit/>
+          </a:bodyPr>
+          <a:lstStyle/>
+          <a:p>
+            <a:r>
+              <a:rPr lang="en-US" sz="3200" b="1" dirty="0">
+                <a:solidFill>
+                  <a:schemeClr val="bg1"/>
+                </a:solidFill>
+                <a:latin typeface="Agency FB" panose="020B0503020202020204" pitchFamily="34" charset="0"/>
+              </a:rPr>
+              <a:t>Hammer, Compressor Management </a:t>
+            </a:r>
+          </a:p>
+        </p:txBody>
+      </p:sp>
+      <p:sp>
+        <p:nvSpPr>
+          <p:cNvPr id="20" name="TextBox 19">
+            <a:extLst>
+              <a:ext uri="{FF2B5EF4-FFF2-40B4-BE49-F238E27FC236}">
+                <a16:creationId xmlns:a16="http://schemas.microsoft.com/office/drawing/2014/main" id="{53AF60E6-F980-49EE-B5A7-0B685C590049}"/>
+              </a:ext>
+            </a:extLst>
+          </p:cNvPr>
+          <p:cNvSpPr txBox="1"/>
+          <p:nvPr/>
+        </p:nvSpPr>
+        <p:spPr>
+          <a:xfrm>
+            <a:off x="2504050" y="5410081"/>
+            <a:ext cx="2009444" cy="1077218"/>
+          </a:xfrm>
+          <a:prstGeom prst="rect">
+            <a:avLst/>
+          </a:prstGeom>
+          <a:noFill/>
+        </p:spPr>
+        <p:txBody>
+          <a:bodyPr wrap="square" rtlCol="0">
+            <a:spAutoFit/>
+          </a:bodyPr>
+          <a:lstStyle/>
+          <a:p>
+            <a:r>
+              <a:rPr lang="en-US" sz="3200" b="1" dirty="0">
+                <a:solidFill>
+                  <a:schemeClr val="bg1"/>
+                </a:solidFill>
+                <a:latin typeface="Agency FB" panose="020B0503020202020204" pitchFamily="34" charset="0"/>
+              </a:rPr>
+              <a:t>Loader Management</a:t>
+            </a:r>
+          </a:p>
+        </p:txBody>
+      </p:sp>
+      <p:sp>
+        <p:nvSpPr>
+          <p:cNvPr id="21" name="TextBox 20">
+            <a:extLst>
+              <a:ext uri="{FF2B5EF4-FFF2-40B4-BE49-F238E27FC236}">
+                <a16:creationId xmlns:a16="http://schemas.microsoft.com/office/drawing/2014/main" id="{F5AF7E63-342E-4850-9360-02DF19EEA192}"/>
+              </a:ext>
+            </a:extLst>
+          </p:cNvPr>
+          <p:cNvSpPr txBox="1"/>
+          <p:nvPr/>
+        </p:nvSpPr>
+        <p:spPr>
+          <a:xfrm>
+            <a:off x="1183695" y="4016130"/>
+            <a:ext cx="2267878" cy="1077218"/>
+          </a:xfrm>
+          <a:prstGeom prst="rect">
+            <a:avLst/>
+          </a:prstGeom>
+          <a:noFill/>
+        </p:spPr>
+        <p:txBody>
+          <a:bodyPr wrap="square" rtlCol="0">
+            <a:spAutoFit/>
+          </a:bodyPr>
+          <a:lstStyle/>
+          <a:p>
+            <a:r>
+              <a:rPr lang="en-US" sz="3200" b="1" dirty="0">
+                <a:solidFill>
+                  <a:schemeClr val="bg1"/>
+                </a:solidFill>
+                <a:latin typeface="Agency FB" panose="020B0503020202020204" pitchFamily="34" charset="0"/>
+              </a:rPr>
+              <a:t>Excavator</a:t>
+            </a:r>
+            <a:br>
+              <a:rPr lang="en-US" sz="3200" b="1" dirty="0">
+                <a:solidFill>
+                  <a:schemeClr val="bg1"/>
+                </a:solidFill>
+                <a:latin typeface="Agency FB" panose="020B0503020202020204" pitchFamily="34" charset="0"/>
+              </a:rPr>
+            </a:br>
+            <a:r>
+              <a:rPr lang="en-US" sz="3200" b="1" dirty="0">
+                <a:solidFill>
+                  <a:schemeClr val="bg1"/>
+                </a:solidFill>
+                <a:latin typeface="Agency FB" panose="020B0503020202020204" pitchFamily="34" charset="0"/>
+              </a:rPr>
+              <a:t>Management </a:t>
+            </a:r>
+          </a:p>
+        </p:txBody>
+      </p:sp>
+      <p:sp>
+        <p:nvSpPr>
+          <p:cNvPr id="22" name="TextBox 21">
+            <a:extLst>
+              <a:ext uri="{FF2B5EF4-FFF2-40B4-BE49-F238E27FC236}">
+                <a16:creationId xmlns:a16="http://schemas.microsoft.com/office/drawing/2014/main" id="{B7C2C259-DB3C-416D-AEB6-786F24F7419A}"/>
+              </a:ext>
+            </a:extLst>
+          </p:cNvPr>
+          <p:cNvSpPr txBox="1"/>
+          <p:nvPr/>
+        </p:nvSpPr>
+        <p:spPr>
+          <a:xfrm>
+            <a:off x="522523" y="2667719"/>
+            <a:ext cx="2590840" cy="1077218"/>
+          </a:xfrm>
+          <a:prstGeom prst="rect">
+            <a:avLst/>
+          </a:prstGeom>
+          <a:noFill/>
+        </p:spPr>
+        <p:txBody>
+          <a:bodyPr wrap="square" rtlCol="0">
+            <a:spAutoFit/>
+          </a:bodyPr>
+          <a:lstStyle/>
+          <a:p>
+            <a:r>
+              <a:rPr lang="en-US" sz="3200" b="1" dirty="0">
+                <a:solidFill>
+                  <a:schemeClr val="bg1"/>
+                </a:solidFill>
+                <a:latin typeface="Agency FB" panose="020B0503020202020204" pitchFamily="34" charset="0"/>
+              </a:rPr>
+              <a:t>Employee Management </a:t>
+            </a:r>
+          </a:p>
+        </p:txBody>
+      </p:sp>
+      <p:sp>
+        <p:nvSpPr>
+          <p:cNvPr id="23" name="Arrow: Left-Right 22">
+            <a:extLst>
+              <a:ext uri="{FF2B5EF4-FFF2-40B4-BE49-F238E27FC236}">
+                <a16:creationId xmlns:a16="http://schemas.microsoft.com/office/drawing/2014/main" id="{D90864F5-8F84-465B-B3F8-66FA3F4B9754}"/>
+              </a:ext>
+            </a:extLst>
+          </p:cNvPr>
+          <p:cNvSpPr/>
+          <p:nvPr/>
+        </p:nvSpPr>
+        <p:spPr>
+          <a:xfrm rot="2458530">
+            <a:off x="3975931" y="2520840"/>
+            <a:ext cx="1386958" cy="293758"/>
+          </a:xfrm>
+          <a:prstGeom prst="leftRightArrow">
+            <a:avLst/>
+          </a:prstGeom>
+          <a:solidFill>
+            <a:schemeClr val="bg2"/>
+          </a:solidFill>
+        </p:spPr>
+        <p:style>
+          <a:lnRef idx="2">
+            <a:schemeClr val="accent6">
+              <a:shade val="50000"/>
+            </a:schemeClr>
+          </a:lnRef>
+          <a:fillRef idx="1">
+            <a:schemeClr val="accent6"/>
+          </a:fillRef>
+          <a:effectRef idx="0">
+            <a:schemeClr val="accent6"/>
+          </a:effectRef>
+          <a:fontRef idx="minor">
+            <a:schemeClr val="lt1"/>
+          </a:fontRef>
+        </p:style>
+        <p:txBody>
+          <a:bodyPr rtlCol="0" anchor="ctr"/>
+          <a:lstStyle/>
+          <a:p>
+            <a:pPr algn="ctr"/>
+            <a:endParaRPr lang="en-US" b="1">
+              <a:solidFill>
+                <a:schemeClr val="bg1"/>
+              </a:solidFill>
+              <a:latin typeface="Agency FB" panose="020B0503020202020204" pitchFamily="34" charset="0"/>
+            </a:endParaRPr>
+          </a:p>
+        </p:txBody>
+      </p:sp>
+      <p:sp>
+        <p:nvSpPr>
+          <p:cNvPr id="24" name="Arrow: Left-Right 23">
+            <a:extLst>
+              <a:ext uri="{FF2B5EF4-FFF2-40B4-BE49-F238E27FC236}">
+                <a16:creationId xmlns:a16="http://schemas.microsoft.com/office/drawing/2014/main" id="{751A05C6-CBCB-4E27-87BB-C6FA3FA9A9DD}"/>
+              </a:ext>
+            </a:extLst>
+          </p:cNvPr>
+          <p:cNvSpPr/>
+          <p:nvPr/>
+        </p:nvSpPr>
+        <p:spPr>
+          <a:xfrm rot="967990">
+            <a:off x="2809868" y="3458019"/>
+            <a:ext cx="2405655" cy="293758"/>
+          </a:xfrm>
+          <a:prstGeom prst="leftRightArrow">
+            <a:avLst/>
+          </a:prstGeom>
+          <a:solidFill>
+            <a:schemeClr val="bg2"/>
+          </a:solidFill>
+        </p:spPr>
+        <p:style>
+          <a:lnRef idx="2">
+            <a:schemeClr val="accent6">
+              <a:shade val="50000"/>
+            </a:schemeClr>
+          </a:lnRef>
+          <a:fillRef idx="1">
+            <a:schemeClr val="accent6"/>
+          </a:fillRef>
+          <a:effectRef idx="0">
+            <a:schemeClr val="accent6"/>
+          </a:effectRef>
+          <a:fontRef idx="minor">
+            <a:schemeClr val="lt1"/>
+          </a:fontRef>
+        </p:style>
+        <p:txBody>
+          <a:bodyPr rtlCol="0" anchor="ctr"/>
+          <a:lstStyle/>
+          <a:p>
+            <a:pPr algn="ctr"/>
+            <a:endParaRPr lang="en-US" b="1">
+              <a:solidFill>
+                <a:schemeClr val="bg1"/>
+              </a:solidFill>
+              <a:latin typeface="Agency FB" panose="020B0503020202020204" pitchFamily="34" charset="0"/>
+            </a:endParaRPr>
+          </a:p>
+        </p:txBody>
+      </p:sp>
+      <p:sp>
+        <p:nvSpPr>
+          <p:cNvPr id="25" name="Arrow: Left-Right 24">
+            <a:extLst>
+              <a:ext uri="{FF2B5EF4-FFF2-40B4-BE49-F238E27FC236}">
+                <a16:creationId xmlns:a16="http://schemas.microsoft.com/office/drawing/2014/main" id="{168954EA-9DC8-4650-B453-0DE30AD239A2}"/>
+              </a:ext>
+            </a:extLst>
+          </p:cNvPr>
+          <p:cNvSpPr/>
+          <p:nvPr/>
+        </p:nvSpPr>
+        <p:spPr>
+          <a:xfrm rot="10800000">
+            <a:off x="3542200" y="4117596"/>
+            <a:ext cx="1576140" cy="293758"/>
+          </a:xfrm>
+          <a:prstGeom prst="leftRightArrow">
+            <a:avLst/>
+          </a:prstGeom>
+          <a:solidFill>
+            <a:schemeClr val="bg2"/>
+          </a:solidFill>
+        </p:spPr>
+        <p:style>
+          <a:lnRef idx="2">
+            <a:schemeClr val="accent6">
+              <a:shade val="50000"/>
+            </a:schemeClr>
+          </a:lnRef>
+          <a:fillRef idx="1">
+            <a:schemeClr val="accent6"/>
+          </a:fillRef>
+          <a:effectRef idx="0">
+            <a:schemeClr val="accent6"/>
+          </a:effectRef>
+          <a:fontRef idx="minor">
+            <a:schemeClr val="lt1"/>
+          </a:fontRef>
+        </p:style>
+        <p:txBody>
+          <a:bodyPr rtlCol="0" anchor="ctr"/>
+          <a:lstStyle/>
+          <a:p>
+            <a:pPr algn="ctr"/>
+            <a:endParaRPr lang="en-US" b="1">
+              <a:solidFill>
+                <a:schemeClr val="bg1"/>
+              </a:solidFill>
+              <a:latin typeface="Agency FB" panose="020B0503020202020204" pitchFamily="34" charset="0"/>
+            </a:endParaRPr>
+          </a:p>
+        </p:txBody>
+      </p:sp>
+      <p:sp>
+        <p:nvSpPr>
+          <p:cNvPr id="26" name="Arrow: Left-Right 25">
+            <a:extLst>
+              <a:ext uri="{FF2B5EF4-FFF2-40B4-BE49-F238E27FC236}">
+                <a16:creationId xmlns:a16="http://schemas.microsoft.com/office/drawing/2014/main" id="{5E732A3E-D5C6-482C-A6FC-E52221C622E8}"/>
+              </a:ext>
+            </a:extLst>
+          </p:cNvPr>
+          <p:cNvSpPr/>
+          <p:nvPr/>
+        </p:nvSpPr>
+        <p:spPr>
+          <a:xfrm rot="5400000">
+            <a:off x="5837718" y="2709983"/>
+            <a:ext cx="500487" cy="274990"/>
+          </a:xfrm>
+          <a:prstGeom prst="leftRightArrow">
+            <a:avLst/>
+          </a:prstGeom>
+          <a:solidFill>
+            <a:schemeClr val="bg2"/>
+          </a:solidFill>
+        </p:spPr>
+        <p:style>
+          <a:lnRef idx="2">
+            <a:schemeClr val="accent6">
+              <a:shade val="50000"/>
+            </a:schemeClr>
+          </a:lnRef>
+          <a:fillRef idx="1">
+            <a:schemeClr val="accent6"/>
+          </a:fillRef>
+          <a:effectRef idx="0">
+            <a:schemeClr val="accent6"/>
+          </a:effectRef>
+          <a:fontRef idx="minor">
+            <a:schemeClr val="lt1"/>
+          </a:fontRef>
+        </p:style>
+        <p:txBody>
+          <a:bodyPr rtlCol="0" anchor="ctr"/>
+          <a:lstStyle/>
+          <a:p>
+            <a:pPr algn="ctr"/>
+            <a:endParaRPr lang="en-US" b="1">
+              <a:solidFill>
+                <a:schemeClr val="bg1"/>
+              </a:solidFill>
+              <a:latin typeface="Agency FB" panose="020B0503020202020204" pitchFamily="34" charset="0"/>
+            </a:endParaRPr>
+          </a:p>
+        </p:txBody>
+      </p:sp>
+      <p:sp>
+        <p:nvSpPr>
+          <p:cNvPr id="27" name="Arrow: Left-Right 26">
+            <a:extLst>
+              <a:ext uri="{FF2B5EF4-FFF2-40B4-BE49-F238E27FC236}">
+                <a16:creationId xmlns:a16="http://schemas.microsoft.com/office/drawing/2014/main" id="{FB4B1322-F4EE-4419-88C0-79D0ED96727D}"/>
+              </a:ext>
+            </a:extLst>
+          </p:cNvPr>
+          <p:cNvSpPr/>
+          <p:nvPr/>
+        </p:nvSpPr>
+        <p:spPr>
+          <a:xfrm rot="9140773">
+            <a:off x="6650109" y="2834472"/>
+            <a:ext cx="852597" cy="210542"/>
+          </a:xfrm>
+          <a:prstGeom prst="leftRightArrow">
+            <a:avLst/>
+          </a:prstGeom>
+          <a:solidFill>
+            <a:schemeClr val="bg2"/>
+          </a:solidFill>
+        </p:spPr>
+        <p:style>
+          <a:lnRef idx="2">
+            <a:schemeClr val="accent6">
+              <a:shade val="50000"/>
+            </a:schemeClr>
+          </a:lnRef>
+          <a:fillRef idx="1">
+            <a:schemeClr val="accent6"/>
+          </a:fillRef>
+          <a:effectRef idx="0">
+            <a:schemeClr val="accent6"/>
+          </a:effectRef>
+          <a:fontRef idx="minor">
+            <a:schemeClr val="lt1"/>
+          </a:fontRef>
+        </p:style>
+        <p:txBody>
+          <a:bodyPr rtlCol="0" anchor="ctr"/>
+          <a:lstStyle/>
+          <a:p>
+            <a:pPr algn="ctr"/>
+            <a:endParaRPr lang="en-US" b="1">
+              <a:solidFill>
+                <a:schemeClr val="bg1"/>
+              </a:solidFill>
+              <a:latin typeface="Agency FB" panose="020B0503020202020204" pitchFamily="34" charset="0"/>
+            </a:endParaRPr>
+          </a:p>
+        </p:txBody>
+      </p:sp>
+      <p:sp>
+        <p:nvSpPr>
+          <p:cNvPr id="28" name="Arrow: Left-Right 27">
+            <a:extLst>
+              <a:ext uri="{FF2B5EF4-FFF2-40B4-BE49-F238E27FC236}">
+                <a16:creationId xmlns:a16="http://schemas.microsoft.com/office/drawing/2014/main" id="{24BE8584-110F-4B2B-BC30-3A1AD4EF4CEC}"/>
+              </a:ext>
+            </a:extLst>
+          </p:cNvPr>
+          <p:cNvSpPr/>
+          <p:nvPr/>
+        </p:nvSpPr>
+        <p:spPr>
+          <a:xfrm rot="1125034">
+            <a:off x="6735926" y="3994727"/>
+            <a:ext cx="1931550" cy="293758"/>
+          </a:xfrm>
+          <a:prstGeom prst="leftRightArrow">
+            <a:avLst/>
+          </a:prstGeom>
+          <a:solidFill>
+            <a:schemeClr val="bg2"/>
+          </a:solidFill>
+        </p:spPr>
+        <p:style>
+          <a:lnRef idx="2">
+            <a:schemeClr val="accent6">
+              <a:shade val="50000"/>
+            </a:schemeClr>
+          </a:lnRef>
+          <a:fillRef idx="1">
+            <a:schemeClr val="accent6"/>
+          </a:fillRef>
+          <a:effectRef idx="0">
+            <a:schemeClr val="accent6"/>
+          </a:effectRef>
+          <a:fontRef idx="minor">
+            <a:schemeClr val="lt1"/>
+          </a:fontRef>
+        </p:style>
+        <p:txBody>
+          <a:bodyPr rtlCol="0" anchor="ctr"/>
+          <a:lstStyle/>
+          <a:p>
+            <a:pPr algn="ctr"/>
+            <a:endParaRPr lang="en-US" b="1">
+              <a:solidFill>
+                <a:schemeClr val="bg1"/>
+              </a:solidFill>
+              <a:latin typeface="Agency FB" panose="020B0503020202020204" pitchFamily="34" charset="0"/>
+            </a:endParaRPr>
+          </a:p>
+        </p:txBody>
+      </p:sp>
+      <p:sp>
+        <p:nvSpPr>
+          <p:cNvPr id="29" name="Arrow: Left-Right 28">
+            <a:extLst>
+              <a:ext uri="{FF2B5EF4-FFF2-40B4-BE49-F238E27FC236}">
+                <a16:creationId xmlns:a16="http://schemas.microsoft.com/office/drawing/2014/main" id="{0214662F-9CCA-45A3-B3E9-F0914D9D5E28}"/>
+              </a:ext>
+            </a:extLst>
+          </p:cNvPr>
+          <p:cNvSpPr/>
+          <p:nvPr/>
+        </p:nvSpPr>
+        <p:spPr>
+          <a:xfrm rot="5400000">
+            <a:off x="5476842" y="4825859"/>
+            <a:ext cx="727287" cy="293758"/>
+          </a:xfrm>
+          <a:prstGeom prst="leftRightArrow">
+            <a:avLst/>
+          </a:prstGeom>
+          <a:solidFill>
+            <a:schemeClr val="bg2"/>
+          </a:solidFill>
+        </p:spPr>
+        <p:style>
+          <a:lnRef idx="2">
+            <a:schemeClr val="accent6">
+              <a:shade val="50000"/>
+            </a:schemeClr>
+          </a:lnRef>
+          <a:fillRef idx="1">
+            <a:schemeClr val="accent6"/>
+          </a:fillRef>
+          <a:effectRef idx="0">
+            <a:schemeClr val="accent6"/>
+          </a:effectRef>
+          <a:fontRef idx="minor">
+            <a:schemeClr val="lt1"/>
+          </a:fontRef>
+        </p:style>
+        <p:txBody>
+          <a:bodyPr rtlCol="0" anchor="ctr"/>
+          <a:lstStyle/>
+          <a:p>
+            <a:pPr algn="ctr"/>
+            <a:endParaRPr lang="en-US" b="1">
+              <a:solidFill>
+                <a:schemeClr val="bg1"/>
+              </a:solidFill>
+              <a:latin typeface="Agency FB" panose="020B0503020202020204" pitchFamily="34" charset="0"/>
+            </a:endParaRPr>
+          </a:p>
+        </p:txBody>
+      </p:sp>
+      <p:sp>
+        <p:nvSpPr>
+          <p:cNvPr id="30" name="Arrow: Left-Right 29">
+            <a:extLst>
+              <a:ext uri="{FF2B5EF4-FFF2-40B4-BE49-F238E27FC236}">
+                <a16:creationId xmlns:a16="http://schemas.microsoft.com/office/drawing/2014/main" id="{BEB7F62D-C548-4B21-ACDD-ADDA5655F210}"/>
+              </a:ext>
+            </a:extLst>
+          </p:cNvPr>
+          <p:cNvSpPr/>
+          <p:nvPr/>
+        </p:nvSpPr>
+        <p:spPr>
+          <a:xfrm rot="8668536">
+            <a:off x="4198368" y="4859259"/>
+            <a:ext cx="1120128" cy="293758"/>
+          </a:xfrm>
+          <a:prstGeom prst="leftRightArrow">
+            <a:avLst/>
+          </a:prstGeom>
+          <a:solidFill>
+            <a:schemeClr val="bg2"/>
+          </a:solidFill>
+        </p:spPr>
+        <p:style>
+          <a:lnRef idx="2">
+            <a:schemeClr val="accent6">
+              <a:shade val="50000"/>
+            </a:schemeClr>
+          </a:lnRef>
+          <a:fillRef idx="1">
+            <a:schemeClr val="accent6"/>
+          </a:fillRef>
+          <a:effectRef idx="0">
+            <a:schemeClr val="accent6"/>
+          </a:effectRef>
+          <a:fontRef idx="minor">
+            <a:schemeClr val="lt1"/>
+          </a:fontRef>
+        </p:style>
+        <p:txBody>
+          <a:bodyPr rtlCol="0" anchor="ctr"/>
+          <a:lstStyle/>
+          <a:p>
+            <a:pPr algn="ctr"/>
+            <a:endParaRPr lang="en-US" b="1">
+              <a:solidFill>
+                <a:schemeClr val="bg1"/>
+              </a:solidFill>
+              <a:latin typeface="Agency FB" panose="020B0503020202020204" pitchFamily="34" charset="0"/>
+            </a:endParaRPr>
+          </a:p>
+        </p:txBody>
+      </p:sp>
+      <p:pic>
+        <p:nvPicPr>
+          <p:cNvPr id="36" name="Picture 35">
+            <a:extLst>
+              <a:ext uri="{FF2B5EF4-FFF2-40B4-BE49-F238E27FC236}">
+                <a16:creationId xmlns:a16="http://schemas.microsoft.com/office/drawing/2014/main" id="{2C197F14-6564-41CE-BEAD-89FDBEF21643}"/>
+              </a:ext>
+            </a:extLst>
+          </p:cNvPr>
+          <p:cNvPicPr>
+            <a:picLocks noChangeAspect="1"/>
+          </p:cNvPicPr>
+          <p:nvPr/>
+        </p:nvPicPr>
+        <p:blipFill>
+          <a:blip r:embed="rId5">
+            <a:extLst>
+              <a:ext uri="{28A0092B-C50C-407E-A947-70E740481C1C}">
+                <a14:useLocalDpi xmlns:a14="http://schemas.microsoft.com/office/drawing/2010/main" val="0"/>
+              </a:ext>
+            </a:extLst>
+          </a:blip>
+          <a:stretch>
+            <a:fillRect/>
+          </a:stretch>
+        </p:blipFill>
+        <p:spPr>
+          <a:xfrm>
+            <a:off x="5299595" y="3321600"/>
+            <a:ext cx="1384565" cy="922142"/>
+          </a:xfrm>
+          <a:prstGeom prst="rect">
+            <a:avLst/>
+          </a:prstGeom>
+          <a:ln>
+            <a:noFill/>
+          </a:ln>
+          <a:effectLst>
+            <a:outerShdw blurRad="292100" dist="139700" dir="2700000" algn="tl" rotWithShape="0">
+              <a:srgbClr val="333333">
+                <a:alpha val="65000"/>
+              </a:srgbClr>
+            </a:outerShdw>
+          </a:effectLst>
+        </p:spPr>
+      </p:pic>
+      <p:sp>
+        <p:nvSpPr>
+          <p:cNvPr id="38" name="TextBox 37">
+            <a:extLst>
+              <a:ext uri="{FF2B5EF4-FFF2-40B4-BE49-F238E27FC236}">
+                <a16:creationId xmlns:a16="http://schemas.microsoft.com/office/drawing/2014/main" id="{D04B45CD-A263-4661-A91A-530C7581B8A6}"/>
+              </a:ext>
+            </a:extLst>
+          </p:cNvPr>
+          <p:cNvSpPr txBox="1"/>
+          <p:nvPr/>
+        </p:nvSpPr>
+        <p:spPr>
+          <a:xfrm>
+            <a:off x="2176805" y="1285691"/>
+            <a:ext cx="2314662" cy="1077218"/>
+          </a:xfrm>
+          <a:prstGeom prst="rect">
+            <a:avLst/>
+          </a:prstGeom>
+          <a:noFill/>
+        </p:spPr>
+        <p:txBody>
+          <a:bodyPr wrap="square" rtlCol="0">
+            <a:spAutoFit/>
+          </a:bodyPr>
+          <a:lstStyle/>
+          <a:p>
+            <a:r>
+              <a:rPr lang="en-US" sz="3200" b="1" dirty="0">
+                <a:solidFill>
+                  <a:schemeClr val="bg1"/>
+                </a:solidFill>
+                <a:latin typeface="Agency FB" panose="020B0503020202020204" pitchFamily="34" charset="0"/>
+              </a:rPr>
+              <a:t>Sales</a:t>
+            </a:r>
+            <a:br>
+              <a:rPr lang="en-US" sz="3200" b="1" dirty="0">
+                <a:solidFill>
+                  <a:schemeClr val="bg1"/>
+                </a:solidFill>
+                <a:latin typeface="Agency FB" panose="020B0503020202020204" pitchFamily="34" charset="0"/>
+              </a:rPr>
+            </a:br>
+            <a:r>
+              <a:rPr lang="en-US" sz="3200" b="1" dirty="0">
+                <a:solidFill>
+                  <a:schemeClr val="bg1"/>
+                </a:solidFill>
+                <a:latin typeface="Agency FB" panose="020B0503020202020204" pitchFamily="34" charset="0"/>
+              </a:rPr>
+              <a:t>Management </a:t>
+            </a:r>
+          </a:p>
+        </p:txBody>
+      </p:sp>
+      <p:sp>
+        <p:nvSpPr>
+          <p:cNvPr id="39" name="Arrow: Left-Right 38">
+            <a:extLst>
+              <a:ext uri="{FF2B5EF4-FFF2-40B4-BE49-F238E27FC236}">
+                <a16:creationId xmlns:a16="http://schemas.microsoft.com/office/drawing/2014/main" id="{DE64B65F-1FDC-40CA-B0C6-4C6F2AA993C1}"/>
+              </a:ext>
+            </a:extLst>
+          </p:cNvPr>
+          <p:cNvSpPr/>
+          <p:nvPr/>
+        </p:nvSpPr>
+        <p:spPr>
+          <a:xfrm rot="10800000">
+            <a:off x="6841697" y="3305848"/>
+            <a:ext cx="1171638" cy="317714"/>
+          </a:xfrm>
+          <a:prstGeom prst="leftRightArrow">
+            <a:avLst/>
+          </a:prstGeom>
+          <a:solidFill>
+            <a:schemeClr val="bg2"/>
+          </a:solidFill>
+        </p:spPr>
+        <p:style>
+          <a:lnRef idx="2">
+            <a:schemeClr val="accent6">
+              <a:shade val="50000"/>
+            </a:schemeClr>
+          </a:lnRef>
+          <a:fillRef idx="1">
+            <a:schemeClr val="accent6"/>
+          </a:fillRef>
+          <a:effectRef idx="0">
+            <a:schemeClr val="accent6"/>
+          </a:effectRef>
+          <a:fontRef idx="minor">
+            <a:schemeClr val="lt1"/>
+          </a:fontRef>
+        </p:style>
+        <p:txBody>
+          <a:bodyPr rtlCol="0" anchor="ctr"/>
+          <a:lstStyle/>
+          <a:p>
+            <a:pPr algn="ctr"/>
+            <a:endParaRPr lang="en-US" b="1">
+              <a:solidFill>
+                <a:schemeClr val="bg1"/>
+              </a:solidFill>
+              <a:latin typeface="Agency FB" panose="020B0503020202020204" pitchFamily="34" charset="0"/>
+            </a:endParaRPr>
+          </a:p>
+        </p:txBody>
+      </p:sp>
+      <p:sp>
+        <p:nvSpPr>
+          <p:cNvPr id="40" name="TextBox 39">
+            <a:extLst>
+              <a:ext uri="{FF2B5EF4-FFF2-40B4-BE49-F238E27FC236}">
+                <a16:creationId xmlns:a16="http://schemas.microsoft.com/office/drawing/2014/main" id="{3CF27990-079C-4B36-8928-C1D2B7FCFEA4}"/>
+              </a:ext>
+            </a:extLst>
+          </p:cNvPr>
+          <p:cNvSpPr txBox="1"/>
+          <p:nvPr/>
+        </p:nvSpPr>
+        <p:spPr>
+          <a:xfrm>
+            <a:off x="9992609" y="2938912"/>
+            <a:ext cx="2031391" cy="1077218"/>
+          </a:xfrm>
+          <a:prstGeom prst="rect">
+            <a:avLst/>
+          </a:prstGeom>
+          <a:noFill/>
+        </p:spPr>
+        <p:txBody>
+          <a:bodyPr wrap="square" rtlCol="0">
+            <a:spAutoFit/>
+          </a:bodyPr>
+          <a:lstStyle/>
+          <a:p>
+            <a:r>
+              <a:rPr lang="en-US" sz="3200" b="1" dirty="0">
+                <a:solidFill>
+                  <a:schemeClr val="bg1"/>
+                </a:solidFill>
+                <a:latin typeface="Agency FB" panose="020B0503020202020204" pitchFamily="34" charset="0"/>
+              </a:rPr>
+              <a:t>Generator</a:t>
+            </a:r>
+            <a:br>
+              <a:rPr lang="en-US" sz="3200" b="1" dirty="0">
+                <a:solidFill>
+                  <a:schemeClr val="bg1"/>
+                </a:solidFill>
+                <a:latin typeface="Agency FB" panose="020B0503020202020204" pitchFamily="34" charset="0"/>
+              </a:rPr>
+            </a:br>
+            <a:r>
+              <a:rPr lang="en-US" sz="3200" b="1" dirty="0">
+                <a:solidFill>
+                  <a:schemeClr val="bg1"/>
+                </a:solidFill>
+                <a:latin typeface="Agency FB" panose="020B0503020202020204" pitchFamily="34" charset="0"/>
+              </a:rPr>
+              <a:t>Management </a:t>
+            </a:r>
+          </a:p>
+        </p:txBody>
+      </p:sp>
+      <p:sp>
+        <p:nvSpPr>
+          <p:cNvPr id="41" name="Arrow: Left-Right 40">
+            <a:extLst>
+              <a:ext uri="{FF2B5EF4-FFF2-40B4-BE49-F238E27FC236}">
+                <a16:creationId xmlns:a16="http://schemas.microsoft.com/office/drawing/2014/main" id="{BF237D00-1F11-4884-9E37-16DB7D4CF6DB}"/>
+              </a:ext>
+            </a:extLst>
+          </p:cNvPr>
+          <p:cNvSpPr/>
+          <p:nvPr/>
+        </p:nvSpPr>
+        <p:spPr>
+          <a:xfrm rot="2283239">
+            <a:off x="6590046" y="4805937"/>
+            <a:ext cx="1931550" cy="293758"/>
+          </a:xfrm>
+          <a:prstGeom prst="leftRightArrow">
+            <a:avLst/>
+          </a:prstGeom>
+          <a:solidFill>
+            <a:schemeClr val="bg2"/>
+          </a:solidFill>
+        </p:spPr>
+        <p:style>
+          <a:lnRef idx="2">
+            <a:schemeClr val="accent6">
+              <a:shade val="50000"/>
+            </a:schemeClr>
+          </a:lnRef>
+          <a:fillRef idx="1">
+            <a:schemeClr val="accent6"/>
+          </a:fillRef>
+          <a:effectRef idx="0">
+            <a:schemeClr val="accent6"/>
+          </a:effectRef>
+          <a:fontRef idx="minor">
+            <a:schemeClr val="lt1"/>
+          </a:fontRef>
+        </p:style>
+        <p:txBody>
+          <a:bodyPr rtlCol="0" anchor="ctr"/>
+          <a:lstStyle/>
+          <a:p>
+            <a:pPr algn="ctr"/>
+            <a:endParaRPr lang="en-US" b="1">
+              <a:solidFill>
+                <a:schemeClr val="bg1"/>
+              </a:solidFill>
+              <a:latin typeface="Agency FB" panose="020B0503020202020204" pitchFamily="34" charset="0"/>
+            </a:endParaRPr>
+          </a:p>
+        </p:txBody>
+      </p:sp>
+      <p:sp>
+        <p:nvSpPr>
+          <p:cNvPr id="42" name="TextBox 41">
+            <a:extLst>
+              <a:ext uri="{FF2B5EF4-FFF2-40B4-BE49-F238E27FC236}">
+                <a16:creationId xmlns:a16="http://schemas.microsoft.com/office/drawing/2014/main" id="{ECEC1076-9EAD-4580-9087-6D34936AD973}"/>
+              </a:ext>
+            </a:extLst>
+          </p:cNvPr>
+          <p:cNvSpPr txBox="1"/>
+          <p:nvPr/>
+        </p:nvSpPr>
+        <p:spPr>
+          <a:xfrm>
+            <a:off x="8406838" y="5600514"/>
+            <a:ext cx="2294405" cy="1077218"/>
+          </a:xfrm>
+          <a:prstGeom prst="rect">
+            <a:avLst/>
+          </a:prstGeom>
+          <a:noFill/>
+        </p:spPr>
+        <p:txBody>
+          <a:bodyPr wrap="square" rtlCol="0">
+            <a:spAutoFit/>
+          </a:bodyPr>
+          <a:lstStyle/>
+          <a:p>
+            <a:r>
+              <a:rPr lang="en-US" sz="3200" b="1" dirty="0">
+                <a:solidFill>
+                  <a:schemeClr val="bg1"/>
+                </a:solidFill>
+                <a:latin typeface="Agency FB" panose="020B0503020202020204" pitchFamily="34" charset="0"/>
+              </a:rPr>
+              <a:t>Admin Tasks Management </a:t>
+            </a:r>
+          </a:p>
+        </p:txBody>
+      </p:sp>
     </p:spTree>
     <p:extLst>
       <p:ext uri="{BB962C8B-B14F-4D97-AF65-F5344CB8AC3E}">

--- a/Project Proposal New.pptx
+++ b/Project Proposal New.pptx
@@ -26639,13 +26639,39 @@
         </p:nvSpPr>
         <p:spPr>
           <a:xfrm>
-            <a:off x="8800735" y="1520017"/>
-            <a:ext cx="2798420" cy="1077218"/>
+            <a:off x="8691799" y="1520017"/>
+            <a:ext cx="2009444" cy="1077218"/>
           </a:xfrm>
           <a:prstGeom prst="rect">
             <a:avLst/>
           </a:prstGeom>
-          <a:noFill/>
+          <a:gradFill flip="none" rotWithShape="1">
+            <a:gsLst>
+              <a:gs pos="0">
+                <a:schemeClr val="accent1">
+                  <a:shade val="30000"/>
+                  <a:satMod val="115000"/>
+                </a:schemeClr>
+              </a:gs>
+              <a:gs pos="50000">
+                <a:schemeClr val="accent1">
+                  <a:shade val="67500"/>
+                  <a:satMod val="115000"/>
+                </a:schemeClr>
+              </a:gs>
+              <a:gs pos="100000">
+                <a:schemeClr val="accent1">
+                  <a:shade val="100000"/>
+                  <a:satMod val="115000"/>
+                </a:schemeClr>
+              </a:gs>
+            </a:gsLst>
+            <a:lin ang="5400000" scaled="1"/>
+            <a:tileRect/>
+          </a:gradFill>
+          <a:effectLst>
+            <a:softEdge rad="317500"/>
+          </a:effectLst>
         </p:spPr>
         <p:txBody>
           <a:bodyPr wrap="square" rtlCol="0">
@@ -26685,7 +26711,33 @@
           <a:prstGeom prst="rect">
             <a:avLst/>
           </a:prstGeom>
-          <a:noFill/>
+          <a:gradFill flip="none" rotWithShape="1">
+            <a:gsLst>
+              <a:gs pos="0">
+                <a:schemeClr val="accent1">
+                  <a:shade val="30000"/>
+                  <a:satMod val="115000"/>
+                </a:schemeClr>
+              </a:gs>
+              <a:gs pos="50000">
+                <a:schemeClr val="accent1">
+                  <a:shade val="67500"/>
+                  <a:satMod val="115000"/>
+                </a:schemeClr>
+              </a:gs>
+              <a:gs pos="100000">
+                <a:schemeClr val="accent1">
+                  <a:shade val="100000"/>
+                  <a:satMod val="115000"/>
+                </a:schemeClr>
+              </a:gs>
+            </a:gsLst>
+            <a:lin ang="5400000" scaled="1"/>
+            <a:tileRect/>
+          </a:gradFill>
+          <a:effectLst>
+            <a:softEdge rad="317500"/>
+          </a:effectLst>
         </p:spPr>
         <p:txBody>
           <a:bodyPr wrap="square" rtlCol="0">
@@ -26725,7 +26777,33 @@
           <a:prstGeom prst="rect">
             <a:avLst/>
           </a:prstGeom>
-          <a:noFill/>
+          <a:gradFill flip="none" rotWithShape="1">
+            <a:gsLst>
+              <a:gs pos="0">
+                <a:schemeClr val="accent1">
+                  <a:shade val="30000"/>
+                  <a:satMod val="115000"/>
+                </a:schemeClr>
+              </a:gs>
+              <a:gs pos="50000">
+                <a:schemeClr val="accent1">
+                  <a:shade val="67500"/>
+                  <a:satMod val="115000"/>
+                </a:schemeClr>
+              </a:gs>
+              <a:gs pos="100000">
+                <a:schemeClr val="accent1">
+                  <a:shade val="100000"/>
+                  <a:satMod val="115000"/>
+                </a:schemeClr>
+              </a:gs>
+            </a:gsLst>
+            <a:lin ang="5400000" scaled="1"/>
+            <a:tileRect/>
+          </a:gradFill>
+          <a:effectLst>
+            <a:softEdge rad="127000"/>
+          </a:effectLst>
         </p:spPr>
         <p:txBody>
           <a:bodyPr wrap="square" rtlCol="0">
@@ -26765,7 +26843,33 @@
           <a:prstGeom prst="rect">
             <a:avLst/>
           </a:prstGeom>
-          <a:noFill/>
+          <a:gradFill flip="none" rotWithShape="1">
+            <a:gsLst>
+              <a:gs pos="0">
+                <a:schemeClr val="accent1">
+                  <a:shade val="30000"/>
+                  <a:satMod val="115000"/>
+                </a:schemeClr>
+              </a:gs>
+              <a:gs pos="50000">
+                <a:schemeClr val="accent1">
+                  <a:shade val="67500"/>
+                  <a:satMod val="115000"/>
+                </a:schemeClr>
+              </a:gs>
+              <a:gs pos="100000">
+                <a:schemeClr val="accent1">
+                  <a:shade val="100000"/>
+                  <a:satMod val="115000"/>
+                </a:schemeClr>
+              </a:gs>
+            </a:gsLst>
+            <a:lin ang="5400000" scaled="1"/>
+            <a:tileRect/>
+          </a:gradFill>
+          <a:effectLst>
+            <a:softEdge rad="317500"/>
+          </a:effectLst>
         </p:spPr>
         <p:txBody>
           <a:bodyPr wrap="square" rtlCol="0">
@@ -26805,7 +26909,33 @@
           <a:prstGeom prst="rect">
             <a:avLst/>
           </a:prstGeom>
-          <a:noFill/>
+          <a:gradFill flip="none" rotWithShape="1">
+            <a:gsLst>
+              <a:gs pos="0">
+                <a:schemeClr val="accent1">
+                  <a:shade val="30000"/>
+                  <a:satMod val="115000"/>
+                </a:schemeClr>
+              </a:gs>
+              <a:gs pos="50000">
+                <a:schemeClr val="accent1">
+                  <a:shade val="67500"/>
+                  <a:satMod val="115000"/>
+                </a:schemeClr>
+              </a:gs>
+              <a:gs pos="100000">
+                <a:schemeClr val="accent1">
+                  <a:shade val="100000"/>
+                  <a:satMod val="115000"/>
+                </a:schemeClr>
+              </a:gs>
+            </a:gsLst>
+            <a:lin ang="5400000" scaled="1"/>
+            <a:tileRect/>
+          </a:gradFill>
+          <a:effectLst>
+            <a:softEdge rad="317500"/>
+          </a:effectLst>
         </p:spPr>
         <p:txBody>
           <a:bodyPr wrap="square" rtlCol="0">
@@ -26845,7 +26975,33 @@
           <a:prstGeom prst="rect">
             <a:avLst/>
           </a:prstGeom>
-          <a:noFill/>
+          <a:gradFill flip="none" rotWithShape="1">
+            <a:gsLst>
+              <a:gs pos="0">
+                <a:schemeClr val="accent1">
+                  <a:shade val="30000"/>
+                  <a:satMod val="115000"/>
+                </a:schemeClr>
+              </a:gs>
+              <a:gs pos="50000">
+                <a:schemeClr val="accent1">
+                  <a:shade val="67500"/>
+                  <a:satMod val="115000"/>
+                </a:schemeClr>
+              </a:gs>
+              <a:gs pos="100000">
+                <a:schemeClr val="accent1">
+                  <a:shade val="100000"/>
+                  <a:satMod val="115000"/>
+                </a:schemeClr>
+              </a:gs>
+            </a:gsLst>
+            <a:lin ang="5400000" scaled="1"/>
+            <a:tileRect/>
+          </a:gradFill>
+          <a:effectLst>
+            <a:softEdge rad="317500"/>
+          </a:effectLst>
         </p:spPr>
         <p:txBody>
           <a:bodyPr wrap="square" rtlCol="0">
@@ -26902,7 +27058,33 @@
           <a:prstGeom prst="rect">
             <a:avLst/>
           </a:prstGeom>
-          <a:noFill/>
+          <a:gradFill flip="none" rotWithShape="1">
+            <a:gsLst>
+              <a:gs pos="0">
+                <a:schemeClr val="accent1">
+                  <a:shade val="30000"/>
+                  <a:satMod val="115000"/>
+                </a:schemeClr>
+              </a:gs>
+              <a:gs pos="50000">
+                <a:schemeClr val="accent1">
+                  <a:shade val="67500"/>
+                  <a:satMod val="115000"/>
+                </a:schemeClr>
+              </a:gs>
+              <a:gs pos="100000">
+                <a:schemeClr val="accent1">
+                  <a:shade val="100000"/>
+                  <a:satMod val="115000"/>
+                </a:schemeClr>
+              </a:gs>
+            </a:gsLst>
+            <a:lin ang="5400000" scaled="1"/>
+            <a:tileRect/>
+          </a:gradFill>
+          <a:effectLst>
+            <a:softEdge rad="317500"/>
+          </a:effectLst>
         </p:spPr>
         <p:txBody>
           <a:bodyPr wrap="square" rtlCol="0">
@@ -26936,8 +27118,8 @@
         </p:nvSpPr>
         <p:spPr>
           <a:xfrm rot="2458530">
-            <a:off x="3975931" y="2520840"/>
-            <a:ext cx="1386958" cy="293758"/>
+            <a:off x="4672317" y="2838285"/>
+            <a:ext cx="571960" cy="236511"/>
           </a:xfrm>
           <a:prstGeom prst="leftRightArrow">
             <a:avLst/>
@@ -26990,8 +27172,8 @@
         </p:nvSpPr>
         <p:spPr>
           <a:xfrm rot="967990">
-            <a:off x="2809868" y="3458019"/>
-            <a:ext cx="2405655" cy="293758"/>
+            <a:off x="4235467" y="3524191"/>
+            <a:ext cx="976577" cy="269387"/>
           </a:xfrm>
           <a:prstGeom prst="leftRightArrow">
             <a:avLst/>
@@ -27044,8 +27226,8 @@
         </p:nvSpPr>
         <p:spPr>
           <a:xfrm rot="10800000">
-            <a:off x="3542200" y="4117596"/>
-            <a:ext cx="1576140" cy="293758"/>
+            <a:off x="4217268" y="4141606"/>
+            <a:ext cx="901071" cy="269748"/>
           </a:xfrm>
           <a:prstGeom prst="leftRightArrow">
             <a:avLst/>
@@ -27260,8 +27442,8 @@
         </p:nvSpPr>
         <p:spPr>
           <a:xfrm rot="5400000">
-            <a:off x="5476842" y="4825859"/>
-            <a:ext cx="727287" cy="293758"/>
+            <a:off x="5572387" y="4730316"/>
+            <a:ext cx="499300" cy="256859"/>
           </a:xfrm>
           <a:prstGeom prst="leftRightArrow">
             <a:avLst/>
@@ -27314,8 +27496,8 @@
         </p:nvSpPr>
         <p:spPr>
           <a:xfrm rot="8668536">
-            <a:off x="4198368" y="4859259"/>
-            <a:ext cx="1120128" cy="293758"/>
+            <a:off x="4749966" y="4683850"/>
+            <a:ext cx="512339" cy="292469"/>
           </a:xfrm>
           <a:prstGeom prst="leftRightArrow">
             <a:avLst/>
@@ -27415,12 +27597,38 @@
         <p:spPr>
           <a:xfrm>
             <a:off x="2176805" y="1285691"/>
-            <a:ext cx="2314662" cy="1077218"/>
+            <a:ext cx="2009444" cy="1077218"/>
           </a:xfrm>
           <a:prstGeom prst="rect">
             <a:avLst/>
           </a:prstGeom>
-          <a:noFill/>
+          <a:gradFill flip="none" rotWithShape="1">
+            <a:gsLst>
+              <a:gs pos="0">
+                <a:schemeClr val="accent1">
+                  <a:shade val="30000"/>
+                  <a:satMod val="115000"/>
+                </a:schemeClr>
+              </a:gs>
+              <a:gs pos="50000">
+                <a:schemeClr val="accent1">
+                  <a:shade val="67500"/>
+                  <a:satMod val="115000"/>
+                </a:schemeClr>
+              </a:gs>
+              <a:gs pos="100000">
+                <a:schemeClr val="accent1">
+                  <a:shade val="100000"/>
+                  <a:satMod val="115000"/>
+                </a:schemeClr>
+              </a:gs>
+            </a:gsLst>
+            <a:lin ang="5400000" scaled="1"/>
+            <a:tileRect/>
+          </a:gradFill>
+          <a:effectLst>
+            <a:softEdge rad="317500"/>
+          </a:effectLst>
         </p:spPr>
         <p:txBody>
           <a:bodyPr wrap="square" rtlCol="0">
@@ -27531,7 +27739,33 @@
           <a:prstGeom prst="rect">
             <a:avLst/>
           </a:prstGeom>
-          <a:noFill/>
+          <a:gradFill flip="none" rotWithShape="1">
+            <a:gsLst>
+              <a:gs pos="0">
+                <a:schemeClr val="accent1">
+                  <a:shade val="30000"/>
+                  <a:satMod val="115000"/>
+                </a:schemeClr>
+              </a:gs>
+              <a:gs pos="50000">
+                <a:schemeClr val="accent1">
+                  <a:shade val="67500"/>
+                  <a:satMod val="115000"/>
+                </a:schemeClr>
+              </a:gs>
+              <a:gs pos="100000">
+                <a:schemeClr val="accent1">
+                  <a:shade val="100000"/>
+                  <a:satMod val="115000"/>
+                </a:schemeClr>
+              </a:gs>
+            </a:gsLst>
+            <a:lin ang="5400000" scaled="1"/>
+            <a:tileRect/>
+          </a:gradFill>
+          <a:effectLst>
+            <a:softEdge rad="317500"/>
+          </a:effectLst>
         </p:spPr>
         <p:txBody>
           <a:bodyPr wrap="square" rtlCol="0">
@@ -27582,8 +27816,8 @@
         </p:nvSpPr>
         <p:spPr>
           <a:xfrm rot="2283239">
-            <a:off x="6590046" y="4805937"/>
-            <a:ext cx="1931550" cy="293758"/>
+            <a:off x="6608628" y="4498147"/>
+            <a:ext cx="814939" cy="253662"/>
           </a:xfrm>
           <a:prstGeom prst="leftRightArrow">
             <a:avLst/>
@@ -27642,7 +27876,33 @@
           <a:prstGeom prst="rect">
             <a:avLst/>
           </a:prstGeom>
-          <a:noFill/>
+          <a:gradFill flip="none" rotWithShape="1">
+            <a:gsLst>
+              <a:gs pos="0">
+                <a:schemeClr val="accent1">
+                  <a:shade val="30000"/>
+                  <a:satMod val="115000"/>
+                </a:schemeClr>
+              </a:gs>
+              <a:gs pos="50000">
+                <a:schemeClr val="accent1">
+                  <a:shade val="67500"/>
+                  <a:satMod val="115000"/>
+                </a:schemeClr>
+              </a:gs>
+              <a:gs pos="100000">
+                <a:schemeClr val="accent1">
+                  <a:shade val="100000"/>
+                  <a:satMod val="115000"/>
+                </a:schemeClr>
+              </a:gs>
+            </a:gsLst>
+            <a:lin ang="5400000" scaled="1"/>
+            <a:tileRect/>
+          </a:gradFill>
+          <a:effectLst>
+            <a:softEdge rad="317500"/>
+          </a:effectLst>
         </p:spPr>
         <p:txBody>
           <a:bodyPr wrap="square" rtlCol="0">

--- a/Project Proposal New.pptx
+++ b/Project Proposal New.pptx
@@ -23793,8 +23793,8 @@
         </p:nvSpPr>
         <p:spPr>
           <a:xfrm>
-            <a:off x="838201" y="1825625"/>
-            <a:ext cx="10641035" cy="4209415"/>
+            <a:off x="98866" y="2112770"/>
+            <a:ext cx="8482428" cy="4034811"/>
           </a:xfrm>
           <a:gradFill flip="none" rotWithShape="1">
             <a:gsLst>
@@ -23909,6 +23909,42 @@
           <a:xfrm>
             <a:off x="295812" y="337041"/>
             <a:ext cx="1514231" cy="957840"/>
+          </a:xfrm>
+          <a:prstGeom prst="rect">
+            <a:avLst/>
+          </a:prstGeom>
+        </p:spPr>
+      </p:pic>
+      <p:pic>
+        <p:nvPicPr>
+          <p:cNvPr id="6" name="Picture 5">
+            <a:extLst>
+              <a:ext uri="{FF2B5EF4-FFF2-40B4-BE49-F238E27FC236}">
+                <a16:creationId xmlns:a16="http://schemas.microsoft.com/office/drawing/2014/main" id="{2C07EBBF-C46F-4351-90F7-B69EA5E0CA93}"/>
+              </a:ext>
+            </a:extLst>
+          </p:cNvPr>
+          <p:cNvPicPr>
+            <a:picLocks noChangeAspect="1"/>
+          </p:cNvPicPr>
+          <p:nvPr/>
+        </p:nvPicPr>
+        <p:blipFill>
+          <a:blip r:embed="rId3">
+            <a:extLst>
+              <a:ext uri="{28A0092B-C50C-407E-A947-70E740481C1C}">
+                <a14:useLocalDpi xmlns:a14="http://schemas.microsoft.com/office/drawing/2010/main" val="0"/>
+              </a:ext>
+            </a:extLst>
+          </a:blip>
+          <a:stretch>
+            <a:fillRect/>
+          </a:stretch>
+        </p:blipFill>
+        <p:spPr>
+          <a:xfrm>
+            <a:off x="8842717" y="2546252"/>
+            <a:ext cx="2926947" cy="2926947"/>
           </a:xfrm>
           <a:prstGeom prst="rect">
             <a:avLst/>

--- a/Project Proposal New.pptx
+++ b/Project Proposal New.pptx
@@ -23417,9 +23417,33 @@
             <a:off x="6951980" y="2314575"/>
             <a:ext cx="4944208" cy="3708156"/>
           </a:xfrm>
-          <a:prstGeom prst="rect">
-            <a:avLst/>
+          <a:prstGeom prst="roundRect">
+            <a:avLst>
+              <a:gd name="adj" fmla="val 16667"/>
+            </a:avLst>
           </a:prstGeom>
+          <a:ln>
+            <a:noFill/>
+          </a:ln>
+          <a:effectLst>
+            <a:outerShdw blurRad="76200" dist="38100" dir="7800000" algn="tl" rotWithShape="0">
+              <a:srgbClr val="000000">
+                <a:alpha val="40000"/>
+              </a:srgbClr>
+            </a:outerShdw>
+          </a:effectLst>
+          <a:scene3d>
+            <a:camera prst="orthographicFront"/>
+            <a:lightRig rig="contrasting" dir="t">
+              <a:rot lat="0" lon="0" rev="4200000"/>
+            </a:lightRig>
+          </a:scene3d>
+          <a:sp3d prstMaterial="plastic">
+            <a:bevelT w="381000" h="114300" prst="relaxedInset"/>
+            <a:contourClr>
+              <a:srgbClr val="969696"/>
+            </a:contourClr>
+          </a:sp3d>
         </p:spPr>
       </p:pic>
     </p:spTree>

--- a/Project Proposal New.pptx
+++ b/Project Proposal New.pptx
@@ -26548,6 +26548,7 @@
       <p:bgPr>
         <a:blipFill dpi="0" rotWithShape="1">
           <a:blip r:embed="rId2">
+            <a:alphaModFix amt="67000"/>
             <a:lum/>
           </a:blip>
           <a:srcRect/>
@@ -26765,7 +26766,7 @@
         </p:nvSpPr>
         <p:spPr>
           <a:xfrm>
-            <a:off x="8637726" y="4141606"/>
+            <a:off x="9114463" y="4268910"/>
             <a:ext cx="2501599" cy="1077218"/>
           </a:xfrm>
           <a:prstGeom prst="rect">
@@ -26831,8 +26832,8 @@
         </p:nvSpPr>
         <p:spPr>
           <a:xfrm>
-            <a:off x="4576996" y="1413310"/>
-            <a:ext cx="3092647" cy="584775"/>
+            <a:off x="5102301" y="1639213"/>
+            <a:ext cx="2124800" cy="1077218"/>
           </a:xfrm>
           <a:prstGeom prst="rect">
             <a:avLst/>
@@ -26897,8 +26898,8 @@
         </p:nvSpPr>
         <p:spPr>
           <a:xfrm>
-            <a:off x="5213266" y="5241517"/>
-            <a:ext cx="2647266" cy="1569660"/>
+            <a:off x="5159979" y="5657671"/>
+            <a:ext cx="2009444" cy="1200329"/>
           </a:xfrm>
           <a:prstGeom prst="rect">
             <a:avLst/>
@@ -26938,7 +26939,7 @@
           <a:lstStyle/>
           <a:p>
             <a:r>
-              <a:rPr lang="en-US" sz="3200" b="1" dirty="0">
+              <a:rPr lang="en-US" sz="2400" b="1" dirty="0">
                 <a:solidFill>
                   <a:schemeClr val="bg1"/>
                 </a:solidFill>
@@ -27029,7 +27030,7 @@
         </p:nvSpPr>
         <p:spPr>
           <a:xfrm>
-            <a:off x="1183695" y="4016130"/>
+            <a:off x="2141279" y="3983240"/>
             <a:ext cx="2267878" cy="1077218"/>
           </a:xfrm>
           <a:prstGeom prst="rect">
@@ -27112,7 +27113,7 @@
         </p:nvSpPr>
         <p:spPr>
           <a:xfrm>
-            <a:off x="522523" y="2667719"/>
+            <a:off x="2009777" y="2906022"/>
             <a:ext cx="2590840" cy="1077218"/>
           </a:xfrm>
           <a:prstGeom prst="rect">
@@ -27340,7 +27341,7 @@
         </p:nvSpPr>
         <p:spPr>
           <a:xfrm rot="5400000">
-            <a:off x="5837718" y="2709983"/>
+            <a:off x="5776962" y="2838387"/>
             <a:ext cx="500487" cy="274990"/>
           </a:xfrm>
           <a:prstGeom prst="leftRightArrow">
@@ -27448,8 +27449,8 @@
         </p:nvSpPr>
         <p:spPr>
           <a:xfrm rot="1125034">
-            <a:off x="6735926" y="3994727"/>
-            <a:ext cx="1931550" cy="293758"/>
+            <a:off x="6753826" y="3886312"/>
+            <a:ext cx="906994" cy="235968"/>
           </a:xfrm>
           <a:prstGeom prst="leftRightArrow">
             <a:avLst/>
@@ -27502,7 +27503,7 @@
         </p:nvSpPr>
         <p:spPr>
           <a:xfrm rot="5400000">
-            <a:off x="5572387" y="4730316"/>
+            <a:off x="5700142" y="4425386"/>
             <a:ext cx="499300" cy="256859"/>
           </a:xfrm>
           <a:prstGeom prst="leftRightArrow">
@@ -27656,7 +27657,7 @@
         </p:nvSpPr>
         <p:spPr>
           <a:xfrm>
-            <a:off x="2176805" y="1285691"/>
+            <a:off x="2772892" y="1882333"/>
             <a:ext cx="2009444" cy="1077218"/>
           </a:xfrm>
           <a:prstGeom prst="rect">
@@ -27982,6 +27983,406 @@
           </a:p>
         </p:txBody>
       </p:sp>
+      <p:pic>
+        <p:nvPicPr>
+          <p:cNvPr id="6" name="Picture 5">
+            <a:extLst>
+              <a:ext uri="{FF2B5EF4-FFF2-40B4-BE49-F238E27FC236}">
+                <a16:creationId xmlns:a16="http://schemas.microsoft.com/office/drawing/2014/main" id="{502A9887-AF0C-4681-9B0B-A0D6B2E9A9DA}"/>
+              </a:ext>
+            </a:extLst>
+          </p:cNvPr>
+          <p:cNvPicPr>
+            <a:picLocks noChangeAspect="1"/>
+          </p:cNvPicPr>
+          <p:nvPr/>
+        </p:nvPicPr>
+        <p:blipFill>
+          <a:blip r:embed="rId6">
+            <a:extLst>
+              <a:ext uri="{28A0092B-C50C-407E-A947-70E740481C1C}">
+                <a14:useLocalDpi xmlns:a14="http://schemas.microsoft.com/office/drawing/2010/main" val="0"/>
+              </a:ext>
+            </a:extLst>
+          </a:blip>
+          <a:stretch>
+            <a:fillRect/>
+          </a:stretch>
+        </p:blipFill>
+        <p:spPr>
+          <a:xfrm>
+            <a:off x="1211801" y="3028376"/>
+            <a:ext cx="832510" cy="832510"/>
+          </a:xfrm>
+          <a:prstGeom prst="rect">
+            <a:avLst/>
+          </a:prstGeom>
+        </p:spPr>
+      </p:pic>
+      <p:pic>
+        <p:nvPicPr>
+          <p:cNvPr id="8" name="Picture 7">
+            <a:extLst>
+              <a:ext uri="{FF2B5EF4-FFF2-40B4-BE49-F238E27FC236}">
+                <a16:creationId xmlns:a16="http://schemas.microsoft.com/office/drawing/2014/main" id="{36D63B3D-49E9-42D2-BD02-1CC92B8F5F70}"/>
+              </a:ext>
+            </a:extLst>
+          </p:cNvPr>
+          <p:cNvPicPr>
+            <a:picLocks noChangeAspect="1"/>
+          </p:cNvPicPr>
+          <p:nvPr/>
+        </p:nvPicPr>
+        <p:blipFill>
+          <a:blip r:embed="rId7">
+            <a:extLst>
+              <a:ext uri="{28A0092B-C50C-407E-A947-70E740481C1C}">
+                <a14:useLocalDpi xmlns:a14="http://schemas.microsoft.com/office/drawing/2010/main" val="0"/>
+              </a:ext>
+            </a:extLst>
+          </a:blip>
+          <a:stretch>
+            <a:fillRect/>
+          </a:stretch>
+        </p:blipFill>
+        <p:spPr>
+          <a:xfrm>
+            <a:off x="1944716" y="1705697"/>
+            <a:ext cx="828175" cy="667470"/>
+          </a:xfrm>
+          <a:prstGeom prst="roundRect">
+            <a:avLst>
+              <a:gd name="adj" fmla="val 8594"/>
+            </a:avLst>
+          </a:prstGeom>
+          <a:solidFill>
+            <a:srgbClr val="FFFFFF">
+              <a:shade val="85000"/>
+            </a:srgbClr>
+          </a:solidFill>
+          <a:ln>
+            <a:noFill/>
+          </a:ln>
+          <a:effectLst>
+            <a:reflection blurRad="12700" stA="38000" endPos="28000" dist="5000" dir="5400000" sy="-100000" algn="bl" rotWithShape="0"/>
+          </a:effectLst>
+        </p:spPr>
+      </p:pic>
+      <p:pic>
+        <p:nvPicPr>
+          <p:cNvPr id="10" name="Picture 9">
+            <a:extLst>
+              <a:ext uri="{FF2B5EF4-FFF2-40B4-BE49-F238E27FC236}">
+                <a16:creationId xmlns:a16="http://schemas.microsoft.com/office/drawing/2014/main" id="{D26E208A-270C-4EB9-88A2-A551A1FF0D05}"/>
+              </a:ext>
+            </a:extLst>
+          </p:cNvPr>
+          <p:cNvPicPr>
+            <a:picLocks noChangeAspect="1"/>
+          </p:cNvPicPr>
+          <p:nvPr/>
+        </p:nvPicPr>
+        <p:blipFill>
+          <a:blip r:embed="rId8">
+            <a:extLst>
+              <a:ext uri="{28A0092B-C50C-407E-A947-70E740481C1C}">
+                <a14:useLocalDpi xmlns:a14="http://schemas.microsoft.com/office/drawing/2010/main" val="0"/>
+              </a:ext>
+            </a:extLst>
+          </a:blip>
+          <a:stretch>
+            <a:fillRect/>
+          </a:stretch>
+        </p:blipFill>
+        <p:spPr>
+          <a:xfrm>
+            <a:off x="5488393" y="1067293"/>
+            <a:ext cx="1215211" cy="672909"/>
+          </a:xfrm>
+          <a:prstGeom prst="rect">
+            <a:avLst/>
+          </a:prstGeom>
+        </p:spPr>
+      </p:pic>
+      <p:pic>
+        <p:nvPicPr>
+          <p:cNvPr id="12" name="Picture 11">
+            <a:extLst>
+              <a:ext uri="{FF2B5EF4-FFF2-40B4-BE49-F238E27FC236}">
+                <a16:creationId xmlns:a16="http://schemas.microsoft.com/office/drawing/2014/main" id="{A8C52244-CBE4-48AD-AC54-8F68A1CEDCC3}"/>
+              </a:ext>
+            </a:extLst>
+          </p:cNvPr>
+          <p:cNvPicPr>
+            <a:picLocks noChangeAspect="1"/>
+          </p:cNvPicPr>
+          <p:nvPr/>
+        </p:nvPicPr>
+        <p:blipFill>
+          <a:blip r:embed="rId9">
+            <a:extLst>
+              <a:ext uri="{28A0092B-C50C-407E-A947-70E740481C1C}">
+                <a14:useLocalDpi xmlns:a14="http://schemas.microsoft.com/office/drawing/2010/main" val="0"/>
+              </a:ext>
+            </a:extLst>
+          </a:blip>
+          <a:stretch>
+            <a:fillRect/>
+          </a:stretch>
+        </p:blipFill>
+        <p:spPr>
+          <a:xfrm>
+            <a:off x="7444938" y="1575232"/>
+            <a:ext cx="1257486" cy="1257486"/>
+          </a:xfrm>
+          <a:prstGeom prst="rect">
+            <a:avLst/>
+          </a:prstGeom>
+        </p:spPr>
+      </p:pic>
+      <p:pic>
+        <p:nvPicPr>
+          <p:cNvPr id="14" name="Picture 13">
+            <a:extLst>
+              <a:ext uri="{FF2B5EF4-FFF2-40B4-BE49-F238E27FC236}">
+                <a16:creationId xmlns:a16="http://schemas.microsoft.com/office/drawing/2014/main" id="{F28AF772-2525-4B69-8A1F-DEFABC6D358B}"/>
+              </a:ext>
+            </a:extLst>
+          </p:cNvPr>
+          <p:cNvPicPr>
+            <a:picLocks noChangeAspect="1"/>
+          </p:cNvPicPr>
+          <p:nvPr/>
+        </p:nvPicPr>
+        <p:blipFill>
+          <a:blip r:embed="rId10">
+            <a:extLst>
+              <a:ext uri="{28A0092B-C50C-407E-A947-70E740481C1C}">
+                <a14:useLocalDpi xmlns:a14="http://schemas.microsoft.com/office/drawing/2010/main" val="0"/>
+              </a:ext>
+            </a:extLst>
+          </a:blip>
+          <a:stretch>
+            <a:fillRect/>
+          </a:stretch>
+        </p:blipFill>
+        <p:spPr>
+          <a:xfrm>
+            <a:off x="892802" y="3962394"/>
+            <a:ext cx="1256938" cy="1257486"/>
+          </a:xfrm>
+          <a:prstGeom prst="rect">
+            <a:avLst/>
+          </a:prstGeom>
+        </p:spPr>
+      </p:pic>
+      <p:pic>
+        <p:nvPicPr>
+          <p:cNvPr id="31" name="Picture 30">
+            <a:extLst>
+              <a:ext uri="{FF2B5EF4-FFF2-40B4-BE49-F238E27FC236}">
+                <a16:creationId xmlns:a16="http://schemas.microsoft.com/office/drawing/2014/main" id="{8D6D4B1E-600D-4196-A458-DEC88229D48B}"/>
+              </a:ext>
+            </a:extLst>
+          </p:cNvPr>
+          <p:cNvPicPr>
+            <a:picLocks noChangeAspect="1"/>
+          </p:cNvPicPr>
+          <p:nvPr/>
+        </p:nvPicPr>
+        <p:blipFill>
+          <a:blip r:embed="rId11">
+            <a:extLst>
+              <a:ext uri="{28A0092B-C50C-407E-A947-70E740481C1C}">
+                <a14:useLocalDpi xmlns:a14="http://schemas.microsoft.com/office/drawing/2010/main" val="0"/>
+              </a:ext>
+            </a:extLst>
+          </a:blip>
+          <a:stretch>
+            <a:fillRect/>
+          </a:stretch>
+        </p:blipFill>
+        <p:spPr>
+          <a:xfrm flipH="1">
+            <a:off x="1663419" y="5617075"/>
+            <a:ext cx="761784" cy="737501"/>
+          </a:xfrm>
+          <a:prstGeom prst="rect">
+            <a:avLst/>
+          </a:prstGeom>
+        </p:spPr>
+      </p:pic>
+      <p:pic>
+        <p:nvPicPr>
+          <p:cNvPr id="33" name="Picture 32">
+            <a:extLst>
+              <a:ext uri="{FF2B5EF4-FFF2-40B4-BE49-F238E27FC236}">
+                <a16:creationId xmlns:a16="http://schemas.microsoft.com/office/drawing/2014/main" id="{19B1E4D3-E33C-4039-8F55-52F30EE9CDA4}"/>
+              </a:ext>
+            </a:extLst>
+          </p:cNvPr>
+          <p:cNvPicPr>
+            <a:picLocks noChangeAspect="1"/>
+          </p:cNvPicPr>
+          <p:nvPr/>
+        </p:nvPicPr>
+        <p:blipFill>
+          <a:blip r:embed="rId12">
+            <a:extLst>
+              <a:ext uri="{28A0092B-C50C-407E-A947-70E740481C1C}">
+                <a14:useLocalDpi xmlns:a14="http://schemas.microsoft.com/office/drawing/2010/main" val="0"/>
+              </a:ext>
+            </a:extLst>
+          </a:blip>
+          <a:stretch>
+            <a:fillRect/>
+          </a:stretch>
+        </p:blipFill>
+        <p:spPr>
+          <a:xfrm flipH="1">
+            <a:off x="5503467" y="4863889"/>
+            <a:ext cx="821890" cy="821890"/>
+          </a:xfrm>
+          <a:prstGeom prst="rect">
+            <a:avLst/>
+          </a:prstGeom>
+          <a:solidFill>
+            <a:schemeClr val="bg1"/>
+          </a:solidFill>
+        </p:spPr>
+      </p:pic>
+      <p:pic>
+        <p:nvPicPr>
+          <p:cNvPr id="35" name="Picture 34">
+            <a:extLst>
+              <a:ext uri="{FF2B5EF4-FFF2-40B4-BE49-F238E27FC236}">
+                <a16:creationId xmlns:a16="http://schemas.microsoft.com/office/drawing/2014/main" id="{BA024F8A-4AA1-421F-A1BC-632D335651C9}"/>
+              </a:ext>
+            </a:extLst>
+          </p:cNvPr>
+          <p:cNvPicPr>
+            <a:picLocks noChangeAspect="1"/>
+          </p:cNvPicPr>
+          <p:nvPr/>
+        </p:nvPicPr>
+        <p:blipFill>
+          <a:blip r:embed="rId13">
+            <a:extLst>
+              <a:ext uri="{28A0092B-C50C-407E-A947-70E740481C1C}">
+                <a14:useLocalDpi xmlns:a14="http://schemas.microsoft.com/office/drawing/2010/main" val="0"/>
+              </a:ext>
+            </a:extLst>
+          </a:blip>
+          <a:stretch>
+            <a:fillRect/>
+          </a:stretch>
+        </p:blipFill>
+        <p:spPr>
+          <a:xfrm>
+            <a:off x="7162851" y="4945481"/>
+            <a:ext cx="1199540" cy="1199540"/>
+          </a:xfrm>
+          <a:prstGeom prst="roundRect">
+            <a:avLst>
+              <a:gd name="adj" fmla="val 16667"/>
+            </a:avLst>
+          </a:prstGeom>
+          <a:ln>
+            <a:noFill/>
+          </a:ln>
+          <a:effectLst>
+            <a:outerShdw blurRad="76200" dist="38100" dir="7800000" algn="tl" rotWithShape="0">
+              <a:srgbClr val="000000">
+                <a:alpha val="40000"/>
+              </a:srgbClr>
+            </a:outerShdw>
+          </a:effectLst>
+          <a:scene3d>
+            <a:camera prst="orthographicFront"/>
+            <a:lightRig rig="contrasting" dir="t">
+              <a:rot lat="0" lon="0" rev="4200000"/>
+            </a:lightRig>
+          </a:scene3d>
+          <a:sp3d prstMaterial="plastic">
+            <a:bevelT w="381000" h="114300" prst="relaxedInset"/>
+            <a:contourClr>
+              <a:srgbClr val="969696"/>
+            </a:contourClr>
+          </a:sp3d>
+        </p:spPr>
+      </p:pic>
+      <p:pic>
+        <p:nvPicPr>
+          <p:cNvPr id="43" name="Picture 42">
+            <a:extLst>
+              <a:ext uri="{FF2B5EF4-FFF2-40B4-BE49-F238E27FC236}">
+                <a16:creationId xmlns:a16="http://schemas.microsoft.com/office/drawing/2014/main" id="{B015DA43-E5ED-4A45-8A41-E936BB6D78D4}"/>
+              </a:ext>
+            </a:extLst>
+          </p:cNvPr>
+          <p:cNvPicPr>
+            <a:picLocks noChangeAspect="1"/>
+          </p:cNvPicPr>
+          <p:nvPr/>
+        </p:nvPicPr>
+        <p:blipFill>
+          <a:blip r:embed="rId14">
+            <a:extLst>
+              <a:ext uri="{28A0092B-C50C-407E-A947-70E740481C1C}">
+                <a14:useLocalDpi xmlns:a14="http://schemas.microsoft.com/office/drawing/2010/main" val="0"/>
+              </a:ext>
+            </a:extLst>
+          </a:blip>
+          <a:stretch>
+            <a:fillRect/>
+          </a:stretch>
+        </p:blipFill>
+        <p:spPr>
+          <a:xfrm>
+            <a:off x="7843175" y="4154637"/>
+            <a:ext cx="1145474" cy="725796"/>
+          </a:xfrm>
+          <a:prstGeom prst="rect">
+            <a:avLst/>
+          </a:prstGeom>
+        </p:spPr>
+      </p:pic>
+      <p:pic>
+        <p:nvPicPr>
+          <p:cNvPr id="45" name="Picture 44">
+            <a:extLst>
+              <a:ext uri="{FF2B5EF4-FFF2-40B4-BE49-F238E27FC236}">
+                <a16:creationId xmlns:a16="http://schemas.microsoft.com/office/drawing/2014/main" id="{3443144A-BE25-4DCE-8DEE-1F91B5948441}"/>
+              </a:ext>
+            </a:extLst>
+          </p:cNvPr>
+          <p:cNvPicPr>
+            <a:picLocks noChangeAspect="1"/>
+          </p:cNvPicPr>
+          <p:nvPr/>
+        </p:nvPicPr>
+        <p:blipFill>
+          <a:blip r:embed="rId15">
+            <a:extLst>
+              <a:ext uri="{28A0092B-C50C-407E-A947-70E740481C1C}">
+                <a14:useLocalDpi xmlns:a14="http://schemas.microsoft.com/office/drawing/2010/main" val="0"/>
+              </a:ext>
+            </a:extLst>
+          </a:blip>
+          <a:stretch>
+            <a:fillRect/>
+          </a:stretch>
+        </p:blipFill>
+        <p:spPr>
+          <a:xfrm>
+            <a:off x="8325814" y="3085498"/>
+            <a:ext cx="1370707" cy="862141"/>
+          </a:xfrm>
+          <a:prstGeom prst="rect">
+            <a:avLst/>
+          </a:prstGeom>
+        </p:spPr>
+      </p:pic>
     </p:spTree>
     <p:extLst>
       <p:ext uri="{BB962C8B-B14F-4D97-AF65-F5344CB8AC3E}">

--- a/Project Proposal New.pptx
+++ b/Project Proposal New.pptx
@@ -28279,8 +28279,8 @@
         </p:blipFill>
         <p:spPr>
           <a:xfrm>
-            <a:off x="7162851" y="4945481"/>
-            <a:ext cx="1199540" cy="1199540"/>
+            <a:off x="7404444" y="5087431"/>
+            <a:ext cx="947260" cy="947260"/>
           </a:xfrm>
           <a:prstGeom prst="roundRect">
             <a:avLst>

--- a/Project Proposal New.pptx
+++ b/Project Proposal New.pptx
@@ -24349,6 +24349,81 @@
           <a:bodyPr/>
           <a:lstStyle/>
           <a:p>
+            <a:pPr marL="285750" indent="-285750" algn="just">
+              <a:buFont typeface="Wingdings" panose="05000000000000000000" pitchFamily="2" charset="2"/>
+              <a:buChar char="v"/>
+            </a:pPr>
+            <a:r>
+              <a:rPr lang="en-US" sz="3600" b="1" dirty="0">
+                <a:solidFill>
+                  <a:schemeClr val="bg1"/>
+                </a:solidFill>
+                <a:latin typeface="Agency FB" panose="020B0503020202020204" pitchFamily="34" charset="0"/>
+              </a:rPr>
+              <a:t>Add, Update or Delete items from the inventory</a:t>
+            </a:r>
+          </a:p>
+          <a:p>
+            <a:pPr marL="285750" indent="-285750" algn="just">
+              <a:buFont typeface="Wingdings" panose="05000000000000000000" pitchFamily="2" charset="2"/>
+              <a:buChar char="v"/>
+            </a:pPr>
+            <a:r>
+              <a:rPr lang="en-US" sz="3600" b="1" dirty="0">
+                <a:solidFill>
+                  <a:schemeClr val="bg1"/>
+                </a:solidFill>
+                <a:latin typeface="Agency FB" panose="020B0503020202020204" pitchFamily="34" charset="0"/>
+              </a:rPr>
+              <a:t>Display Available Stocks at the relevant moment</a:t>
+            </a:r>
+          </a:p>
+          <a:p>
+            <a:pPr marL="285750" indent="-285750" algn="just">
+              <a:buFont typeface="Wingdings" panose="05000000000000000000" pitchFamily="2" charset="2"/>
+              <a:buChar char="v"/>
+            </a:pPr>
+            <a:r>
+              <a:rPr lang="en-US" sz="3600" b="1" dirty="0">
+                <a:solidFill>
+                  <a:schemeClr val="bg1"/>
+                </a:solidFill>
+                <a:latin typeface="Agency FB" panose="020B0503020202020204" pitchFamily="34" charset="0"/>
+              </a:rPr>
+              <a:t>Search Availability of Items</a:t>
+            </a:r>
+          </a:p>
+          <a:p>
+            <a:pPr marL="285750" indent="-285750" algn="just">
+              <a:buFont typeface="Wingdings" panose="05000000000000000000" pitchFamily="2" charset="2"/>
+              <a:buChar char="v"/>
+            </a:pPr>
+            <a:r>
+              <a:rPr lang="en-US" sz="3600" b="1" dirty="0">
+                <a:solidFill>
+                  <a:schemeClr val="bg1"/>
+                </a:solidFill>
+                <a:latin typeface="Agency FB" panose="020B0503020202020204" pitchFamily="34" charset="0"/>
+              </a:rPr>
+              <a:t>Create and print Monthly stocks report</a:t>
+            </a:r>
+          </a:p>
+          <a:p>
+            <a:pPr marL="285750" indent="-285750" algn="just">
+              <a:buFont typeface="Wingdings" panose="05000000000000000000" pitchFamily="2" charset="2"/>
+              <a:buChar char="v"/>
+            </a:pPr>
+            <a:r>
+              <a:rPr lang="en-US" sz="3600" b="1" dirty="0">
+                <a:solidFill>
+                  <a:schemeClr val="bg1"/>
+                </a:solidFill>
+                <a:latin typeface="Agency FB" panose="020B0503020202020204" pitchFamily="34" charset="0"/>
+              </a:rPr>
+              <a:t>Send warning message from system when the inventory is reduced</a:t>
+            </a:r>
+          </a:p>
+          <a:p>
             <a:endParaRPr lang="en-US" dirty="0"/>
           </a:p>
         </p:txBody>

--- a/Project Proposal New.pptx
+++ b/Project Proposal New.pptx
@@ -26,7 +26,8 @@
     <p:sldId id="276" r:id="rId20"/>
     <p:sldId id="264" r:id="rId21"/>
     <p:sldId id="265" r:id="rId22"/>
-    <p:sldId id="266" r:id="rId23"/>
+    <p:sldId id="281" r:id="rId23"/>
+    <p:sldId id="266" r:id="rId24"/>
   </p:sldIdLst>
   <p:sldSz cx="12192000" cy="6858000"/>
   <p:notesSz cx="6858000" cy="9144000"/>
@@ -25169,6 +25170,61 @@
           <p:cNvPr id="2" name="Title 1">
             <a:extLst>
               <a:ext uri="{FF2B5EF4-FFF2-40B4-BE49-F238E27FC236}">
+                <a16:creationId xmlns:a16="http://schemas.microsoft.com/office/drawing/2014/main" id="{E1B9030C-6073-4349-981E-A881A5B686BC}"/>
+              </a:ext>
+            </a:extLst>
+          </p:cNvPr>
+          <p:cNvSpPr>
+            <a:spLocks noGrp="1"/>
+          </p:cNvSpPr>
+          <p:nvPr>
+            <p:ph type="title"/>
+          </p:nvPr>
+        </p:nvSpPr>
+        <p:spPr/>
+        <p:txBody>
+          <a:bodyPr/>
+          <a:lstStyle/>
+          <a:p>
+            <a:endParaRPr lang="en-US"/>
+          </a:p>
+        </p:txBody>
+      </p:sp>
+    </p:spTree>
+    <p:extLst>
+      <p:ext uri="{BB962C8B-B14F-4D97-AF65-F5344CB8AC3E}">
+        <p14:creationId xmlns:p14="http://schemas.microsoft.com/office/powerpoint/2010/main" val="427407865"/>
+      </p:ext>
+    </p:extLst>
+  </p:cSld>
+  <p:clrMapOvr>
+    <a:masterClrMapping/>
+  </p:clrMapOvr>
+</p:sld>
+</file>
+
+<file path=ppt/slides/slide21.xml><?xml version="1.0" encoding="utf-8"?>
+<p:sld xmlns:a="http://schemas.openxmlformats.org/drawingml/2006/main" xmlns:r="http://schemas.openxmlformats.org/officeDocument/2006/relationships" xmlns:p="http://schemas.openxmlformats.org/presentationml/2006/main">
+  <p:cSld>
+    <p:spTree>
+      <p:nvGrpSpPr>
+        <p:cNvPr id="1" name=""/>
+        <p:cNvGrpSpPr/>
+        <p:nvPr/>
+      </p:nvGrpSpPr>
+      <p:grpSpPr>
+        <a:xfrm>
+          <a:off x="0" y="0"/>
+          <a:ext cx="0" cy="0"/>
+          <a:chOff x="0" y="0"/>
+          <a:chExt cx="0" cy="0"/>
+        </a:xfrm>
+      </p:grpSpPr>
+      <p:sp>
+        <p:nvSpPr>
+          <p:cNvPr id="2" name="Title 1">
+            <a:extLst>
+              <a:ext uri="{FF2B5EF4-FFF2-40B4-BE49-F238E27FC236}">
                 <a16:creationId xmlns:a16="http://schemas.microsoft.com/office/drawing/2014/main" id="{B1EFEB9B-03D6-4468-8B64-9D59F4B615C8}"/>
               </a:ext>
             </a:extLst>

--- a/Project Proposal New.pptx
+++ b/Project Proposal New.pptx
@@ -24345,15 +24345,42 @@
             <p:ph idx="1"/>
           </p:nvPr>
         </p:nvSpPr>
-        <p:spPr/>
+        <p:spPr>
+          <a:xfrm>
+            <a:off x="295812" y="1929889"/>
+            <a:ext cx="7897835" cy="3674843"/>
+          </a:xfrm>
+          <a:gradFill flip="none" rotWithShape="1">
+            <a:gsLst>
+              <a:gs pos="0">
+                <a:schemeClr val="accent1">
+                  <a:shade val="30000"/>
+                  <a:satMod val="115000"/>
+                  <a:alpha val="0"/>
+                </a:schemeClr>
+              </a:gs>
+              <a:gs pos="50000">
+                <a:schemeClr val="accent1">
+                  <a:shade val="67500"/>
+                  <a:satMod val="115000"/>
+                </a:schemeClr>
+              </a:gs>
+              <a:gs pos="100000">
+                <a:schemeClr val="accent1">
+                  <a:shade val="100000"/>
+                  <a:satMod val="115000"/>
+                </a:schemeClr>
+              </a:gs>
+            </a:gsLst>
+            <a:lin ang="5400000" scaled="1"/>
+            <a:tileRect/>
+          </a:gradFill>
+        </p:spPr>
         <p:txBody>
           <a:bodyPr/>
           <a:lstStyle/>
           <a:p>
-            <a:pPr marL="285750" indent="-285750" algn="just">
-              <a:buFont typeface="Wingdings" panose="05000000000000000000" pitchFamily="2" charset="2"/>
-              <a:buChar char="v"/>
-            </a:pPr>
+            <a:pPr algn="just"/>
             <a:r>
               <a:rPr lang="en-US" sz="3600" b="1" dirty="0">
                 <a:solidFill>
@@ -24365,10 +24392,7 @@
             </a:r>
           </a:p>
           <a:p>
-            <a:pPr marL="285750" indent="-285750" algn="just">
-              <a:buFont typeface="Wingdings" panose="05000000000000000000" pitchFamily="2" charset="2"/>
-              <a:buChar char="v"/>
-            </a:pPr>
+            <a:pPr algn="just"/>
             <a:r>
               <a:rPr lang="en-US" sz="3600" b="1" dirty="0">
                 <a:solidFill>
@@ -24380,10 +24404,7 @@
             </a:r>
           </a:p>
           <a:p>
-            <a:pPr marL="285750" indent="-285750" algn="just">
-              <a:buFont typeface="Wingdings" panose="05000000000000000000" pitchFamily="2" charset="2"/>
-              <a:buChar char="v"/>
-            </a:pPr>
+            <a:pPr algn="just"/>
             <a:r>
               <a:rPr lang="en-US" sz="3600" b="1" dirty="0">
                 <a:solidFill>
@@ -24395,10 +24416,7 @@
             </a:r>
           </a:p>
           <a:p>
-            <a:pPr marL="285750" indent="-285750" algn="just">
-              <a:buFont typeface="Wingdings" panose="05000000000000000000" pitchFamily="2" charset="2"/>
-              <a:buChar char="v"/>
-            </a:pPr>
+            <a:pPr algn="just"/>
             <a:r>
               <a:rPr lang="en-US" sz="3600" b="1" dirty="0">
                 <a:solidFill>
@@ -24410,10 +24428,7 @@
             </a:r>
           </a:p>
           <a:p>
-            <a:pPr marL="285750" indent="-285750" algn="just">
-              <a:buFont typeface="Wingdings" panose="05000000000000000000" pitchFamily="2" charset="2"/>
-              <a:buChar char="v"/>
-            </a:pPr>
+            <a:pPr algn="just"/>
             <a:r>
               <a:rPr lang="en-US" sz="3600" b="1" dirty="0">
                 <a:solidFill>
@@ -24459,6 +24474,42 @@
           <a:xfrm>
             <a:off x="295812" y="337041"/>
             <a:ext cx="1514231" cy="957840"/>
+          </a:xfrm>
+          <a:prstGeom prst="rect">
+            <a:avLst/>
+          </a:prstGeom>
+        </p:spPr>
+      </p:pic>
+      <p:pic>
+        <p:nvPicPr>
+          <p:cNvPr id="6" name="Picture 5">
+            <a:extLst>
+              <a:ext uri="{FF2B5EF4-FFF2-40B4-BE49-F238E27FC236}">
+                <a16:creationId xmlns:a16="http://schemas.microsoft.com/office/drawing/2014/main" id="{217F3DD1-CF04-49BB-A8FF-89D23AA987DE}"/>
+              </a:ext>
+            </a:extLst>
+          </p:cNvPr>
+          <p:cNvPicPr>
+            <a:picLocks noChangeAspect="1"/>
+          </p:cNvPicPr>
+          <p:nvPr/>
+        </p:nvPicPr>
+        <p:blipFill>
+          <a:blip r:embed="rId3">
+            <a:extLst>
+              <a:ext uri="{28A0092B-C50C-407E-A947-70E740481C1C}">
+                <a14:useLocalDpi xmlns:a14="http://schemas.microsoft.com/office/drawing/2010/main" val="0"/>
+              </a:ext>
+            </a:extLst>
+          </a:blip>
+          <a:stretch>
+            <a:fillRect/>
+          </a:stretch>
+        </p:blipFill>
+        <p:spPr>
+          <a:xfrm>
+            <a:off x="8306188" y="2156651"/>
+            <a:ext cx="3702541" cy="3702541"/>
           </a:xfrm>
           <a:prstGeom prst="rect">
             <a:avLst/>

--- a/Project Proposal New.pptx
+++ b/Project Proposal New.pptx
@@ -25,8 +25,8 @@
     <p:sldId id="275" r:id="rId19"/>
     <p:sldId id="276" r:id="rId20"/>
     <p:sldId id="264" r:id="rId21"/>
-    <p:sldId id="265" r:id="rId22"/>
-    <p:sldId id="281" r:id="rId23"/>
+    <p:sldId id="281" r:id="rId22"/>
+    <p:sldId id="265" r:id="rId23"/>
     <p:sldId id="266" r:id="rId24"/>
   </p:sldIdLst>
   <p:sldSz cx="12192000" cy="6858000"/>
@@ -23264,8 +23264,6 @@
               <a:lnSpc>
                 <a:spcPct val="110000"/>
               </a:lnSpc>
-              <a:buFont typeface="Wingdings" panose="05000000000000000000" pitchFamily="2" charset="2"/>
-              <a:buChar char="v"/>
             </a:pPr>
             <a:r>
               <a:rPr lang="en-US" b="1" dirty="0">
@@ -23282,8 +23280,6 @@
               <a:lnSpc>
                 <a:spcPct val="110000"/>
               </a:lnSpc>
-              <a:buFont typeface="Wingdings" panose="05000000000000000000" pitchFamily="2" charset="2"/>
-              <a:buChar char="v"/>
             </a:pPr>
             <a:r>
               <a:rPr lang="en-US" b="1" dirty="0">
@@ -23300,8 +23296,6 @@
               <a:lnSpc>
                 <a:spcPct val="110000"/>
               </a:lnSpc>
-              <a:buFont typeface="Wingdings" panose="05000000000000000000" pitchFamily="2" charset="2"/>
-              <a:buChar char="v"/>
             </a:pPr>
             <a:r>
               <a:rPr lang="en-US" b="1" dirty="0">
@@ -23318,8 +23312,6 @@
               <a:lnSpc>
                 <a:spcPct val="110000"/>
               </a:lnSpc>
-              <a:buFont typeface="Wingdings" panose="05000000000000000000" pitchFamily="2" charset="2"/>
-              <a:buChar char="v"/>
             </a:pPr>
             <a:r>
               <a:rPr lang="en-US" b="1" dirty="0">
@@ -23336,8 +23328,6 @@
               <a:lnSpc>
                 <a:spcPct val="110000"/>
               </a:lnSpc>
-              <a:buFont typeface="Wingdings" panose="05000000000000000000" pitchFamily="2" charset="2"/>
-              <a:buChar char="v"/>
             </a:pPr>
             <a:r>
               <a:rPr lang="en-US" b="1" dirty="0">
@@ -24375,6 +24365,9 @@
             <a:lin ang="5400000" scaled="1"/>
             <a:tileRect/>
           </a:gradFill>
+          <a:effectLst>
+            <a:softEdge rad="127000"/>
+          </a:effectLst>
         </p:spPr>
         <p:txBody>
           <a:bodyPr/>
@@ -24861,7 +24854,7 @@
           <p:cNvPr id="2" name="Title 1">
             <a:extLst>
               <a:ext uri="{FF2B5EF4-FFF2-40B4-BE49-F238E27FC236}">
-                <a16:creationId xmlns:a16="http://schemas.microsoft.com/office/drawing/2014/main" id="{D4F5FDAE-9A9D-4123-9DA3-50250AFDF80B}"/>
+                <a16:creationId xmlns:a16="http://schemas.microsoft.com/office/drawing/2014/main" id="{E1B9030C-6073-4349-981E-A881A5B686BC}"/>
               </a:ext>
             </a:extLst>
           </p:cNvPr>
@@ -24874,8 +24867,8 @@
         </p:nvSpPr>
         <p:spPr>
           <a:xfrm>
-            <a:off x="997844" y="153179"/>
-            <a:ext cx="10515600" cy="1325563"/>
+            <a:off x="1650609" y="-126609"/>
+            <a:ext cx="8890782" cy="998805"/>
           </a:xfrm>
         </p:spPr>
         <p:txBody>
@@ -24886,48 +24879,23 @@
           <a:p>
             <a:pPr algn="ctr"/>
             <a:r>
-              <a:rPr lang="en-US" sz="7200" b="1" dirty="0">
+              <a:rPr lang="en-US" sz="6000" b="1" dirty="0">
                 <a:solidFill>
                   <a:schemeClr val="bg1"/>
                 </a:solidFill>
                 <a:latin typeface="Agency FB" panose="020B0503020202020204" pitchFamily="34" charset="0"/>
               </a:rPr>
-              <a:t>Conclusion</a:t>
+              <a:t>Project Management Plan</a:t>
             </a:r>
           </a:p>
         </p:txBody>
       </p:sp>
-      <p:sp>
-        <p:nvSpPr>
-          <p:cNvPr id="3" name="Content Placeholder 2">
+      <p:pic>
+        <p:nvPicPr>
+          <p:cNvPr id="9" name="Picture 8">
             <a:extLst>
               <a:ext uri="{FF2B5EF4-FFF2-40B4-BE49-F238E27FC236}">
-                <a16:creationId xmlns:a16="http://schemas.microsoft.com/office/drawing/2014/main" id="{72D72FE2-AEEE-4130-9E68-C2ED5E36FFE0}"/>
-              </a:ext>
-            </a:extLst>
-          </p:cNvPr>
-          <p:cNvSpPr>
-            <a:spLocks noGrp="1"/>
-          </p:cNvSpPr>
-          <p:nvPr>
-            <p:ph idx="1"/>
-          </p:nvPr>
-        </p:nvSpPr>
-        <p:spPr/>
-        <p:txBody>
-          <a:bodyPr/>
-          <a:lstStyle/>
-          <a:p>
-            <a:endParaRPr lang="en-US" dirty="0"/>
-          </a:p>
-        </p:txBody>
-      </p:sp>
-      <p:pic>
-        <p:nvPicPr>
-          <p:cNvPr id="4" name="Picture 3" descr="A picture containing text, clipart&#10;&#10;Description automatically generated">
-            <a:extLst>
-              <a:ext uri="{FF2B5EF4-FFF2-40B4-BE49-F238E27FC236}">
-                <a16:creationId xmlns:a16="http://schemas.microsoft.com/office/drawing/2014/main" id="{BB52B6DC-9A80-4F04-8879-A90436E9C94D}"/>
+                <a16:creationId xmlns:a16="http://schemas.microsoft.com/office/drawing/2014/main" id="{924DFABA-BD71-49E6-9126-1D87AFB43A49}"/>
               </a:ext>
             </a:extLst>
           </p:cNvPr>
@@ -24939,6 +24907,21 @@
         <p:blipFill>
           <a:blip r:embed="rId2">
             <a:extLst>
+              <a:ext uri="{BEBA8EAE-BF5A-486C-A8C5-ECC9F3942E4B}">
+                <a14:imgProps xmlns:a14="http://schemas.microsoft.com/office/drawing/2010/main">
+                  <a14:imgLayer r:embed="rId3">
+                    <a14:imgEffect>
+                      <a14:colorTemperature colorTemp="11500"/>
+                    </a14:imgEffect>
+                    <a14:imgEffect>
+                      <a14:saturation sat="0"/>
+                    </a14:imgEffect>
+                    <a14:imgEffect>
+                      <a14:brightnessContrast bright="3000" contrast="-39000"/>
+                    </a14:imgEffect>
+                  </a14:imgLayer>
+                </a14:imgProps>
+              </a:ext>
               <a:ext uri="{28A0092B-C50C-407E-A947-70E740481C1C}">
                 <a14:useLocalDpi xmlns:a14="http://schemas.microsoft.com/office/drawing/2010/main" val="0"/>
               </a:ext>
@@ -24950,44 +24933,8 @@
         </p:blipFill>
         <p:spPr>
           <a:xfrm>
-            <a:off x="295812" y="337041"/>
-            <a:ext cx="1514231" cy="957840"/>
-          </a:xfrm>
-          <a:prstGeom prst="rect">
-            <a:avLst/>
-          </a:prstGeom>
-        </p:spPr>
-      </p:pic>
-      <p:pic>
-        <p:nvPicPr>
-          <p:cNvPr id="5" name="Picture 4">
-            <a:extLst>
-              <a:ext uri="{FF2B5EF4-FFF2-40B4-BE49-F238E27FC236}">
-                <a16:creationId xmlns:a16="http://schemas.microsoft.com/office/drawing/2014/main" id="{5F2A9445-2878-4FD6-A7F4-1F27757D3FC2}"/>
-              </a:ext>
-            </a:extLst>
-          </p:cNvPr>
-          <p:cNvPicPr>
-            <a:picLocks noChangeAspect="1"/>
-          </p:cNvPicPr>
-          <p:nvPr/>
-        </p:nvPicPr>
-        <p:blipFill>
-          <a:blip r:embed="rId3">
-            <a:extLst>
-              <a:ext uri="{28A0092B-C50C-407E-A947-70E740481C1C}">
-                <a14:useLocalDpi xmlns:a14="http://schemas.microsoft.com/office/drawing/2010/main" val="0"/>
-              </a:ext>
-            </a:extLst>
-          </a:blip>
-          <a:stretch>
-            <a:fillRect/>
-          </a:stretch>
-        </p:blipFill>
-        <p:spPr>
-          <a:xfrm>
-            <a:off x="10701244" y="337041"/>
-            <a:ext cx="1194944" cy="1495799"/>
+            <a:off x="1024597" y="872196"/>
+            <a:ext cx="10142806" cy="5769903"/>
           </a:xfrm>
           <a:prstGeom prst="rect">
             <a:avLst/>
@@ -24997,7 +24944,7 @@
     </p:spTree>
     <p:extLst>
       <p:ext uri="{BB962C8B-B14F-4D97-AF65-F5344CB8AC3E}">
-        <p14:creationId xmlns:p14="http://schemas.microsoft.com/office/powerpoint/2010/main" val="2781614471"/>
+        <p14:creationId xmlns:p14="http://schemas.microsoft.com/office/powerpoint/2010/main" val="427407865"/>
       </p:ext>
     </p:extLst>
   </p:cSld>
@@ -25221,7 +25168,7 @@
           <p:cNvPr id="2" name="Title 1">
             <a:extLst>
               <a:ext uri="{FF2B5EF4-FFF2-40B4-BE49-F238E27FC236}">
-                <a16:creationId xmlns:a16="http://schemas.microsoft.com/office/drawing/2014/main" id="{E1B9030C-6073-4349-981E-A881A5B686BC}"/>
+                <a16:creationId xmlns:a16="http://schemas.microsoft.com/office/drawing/2014/main" id="{D4F5FDAE-9A9D-4123-9DA3-50250AFDF80B}"/>
               </a:ext>
             </a:extLst>
           </p:cNvPr>
@@ -25232,19 +25179,196 @@
             <p:ph type="title"/>
           </p:nvPr>
         </p:nvSpPr>
-        <p:spPr/>
+        <p:spPr>
+          <a:xfrm>
+            <a:off x="997844" y="153179"/>
+            <a:ext cx="10515600" cy="1325563"/>
+          </a:xfrm>
+        </p:spPr>
         <p:txBody>
-          <a:bodyPr/>
+          <a:bodyPr>
+            <a:normAutofit/>
+          </a:bodyPr>
           <a:lstStyle/>
           <a:p>
-            <a:endParaRPr lang="en-US"/>
+            <a:pPr algn="ctr"/>
+            <a:r>
+              <a:rPr lang="en-US" sz="7200" b="1" dirty="0">
+                <a:solidFill>
+                  <a:schemeClr val="bg1"/>
+                </a:solidFill>
+                <a:latin typeface="Agency FB" panose="020B0503020202020204" pitchFamily="34" charset="0"/>
+              </a:rPr>
+              <a:t>Conclusion</a:t>
+            </a:r>
           </a:p>
         </p:txBody>
       </p:sp>
+      <p:sp>
+        <p:nvSpPr>
+          <p:cNvPr id="3" name="Content Placeholder 2">
+            <a:extLst>
+              <a:ext uri="{FF2B5EF4-FFF2-40B4-BE49-F238E27FC236}">
+                <a16:creationId xmlns:a16="http://schemas.microsoft.com/office/drawing/2014/main" id="{72D72FE2-AEEE-4130-9E68-C2ED5E36FFE0}"/>
+              </a:ext>
+            </a:extLst>
+          </p:cNvPr>
+          <p:cNvSpPr>
+            <a:spLocks noGrp="1"/>
+          </p:cNvSpPr>
+          <p:nvPr>
+            <p:ph idx="1"/>
+          </p:nvPr>
+        </p:nvSpPr>
+        <p:spPr>
+          <a:xfrm>
+            <a:off x="838200" y="2489801"/>
+            <a:ext cx="10515600" cy="2535360"/>
+          </a:xfrm>
+          <a:gradFill flip="none" rotWithShape="1">
+            <a:gsLst>
+              <a:gs pos="0">
+                <a:schemeClr val="accent1">
+                  <a:shade val="30000"/>
+                  <a:satMod val="115000"/>
+                  <a:alpha val="0"/>
+                </a:schemeClr>
+              </a:gs>
+              <a:gs pos="50000">
+                <a:schemeClr val="accent1">
+                  <a:shade val="67500"/>
+                  <a:satMod val="115000"/>
+                </a:schemeClr>
+              </a:gs>
+              <a:gs pos="100000">
+                <a:schemeClr val="accent1">
+                  <a:shade val="100000"/>
+                  <a:satMod val="115000"/>
+                </a:schemeClr>
+              </a:gs>
+            </a:gsLst>
+            <a:lin ang="5400000" scaled="1"/>
+            <a:tileRect/>
+          </a:gradFill>
+          <a:effectLst>
+            <a:softEdge rad="635000"/>
+          </a:effectLst>
+        </p:spPr>
+        <p:txBody>
+          <a:bodyPr>
+            <a:normAutofit/>
+          </a:bodyPr>
+          <a:lstStyle/>
+          <a:p>
+            <a:pPr marL="0" indent="0" algn="just">
+              <a:buNone/>
+            </a:pPr>
+            <a:r>
+              <a:rPr lang="en-US" sz="4400" b="1" dirty="0">
+                <a:solidFill>
+                  <a:schemeClr val="bg1"/>
+                </a:solidFill>
+                <a:latin typeface="Agency FB" panose="020B0503020202020204" pitchFamily="34" charset="0"/>
+              </a:rPr>
+              <a:t>Our main goal is to implement a fully automated system for </a:t>
+            </a:r>
+            <a:r>
+              <a:rPr lang="en-US" sz="4400" b="1" dirty="0" err="1">
+                <a:solidFill>
+                  <a:schemeClr val="bg1"/>
+                </a:solidFill>
+                <a:latin typeface="Agency FB" panose="020B0503020202020204" pitchFamily="34" charset="0"/>
+              </a:rPr>
+              <a:t>Herath</a:t>
+            </a:r>
+            <a:r>
+              <a:rPr lang="en-US" sz="4400" b="1" dirty="0">
+                <a:solidFill>
+                  <a:schemeClr val="bg1"/>
+                </a:solidFill>
+                <a:latin typeface="Agency FB" panose="020B0503020202020204" pitchFamily="34" charset="0"/>
+              </a:rPr>
+              <a:t> Metal Crushers to get their work done easily and to carry out the business processes effectively &amp; efficiently.</a:t>
+            </a:r>
+          </a:p>
+        </p:txBody>
+      </p:sp>
+      <p:pic>
+        <p:nvPicPr>
+          <p:cNvPr id="4" name="Picture 3" descr="A picture containing text, clipart&#10;&#10;Description automatically generated">
+            <a:extLst>
+              <a:ext uri="{FF2B5EF4-FFF2-40B4-BE49-F238E27FC236}">
+                <a16:creationId xmlns:a16="http://schemas.microsoft.com/office/drawing/2014/main" id="{BB52B6DC-9A80-4F04-8879-A90436E9C94D}"/>
+              </a:ext>
+            </a:extLst>
+          </p:cNvPr>
+          <p:cNvPicPr>
+            <a:picLocks noChangeAspect="1"/>
+          </p:cNvPicPr>
+          <p:nvPr/>
+        </p:nvPicPr>
+        <p:blipFill>
+          <a:blip r:embed="rId2">
+            <a:extLst>
+              <a:ext uri="{28A0092B-C50C-407E-A947-70E740481C1C}">
+                <a14:useLocalDpi xmlns:a14="http://schemas.microsoft.com/office/drawing/2010/main" val="0"/>
+              </a:ext>
+            </a:extLst>
+          </a:blip>
+          <a:stretch>
+            <a:fillRect/>
+          </a:stretch>
+        </p:blipFill>
+        <p:spPr>
+          <a:xfrm>
+            <a:off x="295812" y="337041"/>
+            <a:ext cx="1514231" cy="957840"/>
+          </a:xfrm>
+          <a:prstGeom prst="rect">
+            <a:avLst/>
+          </a:prstGeom>
+        </p:spPr>
+      </p:pic>
+      <p:pic>
+        <p:nvPicPr>
+          <p:cNvPr id="5" name="Picture 4">
+            <a:extLst>
+              <a:ext uri="{FF2B5EF4-FFF2-40B4-BE49-F238E27FC236}">
+                <a16:creationId xmlns:a16="http://schemas.microsoft.com/office/drawing/2014/main" id="{5F2A9445-2878-4FD6-A7F4-1F27757D3FC2}"/>
+              </a:ext>
+            </a:extLst>
+          </p:cNvPr>
+          <p:cNvPicPr>
+            <a:picLocks noChangeAspect="1"/>
+          </p:cNvPicPr>
+          <p:nvPr/>
+        </p:nvPicPr>
+        <p:blipFill>
+          <a:blip r:embed="rId3">
+            <a:extLst>
+              <a:ext uri="{28A0092B-C50C-407E-A947-70E740481C1C}">
+                <a14:useLocalDpi xmlns:a14="http://schemas.microsoft.com/office/drawing/2010/main" val="0"/>
+              </a:ext>
+            </a:extLst>
+          </a:blip>
+          <a:stretch>
+            <a:fillRect/>
+          </a:stretch>
+        </p:blipFill>
+        <p:spPr>
+          <a:xfrm>
+            <a:off x="10701244" y="337041"/>
+            <a:ext cx="1194944" cy="1495799"/>
+          </a:xfrm>
+          <a:prstGeom prst="rect">
+            <a:avLst/>
+          </a:prstGeom>
+        </p:spPr>
+      </p:pic>
     </p:spTree>
     <p:extLst>
       <p:ext uri="{BB962C8B-B14F-4D97-AF65-F5344CB8AC3E}">
-        <p14:creationId xmlns:p14="http://schemas.microsoft.com/office/powerpoint/2010/main" val="427407865"/>
+        <p14:creationId xmlns:p14="http://schemas.microsoft.com/office/powerpoint/2010/main" val="2781614471"/>
       </p:ext>
     </p:extLst>
   </p:cSld>

--- a/Project Proposal New.pptx
+++ b/Project Proposal New.pptx
@@ -23540,12 +23540,202 @@
             <p:ph idx="1"/>
           </p:nvPr>
         </p:nvSpPr>
-        <p:spPr/>
+        <p:spPr>
+          <a:xfrm>
+            <a:off x="838202" y="1560252"/>
+            <a:ext cx="7174582" cy="5063057"/>
+          </a:xfrm>
+        </p:spPr>
         <p:txBody>
-          <a:bodyPr/>
+          <a:bodyPr>
+            <a:normAutofit/>
+          </a:bodyPr>
           <a:lstStyle/>
           <a:p>
-            <a:endParaRPr lang="en-US" dirty="0"/>
+            <a:pPr>
+              <a:buFont typeface="Wingdings" panose="05000000000000000000" pitchFamily="2" charset="2"/>
+              <a:buChar char="v"/>
+            </a:pPr>
+            <a:r>
+              <a:rPr lang="en-US" sz="2400" dirty="0">
+                <a:solidFill>
+                  <a:schemeClr val="bg1"/>
+                </a:solidFill>
+                <a:latin typeface="Bahnschrift Condensed" panose="020B0502040204020203" pitchFamily="34" charset="0"/>
+              </a:rPr>
+              <a:t> User wants know total number of the loaders in the site.</a:t>
+            </a:r>
+          </a:p>
+          <a:p>
+            <a:pPr>
+              <a:buFont typeface="Wingdings" panose="05000000000000000000" pitchFamily="2" charset="2"/>
+              <a:buChar char="v"/>
+            </a:pPr>
+            <a:r>
+              <a:rPr lang="en-US" sz="2400" dirty="0">
+                <a:solidFill>
+                  <a:schemeClr val="bg1"/>
+                </a:solidFill>
+                <a:latin typeface="Bahnschrift Condensed" panose="020B0502040204020203" pitchFamily="34" charset="0"/>
+              </a:rPr>
+              <a:t>ID system to identify loaders.</a:t>
+            </a:r>
+          </a:p>
+          <a:p>
+            <a:pPr>
+              <a:buFont typeface="Wingdings" panose="05000000000000000000" pitchFamily="2" charset="2"/>
+              <a:buChar char="v"/>
+            </a:pPr>
+            <a:r>
+              <a:rPr lang="en-US" sz="2400" dirty="0">
+                <a:solidFill>
+                  <a:schemeClr val="bg1"/>
+                </a:solidFill>
+                <a:latin typeface="Bahnschrift Condensed" panose="020B0502040204020203" pitchFamily="34" charset="0"/>
+              </a:rPr>
+              <a:t>User wants to know current condition of the loader (in running condition or not )    </a:t>
+            </a:r>
+            <a:br>
+              <a:rPr lang="en-US" sz="2400" dirty="0">
+                <a:solidFill>
+                  <a:schemeClr val="bg1"/>
+                </a:solidFill>
+                <a:latin typeface="Bahnschrift Condensed" panose="020B0502040204020203" pitchFamily="34" charset="0"/>
+              </a:rPr>
+            </a:br>
+            <a:r>
+              <a:rPr lang="en-US" sz="2400" dirty="0">
+                <a:solidFill>
+                  <a:schemeClr val="bg1"/>
+                </a:solidFill>
+                <a:latin typeface="Bahnschrift Condensed" panose="020B0502040204020203" pitchFamily="34" charset="0"/>
+              </a:rPr>
+              <a:t> according to loader ID .</a:t>
+            </a:r>
+          </a:p>
+          <a:p>
+            <a:pPr>
+              <a:buFont typeface="Wingdings" panose="05000000000000000000" pitchFamily="2" charset="2"/>
+              <a:buChar char="v"/>
+            </a:pPr>
+            <a:r>
+              <a:rPr lang="en-US" sz="2400" dirty="0">
+                <a:solidFill>
+                  <a:schemeClr val="bg1"/>
+                </a:solidFill>
+                <a:latin typeface="Bahnschrift Condensed" panose="020B0502040204020203" pitchFamily="34" charset="0"/>
+              </a:rPr>
+              <a:t>Issues of the inactive loaders</a:t>
+            </a:r>
+          </a:p>
+          <a:p>
+            <a:pPr>
+              <a:buFont typeface="Wingdings" panose="05000000000000000000" pitchFamily="2" charset="2"/>
+              <a:buChar char="v"/>
+            </a:pPr>
+            <a:r>
+              <a:rPr lang="en-US" sz="2400" dirty="0">
+                <a:solidFill>
+                  <a:schemeClr val="bg1"/>
+                </a:solidFill>
+                <a:latin typeface="Bahnschrift Condensed" panose="020B0502040204020203" pitchFamily="34" charset="0"/>
+              </a:rPr>
+              <a:t>User wants to add a new loader to the site or delete an existing loader from the</a:t>
+            </a:r>
+            <a:br>
+              <a:rPr lang="en-US" sz="2400" dirty="0">
+                <a:solidFill>
+                  <a:schemeClr val="bg1"/>
+                </a:solidFill>
+                <a:latin typeface="Bahnschrift Condensed" panose="020B0502040204020203" pitchFamily="34" charset="0"/>
+              </a:rPr>
+            </a:br>
+            <a:r>
+              <a:rPr lang="en-US" sz="2400" dirty="0">
+                <a:solidFill>
+                  <a:schemeClr val="bg1"/>
+                </a:solidFill>
+                <a:latin typeface="Bahnschrift Condensed" panose="020B0502040204020203" pitchFamily="34" charset="0"/>
+              </a:rPr>
+              <a:t> current site.</a:t>
+            </a:r>
+          </a:p>
+          <a:p>
+            <a:pPr>
+              <a:buFont typeface="Wingdings" panose="05000000000000000000" pitchFamily="2" charset="2"/>
+              <a:buChar char="v"/>
+            </a:pPr>
+            <a:r>
+              <a:rPr lang="en-US" sz="2400" dirty="0">
+                <a:solidFill>
+                  <a:schemeClr val="bg1"/>
+                </a:solidFill>
+                <a:latin typeface="Bahnschrift Condensed" panose="020B0502040204020203" pitchFamily="34" charset="0"/>
+              </a:rPr>
+              <a:t>Condition of the bucket.</a:t>
+            </a:r>
+          </a:p>
+          <a:p>
+            <a:pPr>
+              <a:buFont typeface="Wingdings" panose="05000000000000000000" pitchFamily="2" charset="2"/>
+              <a:buChar char="v"/>
+            </a:pPr>
+            <a:r>
+              <a:rPr lang="en-US" sz="2400" dirty="0">
+                <a:solidFill>
+                  <a:schemeClr val="bg1"/>
+                </a:solidFill>
+                <a:latin typeface="Bahnschrift Condensed" panose="020B0502040204020203" pitchFamily="34" charset="0"/>
+              </a:rPr>
+              <a:t>Upcoming service dates of the loaders , needed equipment and current stock of those equipment.</a:t>
+            </a:r>
+          </a:p>
+          <a:p>
+            <a:pPr marL="0" indent="0">
+              <a:buNone/>
+            </a:pPr>
+            <a:endParaRPr lang="en-US" dirty="0">
+              <a:solidFill>
+                <a:schemeClr val="bg1"/>
+              </a:solidFill>
+              <a:latin typeface="Bahnschrift Condensed" panose="020B0502040204020203" pitchFamily="34" charset="0"/>
+            </a:endParaRPr>
+          </a:p>
+          <a:p>
+            <a:pPr>
+              <a:buFont typeface="Wingdings" panose="05000000000000000000" pitchFamily="2" charset="2"/>
+              <a:buChar char="v"/>
+            </a:pPr>
+            <a:endParaRPr lang="en-US" dirty="0">
+              <a:solidFill>
+                <a:schemeClr val="bg1"/>
+              </a:solidFill>
+              <a:latin typeface="Bahnschrift Condensed" panose="020B0502040204020203" pitchFamily="34" charset="0"/>
+            </a:endParaRPr>
+          </a:p>
+          <a:p>
+            <a:pPr>
+              <a:buFont typeface="Wingdings" panose="05000000000000000000" pitchFamily="2" charset="2"/>
+              <a:buChar char="v"/>
+            </a:pPr>
+            <a:endParaRPr lang="en-US" dirty="0">
+              <a:solidFill>
+                <a:schemeClr val="bg1"/>
+              </a:solidFill>
+              <a:latin typeface="Bahnschrift Condensed" panose="020B0502040204020203" pitchFamily="34" charset="0"/>
+            </a:endParaRPr>
+          </a:p>
+          <a:p>
+            <a:pPr>
+              <a:buFont typeface="Wingdings" panose="05000000000000000000" pitchFamily="2" charset="2"/>
+              <a:buChar char="v"/>
+            </a:pPr>
+            <a:endParaRPr lang="en-US" dirty="0">
+              <a:solidFill>
+                <a:schemeClr val="bg1"/>
+              </a:solidFill>
+              <a:latin typeface="Bahnschrift Condensed" panose="020B0502040204020203" pitchFamily="34" charset="0"/>
+            </a:endParaRPr>
           </a:p>
         </p:txBody>
       </p:sp>
@@ -23579,6 +23769,42 @@
           <a:xfrm>
             <a:off x="295812" y="337041"/>
             <a:ext cx="1514231" cy="957840"/>
+          </a:xfrm>
+          <a:prstGeom prst="rect">
+            <a:avLst/>
+          </a:prstGeom>
+        </p:spPr>
+      </p:pic>
+      <p:pic>
+        <p:nvPicPr>
+          <p:cNvPr id="8" name="Picture 7" descr="A picture containing text&#10;&#10;Description automatically generated">
+            <a:extLst>
+              <a:ext uri="{FF2B5EF4-FFF2-40B4-BE49-F238E27FC236}">
+                <a16:creationId xmlns:a16="http://schemas.microsoft.com/office/drawing/2014/main" id="{BCD5500B-0FB1-4A00-A2DE-6B43E7159149}"/>
+              </a:ext>
+            </a:extLst>
+          </p:cNvPr>
+          <p:cNvPicPr>
+            <a:picLocks noChangeAspect="1"/>
+          </p:cNvPicPr>
+          <p:nvPr/>
+        </p:nvPicPr>
+        <p:blipFill>
+          <a:blip r:embed="rId3">
+            <a:extLst>
+              <a:ext uri="{28A0092B-C50C-407E-A947-70E740481C1C}">
+                <a14:useLocalDpi xmlns:a14="http://schemas.microsoft.com/office/drawing/2010/main" val="0"/>
+              </a:ext>
+            </a:extLst>
+          </a:blip>
+          <a:stretch>
+            <a:fillRect/>
+          </a:stretch>
+        </p:blipFill>
+        <p:spPr>
+          <a:xfrm>
+            <a:off x="8125400" y="2328368"/>
+            <a:ext cx="3770787" cy="3308861"/>
           </a:xfrm>
           <a:prstGeom prst="rect">
             <a:avLst/>

--- a/Project Proposal New.pptx
+++ b/Project Proposal New.pptx
@@ -24199,10 +24199,109 @@
         </p:nvSpPr>
         <p:spPr/>
         <p:txBody>
-          <a:bodyPr/>
+          <a:bodyPr>
+            <a:normAutofit fontScale="70000" lnSpcReduction="20000"/>
+          </a:bodyPr>
           <a:lstStyle/>
           <a:p>
-            <a:endParaRPr lang="en-US" dirty="0"/>
+            <a:r>
+              <a:rPr lang="en-US" dirty="0">
+                <a:solidFill>
+                  <a:schemeClr val="bg1"/>
+                </a:solidFill>
+              </a:rPr>
+              <a:t>The main task of this function is to record the expenses in maintaining the excavator and the expenses spent on the spare sparts of this machine.</a:t>
+            </a:r>
+          </a:p>
+          <a:p>
+            <a:r>
+              <a:rPr lang="en-US" dirty="0">
+                <a:solidFill>
+                  <a:schemeClr val="bg1"/>
+                </a:solidFill>
+              </a:rPr>
+              <a:t>The database is updated by the user every single time when a spare part of the excavator is restocked.</a:t>
+            </a:r>
+          </a:p>
+          <a:p>
+            <a:r>
+              <a:rPr lang="en-US" dirty="0">
+                <a:solidFill>
+                  <a:schemeClr val="bg1"/>
+                </a:solidFill>
+              </a:rPr>
+              <a:t>User can check the availability of spare parts in the storage, if the  desired spare parts are available the system will notify the user and if they are not available the system will give an alert message saying that the storage is empty for the specified spare part. Each and every time a spare part is taken from the storage, the count of the specified spare part will be reduced.</a:t>
+            </a:r>
+          </a:p>
+          <a:p>
+            <a:r>
+              <a:rPr lang="en-US" dirty="0">
+                <a:solidFill>
+                  <a:schemeClr val="bg1"/>
+                </a:solidFill>
+              </a:rPr>
+              <a:t>User can update </a:t>
+            </a:r>
+            <a:r>
+              <a:rPr lang="en-US">
+                <a:solidFill>
+                  <a:schemeClr val="bg1"/>
+                </a:solidFill>
+              </a:rPr>
+              <a:t>spare parts </a:t>
+            </a:r>
+            <a:r>
+              <a:rPr lang="en-US" dirty="0">
+                <a:solidFill>
+                  <a:schemeClr val="bg1"/>
+                </a:solidFill>
+              </a:rPr>
+              <a:t>if needed and delete spare parts which are  no longer needed.</a:t>
+            </a:r>
+          </a:p>
+          <a:p>
+            <a:r>
+              <a:rPr lang="en-US" dirty="0">
+                <a:solidFill>
+                  <a:schemeClr val="bg1"/>
+                </a:solidFill>
+              </a:rPr>
+              <a:t>These spare parts are sorted by its name or id.</a:t>
+            </a:r>
+          </a:p>
+          <a:p>
+            <a:endParaRPr lang="en-US" dirty="0">
+              <a:solidFill>
+                <a:schemeClr val="bg1"/>
+              </a:solidFill>
+            </a:endParaRPr>
+          </a:p>
+          <a:p>
+            <a:endParaRPr lang="en-US" dirty="0">
+              <a:solidFill>
+                <a:schemeClr val="bg1"/>
+              </a:solidFill>
+            </a:endParaRPr>
+          </a:p>
+          <a:p>
+            <a:endParaRPr lang="en-US" dirty="0">
+              <a:solidFill>
+                <a:schemeClr val="bg1"/>
+              </a:solidFill>
+            </a:endParaRPr>
+          </a:p>
+          <a:p>
+            <a:pPr marL="0" indent="0">
+              <a:buNone/>
+            </a:pPr>
+            <a:r>
+              <a:rPr lang="en-US" dirty="0">
+                <a:solidFill>
+                  <a:schemeClr val="bg1"/>
+                </a:solidFill>
+              </a:rPr>
+              <a:t>  </a:t>
+            </a:r>
           </a:p>
         </p:txBody>
       </p:sp>

--- a/Project Proposal New.pptx
+++ b/Project Proposal New.pptx
@@ -24197,74 +24197,95 @@
             <p:ph idx="1"/>
           </p:nvPr>
         </p:nvSpPr>
-        <p:spPr/>
+        <p:spPr>
+          <a:xfrm>
+            <a:off x="838202" y="1825624"/>
+            <a:ext cx="8080715" cy="4561107"/>
+          </a:xfrm>
+          <a:gradFill flip="none" rotWithShape="1">
+            <a:gsLst>
+              <a:gs pos="0">
+                <a:schemeClr val="accent1">
+                  <a:shade val="30000"/>
+                  <a:satMod val="115000"/>
+                </a:schemeClr>
+              </a:gs>
+              <a:gs pos="50000">
+                <a:schemeClr val="accent1">
+                  <a:shade val="67500"/>
+                  <a:satMod val="115000"/>
+                </a:schemeClr>
+              </a:gs>
+              <a:gs pos="100000">
+                <a:schemeClr val="accent1">
+                  <a:shade val="100000"/>
+                  <a:satMod val="115000"/>
+                </a:schemeClr>
+              </a:gs>
+            </a:gsLst>
+            <a:lin ang="5400000" scaled="1"/>
+            <a:tileRect/>
+          </a:gradFill>
+          <a:effectLst>
+            <a:softEdge rad="317500"/>
+          </a:effectLst>
+        </p:spPr>
         <p:txBody>
           <a:bodyPr>
-            <a:normAutofit fontScale="70000" lnSpcReduction="20000"/>
+            <a:normAutofit fontScale="25000" lnSpcReduction="20000"/>
           </a:bodyPr>
           <a:lstStyle/>
           <a:p>
             <a:r>
-              <a:rPr lang="en-US" dirty="0">
+              <a:rPr lang="en-US" sz="9600" b="1" dirty="0">
                 <a:solidFill>
                   <a:schemeClr val="bg1"/>
                 </a:solidFill>
+                <a:latin typeface="Agency FB" panose="020B0503020202020204" pitchFamily="34" charset="0"/>
               </a:rPr>
               <a:t>The main task of this function is to record the expenses in maintaining the excavator and the expenses spent on the spare sparts of this machine.</a:t>
             </a:r>
           </a:p>
           <a:p>
             <a:r>
-              <a:rPr lang="en-US" dirty="0">
+              <a:rPr lang="en-US" sz="9600" b="1" dirty="0">
                 <a:solidFill>
                   <a:schemeClr val="bg1"/>
                 </a:solidFill>
+                <a:latin typeface="Agency FB" panose="020B0503020202020204" pitchFamily="34" charset="0"/>
               </a:rPr>
               <a:t>The database is updated by the user every single time when a spare part of the excavator is restocked.</a:t>
             </a:r>
           </a:p>
           <a:p>
             <a:r>
-              <a:rPr lang="en-US" dirty="0">
+              <a:rPr lang="en-US" sz="9600" b="1" dirty="0">
                 <a:solidFill>
                   <a:schemeClr val="bg1"/>
                 </a:solidFill>
+                <a:latin typeface="Agency FB" panose="020B0503020202020204" pitchFamily="34" charset="0"/>
               </a:rPr>
               <a:t>User can check the availability of spare parts in the storage, if the  desired spare parts are available the system will notify the user and if they are not available the system will give an alert message saying that the storage is empty for the specified spare part. Each and every time a spare part is taken from the storage, the count of the specified spare part will be reduced.</a:t>
             </a:r>
           </a:p>
           <a:p>
             <a:r>
-              <a:rPr lang="en-US" dirty="0">
+              <a:rPr lang="en-US" sz="9600" b="1" dirty="0">
                 <a:solidFill>
                   <a:schemeClr val="bg1"/>
                 </a:solidFill>
+                <a:latin typeface="Agency FB" panose="020B0503020202020204" pitchFamily="34" charset="0"/>
               </a:rPr>
-              <a:t>User can update </a:t>
-            </a:r>
-            <a:r>
-              <a:rPr lang="en-US">
+              <a:t>User can update spare parts if needed and delete spare parts which are  no longer needed.</a:t>
+            </a:r>
+          </a:p>
+          <a:p>
+            <a:r>
+              <a:rPr lang="en-US" sz="9600" b="1" dirty="0">
                 <a:solidFill>
                   <a:schemeClr val="bg1"/>
                 </a:solidFill>
-              </a:rPr>
-              <a:t>spare parts </a:t>
-            </a:r>
-            <a:r>
-              <a:rPr lang="en-US" dirty="0">
-                <a:solidFill>
-                  <a:schemeClr val="bg1"/>
-                </a:solidFill>
-              </a:rPr>
-              <a:t>if needed and delete spare parts which are  no longer needed.</a:t>
-            </a:r>
-          </a:p>
-          <a:p>
-            <a:r>
-              <a:rPr lang="en-US" dirty="0">
-                <a:solidFill>
-                  <a:schemeClr val="bg1"/>
-                </a:solidFill>
+                <a:latin typeface="Agency FB" panose="020B0503020202020204" pitchFamily="34" charset="0"/>
               </a:rPr>
               <a:t>These spare parts are sorted by its name or id.</a:t>
             </a:r>
@@ -24335,6 +24356,42 @@
           <a:xfrm>
             <a:off x="295812" y="337041"/>
             <a:ext cx="1514231" cy="957840"/>
+          </a:xfrm>
+          <a:prstGeom prst="rect">
+            <a:avLst/>
+          </a:prstGeom>
+        </p:spPr>
+      </p:pic>
+      <p:pic>
+        <p:nvPicPr>
+          <p:cNvPr id="6" name="Picture 5">
+            <a:extLst>
+              <a:ext uri="{FF2B5EF4-FFF2-40B4-BE49-F238E27FC236}">
+                <a16:creationId xmlns:a16="http://schemas.microsoft.com/office/drawing/2014/main" id="{31F22A42-3974-43B2-83E0-4ECF5DD01C9C}"/>
+              </a:ext>
+            </a:extLst>
+          </p:cNvPr>
+          <p:cNvPicPr>
+            <a:picLocks noChangeAspect="1"/>
+          </p:cNvPicPr>
+          <p:nvPr/>
+        </p:nvPicPr>
+        <p:blipFill>
+          <a:blip r:embed="rId3">
+            <a:extLst>
+              <a:ext uri="{28A0092B-C50C-407E-A947-70E740481C1C}">
+                <a14:useLocalDpi xmlns:a14="http://schemas.microsoft.com/office/drawing/2010/main" val="0"/>
+              </a:ext>
+            </a:extLst>
+          </a:blip>
+          <a:stretch>
+            <a:fillRect/>
+          </a:stretch>
+        </p:blipFill>
+        <p:spPr>
+          <a:xfrm>
+            <a:off x="8318041" y="1688776"/>
+            <a:ext cx="3873959" cy="3875649"/>
           </a:xfrm>
           <a:prstGeom prst="rect">
             <a:avLst/>

--- a/Project Proposal New.pptx
+++ b/Project Proposal New.pptx
@@ -938,12 +938,8 @@
         <a:lstStyle/>
         <a:p>
           <a:r>
-            <a:rPr lang="en-US" dirty="0" err="1"/>
-            <a:t>Ravinda</a:t>
-          </a:r>
-          <a:r>
             <a:rPr lang="en-US" dirty="0"/>
-            <a:t> Anjana S.A.D			- IT20062538</a:t>
+            <a:t>Ravinda Anjana S.A.D			- IT20062538</a:t>
           </a:r>
         </a:p>
       </dgm:t>
@@ -1458,12 +1454,8 @@
             <a:buNone/>
           </a:pPr>
           <a:r>
-            <a:rPr lang="en-US" sz="2000" kern="1200" dirty="0" err="1"/>
-            <a:t>Ravinda</a:t>
-          </a:r>
-          <a:r>
             <a:rPr lang="en-US" sz="2000" kern="1200" dirty="0"/>
-            <a:t> Anjana S.A.D			- IT20062538</a:t>
+            <a:t>Ravinda Anjana S.A.D			- IT20062538</a:t>
           </a:r>
         </a:p>
       </dsp:txBody>

--- a/Project Proposal New.pptx
+++ b/Project Proposal New.pptx
@@ -23660,10 +23660,78 @@
             <p:ph idx="1"/>
           </p:nvPr>
         </p:nvSpPr>
-        <p:spPr/>
+        <p:spPr>
+          <a:xfrm>
+            <a:off x="838202" y="1825625"/>
+            <a:ext cx="6462930" cy="4351338"/>
+          </a:xfrm>
+          <a:gradFill flip="none" rotWithShape="1">
+            <a:gsLst>
+              <a:gs pos="0">
+                <a:schemeClr val="accent1">
+                  <a:shade val="30000"/>
+                  <a:satMod val="115000"/>
+                  <a:alpha val="16000"/>
+                </a:schemeClr>
+              </a:gs>
+              <a:gs pos="50000">
+                <a:schemeClr val="accent1">
+                  <a:shade val="67500"/>
+                  <a:satMod val="115000"/>
+                </a:schemeClr>
+              </a:gs>
+              <a:gs pos="100000">
+                <a:schemeClr val="accent1">
+                  <a:shade val="100000"/>
+                  <a:satMod val="115000"/>
+                </a:schemeClr>
+              </a:gs>
+            </a:gsLst>
+            <a:lin ang="5400000" scaled="1"/>
+            <a:tileRect/>
+          </a:gradFill>
+          <a:effectLst>
+            <a:softEdge rad="317500"/>
+          </a:effectLst>
+        </p:spPr>
         <p:txBody>
-          <a:bodyPr/>
+          <a:bodyPr>
+            <a:normAutofit lnSpcReduction="10000"/>
+          </a:bodyPr>
           <a:lstStyle/>
+          <a:p>
+            <a:r>
+              <a:rPr lang="en-US" sz="3600" b="1" dirty="0">
+                <a:solidFill>
+                  <a:schemeClr val="bg1"/>
+                </a:solidFill>
+                <a:latin typeface="Agency FB" panose="020B0503020202020204" pitchFamily="34" charset="0"/>
+              </a:rPr>
+              <a:t>The main function is to enter, update and delete details of the customers.</a:t>
+            </a:r>
+          </a:p>
+          <a:p>
+            <a:r>
+              <a:rPr lang="en-US" sz="3600" b="1" dirty="0">
+                <a:solidFill>
+                  <a:schemeClr val="bg1"/>
+                </a:solidFill>
+                <a:latin typeface="Agency FB" panose="020B0503020202020204" pitchFamily="34" charset="0"/>
+              </a:rPr>
+              <a:t>The system records the sales relevant to the specific customer with the credit or debit amounts.</a:t>
+            </a:r>
+          </a:p>
+          <a:p>
+            <a:r>
+              <a:rPr lang="en-US" sz="3600" b="1" dirty="0">
+                <a:solidFill>
+                  <a:schemeClr val="bg1"/>
+                </a:solidFill>
+                <a:latin typeface="Agency FB" panose="020B0503020202020204" pitchFamily="34" charset="0"/>
+              </a:rPr>
+              <a:t>The generator management main function is consisted of the parts which relevant to the generator with their availability and the quantity.</a:t>
+            </a:r>
+          </a:p>
           <a:p>
             <a:endParaRPr lang="en-US" dirty="0"/>
           </a:p>
@@ -23703,6 +23771,98 @@
           <a:prstGeom prst="rect">
             <a:avLst/>
           </a:prstGeom>
+        </p:spPr>
+      </p:pic>
+      <p:pic>
+        <p:nvPicPr>
+          <p:cNvPr id="6" name="Picture 5">
+            <a:extLst>
+              <a:ext uri="{FF2B5EF4-FFF2-40B4-BE49-F238E27FC236}">
+                <a16:creationId xmlns:a16="http://schemas.microsoft.com/office/drawing/2014/main" id="{F9AC2CA8-0995-41E4-A1E4-BB267E3FCB44}"/>
+              </a:ext>
+            </a:extLst>
+          </p:cNvPr>
+          <p:cNvPicPr>
+            <a:picLocks noChangeAspect="1"/>
+          </p:cNvPicPr>
+          <p:nvPr/>
+        </p:nvPicPr>
+        <p:blipFill>
+          <a:blip r:embed="rId3">
+            <a:extLst>
+              <a:ext uri="{28A0092B-C50C-407E-A947-70E740481C1C}">
+                <a14:useLocalDpi xmlns:a14="http://schemas.microsoft.com/office/drawing/2010/main" val="0"/>
+              </a:ext>
+            </a:extLst>
+          </a:blip>
+          <a:stretch>
+            <a:fillRect/>
+          </a:stretch>
+        </p:blipFill>
+        <p:spPr>
+          <a:xfrm>
+            <a:off x="7999071" y="3827512"/>
+            <a:ext cx="3735363" cy="2349451"/>
+          </a:xfrm>
+          <a:prstGeom prst="rect">
+            <a:avLst/>
+          </a:prstGeom>
+          <a:ln>
+            <a:noFill/>
+          </a:ln>
+          <a:effectLst>
+            <a:outerShdw blurRad="292100" dist="139700" dir="2700000" algn="tl" rotWithShape="0">
+              <a:srgbClr val="333333">
+                <a:alpha val="65000"/>
+              </a:srgbClr>
+            </a:outerShdw>
+          </a:effectLst>
+        </p:spPr>
+      </p:pic>
+      <p:pic>
+        <p:nvPicPr>
+          <p:cNvPr id="7" name="Picture 6" descr="A picture containing text, sky&#10;&#10;Description automatically generated">
+            <a:extLst>
+              <a:ext uri="{FF2B5EF4-FFF2-40B4-BE49-F238E27FC236}">
+                <a16:creationId xmlns:a16="http://schemas.microsoft.com/office/drawing/2014/main" id="{9C052FB9-20BE-425E-A2F8-FA5D6DFCC330}"/>
+              </a:ext>
+            </a:extLst>
+          </p:cNvPr>
+          <p:cNvPicPr>
+            <a:picLocks noChangeAspect="1"/>
+          </p:cNvPicPr>
+          <p:nvPr/>
+        </p:nvPicPr>
+        <p:blipFill>
+          <a:blip r:embed="rId4">
+            <a:extLst>
+              <a:ext uri="{28A0092B-C50C-407E-A947-70E740481C1C}">
+                <a14:useLocalDpi xmlns:a14="http://schemas.microsoft.com/office/drawing/2010/main" val="0"/>
+              </a:ext>
+            </a:extLst>
+          </a:blip>
+          <a:stretch>
+            <a:fillRect/>
+          </a:stretch>
+        </p:blipFill>
+        <p:spPr>
+          <a:xfrm>
+            <a:off x="7999071" y="1662604"/>
+            <a:ext cx="3735364" cy="2096086"/>
+          </a:xfrm>
+          <a:prstGeom prst="rect">
+            <a:avLst/>
+          </a:prstGeom>
+          <a:ln>
+            <a:noFill/>
+          </a:ln>
+          <a:effectLst>
+            <a:outerShdw blurRad="292100" dist="139700" dir="2700000" algn="tl" rotWithShape="0">
+              <a:srgbClr val="333333">
+                <a:alpha val="65000"/>
+              </a:srgbClr>
+            </a:outerShdw>
+          </a:effectLst>
         </p:spPr>
       </p:pic>
     </p:spTree>

--- a/Project Proposal New.pptx
+++ b/Project Proposal New.pptx
@@ -23075,12 +23075,105 @@
             <p:ph idx="1"/>
           </p:nvPr>
         </p:nvSpPr>
-        <p:spPr/>
+        <p:spPr>
+          <a:xfrm>
+            <a:off x="0" y="1825625"/>
+            <a:ext cx="8356209" cy="4695334"/>
+          </a:xfrm>
+          <a:gradFill flip="none" rotWithShape="1">
+            <a:gsLst>
+              <a:gs pos="0">
+                <a:schemeClr val="accent1">
+                  <a:shade val="30000"/>
+                  <a:satMod val="115000"/>
+                  <a:alpha val="0"/>
+                </a:schemeClr>
+              </a:gs>
+              <a:gs pos="50000">
+                <a:schemeClr val="accent1">
+                  <a:shade val="67500"/>
+                  <a:satMod val="115000"/>
+                </a:schemeClr>
+              </a:gs>
+              <a:gs pos="100000">
+                <a:schemeClr val="accent1">
+                  <a:shade val="100000"/>
+                  <a:satMod val="115000"/>
+                </a:schemeClr>
+              </a:gs>
+            </a:gsLst>
+            <a:lin ang="5400000" scaled="1"/>
+            <a:tileRect/>
+          </a:gradFill>
+          <a:effectLst>
+            <a:softEdge rad="317500"/>
+          </a:effectLst>
+        </p:spPr>
         <p:txBody>
-          <a:bodyPr/>
+          <a:bodyPr>
+            <a:normAutofit lnSpcReduction="10000"/>
+          </a:bodyPr>
           <a:lstStyle/>
           <a:p>
-            <a:endParaRPr lang="en-US" dirty="0"/>
+            <a:r>
+              <a:rPr lang="en-GB" b="1" dirty="0">
+                <a:solidFill>
+                  <a:schemeClr val="bg1"/>
+                </a:solidFill>
+                <a:latin typeface="Agency FB" panose="020B0503020202020204" pitchFamily="34" charset="0"/>
+              </a:rPr>
+              <a:t>Main function is that users would need to see the expenses that they spend specifically for the Vehicle spare parts, Services and repairs done to vehicles in a specific time (ex: daily, monthly, yearly, given date)</a:t>
+            </a:r>
+          </a:p>
+          <a:p>
+            <a:r>
+              <a:rPr lang="en-GB" b="1" dirty="0">
+                <a:solidFill>
+                  <a:schemeClr val="bg1"/>
+                </a:solidFill>
+                <a:latin typeface="Agency FB" panose="020B0503020202020204" pitchFamily="34" charset="0"/>
+              </a:rPr>
+              <a:t>Users want to update database when they restock the Vehicle spare parts, repairs and services at the end of the month.</a:t>
+            </a:r>
+          </a:p>
+          <a:p>
+            <a:r>
+              <a:rPr lang="en-GB" b="1" dirty="0">
+                <a:solidFill>
+                  <a:schemeClr val="bg1"/>
+                </a:solidFill>
+                <a:latin typeface="Agency FB" panose="020B0503020202020204" pitchFamily="34" charset="0"/>
+              </a:rPr>
+              <a:t>Users want to check whether the wanted spare part is available in stock, if available notify them and reduce the quantity and if not available notify them to buy that from a store</a:t>
+            </a:r>
+          </a:p>
+          <a:p>
+            <a:r>
+              <a:rPr lang="en-GB" b="1" dirty="0">
+                <a:solidFill>
+                  <a:schemeClr val="bg1"/>
+                </a:solidFill>
+                <a:latin typeface="Agency FB" panose="020B0503020202020204" pitchFamily="34" charset="0"/>
+              </a:rPr>
+              <a:t>Users want to delete spare parts if they will not import that again </a:t>
+            </a:r>
+          </a:p>
+          <a:p>
+            <a:r>
+              <a:rPr lang="en-GB" b="1" dirty="0">
+                <a:solidFill>
+                  <a:schemeClr val="bg1"/>
+                </a:solidFill>
+                <a:latin typeface="Agency FB" panose="020B0503020202020204" pitchFamily="34" charset="0"/>
+              </a:rPr>
+              <a:t>Users want to sort the spare parts by its name or id</a:t>
+            </a:r>
+            <a:endParaRPr lang="en-US" b="1" dirty="0">
+              <a:solidFill>
+                <a:schemeClr val="bg1"/>
+              </a:solidFill>
+              <a:latin typeface="Agency FB" panose="020B0503020202020204" pitchFamily="34" charset="0"/>
+            </a:endParaRPr>
           </a:p>
         </p:txBody>
       </p:sp>
@@ -23114,6 +23207,42 @@
           <a:xfrm>
             <a:off x="295812" y="337041"/>
             <a:ext cx="1514231" cy="957840"/>
+          </a:xfrm>
+          <a:prstGeom prst="rect">
+            <a:avLst/>
+          </a:prstGeom>
+        </p:spPr>
+      </p:pic>
+      <p:pic>
+        <p:nvPicPr>
+          <p:cNvPr id="6" name="Picture 5">
+            <a:extLst>
+              <a:ext uri="{FF2B5EF4-FFF2-40B4-BE49-F238E27FC236}">
+                <a16:creationId xmlns:a16="http://schemas.microsoft.com/office/drawing/2014/main" id="{F3EC8641-A3D9-4C45-AF16-AB90D97FF985}"/>
+              </a:ext>
+            </a:extLst>
+          </p:cNvPr>
+          <p:cNvPicPr>
+            <a:picLocks noChangeAspect="1"/>
+          </p:cNvPicPr>
+          <p:nvPr/>
+        </p:nvPicPr>
+        <p:blipFill>
+          <a:blip r:embed="rId3">
+            <a:extLst>
+              <a:ext uri="{28A0092B-C50C-407E-A947-70E740481C1C}">
+                <a14:useLocalDpi xmlns:a14="http://schemas.microsoft.com/office/drawing/2010/main" val="0"/>
+              </a:ext>
+            </a:extLst>
+          </a:blip>
+          <a:stretch>
+            <a:fillRect/>
+          </a:stretch>
+        </p:blipFill>
+        <p:spPr>
+          <a:xfrm>
+            <a:off x="8337987" y="3429000"/>
+            <a:ext cx="3854013" cy="2134115"/>
           </a:xfrm>
           <a:prstGeom prst="rect">
             <a:avLst/>

--- a/Project Proposal New.pptx
+++ b/Project Proposal New.pptx
@@ -24480,8 +24480,8 @@
         </p:nvSpPr>
         <p:spPr>
           <a:xfrm>
-            <a:off x="838202" y="1825624"/>
-            <a:ext cx="8080715" cy="4561107"/>
+            <a:off x="838202" y="1819372"/>
+            <a:ext cx="8220958" cy="4701587"/>
           </a:xfrm>
           <a:gradFill flip="none" rotWithShape="1">
             <a:gsLst>
@@ -24524,7 +24524,18 @@
                 </a:solidFill>
                 <a:latin typeface="Agency FB" panose="020B0503020202020204" pitchFamily="34" charset="0"/>
               </a:rPr>
-              <a:t>The main task of this function is to record the expenses in maintaining the excavator and the expenses spent on the spare sparts of this machine.</a:t>
+              <a:t>The main tasks of this function is to record the expenses in maintaining the excavator, the expenses spent on the spare sparts of this machine and details about each excavators separately.</a:t>
+            </a:r>
+          </a:p>
+          <a:p>
+            <a:r>
+              <a:rPr lang="en-US" sz="9600" b="1" dirty="0">
+                <a:solidFill>
+                  <a:schemeClr val="bg1"/>
+                </a:solidFill>
+                <a:latin typeface="Agency FB" panose="020B0503020202020204" pitchFamily="34" charset="0"/>
+              </a:rPr>
+              <a:t>Each excavator has an ID , type, main task and the next service due(service is done according to work hours). User can update ,delete these information when needed.</a:t>
             </a:r>
           </a:p>
           <a:p>
@@ -24546,7 +24557,7 @@
                 </a:solidFill>
                 <a:latin typeface="Agency FB" panose="020B0503020202020204" pitchFamily="34" charset="0"/>
               </a:rPr>
-              <a:t>User can check the availability of spare parts in the storage, if the  desired spare parts are available the system will notify the user and if they are not available the system will give an alert message saying that the storage is empty for the specified spare part. Each and every time a spare part is taken from the storage, the count of the specified spare part will be reduced.</a:t>
+              <a:t>User can check the availability of spare parts in the storage, if the  desired spare parts are available the system will notify the user and if they are not available the system will give an alert message saying that the storage is empty for the specified spare part. Every time a spare part is taken from the storage, the count of the specified spare part will be reduced.</a:t>
             </a:r>
           </a:p>
           <a:p>
@@ -24671,7 +24682,7 @@
         </p:blipFill>
         <p:spPr>
           <a:xfrm>
-            <a:off x="8318041" y="1688776"/>
+            <a:off x="8371829" y="1688776"/>
             <a:ext cx="3873959" cy="3875649"/>
           </a:xfrm>
           <a:prstGeom prst="rect">

--- a/Project Proposal New.pptx
+++ b/Project Proposal New.pptx
@@ -3368,7 +3368,7 @@
           <a:p>
             <a:fld id="{72FBF2AF-2DAC-4FB3-BCA8-0B78B7F8918A}" type="datetimeFigureOut">
               <a:rPr lang="en-US" smtClean="0"/>
-              <a:t>7/26/2021</a:t>
+              <a:t>7/27/2021</a:t>
             </a:fld>
             <a:endParaRPr lang="en-US"/>
           </a:p>
@@ -3566,7 +3566,7 @@
           <a:p>
             <a:fld id="{72FBF2AF-2DAC-4FB3-BCA8-0B78B7F8918A}" type="datetimeFigureOut">
               <a:rPr lang="en-US" smtClean="0"/>
-              <a:t>7/26/2021</a:t>
+              <a:t>7/27/2021</a:t>
             </a:fld>
             <a:endParaRPr lang="en-US"/>
           </a:p>
@@ -3774,7 +3774,7 @@
           <a:p>
             <a:fld id="{72FBF2AF-2DAC-4FB3-BCA8-0B78B7F8918A}" type="datetimeFigureOut">
               <a:rPr lang="en-US" smtClean="0"/>
-              <a:t>7/26/2021</a:t>
+              <a:t>7/27/2021</a:t>
             </a:fld>
             <a:endParaRPr lang="en-US"/>
           </a:p>
@@ -3994,7 +3994,7 @@
           <a:p>
             <a:fld id="{A884A402-9A27-48C5-B7F3-8545A451B1BF}" type="datetimeFigureOut">
               <a:rPr lang="en-US" smtClean="0"/>
-              <a:t>7/26/2021</a:t>
+              <a:t>7/27/2021</a:t>
             </a:fld>
             <a:endParaRPr lang="en-US"/>
           </a:p>
@@ -4192,7 +4192,7 @@
           <a:p>
             <a:fld id="{A884A402-9A27-48C5-B7F3-8545A451B1BF}" type="datetimeFigureOut">
               <a:rPr lang="en-US" smtClean="0"/>
-              <a:t>7/26/2021</a:t>
+              <a:t>7/27/2021</a:t>
             </a:fld>
             <a:endParaRPr lang="en-US"/>
           </a:p>
@@ -4467,7 +4467,7 @@
           <a:p>
             <a:fld id="{A884A402-9A27-48C5-B7F3-8545A451B1BF}" type="datetimeFigureOut">
               <a:rPr lang="en-US" smtClean="0"/>
-              <a:t>7/26/2021</a:t>
+              <a:t>7/27/2021</a:t>
             </a:fld>
             <a:endParaRPr lang="en-US"/>
           </a:p>
@@ -4732,7 +4732,7 @@
           <a:p>
             <a:fld id="{A884A402-9A27-48C5-B7F3-8545A451B1BF}" type="datetimeFigureOut">
               <a:rPr lang="en-US" smtClean="0"/>
-              <a:t>7/26/2021</a:t>
+              <a:t>7/27/2021</a:t>
             </a:fld>
             <a:endParaRPr lang="en-US"/>
           </a:p>
@@ -5144,7 +5144,7 @@
           <a:p>
             <a:fld id="{A884A402-9A27-48C5-B7F3-8545A451B1BF}" type="datetimeFigureOut">
               <a:rPr lang="en-US" smtClean="0"/>
-              <a:t>7/26/2021</a:t>
+              <a:t>7/27/2021</a:t>
             </a:fld>
             <a:endParaRPr lang="en-US"/>
           </a:p>
@@ -5285,7 +5285,7 @@
           <a:p>
             <a:fld id="{A884A402-9A27-48C5-B7F3-8545A451B1BF}" type="datetimeFigureOut">
               <a:rPr lang="en-US" smtClean="0"/>
-              <a:t>7/26/2021</a:t>
+              <a:t>7/27/2021</a:t>
             </a:fld>
             <a:endParaRPr lang="en-US"/>
           </a:p>
@@ -5398,7 +5398,7 @@
           <a:p>
             <a:fld id="{A884A402-9A27-48C5-B7F3-8545A451B1BF}" type="datetimeFigureOut">
               <a:rPr lang="en-US" smtClean="0"/>
-              <a:t>7/26/2021</a:t>
+              <a:t>7/27/2021</a:t>
             </a:fld>
             <a:endParaRPr lang="en-US"/>
           </a:p>
@@ -5709,7 +5709,7 @@
           <a:p>
             <a:fld id="{A884A402-9A27-48C5-B7F3-8545A451B1BF}" type="datetimeFigureOut">
               <a:rPr lang="en-US" smtClean="0"/>
-              <a:t>7/26/2021</a:t>
+              <a:t>7/27/2021</a:t>
             </a:fld>
             <a:endParaRPr lang="en-US"/>
           </a:p>
@@ -5907,7 +5907,7 @@
           <a:p>
             <a:fld id="{72FBF2AF-2DAC-4FB3-BCA8-0B78B7F8918A}" type="datetimeFigureOut">
               <a:rPr lang="en-US" smtClean="0"/>
-              <a:t>7/26/2021</a:t>
+              <a:t>7/27/2021</a:t>
             </a:fld>
             <a:endParaRPr lang="en-US"/>
           </a:p>
@@ -6195,7 +6195,7 @@
           <a:p>
             <a:fld id="{A884A402-9A27-48C5-B7F3-8545A451B1BF}" type="datetimeFigureOut">
               <a:rPr lang="en-US" smtClean="0"/>
-              <a:t>7/26/2021</a:t>
+              <a:t>7/27/2021</a:t>
             </a:fld>
             <a:endParaRPr lang="en-US"/>
           </a:p>
@@ -6393,7 +6393,7 @@
           <a:p>
             <a:fld id="{A884A402-9A27-48C5-B7F3-8545A451B1BF}" type="datetimeFigureOut">
               <a:rPr lang="en-US" smtClean="0"/>
-              <a:t>7/26/2021</a:t>
+              <a:t>7/27/2021</a:t>
             </a:fld>
             <a:endParaRPr lang="en-US"/>
           </a:p>
@@ -6601,7 +6601,7 @@
           <a:p>
             <a:fld id="{A884A402-9A27-48C5-B7F3-8545A451B1BF}" type="datetimeFigureOut">
               <a:rPr lang="en-US" smtClean="0"/>
-              <a:t>7/26/2021</a:t>
+              <a:t>7/27/2021</a:t>
             </a:fld>
             <a:endParaRPr lang="en-US"/>
           </a:p>
@@ -7009,7 +7009,7 @@
           <a:p>
             <a:fld id="{A884A402-9A27-48C5-B7F3-8545A451B1BF}" type="datetimeFigureOut">
               <a:rPr lang="en-US" smtClean="0"/>
-              <a:t>7/26/2021</a:t>
+              <a:t>7/27/2021</a:t>
             </a:fld>
             <a:endParaRPr lang="en-US"/>
           </a:p>
@@ -7240,7 +7240,7 @@
           <a:p>
             <a:fld id="{A884A402-9A27-48C5-B7F3-8545A451B1BF}" type="datetimeFigureOut">
               <a:rPr lang="en-US" smtClean="0"/>
-              <a:t>7/26/2021</a:t>
+              <a:t>7/27/2021</a:t>
             </a:fld>
             <a:endParaRPr lang="en-US"/>
           </a:p>
@@ -8274,7 +8274,7 @@
           <a:p>
             <a:fld id="{A884A402-9A27-48C5-B7F3-8545A451B1BF}" type="datetimeFigureOut">
               <a:rPr lang="en-US" smtClean="0"/>
-              <a:t>7/26/2021</a:t>
+              <a:t>7/27/2021</a:t>
             </a:fld>
             <a:endParaRPr lang="en-US"/>
           </a:p>
@@ -8546,7 +8546,7 @@
           <a:p>
             <a:fld id="{A884A402-9A27-48C5-B7F3-8545A451B1BF}" type="datetimeFigureOut">
               <a:rPr lang="en-US" smtClean="0"/>
-              <a:t>7/26/2021</a:t>
+              <a:t>7/27/2021</a:t>
             </a:fld>
             <a:endParaRPr lang="en-US"/>
           </a:p>
@@ -8956,7 +8956,7 @@
           <a:p>
             <a:fld id="{A884A402-9A27-48C5-B7F3-8545A451B1BF}" type="datetimeFigureOut">
               <a:rPr lang="en-US" smtClean="0"/>
-              <a:t>7/26/2021</a:t>
+              <a:t>7/27/2021</a:t>
             </a:fld>
             <a:endParaRPr lang="en-US"/>
           </a:p>
@@ -9083,7 +9083,7 @@
           <a:p>
             <a:fld id="{A884A402-9A27-48C5-B7F3-8545A451B1BF}" type="datetimeFigureOut">
               <a:rPr lang="en-US" smtClean="0"/>
-              <a:t>7/26/2021</a:t>
+              <a:t>7/27/2021</a:t>
             </a:fld>
             <a:endParaRPr lang="en-US"/>
           </a:p>
@@ -9178,7 +9178,7 @@
           <a:p>
             <a:fld id="{A884A402-9A27-48C5-B7F3-8545A451B1BF}" type="datetimeFigureOut">
               <a:rPr lang="en-US" smtClean="0"/>
-              <a:t>7/26/2021</a:t>
+              <a:t>7/27/2021</a:t>
             </a:fld>
             <a:endParaRPr lang="en-US"/>
           </a:p>
@@ -9477,7 +9477,7 @@
           <a:p>
             <a:fld id="{72FBF2AF-2DAC-4FB3-BCA8-0B78B7F8918A}" type="datetimeFigureOut">
               <a:rPr lang="en-US" smtClean="0"/>
-              <a:t>7/26/2021</a:t>
+              <a:t>7/27/2021</a:t>
             </a:fld>
             <a:endParaRPr lang="en-US"/>
           </a:p>
@@ -10534,7 +10534,7 @@
           <a:p>
             <a:fld id="{A884A402-9A27-48C5-B7F3-8545A451B1BF}" type="datetimeFigureOut">
               <a:rPr lang="en-US" smtClean="0"/>
-              <a:t>7/26/2021</a:t>
+              <a:t>7/27/2021</a:t>
             </a:fld>
             <a:endParaRPr lang="en-US"/>
           </a:p>
@@ -11642,7 +11642,7 @@
           <a:p>
             <a:fld id="{A884A402-9A27-48C5-B7F3-8545A451B1BF}" type="datetimeFigureOut">
               <a:rPr lang="en-US" smtClean="0"/>
-              <a:t>7/26/2021</a:t>
+              <a:t>7/27/2021</a:t>
             </a:fld>
             <a:endParaRPr lang="en-US"/>
           </a:p>
@@ -12710,7 +12710,7 @@
           <a:p>
             <a:fld id="{A884A402-9A27-48C5-B7F3-8545A451B1BF}" type="datetimeFigureOut">
               <a:rPr lang="en-US" smtClean="0"/>
-              <a:t>7/26/2021</a:t>
+              <a:t>7/27/2021</a:t>
             </a:fld>
             <a:endParaRPr lang="en-US"/>
           </a:p>
@@ -13690,7 +13690,7 @@
           <a:p>
             <a:fld id="{A884A402-9A27-48C5-B7F3-8545A451B1BF}" type="datetimeFigureOut">
               <a:rPr lang="en-US" smtClean="0"/>
-              <a:t>7/26/2021</a:t>
+              <a:t>7/27/2021</a:t>
             </a:fld>
             <a:endParaRPr lang="en-US"/>
           </a:p>
@@ -14824,7 +14824,7 @@
           <a:p>
             <a:fld id="{72FBF2AF-2DAC-4FB3-BCA8-0B78B7F8918A}" type="datetimeFigureOut">
               <a:rPr lang="en-US" smtClean="0"/>
-              <a:t>7/26/2021</a:t>
+              <a:t>7/27/2021</a:t>
             </a:fld>
             <a:endParaRPr lang="en-US"/>
           </a:p>
@@ -15857,7 +15857,7 @@
           <a:p>
             <a:fld id="{72FBF2AF-2DAC-4FB3-BCA8-0B78B7F8918A}" type="datetimeFigureOut">
               <a:rPr lang="en-US" smtClean="0"/>
-              <a:t>7/26/2021</a:t>
+              <a:t>7/27/2021</a:t>
             </a:fld>
             <a:endParaRPr lang="en-US"/>
           </a:p>
@@ -16517,7 +16517,7 @@
           <a:p>
             <a:fld id="{A884A402-9A27-48C5-B7F3-8545A451B1BF}" type="datetimeFigureOut">
               <a:rPr lang="en-US" smtClean="0"/>
-              <a:t>7/26/2021</a:t>
+              <a:t>7/27/2021</a:t>
             </a:fld>
             <a:endParaRPr lang="en-US"/>
           </a:p>
@@ -17378,7 +17378,7 @@
           <a:p>
             <a:fld id="{A884A402-9A27-48C5-B7F3-8545A451B1BF}" type="datetimeFigureOut">
               <a:rPr lang="en-US" smtClean="0"/>
-              <a:t>7/26/2021</a:t>
+              <a:t>7/27/2021</a:t>
             </a:fld>
             <a:endParaRPr lang="en-US"/>
           </a:p>
@@ -17568,7 +17568,7 @@
           <a:p>
             <a:fld id="{A884A402-9A27-48C5-B7F3-8545A451B1BF}" type="datetimeFigureOut">
               <a:rPr lang="en-US" smtClean="0"/>
-              <a:t>7/26/2021</a:t>
+              <a:t>7/27/2021</a:t>
             </a:fld>
             <a:endParaRPr lang="en-US"/>
           </a:p>
@@ -18540,7 +18540,7 @@
           <a:p>
             <a:fld id="{A884A402-9A27-48C5-B7F3-8545A451B1BF}" type="datetimeFigureOut">
               <a:rPr lang="en-US" smtClean="0"/>
-              <a:t>7/26/2021</a:t>
+              <a:t>7/27/2021</a:t>
             </a:fld>
             <a:endParaRPr lang="en-US"/>
           </a:p>
@@ -18829,7 +18829,7 @@
           <a:p>
             <a:fld id="{72FBF2AF-2DAC-4FB3-BCA8-0B78B7F8918A}" type="datetimeFigureOut">
               <a:rPr lang="en-US" smtClean="0"/>
-              <a:t>7/26/2021</a:t>
+              <a:t>7/27/2021</a:t>
             </a:fld>
             <a:endParaRPr lang="en-US"/>
           </a:p>
@@ -19241,7 +19241,7 @@
           <a:p>
             <a:fld id="{72FBF2AF-2DAC-4FB3-BCA8-0B78B7F8918A}" type="datetimeFigureOut">
               <a:rPr lang="en-US" smtClean="0"/>
-              <a:t>7/26/2021</a:t>
+              <a:t>7/27/2021</a:t>
             </a:fld>
             <a:endParaRPr lang="en-US"/>
           </a:p>
@@ -19382,7 +19382,7 @@
           <a:p>
             <a:fld id="{72FBF2AF-2DAC-4FB3-BCA8-0B78B7F8918A}" type="datetimeFigureOut">
               <a:rPr lang="en-US" smtClean="0"/>
-              <a:t>7/26/2021</a:t>
+              <a:t>7/27/2021</a:t>
             </a:fld>
             <a:endParaRPr lang="en-US"/>
           </a:p>
@@ -19495,7 +19495,7 @@
           <a:p>
             <a:fld id="{72FBF2AF-2DAC-4FB3-BCA8-0B78B7F8918A}" type="datetimeFigureOut">
               <a:rPr lang="en-US" smtClean="0"/>
-              <a:t>7/26/2021</a:t>
+              <a:t>7/27/2021</a:t>
             </a:fld>
             <a:endParaRPr lang="en-US"/>
           </a:p>
@@ -19806,7 +19806,7 @@
           <a:p>
             <a:fld id="{72FBF2AF-2DAC-4FB3-BCA8-0B78B7F8918A}" type="datetimeFigureOut">
               <a:rPr lang="en-US" smtClean="0"/>
-              <a:t>7/26/2021</a:t>
+              <a:t>7/27/2021</a:t>
             </a:fld>
             <a:endParaRPr lang="en-US"/>
           </a:p>
@@ -20094,7 +20094,7 @@
           <a:p>
             <a:fld id="{72FBF2AF-2DAC-4FB3-BCA8-0B78B7F8918A}" type="datetimeFigureOut">
               <a:rPr lang="en-US" smtClean="0"/>
-              <a:t>7/26/2021</a:t>
+              <a:t>7/27/2021</a:t>
             </a:fld>
             <a:endParaRPr lang="en-US"/>
           </a:p>
@@ -20344,7 +20344,7 @@
           <a:p>
             <a:fld id="{72FBF2AF-2DAC-4FB3-BCA8-0B78B7F8918A}" type="datetimeFigureOut">
               <a:rPr lang="en-US" smtClean="0"/>
-              <a:t>7/26/2021</a:t>
+              <a:t>7/27/2021</a:t>
             </a:fld>
             <a:endParaRPr lang="en-US"/>
           </a:p>
@@ -20912,7 +20912,7 @@
           <a:p>
             <a:fld id="{A884A402-9A27-48C5-B7F3-8545A451B1BF}" type="datetimeFigureOut">
               <a:rPr lang="en-US" smtClean="0"/>
-              <a:t>7/26/2021</a:t>
+              <a:t>7/27/2021</a:t>
             </a:fld>
             <a:endParaRPr lang="en-US"/>
           </a:p>
@@ -22212,7 +22212,7 @@
           <a:p>
             <a:fld id="{72FBF2AF-2DAC-4FB3-BCA8-0B78B7F8918A}" type="datetimeFigureOut">
               <a:rPr lang="en-US" smtClean="0"/>
-              <a:t>7/26/2021</a:t>
+              <a:t>7/27/2021</a:t>
             </a:fld>
             <a:endParaRPr lang="en-US"/>
           </a:p>
@@ -24480,7 +24480,7 @@
         </p:nvSpPr>
         <p:spPr>
           <a:xfrm>
-            <a:off x="838202" y="1819372"/>
+            <a:off x="150871" y="1662604"/>
             <a:ext cx="8220958" cy="4701587"/>
           </a:xfrm>
           <a:gradFill flip="none" rotWithShape="1">

--- a/Project Proposal New.pptx
+++ b/Project Proposal New.pptx
@@ -128,7 +128,18 @@
   </p:defaultTextStyle>
   <p:extLst>
     <p:ext uri="{EFAFB233-063F-42B5-8137-9DF3F51BA10A}">
-      <p15:sldGuideLst xmlns:p15="http://schemas.microsoft.com/office/powerpoint/2012/main" xmlns=""/>
+      <p15:sldGuideLst xmlns:p15="http://schemas.microsoft.com/office/powerpoint/2012/main">
+        <p15:guide id="1" orient="horz" pos="2160">
+          <p15:clr>
+            <a:srgbClr val="A4A3A4"/>
+          </p15:clr>
+        </p15:guide>
+        <p15:guide id="2" pos="3840">
+          <p15:clr>
+            <a:srgbClr val="A4A3A4"/>
+          </p15:clr>
+        </p15:guide>
+      </p15:sldGuideLst>
     </p:ext>
   </p:extLst>
 </p:presentation>
@@ -1232,13 +1243,6 @@
         </dgm:presLayoutVars>
       </dgm:prSet>
       <dgm:spPr/>
-      <dgm:t>
-        <a:bodyPr/>
-        <a:lstStyle/>
-        <a:p>
-          <a:endParaRPr lang="en-US"/>
-        </a:p>
-      </dgm:t>
     </dgm:pt>
     <dgm:pt modelId="{E0CA3519-FAFD-4DC4-BE23-C365A6A36BE6}" type="pres">
       <dgm:prSet presAssocID="{FF79F0F1-25CF-407A-BA16-D1ACB0945637}" presName="parentText" presStyleLbl="node1" presStyleIdx="0" presStyleCnt="8">
@@ -1248,13 +1252,6 @@
         </dgm:presLayoutVars>
       </dgm:prSet>
       <dgm:spPr/>
-      <dgm:t>
-        <a:bodyPr/>
-        <a:lstStyle/>
-        <a:p>
-          <a:endParaRPr lang="en-US"/>
-        </a:p>
-      </dgm:t>
     </dgm:pt>
     <dgm:pt modelId="{52C0A4D5-08BF-45F6-BDE8-37F1B733ABCD}" type="pres">
       <dgm:prSet presAssocID="{49B10BFD-7A1C-465B-8312-1E888F42F3E6}" presName="spacer" presStyleCnt="0"/>
@@ -1268,13 +1265,6 @@
         </dgm:presLayoutVars>
       </dgm:prSet>
       <dgm:spPr/>
-      <dgm:t>
-        <a:bodyPr/>
-        <a:lstStyle/>
-        <a:p>
-          <a:endParaRPr lang="en-US"/>
-        </a:p>
-      </dgm:t>
     </dgm:pt>
     <dgm:pt modelId="{3DD388D0-ED46-4CFF-8082-E19B8AC9F6D6}" type="pres">
       <dgm:prSet presAssocID="{90909EDB-5736-49D3-8424-E47FD0B34430}" presName="spacer" presStyleCnt="0"/>
@@ -1288,13 +1278,6 @@
         </dgm:presLayoutVars>
       </dgm:prSet>
       <dgm:spPr/>
-      <dgm:t>
-        <a:bodyPr/>
-        <a:lstStyle/>
-        <a:p>
-          <a:endParaRPr lang="en-US"/>
-        </a:p>
-      </dgm:t>
     </dgm:pt>
     <dgm:pt modelId="{53C27374-B2BE-479F-A34B-45F2F6413246}" type="pres">
       <dgm:prSet presAssocID="{24606E27-0072-4C5E-9AFE-D2792575B197}" presName="spacer" presStyleCnt="0"/>
@@ -1308,13 +1291,6 @@
         </dgm:presLayoutVars>
       </dgm:prSet>
       <dgm:spPr/>
-      <dgm:t>
-        <a:bodyPr/>
-        <a:lstStyle/>
-        <a:p>
-          <a:endParaRPr lang="en-US"/>
-        </a:p>
-      </dgm:t>
     </dgm:pt>
     <dgm:pt modelId="{9C5FA8DD-E027-4FCF-BA88-A3172A1229AF}" type="pres">
       <dgm:prSet presAssocID="{A1BE281F-E0A9-4D28-B024-42206614CC63}" presName="spacer" presStyleCnt="0"/>
@@ -1328,13 +1304,6 @@
         </dgm:presLayoutVars>
       </dgm:prSet>
       <dgm:spPr/>
-      <dgm:t>
-        <a:bodyPr/>
-        <a:lstStyle/>
-        <a:p>
-          <a:endParaRPr lang="en-US"/>
-        </a:p>
-      </dgm:t>
     </dgm:pt>
     <dgm:pt modelId="{3EB3E7AB-4746-479C-92BF-627E1626912F}" type="pres">
       <dgm:prSet presAssocID="{E7033545-36D1-4480-A239-50591DE5F1F1}" presName="spacer" presStyleCnt="0"/>
@@ -1348,13 +1317,6 @@
         </dgm:presLayoutVars>
       </dgm:prSet>
       <dgm:spPr/>
-      <dgm:t>
-        <a:bodyPr/>
-        <a:lstStyle/>
-        <a:p>
-          <a:endParaRPr lang="en-US"/>
-        </a:p>
-      </dgm:t>
     </dgm:pt>
     <dgm:pt modelId="{F672EFD2-6353-4531-BC54-0B4688629441}" type="pres">
       <dgm:prSet presAssocID="{EEA0BCCE-0BED-4F88-9BDA-6557B1B4E16D}" presName="spacer" presStyleCnt="0"/>
@@ -1368,13 +1330,6 @@
         </dgm:presLayoutVars>
       </dgm:prSet>
       <dgm:spPr/>
-      <dgm:t>
-        <a:bodyPr/>
-        <a:lstStyle/>
-        <a:p>
-          <a:endParaRPr lang="en-US"/>
-        </a:p>
-      </dgm:t>
     </dgm:pt>
     <dgm:pt modelId="{C2C11A7C-1375-402E-A1AA-53DA26C061B6}" type="pres">
       <dgm:prSet presAssocID="{1ACAC8DA-E8EA-48B0-96E8-ABB9A3CCF3AC}" presName="spacer" presStyleCnt="0"/>
@@ -1388,33 +1343,26 @@
         </dgm:presLayoutVars>
       </dgm:prSet>
       <dgm:spPr/>
-      <dgm:t>
-        <a:bodyPr/>
-        <a:lstStyle/>
-        <a:p>
-          <a:endParaRPr lang="en-US"/>
-        </a:p>
-      </dgm:t>
     </dgm:pt>
   </dgm:ptLst>
   <dgm:cxnLst>
+    <dgm:cxn modelId="{57298C16-6971-4D0B-994D-38F3BD10B64E}" type="presOf" srcId="{68526C72-CF6B-4A55-B049-CAE2A679F28D}" destId="{34DAE5C3-DF62-440F-8A47-AA7C7A0A5077}" srcOrd="0" destOrd="0" presId="urn:microsoft.com/office/officeart/2005/8/layout/vList2"/>
     <dgm:cxn modelId="{AB578826-30EF-4678-A07F-509C0E0EB6CD}" type="presOf" srcId="{C6C589EA-8F84-40EA-BA3F-FB85C608B8C0}" destId="{AC76B5B2-600F-43C8-8C0B-D018E9F57DC1}" srcOrd="0" destOrd="0" presId="urn:microsoft.com/office/officeart/2005/8/layout/vList2"/>
+    <dgm:cxn modelId="{66D8FE29-13B7-40DF-A2AE-51BA1ABA84A6}" srcId="{82ADF12B-E994-42B0-B1B2-E8085DE6D756}" destId="{E7AB2E4E-D3E2-4CAB-9EA6-DCB6D052EDCE}" srcOrd="5" destOrd="0" parTransId="{2B428709-2607-424D-A695-3B3C96C43ECC}" sibTransId="{EEA0BCCE-0BED-4F88-9BDA-6557B1B4E16D}"/>
+    <dgm:cxn modelId="{4CF6913D-6E14-4CB9-8E09-8CC6DD745011}" srcId="{82ADF12B-E994-42B0-B1B2-E8085DE6D756}" destId="{ADFB518F-BCD1-41AB-9702-A456BDA23840}" srcOrd="4" destOrd="0" parTransId="{D3F3D4CD-6B9C-4290-B2ED-CB1507C21F01}" sibTransId="{E7033545-36D1-4480-A239-50591DE5F1F1}"/>
+    <dgm:cxn modelId="{34231B5F-48EE-4004-9031-CB34ED0B6DC0}" type="presOf" srcId="{8198E409-E7D4-4DDF-8F43-D83B855EE301}" destId="{F685BBEB-19AE-466A-8073-8A419C5B0F79}" srcOrd="0" destOrd="0" presId="urn:microsoft.com/office/officeart/2005/8/layout/vList2"/>
     <dgm:cxn modelId="{34C2E571-5F57-43B8-9DE9-39C94D48AD60}" type="presOf" srcId="{8E03A83F-3F02-4F8C-8952-599656474795}" destId="{07B98BFE-DD0B-4BDF-97CA-FF10ED26AD35}" srcOrd="0" destOrd="0" presId="urn:microsoft.com/office/officeart/2005/8/layout/vList2"/>
+    <dgm:cxn modelId="{529FC497-943C-4090-93A3-2CD60DD6928A}" type="presOf" srcId="{82ADF12B-E994-42B0-B1B2-E8085DE6D756}" destId="{4672FD4B-E54E-462F-984E-E97472E4F432}" srcOrd="0" destOrd="0" presId="urn:microsoft.com/office/officeart/2005/8/layout/vList2"/>
+    <dgm:cxn modelId="{311FC5A8-1A70-49F2-AE4E-9241A00B5EDE}" type="presOf" srcId="{E7AB2E4E-D3E2-4CAB-9EA6-DCB6D052EDCE}" destId="{B027F4C6-36FA-4C33-8251-118C4CF388A2}" srcOrd="0" destOrd="0" presId="urn:microsoft.com/office/officeart/2005/8/layout/vList2"/>
+    <dgm:cxn modelId="{9F8710B2-8A08-4D82-9A8D-A7FC86E8E6FA}" type="presOf" srcId="{ADFB518F-BCD1-41AB-9702-A456BDA23840}" destId="{6DB829D8-07A8-46B8-9215-A2AF6496B093}" srcOrd="0" destOrd="0" presId="urn:microsoft.com/office/officeart/2005/8/layout/vList2"/>
+    <dgm:cxn modelId="{F9CAD8C3-8ED1-4A16-8581-71ED640C2765}" type="presOf" srcId="{0EB1FDD8-D7AD-4345-AA9A-62949FA96F3E}" destId="{DDFADE16-0F5E-4501-ABA2-44E0AF2A6497}" srcOrd="0" destOrd="0" presId="urn:microsoft.com/office/officeart/2005/8/layout/vList2"/>
+    <dgm:cxn modelId="{304B0BCD-DD1B-41A4-A7E1-33AA4A33CE49}" srcId="{82ADF12B-E994-42B0-B1B2-E8085DE6D756}" destId="{8198E409-E7D4-4DDF-8F43-D83B855EE301}" srcOrd="6" destOrd="0" parTransId="{9273ED3F-61E1-48EC-B13B-9EE25EF2A18A}" sibTransId="{1ACAC8DA-E8EA-48B0-96E8-ABB9A3CCF3AC}"/>
+    <dgm:cxn modelId="{2FADE1DD-1922-4754-A29C-7F8B300010F5}" type="presOf" srcId="{FF79F0F1-25CF-407A-BA16-D1ACB0945637}" destId="{E0CA3519-FAFD-4DC4-BE23-C365A6A36BE6}" srcOrd="0" destOrd="0" presId="urn:microsoft.com/office/officeart/2005/8/layout/vList2"/>
+    <dgm:cxn modelId="{DB76F2E1-9BCD-47E5-8CAD-5D79C273B16A}" srcId="{82ADF12B-E994-42B0-B1B2-E8085DE6D756}" destId="{FF79F0F1-25CF-407A-BA16-D1ACB0945637}" srcOrd="0" destOrd="0" parTransId="{0508B57E-C867-4FAD-BA55-277B6F3E6797}" sibTransId="{49B10BFD-7A1C-465B-8312-1E888F42F3E6}"/>
+    <dgm:cxn modelId="{FB411EEC-7FAF-4C25-97DC-38D55E152CC1}" srcId="{82ADF12B-E994-42B0-B1B2-E8085DE6D756}" destId="{C6C589EA-8F84-40EA-BA3F-FB85C608B8C0}" srcOrd="7" destOrd="0" parTransId="{B2576CE4-460B-4FB5-86AF-E329ACDD77AB}" sibTransId="{3C351448-14AD-44A3-B462-DFA554D44015}"/>
     <dgm:cxn modelId="{CF8F82F5-BF57-4E40-B8E1-1844F8A19119}" srcId="{82ADF12B-E994-42B0-B1B2-E8085DE6D756}" destId="{8E03A83F-3F02-4F8C-8952-599656474795}" srcOrd="1" destOrd="0" parTransId="{9E990BEC-F970-4ACC-9AA1-951283392A02}" sibTransId="{90909EDB-5736-49D3-8424-E47FD0B34430}"/>
-    <dgm:cxn modelId="{F9CAD8C3-8ED1-4A16-8581-71ED640C2765}" type="presOf" srcId="{0EB1FDD8-D7AD-4345-AA9A-62949FA96F3E}" destId="{DDFADE16-0F5E-4501-ABA2-44E0AF2A6497}" srcOrd="0" destOrd="0" presId="urn:microsoft.com/office/officeart/2005/8/layout/vList2"/>
-    <dgm:cxn modelId="{529FC497-943C-4090-93A3-2CD60DD6928A}" type="presOf" srcId="{82ADF12B-E994-42B0-B1B2-E8085DE6D756}" destId="{4672FD4B-E54E-462F-984E-E97472E4F432}" srcOrd="0" destOrd="0" presId="urn:microsoft.com/office/officeart/2005/8/layout/vList2"/>
-    <dgm:cxn modelId="{304B0BCD-DD1B-41A4-A7E1-33AA4A33CE49}" srcId="{82ADF12B-E994-42B0-B1B2-E8085DE6D756}" destId="{8198E409-E7D4-4DDF-8F43-D83B855EE301}" srcOrd="6" destOrd="0" parTransId="{9273ED3F-61E1-48EC-B13B-9EE25EF2A18A}" sibTransId="{1ACAC8DA-E8EA-48B0-96E8-ABB9A3CCF3AC}"/>
-    <dgm:cxn modelId="{4CF6913D-6E14-4CB9-8E09-8CC6DD745011}" srcId="{82ADF12B-E994-42B0-B1B2-E8085DE6D756}" destId="{ADFB518F-BCD1-41AB-9702-A456BDA23840}" srcOrd="4" destOrd="0" parTransId="{D3F3D4CD-6B9C-4290-B2ED-CB1507C21F01}" sibTransId="{E7033545-36D1-4480-A239-50591DE5F1F1}"/>
-    <dgm:cxn modelId="{FB411EEC-7FAF-4C25-97DC-38D55E152CC1}" srcId="{82ADF12B-E994-42B0-B1B2-E8085DE6D756}" destId="{C6C589EA-8F84-40EA-BA3F-FB85C608B8C0}" srcOrd="7" destOrd="0" parTransId="{B2576CE4-460B-4FB5-86AF-E329ACDD77AB}" sibTransId="{3C351448-14AD-44A3-B462-DFA554D44015}"/>
-    <dgm:cxn modelId="{2FADE1DD-1922-4754-A29C-7F8B300010F5}" type="presOf" srcId="{FF79F0F1-25CF-407A-BA16-D1ACB0945637}" destId="{E0CA3519-FAFD-4DC4-BE23-C365A6A36BE6}" srcOrd="0" destOrd="0" presId="urn:microsoft.com/office/officeart/2005/8/layout/vList2"/>
-    <dgm:cxn modelId="{34231B5F-48EE-4004-9031-CB34ED0B6DC0}" type="presOf" srcId="{8198E409-E7D4-4DDF-8F43-D83B855EE301}" destId="{F685BBEB-19AE-466A-8073-8A419C5B0F79}" srcOrd="0" destOrd="0" presId="urn:microsoft.com/office/officeart/2005/8/layout/vList2"/>
-    <dgm:cxn modelId="{9F8710B2-8A08-4D82-9A8D-A7FC86E8E6FA}" type="presOf" srcId="{ADFB518F-BCD1-41AB-9702-A456BDA23840}" destId="{6DB829D8-07A8-46B8-9215-A2AF6496B093}" srcOrd="0" destOrd="0" presId="urn:microsoft.com/office/officeart/2005/8/layout/vList2"/>
-    <dgm:cxn modelId="{66D8FE29-13B7-40DF-A2AE-51BA1ABA84A6}" srcId="{82ADF12B-E994-42B0-B1B2-E8085DE6D756}" destId="{E7AB2E4E-D3E2-4CAB-9EA6-DCB6D052EDCE}" srcOrd="5" destOrd="0" parTransId="{2B428709-2607-424D-A695-3B3C96C43ECC}" sibTransId="{EEA0BCCE-0BED-4F88-9BDA-6557B1B4E16D}"/>
     <dgm:cxn modelId="{8C363EFC-A88E-414F-BDEB-ACCD32BAF7C8}" srcId="{82ADF12B-E994-42B0-B1B2-E8085DE6D756}" destId="{0EB1FDD8-D7AD-4345-AA9A-62949FA96F3E}" srcOrd="3" destOrd="0" parTransId="{A098439A-440B-496A-8BBA-2768337DDF49}" sibTransId="{A1BE281F-E0A9-4D28-B024-42206614CC63}"/>
-    <dgm:cxn modelId="{57298C16-6971-4D0B-994D-38F3BD10B64E}" type="presOf" srcId="{68526C72-CF6B-4A55-B049-CAE2A679F28D}" destId="{34DAE5C3-DF62-440F-8A47-AA7C7A0A5077}" srcOrd="0" destOrd="0" presId="urn:microsoft.com/office/officeart/2005/8/layout/vList2"/>
     <dgm:cxn modelId="{30160DFD-F246-4711-A8AC-5C661A8A77D3}" srcId="{82ADF12B-E994-42B0-B1B2-E8085DE6D756}" destId="{68526C72-CF6B-4A55-B049-CAE2A679F28D}" srcOrd="2" destOrd="0" parTransId="{7082A19E-CD07-432D-94AD-D423ED8F3E49}" sibTransId="{24606E27-0072-4C5E-9AFE-D2792575B197}"/>
-    <dgm:cxn modelId="{DB76F2E1-9BCD-47E5-8CAD-5D79C273B16A}" srcId="{82ADF12B-E994-42B0-B1B2-E8085DE6D756}" destId="{FF79F0F1-25CF-407A-BA16-D1ACB0945637}" srcOrd="0" destOrd="0" parTransId="{0508B57E-C867-4FAD-BA55-277B6F3E6797}" sibTransId="{49B10BFD-7A1C-465B-8312-1E888F42F3E6}"/>
-    <dgm:cxn modelId="{311FC5A8-1A70-49F2-AE4E-9241A00B5EDE}" type="presOf" srcId="{E7AB2E4E-D3E2-4CAB-9EA6-DCB6D052EDCE}" destId="{B027F4C6-36FA-4C33-8251-118C4CF388A2}" srcOrd="0" destOrd="0" presId="urn:microsoft.com/office/officeart/2005/8/layout/vList2"/>
     <dgm:cxn modelId="{EA37FD3E-EC20-450F-A305-DDB33444EF18}" type="presParOf" srcId="{4672FD4B-E54E-462F-984E-E97472E4F432}" destId="{E0CA3519-FAFD-4DC4-BE23-C365A6A36BE6}" srcOrd="0" destOrd="0" presId="urn:microsoft.com/office/officeart/2005/8/layout/vList2"/>
     <dgm:cxn modelId="{96D051EB-73CC-49A9-8171-D85BDA0F9353}" type="presParOf" srcId="{4672FD4B-E54E-462F-984E-E97472E4F432}" destId="{52C0A4D5-08BF-45F6-BDE8-37F1B733ABCD}" srcOrd="1" destOrd="0" presId="urn:microsoft.com/office/officeart/2005/8/layout/vList2"/>
     <dgm:cxn modelId="{A913F224-6544-4693-B205-672D26616301}" type="presParOf" srcId="{4672FD4B-E54E-462F-984E-E97472E4F432}" destId="{07B98BFE-DD0B-4BDF-97CA-FF10ED26AD35}" srcOrd="2" destOrd="0" presId="urn:microsoft.com/office/officeart/2005/8/layout/vList2"/>
@@ -1435,14 +1383,14 @@
   <dgm:whole/>
   <dgm:extLst>
     <a:ext uri="http://schemas.microsoft.com/office/drawing/2008/diagram">
-      <dsp:dataModelExt xmlns:dsp="http://schemas.microsoft.com/office/drawing/2008/diagram" xmlns="" relId="rId6" minVer="http://schemas.openxmlformats.org/drawingml/2006/diagram"/>
+      <dsp:dataModelExt xmlns:dsp="http://schemas.microsoft.com/office/drawing/2008/diagram" relId="rId6" minVer="http://schemas.openxmlformats.org/drawingml/2006/diagram"/>
     </a:ext>
   </dgm:extLst>
 </dgm:dataModel>
 </file>
 
 <file path=ppt/diagrams/drawing1.xml><?xml version="1.0" encoding="utf-8"?>
-<dsp:drawing xmlns:dgm="http://schemas.openxmlformats.org/drawingml/2006/diagram" xmlns:a="http://schemas.openxmlformats.org/drawingml/2006/main" xmlns:dsp="http://schemas.microsoft.com/office/drawing/2008/diagram">
+<dsp:drawing xmlns:dgm="http://schemas.openxmlformats.org/drawingml/2006/diagram" xmlns:dsp="http://schemas.microsoft.com/office/drawing/2008/diagram" xmlns:a="http://schemas.openxmlformats.org/drawingml/2006/main">
   <dsp:spTree>
     <dsp:nvGrpSpPr>
       <dsp:cNvPr id="0" name=""/>
@@ -1504,7 +1452,7 @@
         </a:bodyPr>
         <a:lstStyle/>
         <a:p>
-          <a:pPr lvl="0" algn="l" defTabSz="889000">
+          <a:pPr marL="0" lvl="0" indent="0" algn="l" defTabSz="889000">
             <a:lnSpc>
               <a:spcPct val="90000"/>
             </a:lnSpc>
@@ -1514,6 +1462,7 @@
             <a:spcAft>
               <a:spcPct val="35000"/>
             </a:spcAft>
+            <a:buNone/>
           </a:pPr>
           <a:r>
             <a:rPr lang="en-US" sz="2000" kern="1200" dirty="0"/>
@@ -1581,7 +1530,7 @@
         </a:bodyPr>
         <a:lstStyle/>
         <a:p>
-          <a:pPr lvl="0" algn="l" defTabSz="889000">
+          <a:pPr marL="0" lvl="0" indent="0" algn="l" defTabSz="889000">
             <a:lnSpc>
               <a:spcPct val="90000"/>
             </a:lnSpc>
@@ -1591,6 +1540,7 @@
             <a:spcAft>
               <a:spcPct val="35000"/>
             </a:spcAft>
+            <a:buNone/>
           </a:pPr>
           <a:r>
             <a:rPr lang="en-US" sz="2000" kern="1200" dirty="0"/>
@@ -1658,7 +1608,7 @@
         </a:bodyPr>
         <a:lstStyle/>
         <a:p>
-          <a:pPr lvl="0" algn="l" defTabSz="889000">
+          <a:pPr marL="0" lvl="0" indent="0" algn="l" defTabSz="889000">
             <a:lnSpc>
               <a:spcPct val="90000"/>
             </a:lnSpc>
@@ -1668,6 +1618,7 @@
             <a:spcAft>
               <a:spcPct val="35000"/>
             </a:spcAft>
+            <a:buNone/>
           </a:pPr>
           <a:r>
             <a:rPr lang="pt-BR" sz="2000" kern="1200" dirty="0"/>
@@ -1736,7 +1687,7 @@
         </a:bodyPr>
         <a:lstStyle/>
         <a:p>
-          <a:pPr lvl="0" algn="l" defTabSz="889000">
+          <a:pPr marL="0" lvl="0" indent="0" algn="l" defTabSz="889000">
             <a:lnSpc>
               <a:spcPct val="90000"/>
             </a:lnSpc>
@@ -1746,6 +1697,7 @@
             <a:spcAft>
               <a:spcPct val="35000"/>
             </a:spcAft>
+            <a:buNone/>
           </a:pPr>
           <a:r>
             <a:rPr lang="pt-BR" sz="2000" kern="1200"/>
@@ -1814,7 +1766,7 @@
         </a:bodyPr>
         <a:lstStyle/>
         <a:p>
-          <a:pPr lvl="0" algn="l" defTabSz="889000">
+          <a:pPr marL="0" lvl="0" indent="0" algn="l" defTabSz="889000">
             <a:lnSpc>
               <a:spcPct val="90000"/>
             </a:lnSpc>
@@ -1824,6 +1776,7 @@
             <a:spcAft>
               <a:spcPct val="35000"/>
             </a:spcAft>
+            <a:buNone/>
           </a:pPr>
           <a:r>
             <a:rPr lang="pt-BR" sz="2000" kern="1200"/>
@@ -1892,7 +1845,7 @@
         </a:bodyPr>
         <a:lstStyle/>
         <a:p>
-          <a:pPr lvl="0" algn="l" defTabSz="889000">
+          <a:pPr marL="0" lvl="0" indent="0" algn="l" defTabSz="889000">
             <a:lnSpc>
               <a:spcPct val="90000"/>
             </a:lnSpc>
@@ -1902,6 +1855,7 @@
             <a:spcAft>
               <a:spcPct val="35000"/>
             </a:spcAft>
+            <a:buNone/>
           </a:pPr>
           <a:r>
             <a:rPr lang="pt-BR" sz="2000" kern="1200" dirty="0"/>
@@ -1970,7 +1924,7 @@
         </a:bodyPr>
         <a:lstStyle/>
         <a:p>
-          <a:pPr lvl="0" algn="l" defTabSz="889000">
+          <a:pPr marL="0" lvl="0" indent="0" algn="l" defTabSz="889000">
             <a:lnSpc>
               <a:spcPct val="90000"/>
             </a:lnSpc>
@@ -1980,6 +1934,7 @@
             <a:spcAft>
               <a:spcPct val="35000"/>
             </a:spcAft>
+            <a:buNone/>
           </a:pPr>
           <a:r>
             <a:rPr lang="pt-BR" sz="2000" kern="1200"/>
@@ -2048,7 +2003,7 @@
         </a:bodyPr>
         <a:lstStyle/>
         <a:p>
-          <a:pPr lvl="0" algn="l" defTabSz="889000">
+          <a:pPr marL="0" lvl="0" indent="0" algn="l" defTabSz="889000">
             <a:lnSpc>
               <a:spcPct val="90000"/>
             </a:lnSpc>
@@ -2058,6 +2013,7 @@
             <a:spcAft>
               <a:spcPct val="35000"/>
             </a:spcAft>
+            <a:buNone/>
           </a:pPr>
           <a:r>
             <a:rPr lang="pt-BR" sz="2000" kern="1200"/>
@@ -3298,7 +3254,7 @@
           <p:cNvPr id="2" name="Title 1">
             <a:extLst>
               <a:ext uri="{FF2B5EF4-FFF2-40B4-BE49-F238E27FC236}">
-                <a16:creationId xmlns:a16="http://schemas.microsoft.com/office/drawing/2014/main" xmlns="" id="{892ABE35-975B-4735-A432-04C81D3C2D5D}"/>
+                <a16:creationId xmlns:a16="http://schemas.microsoft.com/office/drawing/2014/main" id="{892ABE35-975B-4735-A432-04C81D3C2D5D}"/>
               </a:ext>
             </a:extLst>
           </p:cNvPr>
@@ -3335,7 +3291,7 @@
           <p:cNvPr id="3" name="Subtitle 2">
             <a:extLst>
               <a:ext uri="{FF2B5EF4-FFF2-40B4-BE49-F238E27FC236}">
-                <a16:creationId xmlns:a16="http://schemas.microsoft.com/office/drawing/2014/main" xmlns="" id="{EAECB68C-8CE8-4894-9D65-2A37D920894B}"/>
+                <a16:creationId xmlns:a16="http://schemas.microsoft.com/office/drawing/2014/main" id="{EAECB68C-8CE8-4894-9D65-2A37D920894B}"/>
               </a:ext>
             </a:extLst>
           </p:cNvPr>
@@ -3405,7 +3361,7 @@
           <p:cNvPr id="4" name="Date Placeholder 3">
             <a:extLst>
               <a:ext uri="{FF2B5EF4-FFF2-40B4-BE49-F238E27FC236}">
-                <a16:creationId xmlns:a16="http://schemas.microsoft.com/office/drawing/2014/main" xmlns="" id="{360FE43D-0FBB-4D42-B46C-6F02690C7AD8}"/>
+                <a16:creationId xmlns:a16="http://schemas.microsoft.com/office/drawing/2014/main" id="{360FE43D-0FBB-4D42-B46C-6F02690C7AD8}"/>
               </a:ext>
             </a:extLst>
           </p:cNvPr>
@@ -3435,7 +3391,7 @@
           <p:cNvPr id="5" name="Footer Placeholder 4">
             <a:extLst>
               <a:ext uri="{FF2B5EF4-FFF2-40B4-BE49-F238E27FC236}">
-                <a16:creationId xmlns:a16="http://schemas.microsoft.com/office/drawing/2014/main" xmlns="" id="{7405AD8D-337D-4E68-8CCC-9737DC16CA5F}"/>
+                <a16:creationId xmlns:a16="http://schemas.microsoft.com/office/drawing/2014/main" id="{7405AD8D-337D-4E68-8CCC-9737DC16CA5F}"/>
               </a:ext>
             </a:extLst>
           </p:cNvPr>
@@ -3460,7 +3416,7 @@
           <p:cNvPr id="6" name="Slide Number Placeholder 5">
             <a:extLst>
               <a:ext uri="{FF2B5EF4-FFF2-40B4-BE49-F238E27FC236}">
-                <a16:creationId xmlns:a16="http://schemas.microsoft.com/office/drawing/2014/main" xmlns="" id="{3A3DD8A9-E9DE-41A8-9513-48659F7A41E2}"/>
+                <a16:creationId xmlns:a16="http://schemas.microsoft.com/office/drawing/2014/main" id="{3A3DD8A9-E9DE-41A8-9513-48659F7A41E2}"/>
               </a:ext>
             </a:extLst>
           </p:cNvPr>
@@ -3488,7 +3444,7 @@
     </p:spTree>
     <p:extLst>
       <p:ext uri="{BB962C8B-B14F-4D97-AF65-F5344CB8AC3E}">
-        <p14:creationId xmlns:p14="http://schemas.microsoft.com/office/powerpoint/2010/main" xmlns="" val="852020991"/>
+        <p14:creationId xmlns:p14="http://schemas.microsoft.com/office/powerpoint/2010/main" val="852020991"/>
       </p:ext>
     </p:extLst>
   </p:cSld>
@@ -3520,7 +3476,7 @@
           <p:cNvPr id="2" name="Title 1">
             <a:extLst>
               <a:ext uri="{FF2B5EF4-FFF2-40B4-BE49-F238E27FC236}">
-                <a16:creationId xmlns:a16="http://schemas.microsoft.com/office/drawing/2014/main" xmlns="" id="{44A6C49A-8FF5-4D07-84E5-4C57F0797E4B}"/>
+                <a16:creationId xmlns:a16="http://schemas.microsoft.com/office/drawing/2014/main" id="{44A6C49A-8FF5-4D07-84E5-4C57F0797E4B}"/>
               </a:ext>
             </a:extLst>
           </p:cNvPr>
@@ -3548,7 +3504,7 @@
           <p:cNvPr id="3" name="Vertical Text Placeholder 2">
             <a:extLst>
               <a:ext uri="{FF2B5EF4-FFF2-40B4-BE49-F238E27FC236}">
-                <a16:creationId xmlns:a16="http://schemas.microsoft.com/office/drawing/2014/main" xmlns="" id="{E8F8A95B-F0F9-4D4A-ADAC-76271DBD33D4}"/>
+                <a16:creationId xmlns:a16="http://schemas.microsoft.com/office/drawing/2014/main" id="{E8F8A95B-F0F9-4D4A-ADAC-76271DBD33D4}"/>
               </a:ext>
             </a:extLst>
           </p:cNvPr>
@@ -3605,7 +3561,7 @@
           <p:cNvPr id="4" name="Date Placeholder 3">
             <a:extLst>
               <a:ext uri="{FF2B5EF4-FFF2-40B4-BE49-F238E27FC236}">
-                <a16:creationId xmlns:a16="http://schemas.microsoft.com/office/drawing/2014/main" xmlns="" id="{D84CE1E8-4EFD-4229-9EA7-C775E4B5B315}"/>
+                <a16:creationId xmlns:a16="http://schemas.microsoft.com/office/drawing/2014/main" id="{D84CE1E8-4EFD-4229-9EA7-C775E4B5B315}"/>
               </a:ext>
             </a:extLst>
           </p:cNvPr>
@@ -3635,7 +3591,7 @@
           <p:cNvPr id="5" name="Footer Placeholder 4">
             <a:extLst>
               <a:ext uri="{FF2B5EF4-FFF2-40B4-BE49-F238E27FC236}">
-                <a16:creationId xmlns:a16="http://schemas.microsoft.com/office/drawing/2014/main" xmlns="" id="{65FEB283-0C73-4A22-A88C-6AAAC181CAAD}"/>
+                <a16:creationId xmlns:a16="http://schemas.microsoft.com/office/drawing/2014/main" id="{65FEB283-0C73-4A22-A88C-6AAAC181CAAD}"/>
               </a:ext>
             </a:extLst>
           </p:cNvPr>
@@ -3660,7 +3616,7 @@
           <p:cNvPr id="6" name="Slide Number Placeholder 5">
             <a:extLst>
               <a:ext uri="{FF2B5EF4-FFF2-40B4-BE49-F238E27FC236}">
-                <a16:creationId xmlns:a16="http://schemas.microsoft.com/office/drawing/2014/main" xmlns="" id="{D8DCD4A1-9873-4B93-8979-6E51C28598AB}"/>
+                <a16:creationId xmlns:a16="http://schemas.microsoft.com/office/drawing/2014/main" id="{D8DCD4A1-9873-4B93-8979-6E51C28598AB}"/>
               </a:ext>
             </a:extLst>
           </p:cNvPr>
@@ -3688,7 +3644,7 @@
     </p:spTree>
     <p:extLst>
       <p:ext uri="{BB962C8B-B14F-4D97-AF65-F5344CB8AC3E}">
-        <p14:creationId xmlns:p14="http://schemas.microsoft.com/office/powerpoint/2010/main" xmlns="" val="2601222421"/>
+        <p14:creationId xmlns:p14="http://schemas.microsoft.com/office/powerpoint/2010/main" val="2601222421"/>
       </p:ext>
     </p:extLst>
   </p:cSld>
@@ -3720,7 +3676,7 @@
           <p:cNvPr id="2" name="Vertical Title 1">
             <a:extLst>
               <a:ext uri="{FF2B5EF4-FFF2-40B4-BE49-F238E27FC236}">
-                <a16:creationId xmlns:a16="http://schemas.microsoft.com/office/drawing/2014/main" xmlns="" id="{F50326A8-4C7A-4020-99F7-A11EAC52A41F}"/>
+                <a16:creationId xmlns:a16="http://schemas.microsoft.com/office/drawing/2014/main" id="{F50326A8-4C7A-4020-99F7-A11EAC52A41F}"/>
               </a:ext>
             </a:extLst>
           </p:cNvPr>
@@ -3753,7 +3709,7 @@
           <p:cNvPr id="3" name="Vertical Text Placeholder 2">
             <a:extLst>
               <a:ext uri="{FF2B5EF4-FFF2-40B4-BE49-F238E27FC236}">
-                <a16:creationId xmlns:a16="http://schemas.microsoft.com/office/drawing/2014/main" xmlns="" id="{740CA69F-383C-4B99-B48D-506BE2A3A494}"/>
+                <a16:creationId xmlns:a16="http://schemas.microsoft.com/office/drawing/2014/main" id="{740CA69F-383C-4B99-B48D-506BE2A3A494}"/>
               </a:ext>
             </a:extLst>
           </p:cNvPr>
@@ -3815,7 +3771,7 @@
           <p:cNvPr id="4" name="Date Placeholder 3">
             <a:extLst>
               <a:ext uri="{FF2B5EF4-FFF2-40B4-BE49-F238E27FC236}">
-                <a16:creationId xmlns:a16="http://schemas.microsoft.com/office/drawing/2014/main" xmlns="" id="{D6C33189-492C-4E53-8D85-975A86B52D84}"/>
+                <a16:creationId xmlns:a16="http://schemas.microsoft.com/office/drawing/2014/main" id="{D6C33189-492C-4E53-8D85-975A86B52D84}"/>
               </a:ext>
             </a:extLst>
           </p:cNvPr>
@@ -3845,7 +3801,7 @@
           <p:cNvPr id="5" name="Footer Placeholder 4">
             <a:extLst>
               <a:ext uri="{FF2B5EF4-FFF2-40B4-BE49-F238E27FC236}">
-                <a16:creationId xmlns:a16="http://schemas.microsoft.com/office/drawing/2014/main" xmlns="" id="{4A2D3C3B-3B3B-41B5-A4D5-146D23201B6F}"/>
+                <a16:creationId xmlns:a16="http://schemas.microsoft.com/office/drawing/2014/main" id="{4A2D3C3B-3B3B-41B5-A4D5-146D23201B6F}"/>
               </a:ext>
             </a:extLst>
           </p:cNvPr>
@@ -3870,7 +3826,7 @@
           <p:cNvPr id="6" name="Slide Number Placeholder 5">
             <a:extLst>
               <a:ext uri="{FF2B5EF4-FFF2-40B4-BE49-F238E27FC236}">
-                <a16:creationId xmlns:a16="http://schemas.microsoft.com/office/drawing/2014/main" xmlns="" id="{7CD41829-4F59-491C-86E9-3492C141DC92}"/>
+                <a16:creationId xmlns:a16="http://schemas.microsoft.com/office/drawing/2014/main" id="{7CD41829-4F59-491C-86E9-3492C141DC92}"/>
               </a:ext>
             </a:extLst>
           </p:cNvPr>
@@ -3898,7 +3854,7 @@
     </p:spTree>
     <p:extLst>
       <p:ext uri="{BB962C8B-B14F-4D97-AF65-F5344CB8AC3E}">
-        <p14:creationId xmlns:p14="http://schemas.microsoft.com/office/powerpoint/2010/main" xmlns="" val="3515994290"/>
+        <p14:creationId xmlns:p14="http://schemas.microsoft.com/office/powerpoint/2010/main" val="3515994290"/>
       </p:ext>
     </p:extLst>
   </p:cSld>
@@ -3930,7 +3886,7 @@
           <p:cNvPr id="2" name="Title 1">
             <a:extLst>
               <a:ext uri="{FF2B5EF4-FFF2-40B4-BE49-F238E27FC236}">
-                <a16:creationId xmlns:a16="http://schemas.microsoft.com/office/drawing/2014/main" xmlns="" id="{67723A36-76D8-415F-84D5-B68B57EA0DC4}"/>
+                <a16:creationId xmlns:a16="http://schemas.microsoft.com/office/drawing/2014/main" id="{67723A36-76D8-415F-84D5-B68B57EA0DC4}"/>
               </a:ext>
             </a:extLst>
           </p:cNvPr>
@@ -3967,7 +3923,7 @@
           <p:cNvPr id="3" name="Subtitle 2">
             <a:extLst>
               <a:ext uri="{FF2B5EF4-FFF2-40B4-BE49-F238E27FC236}">
-                <a16:creationId xmlns:a16="http://schemas.microsoft.com/office/drawing/2014/main" xmlns="" id="{89B640DD-D2CC-41E1-9834-78CB8483AD41}"/>
+                <a16:creationId xmlns:a16="http://schemas.microsoft.com/office/drawing/2014/main" id="{89B640DD-D2CC-41E1-9834-78CB8483AD41}"/>
               </a:ext>
             </a:extLst>
           </p:cNvPr>
@@ -4037,7 +3993,7 @@
           <p:cNvPr id="4" name="Date Placeholder 3">
             <a:extLst>
               <a:ext uri="{FF2B5EF4-FFF2-40B4-BE49-F238E27FC236}">
-                <a16:creationId xmlns:a16="http://schemas.microsoft.com/office/drawing/2014/main" xmlns="" id="{2801FA68-C70A-4CB7-8B2D-BC382CB714FB}"/>
+                <a16:creationId xmlns:a16="http://schemas.microsoft.com/office/drawing/2014/main" id="{2801FA68-C70A-4CB7-8B2D-BC382CB714FB}"/>
               </a:ext>
             </a:extLst>
           </p:cNvPr>
@@ -4067,7 +4023,7 @@
           <p:cNvPr id="5" name="Footer Placeholder 4">
             <a:extLst>
               <a:ext uri="{FF2B5EF4-FFF2-40B4-BE49-F238E27FC236}">
-                <a16:creationId xmlns:a16="http://schemas.microsoft.com/office/drawing/2014/main" xmlns="" id="{93098B5E-61F3-4B14-9988-2D7BDBCDAE7B}"/>
+                <a16:creationId xmlns:a16="http://schemas.microsoft.com/office/drawing/2014/main" id="{93098B5E-61F3-4B14-9988-2D7BDBCDAE7B}"/>
               </a:ext>
             </a:extLst>
           </p:cNvPr>
@@ -4092,7 +4048,7 @@
           <p:cNvPr id="6" name="Slide Number Placeholder 5">
             <a:extLst>
               <a:ext uri="{FF2B5EF4-FFF2-40B4-BE49-F238E27FC236}">
-                <a16:creationId xmlns:a16="http://schemas.microsoft.com/office/drawing/2014/main" xmlns="" id="{084E3948-7001-4B4D-9438-8383C7559484}"/>
+                <a16:creationId xmlns:a16="http://schemas.microsoft.com/office/drawing/2014/main" id="{084E3948-7001-4B4D-9438-8383C7559484}"/>
               </a:ext>
             </a:extLst>
           </p:cNvPr>
@@ -4120,7 +4076,7 @@
     </p:spTree>
     <p:extLst>
       <p:ext uri="{BB962C8B-B14F-4D97-AF65-F5344CB8AC3E}">
-        <p14:creationId xmlns:p14="http://schemas.microsoft.com/office/powerpoint/2010/main" xmlns="" val="583583545"/>
+        <p14:creationId xmlns:p14="http://schemas.microsoft.com/office/powerpoint/2010/main" val="583583545"/>
       </p:ext>
     </p:extLst>
   </p:cSld>
@@ -4152,7 +4108,7 @@
           <p:cNvPr id="2" name="Title 1">
             <a:extLst>
               <a:ext uri="{FF2B5EF4-FFF2-40B4-BE49-F238E27FC236}">
-                <a16:creationId xmlns:a16="http://schemas.microsoft.com/office/drawing/2014/main" xmlns="" id="{0C631D88-F756-459C-A93F-1CC993F53FD8}"/>
+                <a16:creationId xmlns:a16="http://schemas.microsoft.com/office/drawing/2014/main" id="{0C631D88-F756-459C-A93F-1CC993F53FD8}"/>
               </a:ext>
             </a:extLst>
           </p:cNvPr>
@@ -4180,7 +4136,7 @@
           <p:cNvPr id="3" name="Content Placeholder 2">
             <a:extLst>
               <a:ext uri="{FF2B5EF4-FFF2-40B4-BE49-F238E27FC236}">
-                <a16:creationId xmlns:a16="http://schemas.microsoft.com/office/drawing/2014/main" xmlns="" id="{FD6AB277-F5E5-4533-99E8-4755DFEAB4B2}"/>
+                <a16:creationId xmlns:a16="http://schemas.microsoft.com/office/drawing/2014/main" id="{FD6AB277-F5E5-4533-99E8-4755DFEAB4B2}"/>
               </a:ext>
             </a:extLst>
           </p:cNvPr>
@@ -4237,7 +4193,7 @@
           <p:cNvPr id="4" name="Date Placeholder 3">
             <a:extLst>
               <a:ext uri="{FF2B5EF4-FFF2-40B4-BE49-F238E27FC236}">
-                <a16:creationId xmlns:a16="http://schemas.microsoft.com/office/drawing/2014/main" xmlns="" id="{3D4F391F-1090-4ECE-A0B9-D13B85FD1E54}"/>
+                <a16:creationId xmlns:a16="http://schemas.microsoft.com/office/drawing/2014/main" id="{3D4F391F-1090-4ECE-A0B9-D13B85FD1E54}"/>
               </a:ext>
             </a:extLst>
           </p:cNvPr>
@@ -4267,7 +4223,7 @@
           <p:cNvPr id="5" name="Footer Placeholder 4">
             <a:extLst>
               <a:ext uri="{FF2B5EF4-FFF2-40B4-BE49-F238E27FC236}">
-                <a16:creationId xmlns:a16="http://schemas.microsoft.com/office/drawing/2014/main" xmlns="" id="{C1361CCC-F9BA-4EEC-B16F-50D425ABB767}"/>
+                <a16:creationId xmlns:a16="http://schemas.microsoft.com/office/drawing/2014/main" id="{C1361CCC-F9BA-4EEC-B16F-50D425ABB767}"/>
               </a:ext>
             </a:extLst>
           </p:cNvPr>
@@ -4292,7 +4248,7 @@
           <p:cNvPr id="6" name="Slide Number Placeholder 5">
             <a:extLst>
               <a:ext uri="{FF2B5EF4-FFF2-40B4-BE49-F238E27FC236}">
-                <a16:creationId xmlns:a16="http://schemas.microsoft.com/office/drawing/2014/main" xmlns="" id="{9E90C941-32C2-4907-95E6-AA17A8E78DCC}"/>
+                <a16:creationId xmlns:a16="http://schemas.microsoft.com/office/drawing/2014/main" id="{9E90C941-32C2-4907-95E6-AA17A8E78DCC}"/>
               </a:ext>
             </a:extLst>
           </p:cNvPr>
@@ -4320,7 +4276,7 @@
     </p:spTree>
     <p:extLst>
       <p:ext uri="{BB962C8B-B14F-4D97-AF65-F5344CB8AC3E}">
-        <p14:creationId xmlns:p14="http://schemas.microsoft.com/office/powerpoint/2010/main" xmlns="" val="1992562327"/>
+        <p14:creationId xmlns:p14="http://schemas.microsoft.com/office/powerpoint/2010/main" val="1992562327"/>
       </p:ext>
     </p:extLst>
   </p:cSld>
@@ -4352,7 +4308,7 @@
           <p:cNvPr id="2" name="Title 1">
             <a:extLst>
               <a:ext uri="{FF2B5EF4-FFF2-40B4-BE49-F238E27FC236}">
-                <a16:creationId xmlns:a16="http://schemas.microsoft.com/office/drawing/2014/main" xmlns="" id="{E6AFEB25-A5BE-4D86-88B8-D769E308691C}"/>
+                <a16:creationId xmlns:a16="http://schemas.microsoft.com/office/drawing/2014/main" id="{E6AFEB25-A5BE-4D86-88B8-D769E308691C}"/>
               </a:ext>
             </a:extLst>
           </p:cNvPr>
@@ -4389,7 +4345,7 @@
           <p:cNvPr id="3" name="Text Placeholder 2">
             <a:extLst>
               <a:ext uri="{FF2B5EF4-FFF2-40B4-BE49-F238E27FC236}">
-                <a16:creationId xmlns:a16="http://schemas.microsoft.com/office/drawing/2014/main" xmlns="" id="{A93E1726-72FB-45C0-97FC-DF2681844046}"/>
+                <a16:creationId xmlns:a16="http://schemas.microsoft.com/office/drawing/2014/main" id="{A93E1726-72FB-45C0-97FC-DF2681844046}"/>
               </a:ext>
             </a:extLst>
           </p:cNvPr>
@@ -4514,7 +4470,7 @@
           <p:cNvPr id="4" name="Date Placeholder 3">
             <a:extLst>
               <a:ext uri="{FF2B5EF4-FFF2-40B4-BE49-F238E27FC236}">
-                <a16:creationId xmlns:a16="http://schemas.microsoft.com/office/drawing/2014/main" xmlns="" id="{3EA71C47-FF8E-4E0A-B244-C0C8AE0F7316}"/>
+                <a16:creationId xmlns:a16="http://schemas.microsoft.com/office/drawing/2014/main" id="{3EA71C47-FF8E-4E0A-B244-C0C8AE0F7316}"/>
               </a:ext>
             </a:extLst>
           </p:cNvPr>
@@ -4544,7 +4500,7 @@
           <p:cNvPr id="5" name="Footer Placeholder 4">
             <a:extLst>
               <a:ext uri="{FF2B5EF4-FFF2-40B4-BE49-F238E27FC236}">
-                <a16:creationId xmlns:a16="http://schemas.microsoft.com/office/drawing/2014/main" xmlns="" id="{089F391A-ADB6-4CA0-AB57-C3E8930838AE}"/>
+                <a16:creationId xmlns:a16="http://schemas.microsoft.com/office/drawing/2014/main" id="{089F391A-ADB6-4CA0-AB57-C3E8930838AE}"/>
               </a:ext>
             </a:extLst>
           </p:cNvPr>
@@ -4569,7 +4525,7 @@
           <p:cNvPr id="6" name="Slide Number Placeholder 5">
             <a:extLst>
               <a:ext uri="{FF2B5EF4-FFF2-40B4-BE49-F238E27FC236}">
-                <a16:creationId xmlns:a16="http://schemas.microsoft.com/office/drawing/2014/main" xmlns="" id="{F0ECF4DE-55CF-426B-8622-F47ADE5D5927}"/>
+                <a16:creationId xmlns:a16="http://schemas.microsoft.com/office/drawing/2014/main" id="{F0ECF4DE-55CF-426B-8622-F47ADE5D5927}"/>
               </a:ext>
             </a:extLst>
           </p:cNvPr>
@@ -4597,7 +4553,7 @@
     </p:spTree>
     <p:extLst>
       <p:ext uri="{BB962C8B-B14F-4D97-AF65-F5344CB8AC3E}">
-        <p14:creationId xmlns:p14="http://schemas.microsoft.com/office/powerpoint/2010/main" xmlns="" val="900417268"/>
+        <p14:creationId xmlns:p14="http://schemas.microsoft.com/office/powerpoint/2010/main" val="900417268"/>
       </p:ext>
     </p:extLst>
   </p:cSld>
@@ -4629,7 +4585,7 @@
           <p:cNvPr id="2" name="Title 1">
             <a:extLst>
               <a:ext uri="{FF2B5EF4-FFF2-40B4-BE49-F238E27FC236}">
-                <a16:creationId xmlns:a16="http://schemas.microsoft.com/office/drawing/2014/main" xmlns="" id="{A992B117-EE76-4751-9386-E6F02415DDA1}"/>
+                <a16:creationId xmlns:a16="http://schemas.microsoft.com/office/drawing/2014/main" id="{A992B117-EE76-4751-9386-E6F02415DDA1}"/>
               </a:ext>
             </a:extLst>
           </p:cNvPr>
@@ -4657,7 +4613,7 @@
           <p:cNvPr id="3" name="Content Placeholder 2">
             <a:extLst>
               <a:ext uri="{FF2B5EF4-FFF2-40B4-BE49-F238E27FC236}">
-                <a16:creationId xmlns:a16="http://schemas.microsoft.com/office/drawing/2014/main" xmlns="" id="{7B63A3B7-EEC7-4E30-B840-BEEF4BE02998}"/>
+                <a16:creationId xmlns:a16="http://schemas.microsoft.com/office/drawing/2014/main" id="{7B63A3B7-EEC7-4E30-B840-BEEF4BE02998}"/>
               </a:ext>
             </a:extLst>
           </p:cNvPr>
@@ -4719,7 +4675,7 @@
           <p:cNvPr id="4" name="Content Placeholder 3">
             <a:extLst>
               <a:ext uri="{FF2B5EF4-FFF2-40B4-BE49-F238E27FC236}">
-                <a16:creationId xmlns:a16="http://schemas.microsoft.com/office/drawing/2014/main" xmlns="" id="{9ECB5BB9-304A-4217-8F66-43EB2E54B345}"/>
+                <a16:creationId xmlns:a16="http://schemas.microsoft.com/office/drawing/2014/main" id="{9ECB5BB9-304A-4217-8F66-43EB2E54B345}"/>
               </a:ext>
             </a:extLst>
           </p:cNvPr>
@@ -4781,7 +4737,7 @@
           <p:cNvPr id="5" name="Date Placeholder 4">
             <a:extLst>
               <a:ext uri="{FF2B5EF4-FFF2-40B4-BE49-F238E27FC236}">
-                <a16:creationId xmlns:a16="http://schemas.microsoft.com/office/drawing/2014/main" xmlns="" id="{875FAB59-3CA4-4AA0-87E9-1A91CC22D1BD}"/>
+                <a16:creationId xmlns:a16="http://schemas.microsoft.com/office/drawing/2014/main" id="{875FAB59-3CA4-4AA0-87E9-1A91CC22D1BD}"/>
               </a:ext>
             </a:extLst>
           </p:cNvPr>
@@ -4811,7 +4767,7 @@
           <p:cNvPr id="6" name="Footer Placeholder 5">
             <a:extLst>
               <a:ext uri="{FF2B5EF4-FFF2-40B4-BE49-F238E27FC236}">
-                <a16:creationId xmlns:a16="http://schemas.microsoft.com/office/drawing/2014/main" xmlns="" id="{AA68BE79-31DA-4FE6-84C8-466265FAEF9A}"/>
+                <a16:creationId xmlns:a16="http://schemas.microsoft.com/office/drawing/2014/main" id="{AA68BE79-31DA-4FE6-84C8-466265FAEF9A}"/>
               </a:ext>
             </a:extLst>
           </p:cNvPr>
@@ -4836,7 +4792,7 @@
           <p:cNvPr id="7" name="Slide Number Placeholder 6">
             <a:extLst>
               <a:ext uri="{FF2B5EF4-FFF2-40B4-BE49-F238E27FC236}">
-                <a16:creationId xmlns:a16="http://schemas.microsoft.com/office/drawing/2014/main" xmlns="" id="{B6011BD8-2601-4A5D-B9E6-49DD7393600C}"/>
+                <a16:creationId xmlns:a16="http://schemas.microsoft.com/office/drawing/2014/main" id="{B6011BD8-2601-4A5D-B9E6-49DD7393600C}"/>
               </a:ext>
             </a:extLst>
           </p:cNvPr>
@@ -4864,7 +4820,7 @@
     </p:spTree>
     <p:extLst>
       <p:ext uri="{BB962C8B-B14F-4D97-AF65-F5344CB8AC3E}">
-        <p14:creationId xmlns:p14="http://schemas.microsoft.com/office/powerpoint/2010/main" xmlns="" val="3549169315"/>
+        <p14:creationId xmlns:p14="http://schemas.microsoft.com/office/powerpoint/2010/main" val="3549169315"/>
       </p:ext>
     </p:extLst>
   </p:cSld>
@@ -4896,7 +4852,7 @@
           <p:cNvPr id="2" name="Title 1">
             <a:extLst>
               <a:ext uri="{FF2B5EF4-FFF2-40B4-BE49-F238E27FC236}">
-                <a16:creationId xmlns:a16="http://schemas.microsoft.com/office/drawing/2014/main" xmlns="" id="{B942C222-A0B9-4486-83B1-7F60FFDA56BB}"/>
+                <a16:creationId xmlns:a16="http://schemas.microsoft.com/office/drawing/2014/main" id="{B942C222-A0B9-4486-83B1-7F60FFDA56BB}"/>
               </a:ext>
             </a:extLst>
           </p:cNvPr>
@@ -4929,7 +4885,7 @@
           <p:cNvPr id="3" name="Text Placeholder 2">
             <a:extLst>
               <a:ext uri="{FF2B5EF4-FFF2-40B4-BE49-F238E27FC236}">
-                <a16:creationId xmlns:a16="http://schemas.microsoft.com/office/drawing/2014/main" xmlns="" id="{0937FE22-9B1F-4254-916D-E911719C2598}"/>
+                <a16:creationId xmlns:a16="http://schemas.microsoft.com/office/drawing/2014/main" id="{0937FE22-9B1F-4254-916D-E911719C2598}"/>
               </a:ext>
             </a:extLst>
           </p:cNvPr>
@@ -5000,7 +4956,7 @@
           <p:cNvPr id="4" name="Content Placeholder 3">
             <a:extLst>
               <a:ext uri="{FF2B5EF4-FFF2-40B4-BE49-F238E27FC236}">
-                <a16:creationId xmlns:a16="http://schemas.microsoft.com/office/drawing/2014/main" xmlns="" id="{3DB13310-BB54-4F99-908E-DE5723535356}"/>
+                <a16:creationId xmlns:a16="http://schemas.microsoft.com/office/drawing/2014/main" id="{3DB13310-BB54-4F99-908E-DE5723535356}"/>
               </a:ext>
             </a:extLst>
           </p:cNvPr>
@@ -5062,7 +5018,7 @@
           <p:cNvPr id="5" name="Text Placeholder 4">
             <a:extLst>
               <a:ext uri="{FF2B5EF4-FFF2-40B4-BE49-F238E27FC236}">
-                <a16:creationId xmlns:a16="http://schemas.microsoft.com/office/drawing/2014/main" xmlns="" id="{E9DD7998-7E40-40EA-A98B-614FC0A2AE06}"/>
+                <a16:creationId xmlns:a16="http://schemas.microsoft.com/office/drawing/2014/main" id="{E9DD7998-7E40-40EA-A98B-614FC0A2AE06}"/>
               </a:ext>
             </a:extLst>
           </p:cNvPr>
@@ -5133,7 +5089,7 @@
           <p:cNvPr id="6" name="Content Placeholder 5">
             <a:extLst>
               <a:ext uri="{FF2B5EF4-FFF2-40B4-BE49-F238E27FC236}">
-                <a16:creationId xmlns:a16="http://schemas.microsoft.com/office/drawing/2014/main" xmlns="" id="{24567553-B927-45EF-B043-8AB6CB4BDF2B}"/>
+                <a16:creationId xmlns:a16="http://schemas.microsoft.com/office/drawing/2014/main" id="{24567553-B927-45EF-B043-8AB6CB4BDF2B}"/>
               </a:ext>
             </a:extLst>
           </p:cNvPr>
@@ -5195,7 +5151,7 @@
           <p:cNvPr id="7" name="Date Placeholder 6">
             <a:extLst>
               <a:ext uri="{FF2B5EF4-FFF2-40B4-BE49-F238E27FC236}">
-                <a16:creationId xmlns:a16="http://schemas.microsoft.com/office/drawing/2014/main" xmlns="" id="{B5A52EA4-6549-4FF1-ACAD-0E010EF69B75}"/>
+                <a16:creationId xmlns:a16="http://schemas.microsoft.com/office/drawing/2014/main" id="{B5A52EA4-6549-4FF1-ACAD-0E010EF69B75}"/>
               </a:ext>
             </a:extLst>
           </p:cNvPr>
@@ -5225,7 +5181,7 @@
           <p:cNvPr id="8" name="Footer Placeholder 7">
             <a:extLst>
               <a:ext uri="{FF2B5EF4-FFF2-40B4-BE49-F238E27FC236}">
-                <a16:creationId xmlns:a16="http://schemas.microsoft.com/office/drawing/2014/main" xmlns="" id="{05629948-CAFF-4CBA-AB31-B064E7168943}"/>
+                <a16:creationId xmlns:a16="http://schemas.microsoft.com/office/drawing/2014/main" id="{05629948-CAFF-4CBA-AB31-B064E7168943}"/>
               </a:ext>
             </a:extLst>
           </p:cNvPr>
@@ -5250,7 +5206,7 @@
           <p:cNvPr id="9" name="Slide Number Placeholder 8">
             <a:extLst>
               <a:ext uri="{FF2B5EF4-FFF2-40B4-BE49-F238E27FC236}">
-                <a16:creationId xmlns:a16="http://schemas.microsoft.com/office/drawing/2014/main" xmlns="" id="{41B40364-145C-4705-BE89-C18C5B610F57}"/>
+                <a16:creationId xmlns:a16="http://schemas.microsoft.com/office/drawing/2014/main" id="{41B40364-145C-4705-BE89-C18C5B610F57}"/>
               </a:ext>
             </a:extLst>
           </p:cNvPr>
@@ -5278,7 +5234,7 @@
     </p:spTree>
     <p:extLst>
       <p:ext uri="{BB962C8B-B14F-4D97-AF65-F5344CB8AC3E}">
-        <p14:creationId xmlns:p14="http://schemas.microsoft.com/office/powerpoint/2010/main" xmlns="" val="3412790245"/>
+        <p14:creationId xmlns:p14="http://schemas.microsoft.com/office/powerpoint/2010/main" val="3412790245"/>
       </p:ext>
     </p:extLst>
   </p:cSld>
@@ -5310,7 +5266,7 @@
           <p:cNvPr id="2" name="Title 1">
             <a:extLst>
               <a:ext uri="{FF2B5EF4-FFF2-40B4-BE49-F238E27FC236}">
-                <a16:creationId xmlns:a16="http://schemas.microsoft.com/office/drawing/2014/main" xmlns="" id="{C508840E-1CDC-4C6E-A87A-9D9062413E42}"/>
+                <a16:creationId xmlns:a16="http://schemas.microsoft.com/office/drawing/2014/main" id="{C508840E-1CDC-4C6E-A87A-9D9062413E42}"/>
               </a:ext>
             </a:extLst>
           </p:cNvPr>
@@ -5338,7 +5294,7 @@
           <p:cNvPr id="3" name="Date Placeholder 2">
             <a:extLst>
               <a:ext uri="{FF2B5EF4-FFF2-40B4-BE49-F238E27FC236}">
-                <a16:creationId xmlns:a16="http://schemas.microsoft.com/office/drawing/2014/main" xmlns="" id="{DB5A721F-F6E6-4C39-AE3E-55A772CB8B22}"/>
+                <a16:creationId xmlns:a16="http://schemas.microsoft.com/office/drawing/2014/main" id="{DB5A721F-F6E6-4C39-AE3E-55A772CB8B22}"/>
               </a:ext>
             </a:extLst>
           </p:cNvPr>
@@ -5368,7 +5324,7 @@
           <p:cNvPr id="4" name="Footer Placeholder 3">
             <a:extLst>
               <a:ext uri="{FF2B5EF4-FFF2-40B4-BE49-F238E27FC236}">
-                <a16:creationId xmlns:a16="http://schemas.microsoft.com/office/drawing/2014/main" xmlns="" id="{85840643-FF3E-4134-9E43-C2D0A529AC0B}"/>
+                <a16:creationId xmlns:a16="http://schemas.microsoft.com/office/drawing/2014/main" id="{85840643-FF3E-4134-9E43-C2D0A529AC0B}"/>
               </a:ext>
             </a:extLst>
           </p:cNvPr>
@@ -5393,7 +5349,7 @@
           <p:cNvPr id="5" name="Slide Number Placeholder 4">
             <a:extLst>
               <a:ext uri="{FF2B5EF4-FFF2-40B4-BE49-F238E27FC236}">
-                <a16:creationId xmlns:a16="http://schemas.microsoft.com/office/drawing/2014/main" xmlns="" id="{97ACB941-9295-45EC-9484-F1646173956C}"/>
+                <a16:creationId xmlns:a16="http://schemas.microsoft.com/office/drawing/2014/main" id="{97ACB941-9295-45EC-9484-F1646173956C}"/>
               </a:ext>
             </a:extLst>
           </p:cNvPr>
@@ -5421,7 +5377,7 @@
     </p:spTree>
     <p:extLst>
       <p:ext uri="{BB962C8B-B14F-4D97-AF65-F5344CB8AC3E}">
-        <p14:creationId xmlns:p14="http://schemas.microsoft.com/office/powerpoint/2010/main" xmlns="" val="4059446057"/>
+        <p14:creationId xmlns:p14="http://schemas.microsoft.com/office/powerpoint/2010/main" val="4059446057"/>
       </p:ext>
     </p:extLst>
   </p:cSld>
@@ -5453,7 +5409,7 @@
           <p:cNvPr id="2" name="Date Placeholder 1">
             <a:extLst>
               <a:ext uri="{FF2B5EF4-FFF2-40B4-BE49-F238E27FC236}">
-                <a16:creationId xmlns:a16="http://schemas.microsoft.com/office/drawing/2014/main" xmlns="" id="{7F70B9E4-B163-434C-883D-3E500EF144A0}"/>
+                <a16:creationId xmlns:a16="http://schemas.microsoft.com/office/drawing/2014/main" id="{7F70B9E4-B163-434C-883D-3E500EF144A0}"/>
               </a:ext>
             </a:extLst>
           </p:cNvPr>
@@ -5483,7 +5439,7 @@
           <p:cNvPr id="3" name="Footer Placeholder 2">
             <a:extLst>
               <a:ext uri="{FF2B5EF4-FFF2-40B4-BE49-F238E27FC236}">
-                <a16:creationId xmlns:a16="http://schemas.microsoft.com/office/drawing/2014/main" xmlns="" id="{A85CDC56-A0D5-47EB-B0AC-2190C6286A39}"/>
+                <a16:creationId xmlns:a16="http://schemas.microsoft.com/office/drawing/2014/main" id="{A85CDC56-A0D5-47EB-B0AC-2190C6286A39}"/>
               </a:ext>
             </a:extLst>
           </p:cNvPr>
@@ -5508,7 +5464,7 @@
           <p:cNvPr id="4" name="Slide Number Placeholder 3">
             <a:extLst>
               <a:ext uri="{FF2B5EF4-FFF2-40B4-BE49-F238E27FC236}">
-                <a16:creationId xmlns:a16="http://schemas.microsoft.com/office/drawing/2014/main" xmlns="" id="{9E419E55-5B12-4106-B30F-F5E621ECD79D}"/>
+                <a16:creationId xmlns:a16="http://schemas.microsoft.com/office/drawing/2014/main" id="{9E419E55-5B12-4106-B30F-F5E621ECD79D}"/>
               </a:ext>
             </a:extLst>
           </p:cNvPr>
@@ -5536,7 +5492,7 @@
     </p:spTree>
     <p:extLst>
       <p:ext uri="{BB962C8B-B14F-4D97-AF65-F5344CB8AC3E}">
-        <p14:creationId xmlns:p14="http://schemas.microsoft.com/office/powerpoint/2010/main" xmlns="" val="3533245118"/>
+        <p14:creationId xmlns:p14="http://schemas.microsoft.com/office/powerpoint/2010/main" val="3533245118"/>
       </p:ext>
     </p:extLst>
   </p:cSld>
@@ -5568,7 +5524,7 @@
           <p:cNvPr id="2" name="Title 1">
             <a:extLst>
               <a:ext uri="{FF2B5EF4-FFF2-40B4-BE49-F238E27FC236}">
-                <a16:creationId xmlns:a16="http://schemas.microsoft.com/office/drawing/2014/main" xmlns="" id="{C25B6D4F-91D7-4344-A6E6-B2852111FD97}"/>
+                <a16:creationId xmlns:a16="http://schemas.microsoft.com/office/drawing/2014/main" id="{C25B6D4F-91D7-4344-A6E6-B2852111FD97}"/>
               </a:ext>
             </a:extLst>
           </p:cNvPr>
@@ -5605,7 +5561,7 @@
           <p:cNvPr id="3" name="Content Placeholder 2">
             <a:extLst>
               <a:ext uri="{FF2B5EF4-FFF2-40B4-BE49-F238E27FC236}">
-                <a16:creationId xmlns:a16="http://schemas.microsoft.com/office/drawing/2014/main" xmlns="" id="{74BED571-95FB-49C4-9996-19CD49DAE253}"/>
+                <a16:creationId xmlns:a16="http://schemas.microsoft.com/office/drawing/2014/main" id="{74BED571-95FB-49C4-9996-19CD49DAE253}"/>
               </a:ext>
             </a:extLst>
           </p:cNvPr>
@@ -5695,7 +5651,7 @@
           <p:cNvPr id="4" name="Text Placeholder 3">
             <a:extLst>
               <a:ext uri="{FF2B5EF4-FFF2-40B4-BE49-F238E27FC236}">
-                <a16:creationId xmlns:a16="http://schemas.microsoft.com/office/drawing/2014/main" xmlns="" id="{24B67F4B-91AE-4041-B525-B97472221414}"/>
+                <a16:creationId xmlns:a16="http://schemas.microsoft.com/office/drawing/2014/main" id="{24B67F4B-91AE-4041-B525-B97472221414}"/>
               </a:ext>
             </a:extLst>
           </p:cNvPr>
@@ -5766,7 +5722,7 @@
           <p:cNvPr id="5" name="Date Placeholder 4">
             <a:extLst>
               <a:ext uri="{FF2B5EF4-FFF2-40B4-BE49-F238E27FC236}">
-                <a16:creationId xmlns:a16="http://schemas.microsoft.com/office/drawing/2014/main" xmlns="" id="{876C19CE-5ECF-4B62-9A89-CAE041605405}"/>
+                <a16:creationId xmlns:a16="http://schemas.microsoft.com/office/drawing/2014/main" id="{876C19CE-5ECF-4B62-9A89-CAE041605405}"/>
               </a:ext>
             </a:extLst>
           </p:cNvPr>
@@ -5796,7 +5752,7 @@
           <p:cNvPr id="6" name="Footer Placeholder 5">
             <a:extLst>
               <a:ext uri="{FF2B5EF4-FFF2-40B4-BE49-F238E27FC236}">
-                <a16:creationId xmlns:a16="http://schemas.microsoft.com/office/drawing/2014/main" xmlns="" id="{A88C754A-0C64-4E78-9CC1-2BDA0366B6CE}"/>
+                <a16:creationId xmlns:a16="http://schemas.microsoft.com/office/drawing/2014/main" id="{A88C754A-0C64-4E78-9CC1-2BDA0366B6CE}"/>
               </a:ext>
             </a:extLst>
           </p:cNvPr>
@@ -5821,7 +5777,7 @@
           <p:cNvPr id="7" name="Slide Number Placeholder 6">
             <a:extLst>
               <a:ext uri="{FF2B5EF4-FFF2-40B4-BE49-F238E27FC236}">
-                <a16:creationId xmlns:a16="http://schemas.microsoft.com/office/drawing/2014/main" xmlns="" id="{693A9DD6-E524-4501-8900-AF4D02A3043E}"/>
+                <a16:creationId xmlns:a16="http://schemas.microsoft.com/office/drawing/2014/main" id="{693A9DD6-E524-4501-8900-AF4D02A3043E}"/>
               </a:ext>
             </a:extLst>
           </p:cNvPr>
@@ -5849,7 +5805,7 @@
     </p:spTree>
     <p:extLst>
       <p:ext uri="{BB962C8B-B14F-4D97-AF65-F5344CB8AC3E}">
-        <p14:creationId xmlns:p14="http://schemas.microsoft.com/office/powerpoint/2010/main" xmlns="" val="505206801"/>
+        <p14:creationId xmlns:p14="http://schemas.microsoft.com/office/powerpoint/2010/main" val="505206801"/>
       </p:ext>
     </p:extLst>
   </p:cSld>
@@ -5881,7 +5837,7 @@
           <p:cNvPr id="2" name="Title 1">
             <a:extLst>
               <a:ext uri="{FF2B5EF4-FFF2-40B4-BE49-F238E27FC236}">
-                <a16:creationId xmlns:a16="http://schemas.microsoft.com/office/drawing/2014/main" xmlns="" id="{5147D326-3E2A-422F-9758-001D42916967}"/>
+                <a16:creationId xmlns:a16="http://schemas.microsoft.com/office/drawing/2014/main" id="{5147D326-3E2A-422F-9758-001D42916967}"/>
               </a:ext>
             </a:extLst>
           </p:cNvPr>
@@ -5909,7 +5865,7 @@
           <p:cNvPr id="3" name="Content Placeholder 2">
             <a:extLst>
               <a:ext uri="{FF2B5EF4-FFF2-40B4-BE49-F238E27FC236}">
-                <a16:creationId xmlns:a16="http://schemas.microsoft.com/office/drawing/2014/main" xmlns="" id="{A3FDDC20-9258-40AA-902B-9DEFB9D19F25}"/>
+                <a16:creationId xmlns:a16="http://schemas.microsoft.com/office/drawing/2014/main" id="{A3FDDC20-9258-40AA-902B-9DEFB9D19F25}"/>
               </a:ext>
             </a:extLst>
           </p:cNvPr>
@@ -5966,7 +5922,7 @@
           <p:cNvPr id="4" name="Date Placeholder 3">
             <a:extLst>
               <a:ext uri="{FF2B5EF4-FFF2-40B4-BE49-F238E27FC236}">
-                <a16:creationId xmlns:a16="http://schemas.microsoft.com/office/drawing/2014/main" xmlns="" id="{E87F9082-5AFA-4995-94DD-2EBEDAB20A35}"/>
+                <a16:creationId xmlns:a16="http://schemas.microsoft.com/office/drawing/2014/main" id="{E87F9082-5AFA-4995-94DD-2EBEDAB20A35}"/>
               </a:ext>
             </a:extLst>
           </p:cNvPr>
@@ -5996,7 +5952,7 @@
           <p:cNvPr id="5" name="Footer Placeholder 4">
             <a:extLst>
               <a:ext uri="{FF2B5EF4-FFF2-40B4-BE49-F238E27FC236}">
-                <a16:creationId xmlns:a16="http://schemas.microsoft.com/office/drawing/2014/main" xmlns="" id="{CFAB0C03-AB20-4ABB-BD67-A88479FD1836}"/>
+                <a16:creationId xmlns:a16="http://schemas.microsoft.com/office/drawing/2014/main" id="{CFAB0C03-AB20-4ABB-BD67-A88479FD1836}"/>
               </a:ext>
             </a:extLst>
           </p:cNvPr>
@@ -6021,7 +5977,7 @@
           <p:cNvPr id="6" name="Slide Number Placeholder 5">
             <a:extLst>
               <a:ext uri="{FF2B5EF4-FFF2-40B4-BE49-F238E27FC236}">
-                <a16:creationId xmlns:a16="http://schemas.microsoft.com/office/drawing/2014/main" xmlns="" id="{0D412C45-4CFD-460B-BF34-A0AE35AFB9C0}"/>
+                <a16:creationId xmlns:a16="http://schemas.microsoft.com/office/drawing/2014/main" id="{0D412C45-4CFD-460B-BF34-A0AE35AFB9C0}"/>
               </a:ext>
             </a:extLst>
           </p:cNvPr>
@@ -6049,7 +6005,7 @@
     </p:spTree>
     <p:extLst>
       <p:ext uri="{BB962C8B-B14F-4D97-AF65-F5344CB8AC3E}">
-        <p14:creationId xmlns:p14="http://schemas.microsoft.com/office/powerpoint/2010/main" xmlns="" val="3921887436"/>
+        <p14:creationId xmlns:p14="http://schemas.microsoft.com/office/powerpoint/2010/main" val="3921887436"/>
       </p:ext>
     </p:extLst>
   </p:cSld>
@@ -6081,7 +6037,7 @@
           <p:cNvPr id="2" name="Title 1">
             <a:extLst>
               <a:ext uri="{FF2B5EF4-FFF2-40B4-BE49-F238E27FC236}">
-                <a16:creationId xmlns:a16="http://schemas.microsoft.com/office/drawing/2014/main" xmlns="" id="{3AF40D15-A53B-47A8-9F32-7B58DB281AEE}"/>
+                <a16:creationId xmlns:a16="http://schemas.microsoft.com/office/drawing/2014/main" id="{3AF40D15-A53B-47A8-9F32-7B58DB281AEE}"/>
               </a:ext>
             </a:extLst>
           </p:cNvPr>
@@ -6118,7 +6074,7 @@
           <p:cNvPr id="3" name="Picture Placeholder 2">
             <a:extLst>
               <a:ext uri="{FF2B5EF4-FFF2-40B4-BE49-F238E27FC236}">
-                <a16:creationId xmlns:a16="http://schemas.microsoft.com/office/drawing/2014/main" xmlns="" id="{3AF6F616-5948-4AE2-A91B-ECE3E41BEA4A}"/>
+                <a16:creationId xmlns:a16="http://schemas.microsoft.com/office/drawing/2014/main" id="{3AF6F616-5948-4AE2-A91B-ECE3E41BEA4A}"/>
               </a:ext>
             </a:extLst>
           </p:cNvPr>
@@ -6185,7 +6141,7 @@
           <p:cNvPr id="4" name="Text Placeholder 3">
             <a:extLst>
               <a:ext uri="{FF2B5EF4-FFF2-40B4-BE49-F238E27FC236}">
-                <a16:creationId xmlns:a16="http://schemas.microsoft.com/office/drawing/2014/main" xmlns="" id="{8B620692-4247-4A2B-A9AE-4957B5A520E4}"/>
+                <a16:creationId xmlns:a16="http://schemas.microsoft.com/office/drawing/2014/main" id="{8B620692-4247-4A2B-A9AE-4957B5A520E4}"/>
               </a:ext>
             </a:extLst>
           </p:cNvPr>
@@ -6256,7 +6212,7 @@
           <p:cNvPr id="5" name="Date Placeholder 4">
             <a:extLst>
               <a:ext uri="{FF2B5EF4-FFF2-40B4-BE49-F238E27FC236}">
-                <a16:creationId xmlns:a16="http://schemas.microsoft.com/office/drawing/2014/main" xmlns="" id="{050D099F-D51B-4013-940E-80730FE8C7A7}"/>
+                <a16:creationId xmlns:a16="http://schemas.microsoft.com/office/drawing/2014/main" id="{050D099F-D51B-4013-940E-80730FE8C7A7}"/>
               </a:ext>
             </a:extLst>
           </p:cNvPr>
@@ -6286,7 +6242,7 @@
           <p:cNvPr id="6" name="Footer Placeholder 5">
             <a:extLst>
               <a:ext uri="{FF2B5EF4-FFF2-40B4-BE49-F238E27FC236}">
-                <a16:creationId xmlns:a16="http://schemas.microsoft.com/office/drawing/2014/main" xmlns="" id="{C4325AF8-7A65-47F3-BE8D-2E334EEF5A28}"/>
+                <a16:creationId xmlns:a16="http://schemas.microsoft.com/office/drawing/2014/main" id="{C4325AF8-7A65-47F3-BE8D-2E334EEF5A28}"/>
               </a:ext>
             </a:extLst>
           </p:cNvPr>
@@ -6311,7 +6267,7 @@
           <p:cNvPr id="7" name="Slide Number Placeholder 6">
             <a:extLst>
               <a:ext uri="{FF2B5EF4-FFF2-40B4-BE49-F238E27FC236}">
-                <a16:creationId xmlns:a16="http://schemas.microsoft.com/office/drawing/2014/main" xmlns="" id="{080C3283-F5C7-47C8-8234-5979440918EC}"/>
+                <a16:creationId xmlns:a16="http://schemas.microsoft.com/office/drawing/2014/main" id="{080C3283-F5C7-47C8-8234-5979440918EC}"/>
               </a:ext>
             </a:extLst>
           </p:cNvPr>
@@ -6339,7 +6295,7 @@
     </p:spTree>
     <p:extLst>
       <p:ext uri="{BB962C8B-B14F-4D97-AF65-F5344CB8AC3E}">
-        <p14:creationId xmlns:p14="http://schemas.microsoft.com/office/powerpoint/2010/main" xmlns="" val="1312356711"/>
+        <p14:creationId xmlns:p14="http://schemas.microsoft.com/office/powerpoint/2010/main" val="1312356711"/>
       </p:ext>
     </p:extLst>
   </p:cSld>
@@ -6371,7 +6327,7 @@
           <p:cNvPr id="2" name="Title 1">
             <a:extLst>
               <a:ext uri="{FF2B5EF4-FFF2-40B4-BE49-F238E27FC236}">
-                <a16:creationId xmlns:a16="http://schemas.microsoft.com/office/drawing/2014/main" xmlns="" id="{4D41AF04-7178-4847-B352-BA1CE4B80722}"/>
+                <a16:creationId xmlns:a16="http://schemas.microsoft.com/office/drawing/2014/main" id="{4D41AF04-7178-4847-B352-BA1CE4B80722}"/>
               </a:ext>
             </a:extLst>
           </p:cNvPr>
@@ -6399,7 +6355,7 @@
           <p:cNvPr id="3" name="Vertical Text Placeholder 2">
             <a:extLst>
               <a:ext uri="{FF2B5EF4-FFF2-40B4-BE49-F238E27FC236}">
-                <a16:creationId xmlns:a16="http://schemas.microsoft.com/office/drawing/2014/main" xmlns="" id="{F8F72A0A-5878-44B3-BBA2-EA2D50122B6F}"/>
+                <a16:creationId xmlns:a16="http://schemas.microsoft.com/office/drawing/2014/main" id="{F8F72A0A-5878-44B3-BBA2-EA2D50122B6F}"/>
               </a:ext>
             </a:extLst>
           </p:cNvPr>
@@ -6456,7 +6412,7 @@
           <p:cNvPr id="4" name="Date Placeholder 3">
             <a:extLst>
               <a:ext uri="{FF2B5EF4-FFF2-40B4-BE49-F238E27FC236}">
-                <a16:creationId xmlns:a16="http://schemas.microsoft.com/office/drawing/2014/main" xmlns="" id="{3BDA7484-5A44-4C0A-B441-687F7C969234}"/>
+                <a16:creationId xmlns:a16="http://schemas.microsoft.com/office/drawing/2014/main" id="{3BDA7484-5A44-4C0A-B441-687F7C969234}"/>
               </a:ext>
             </a:extLst>
           </p:cNvPr>
@@ -6486,7 +6442,7 @@
           <p:cNvPr id="5" name="Footer Placeholder 4">
             <a:extLst>
               <a:ext uri="{FF2B5EF4-FFF2-40B4-BE49-F238E27FC236}">
-                <a16:creationId xmlns:a16="http://schemas.microsoft.com/office/drawing/2014/main" xmlns="" id="{3597E5E3-AED5-424A-A8BA-81C0FBD9FD76}"/>
+                <a16:creationId xmlns:a16="http://schemas.microsoft.com/office/drawing/2014/main" id="{3597E5E3-AED5-424A-A8BA-81C0FBD9FD76}"/>
               </a:ext>
             </a:extLst>
           </p:cNvPr>
@@ -6511,7 +6467,7 @@
           <p:cNvPr id="6" name="Slide Number Placeholder 5">
             <a:extLst>
               <a:ext uri="{FF2B5EF4-FFF2-40B4-BE49-F238E27FC236}">
-                <a16:creationId xmlns:a16="http://schemas.microsoft.com/office/drawing/2014/main" xmlns="" id="{CA303CD7-DED6-468B-B69A-C73D8DF4C9AA}"/>
+                <a16:creationId xmlns:a16="http://schemas.microsoft.com/office/drawing/2014/main" id="{CA303CD7-DED6-468B-B69A-C73D8DF4C9AA}"/>
               </a:ext>
             </a:extLst>
           </p:cNvPr>
@@ -6539,7 +6495,7 @@
     </p:spTree>
     <p:extLst>
       <p:ext uri="{BB962C8B-B14F-4D97-AF65-F5344CB8AC3E}">
-        <p14:creationId xmlns:p14="http://schemas.microsoft.com/office/powerpoint/2010/main" xmlns="" val="3934496699"/>
+        <p14:creationId xmlns:p14="http://schemas.microsoft.com/office/powerpoint/2010/main" val="3934496699"/>
       </p:ext>
     </p:extLst>
   </p:cSld>
@@ -6571,7 +6527,7 @@
           <p:cNvPr id="2" name="Vertical Title 1">
             <a:extLst>
               <a:ext uri="{FF2B5EF4-FFF2-40B4-BE49-F238E27FC236}">
-                <a16:creationId xmlns:a16="http://schemas.microsoft.com/office/drawing/2014/main" xmlns="" id="{06FB88AA-B753-46A2-ACAB-34A58A79F5E1}"/>
+                <a16:creationId xmlns:a16="http://schemas.microsoft.com/office/drawing/2014/main" id="{06FB88AA-B753-46A2-ACAB-34A58A79F5E1}"/>
               </a:ext>
             </a:extLst>
           </p:cNvPr>
@@ -6604,7 +6560,7 @@
           <p:cNvPr id="3" name="Vertical Text Placeholder 2">
             <a:extLst>
               <a:ext uri="{FF2B5EF4-FFF2-40B4-BE49-F238E27FC236}">
-                <a16:creationId xmlns:a16="http://schemas.microsoft.com/office/drawing/2014/main" xmlns="" id="{4A67D626-9792-4E2D-B161-8CF6C0A65DC3}"/>
+                <a16:creationId xmlns:a16="http://schemas.microsoft.com/office/drawing/2014/main" id="{4A67D626-9792-4E2D-B161-8CF6C0A65DC3}"/>
               </a:ext>
             </a:extLst>
           </p:cNvPr>
@@ -6666,7 +6622,7 @@
           <p:cNvPr id="4" name="Date Placeholder 3">
             <a:extLst>
               <a:ext uri="{FF2B5EF4-FFF2-40B4-BE49-F238E27FC236}">
-                <a16:creationId xmlns:a16="http://schemas.microsoft.com/office/drawing/2014/main" xmlns="" id="{7573EC5C-DDB4-4E5C-9E1A-FA5EE87675D1}"/>
+                <a16:creationId xmlns:a16="http://schemas.microsoft.com/office/drawing/2014/main" id="{7573EC5C-DDB4-4E5C-9E1A-FA5EE87675D1}"/>
               </a:ext>
             </a:extLst>
           </p:cNvPr>
@@ -6696,7 +6652,7 @@
           <p:cNvPr id="5" name="Footer Placeholder 4">
             <a:extLst>
               <a:ext uri="{FF2B5EF4-FFF2-40B4-BE49-F238E27FC236}">
-                <a16:creationId xmlns:a16="http://schemas.microsoft.com/office/drawing/2014/main" xmlns="" id="{3853676A-D09A-459B-A3E1-BDFD6BD7F57B}"/>
+                <a16:creationId xmlns:a16="http://schemas.microsoft.com/office/drawing/2014/main" id="{3853676A-D09A-459B-A3E1-BDFD6BD7F57B}"/>
               </a:ext>
             </a:extLst>
           </p:cNvPr>
@@ -6721,7 +6677,7 @@
           <p:cNvPr id="6" name="Slide Number Placeholder 5">
             <a:extLst>
               <a:ext uri="{FF2B5EF4-FFF2-40B4-BE49-F238E27FC236}">
-                <a16:creationId xmlns:a16="http://schemas.microsoft.com/office/drawing/2014/main" xmlns="" id="{4DAEDAFC-720F-4257-B239-38EAA8CFB7CD}"/>
+                <a16:creationId xmlns:a16="http://schemas.microsoft.com/office/drawing/2014/main" id="{4DAEDAFC-720F-4257-B239-38EAA8CFB7CD}"/>
               </a:ext>
             </a:extLst>
           </p:cNvPr>
@@ -6749,7 +6705,7 @@
     </p:spTree>
     <p:extLst>
       <p:ext uri="{BB962C8B-B14F-4D97-AF65-F5344CB8AC3E}">
-        <p14:creationId xmlns:p14="http://schemas.microsoft.com/office/powerpoint/2010/main" xmlns="" val="3063410188"/>
+        <p14:creationId xmlns:p14="http://schemas.microsoft.com/office/powerpoint/2010/main" val="3063410188"/>
       </p:ext>
     </p:extLst>
   </p:cSld>
@@ -7203,7 +7159,7 @@
     </p:spTree>
     <p:extLst>
       <p:ext uri="{BB962C8B-B14F-4D97-AF65-F5344CB8AC3E}">
-        <p14:creationId xmlns:p14="http://schemas.microsoft.com/office/powerpoint/2010/main" xmlns="" val="2201779411"/>
+        <p14:creationId xmlns:p14="http://schemas.microsoft.com/office/powerpoint/2010/main" val="2201779411"/>
       </p:ext>
     </p:extLst>
   </p:cSld>
@@ -7380,7 +7336,7 @@
     </p:spTree>
     <p:extLst>
       <p:ext uri="{BB962C8B-B14F-4D97-AF65-F5344CB8AC3E}">
-        <p14:creationId xmlns:p14="http://schemas.microsoft.com/office/powerpoint/2010/main" xmlns="" val="506302446"/>
+        <p14:creationId xmlns:p14="http://schemas.microsoft.com/office/powerpoint/2010/main" val="506302446"/>
       </p:ext>
     </p:extLst>
   </p:cSld>
@@ -8452,7 +8408,7 @@
     </p:spTree>
     <p:extLst>
       <p:ext uri="{BB962C8B-B14F-4D97-AF65-F5344CB8AC3E}">
-        <p14:creationId xmlns:p14="http://schemas.microsoft.com/office/powerpoint/2010/main" xmlns="" val="27836173"/>
+        <p14:creationId xmlns:p14="http://schemas.microsoft.com/office/powerpoint/2010/main" val="27836173"/>
       </p:ext>
     </p:extLst>
   </p:cSld>
@@ -8690,7 +8646,7 @@
     </p:spTree>
     <p:extLst>
       <p:ext uri="{BB962C8B-B14F-4D97-AF65-F5344CB8AC3E}">
-        <p14:creationId xmlns:p14="http://schemas.microsoft.com/office/powerpoint/2010/main" xmlns="" val="4060922082"/>
+        <p14:creationId xmlns:p14="http://schemas.microsoft.com/office/powerpoint/2010/main" val="4060922082"/>
       </p:ext>
     </p:extLst>
   </p:cSld>
@@ -9102,7 +9058,7 @@
     </p:spTree>
     <p:extLst>
       <p:ext uri="{BB962C8B-B14F-4D97-AF65-F5344CB8AC3E}">
-        <p14:creationId xmlns:p14="http://schemas.microsoft.com/office/powerpoint/2010/main" xmlns="" val="1320625647"/>
+        <p14:creationId xmlns:p14="http://schemas.microsoft.com/office/powerpoint/2010/main" val="1320625647"/>
       </p:ext>
     </p:extLst>
   </p:cSld>
@@ -9231,7 +9187,7 @@
     </p:spTree>
     <p:extLst>
       <p:ext uri="{BB962C8B-B14F-4D97-AF65-F5344CB8AC3E}">
-        <p14:creationId xmlns:p14="http://schemas.microsoft.com/office/powerpoint/2010/main" xmlns="" val="2843011181"/>
+        <p14:creationId xmlns:p14="http://schemas.microsoft.com/office/powerpoint/2010/main" val="2843011181"/>
       </p:ext>
     </p:extLst>
   </p:cSld>
@@ -9364,7 +9320,7 @@
     </p:spTree>
     <p:extLst>
       <p:ext uri="{BB962C8B-B14F-4D97-AF65-F5344CB8AC3E}">
-        <p14:creationId xmlns:p14="http://schemas.microsoft.com/office/powerpoint/2010/main" xmlns="" val="2839610979"/>
+        <p14:creationId xmlns:p14="http://schemas.microsoft.com/office/powerpoint/2010/main" val="2839610979"/>
       </p:ext>
     </p:extLst>
   </p:cSld>
@@ -9396,7 +9352,7 @@
           <p:cNvPr id="2" name="Title 1">
             <a:extLst>
               <a:ext uri="{FF2B5EF4-FFF2-40B4-BE49-F238E27FC236}">
-                <a16:creationId xmlns:a16="http://schemas.microsoft.com/office/drawing/2014/main" xmlns="" id="{0BB0DCFE-20D4-46CC-A4CC-A89DF18F4C38}"/>
+                <a16:creationId xmlns:a16="http://schemas.microsoft.com/office/drawing/2014/main" id="{0BB0DCFE-20D4-46CC-A4CC-A89DF18F4C38}"/>
               </a:ext>
             </a:extLst>
           </p:cNvPr>
@@ -9433,7 +9389,7 @@
           <p:cNvPr id="3" name="Text Placeholder 2">
             <a:extLst>
               <a:ext uri="{FF2B5EF4-FFF2-40B4-BE49-F238E27FC236}">
-                <a16:creationId xmlns:a16="http://schemas.microsoft.com/office/drawing/2014/main" xmlns="" id="{1101534C-1A03-48CC-981D-308D03C7B405}"/>
+                <a16:creationId xmlns:a16="http://schemas.microsoft.com/office/drawing/2014/main" id="{1101534C-1A03-48CC-981D-308D03C7B405}"/>
               </a:ext>
             </a:extLst>
           </p:cNvPr>
@@ -9558,7 +9514,7 @@
           <p:cNvPr id="4" name="Date Placeholder 3">
             <a:extLst>
               <a:ext uri="{FF2B5EF4-FFF2-40B4-BE49-F238E27FC236}">
-                <a16:creationId xmlns:a16="http://schemas.microsoft.com/office/drawing/2014/main" xmlns="" id="{5586154D-08E9-44CC-9311-034CF1650E58}"/>
+                <a16:creationId xmlns:a16="http://schemas.microsoft.com/office/drawing/2014/main" id="{5586154D-08E9-44CC-9311-034CF1650E58}"/>
               </a:ext>
             </a:extLst>
           </p:cNvPr>
@@ -9588,7 +9544,7 @@
           <p:cNvPr id="5" name="Footer Placeholder 4">
             <a:extLst>
               <a:ext uri="{FF2B5EF4-FFF2-40B4-BE49-F238E27FC236}">
-                <a16:creationId xmlns:a16="http://schemas.microsoft.com/office/drawing/2014/main" xmlns="" id="{92D2284A-AE40-4DB9-ABD5-BB383A0C6081}"/>
+                <a16:creationId xmlns:a16="http://schemas.microsoft.com/office/drawing/2014/main" id="{92D2284A-AE40-4DB9-ABD5-BB383A0C6081}"/>
               </a:ext>
             </a:extLst>
           </p:cNvPr>
@@ -9613,7 +9569,7 @@
           <p:cNvPr id="6" name="Slide Number Placeholder 5">
             <a:extLst>
               <a:ext uri="{FF2B5EF4-FFF2-40B4-BE49-F238E27FC236}">
-                <a16:creationId xmlns:a16="http://schemas.microsoft.com/office/drawing/2014/main" xmlns="" id="{4CC13F62-1663-47E5-A1D5-22F5851897E4}"/>
+                <a16:creationId xmlns:a16="http://schemas.microsoft.com/office/drawing/2014/main" id="{4CC13F62-1663-47E5-A1D5-22F5851897E4}"/>
               </a:ext>
             </a:extLst>
           </p:cNvPr>
@@ -9641,7 +9597,7 @@
     </p:spTree>
     <p:extLst>
       <p:ext uri="{BB962C8B-B14F-4D97-AF65-F5344CB8AC3E}">
-        <p14:creationId xmlns:p14="http://schemas.microsoft.com/office/powerpoint/2010/main" xmlns="" val="2507476182"/>
+        <p14:creationId xmlns:p14="http://schemas.microsoft.com/office/powerpoint/2010/main" val="2507476182"/>
       </p:ext>
     </p:extLst>
   </p:cSld>
@@ -10724,7 +10680,7 @@
     </p:spTree>
     <p:extLst>
       <p:ext uri="{BB962C8B-B14F-4D97-AF65-F5344CB8AC3E}">
-        <p14:creationId xmlns:p14="http://schemas.microsoft.com/office/powerpoint/2010/main" xmlns="" val="3035101133"/>
+        <p14:creationId xmlns:p14="http://schemas.microsoft.com/office/powerpoint/2010/main" val="3035101133"/>
       </p:ext>
     </p:extLst>
   </p:cSld>
@@ -11834,7 +11790,7 @@
     </p:spTree>
     <p:extLst>
       <p:ext uri="{BB962C8B-B14F-4D97-AF65-F5344CB8AC3E}">
-        <p14:creationId xmlns:p14="http://schemas.microsoft.com/office/powerpoint/2010/main" xmlns="" val="763988436"/>
+        <p14:creationId xmlns:p14="http://schemas.microsoft.com/office/powerpoint/2010/main" val="763988436"/>
       </p:ext>
     </p:extLst>
   </p:cSld>
@@ -12904,7 +12860,7 @@
     </p:spTree>
     <p:extLst>
       <p:ext uri="{BB962C8B-B14F-4D97-AF65-F5344CB8AC3E}">
-        <p14:creationId xmlns:p14="http://schemas.microsoft.com/office/powerpoint/2010/main" xmlns="" val="648694470"/>
+        <p14:creationId xmlns:p14="http://schemas.microsoft.com/office/powerpoint/2010/main" val="648694470"/>
       </p:ext>
     </p:extLst>
   </p:cSld>
@@ -13886,7 +13842,7 @@
     </p:spTree>
     <p:extLst>
       <p:ext uri="{BB962C8B-B14F-4D97-AF65-F5344CB8AC3E}">
-        <p14:creationId xmlns:p14="http://schemas.microsoft.com/office/powerpoint/2010/main" xmlns="" val="1030912055"/>
+        <p14:creationId xmlns:p14="http://schemas.microsoft.com/office/powerpoint/2010/main" val="1030912055"/>
       </p:ext>
     </p:extLst>
   </p:cSld>
@@ -15022,7 +14978,7 @@
     </p:spTree>
     <p:extLst>
       <p:ext uri="{BB962C8B-B14F-4D97-AF65-F5344CB8AC3E}">
-        <p14:creationId xmlns:p14="http://schemas.microsoft.com/office/powerpoint/2010/main" xmlns="" val="857457394"/>
+        <p14:creationId xmlns:p14="http://schemas.microsoft.com/office/powerpoint/2010/main" val="857457394"/>
       </p:ext>
     </p:extLst>
   </p:cSld>
@@ -16057,7 +16013,7 @@
     </p:spTree>
     <p:extLst>
       <p:ext uri="{BB962C8B-B14F-4D97-AF65-F5344CB8AC3E}">
-        <p14:creationId xmlns:p14="http://schemas.microsoft.com/office/powerpoint/2010/main" xmlns="" val="2831906797"/>
+        <p14:creationId xmlns:p14="http://schemas.microsoft.com/office/powerpoint/2010/main" val="2831906797"/>
       </p:ext>
     </p:extLst>
   </p:cSld>
@@ -16683,7 +16639,7 @@
     </p:spTree>
     <p:extLst>
       <p:ext uri="{BB962C8B-B14F-4D97-AF65-F5344CB8AC3E}">
-        <p14:creationId xmlns:p14="http://schemas.microsoft.com/office/powerpoint/2010/main" xmlns="" val="1039826465"/>
+        <p14:creationId xmlns:p14="http://schemas.microsoft.com/office/powerpoint/2010/main" val="1039826465"/>
       </p:ext>
     </p:extLst>
   </p:cSld>
@@ -17551,7 +17507,7 @@
     </p:spTree>
     <p:extLst>
       <p:ext uri="{BB962C8B-B14F-4D97-AF65-F5344CB8AC3E}">
-        <p14:creationId xmlns:p14="http://schemas.microsoft.com/office/powerpoint/2010/main" xmlns="" val="851266346"/>
+        <p14:creationId xmlns:p14="http://schemas.microsoft.com/office/powerpoint/2010/main" val="851266346"/>
       </p:ext>
     </p:extLst>
   </p:cSld>
@@ -17738,7 +17694,7 @@
     </p:spTree>
     <p:extLst>
       <p:ext uri="{BB962C8B-B14F-4D97-AF65-F5344CB8AC3E}">
-        <p14:creationId xmlns:p14="http://schemas.microsoft.com/office/powerpoint/2010/main" xmlns="" val="3485440549"/>
+        <p14:creationId xmlns:p14="http://schemas.microsoft.com/office/powerpoint/2010/main" val="3485440549"/>
       </p:ext>
     </p:extLst>
   </p:cSld>
@@ -18748,7 +18704,7 @@
     </p:spTree>
     <p:extLst>
       <p:ext uri="{BB962C8B-B14F-4D97-AF65-F5344CB8AC3E}">
-        <p14:creationId xmlns:p14="http://schemas.microsoft.com/office/powerpoint/2010/main" xmlns="" val="1079705191"/>
+        <p14:creationId xmlns:p14="http://schemas.microsoft.com/office/powerpoint/2010/main" val="1079705191"/>
       </p:ext>
     </p:extLst>
   </p:cSld>
@@ -18780,7 +18736,7 @@
           <p:cNvPr id="2" name="Title 1">
             <a:extLst>
               <a:ext uri="{FF2B5EF4-FFF2-40B4-BE49-F238E27FC236}">
-                <a16:creationId xmlns:a16="http://schemas.microsoft.com/office/drawing/2014/main" xmlns="" id="{9359B146-6CAF-4641-99D8-CC683A97D938}"/>
+                <a16:creationId xmlns:a16="http://schemas.microsoft.com/office/drawing/2014/main" id="{9359B146-6CAF-4641-99D8-CC683A97D938}"/>
               </a:ext>
             </a:extLst>
           </p:cNvPr>
@@ -18808,7 +18764,7 @@
           <p:cNvPr id="3" name="Content Placeholder 2">
             <a:extLst>
               <a:ext uri="{FF2B5EF4-FFF2-40B4-BE49-F238E27FC236}">
-                <a16:creationId xmlns:a16="http://schemas.microsoft.com/office/drawing/2014/main" xmlns="" id="{81FDF886-4D8B-44C2-ABEF-266ADA856EC6}"/>
+                <a16:creationId xmlns:a16="http://schemas.microsoft.com/office/drawing/2014/main" id="{81FDF886-4D8B-44C2-ABEF-266ADA856EC6}"/>
               </a:ext>
             </a:extLst>
           </p:cNvPr>
@@ -18870,7 +18826,7 @@
           <p:cNvPr id="4" name="Content Placeholder 3">
             <a:extLst>
               <a:ext uri="{FF2B5EF4-FFF2-40B4-BE49-F238E27FC236}">
-                <a16:creationId xmlns:a16="http://schemas.microsoft.com/office/drawing/2014/main" xmlns="" id="{21725DBB-11E1-446A-8D60-B41F6B34C4BC}"/>
+                <a16:creationId xmlns:a16="http://schemas.microsoft.com/office/drawing/2014/main" id="{21725DBB-11E1-446A-8D60-B41F6B34C4BC}"/>
               </a:ext>
             </a:extLst>
           </p:cNvPr>
@@ -18932,7 +18888,7 @@
           <p:cNvPr id="5" name="Date Placeholder 4">
             <a:extLst>
               <a:ext uri="{FF2B5EF4-FFF2-40B4-BE49-F238E27FC236}">
-                <a16:creationId xmlns:a16="http://schemas.microsoft.com/office/drawing/2014/main" xmlns="" id="{0EFD7FAA-86E2-4D39-B703-CE64E18941FE}"/>
+                <a16:creationId xmlns:a16="http://schemas.microsoft.com/office/drawing/2014/main" id="{0EFD7FAA-86E2-4D39-B703-CE64E18941FE}"/>
               </a:ext>
             </a:extLst>
           </p:cNvPr>
@@ -18962,7 +18918,7 @@
           <p:cNvPr id="6" name="Footer Placeholder 5">
             <a:extLst>
               <a:ext uri="{FF2B5EF4-FFF2-40B4-BE49-F238E27FC236}">
-                <a16:creationId xmlns:a16="http://schemas.microsoft.com/office/drawing/2014/main" xmlns="" id="{63E49FA2-FCCD-459A-BCF3-0B6B3157F5F9}"/>
+                <a16:creationId xmlns:a16="http://schemas.microsoft.com/office/drawing/2014/main" id="{63E49FA2-FCCD-459A-BCF3-0B6B3157F5F9}"/>
               </a:ext>
             </a:extLst>
           </p:cNvPr>
@@ -18987,7 +18943,7 @@
           <p:cNvPr id="7" name="Slide Number Placeholder 6">
             <a:extLst>
               <a:ext uri="{FF2B5EF4-FFF2-40B4-BE49-F238E27FC236}">
-                <a16:creationId xmlns:a16="http://schemas.microsoft.com/office/drawing/2014/main" xmlns="" id="{47AC2E65-0E4A-41CC-8387-0DDD78B46688}"/>
+                <a16:creationId xmlns:a16="http://schemas.microsoft.com/office/drawing/2014/main" id="{47AC2E65-0E4A-41CC-8387-0DDD78B46688}"/>
               </a:ext>
             </a:extLst>
           </p:cNvPr>
@@ -19015,7 +18971,7 @@
     </p:spTree>
     <p:extLst>
       <p:ext uri="{BB962C8B-B14F-4D97-AF65-F5344CB8AC3E}">
-        <p14:creationId xmlns:p14="http://schemas.microsoft.com/office/powerpoint/2010/main" xmlns="" val="1946625048"/>
+        <p14:creationId xmlns:p14="http://schemas.microsoft.com/office/powerpoint/2010/main" val="1946625048"/>
       </p:ext>
     </p:extLst>
   </p:cSld>
@@ -19047,7 +19003,7 @@
           <p:cNvPr id="2" name="Title 1">
             <a:extLst>
               <a:ext uri="{FF2B5EF4-FFF2-40B4-BE49-F238E27FC236}">
-                <a16:creationId xmlns:a16="http://schemas.microsoft.com/office/drawing/2014/main" xmlns="" id="{4D311854-BDED-47E4-9DD4-4A5AD7E03457}"/>
+                <a16:creationId xmlns:a16="http://schemas.microsoft.com/office/drawing/2014/main" id="{4D311854-BDED-47E4-9DD4-4A5AD7E03457}"/>
               </a:ext>
             </a:extLst>
           </p:cNvPr>
@@ -19080,7 +19036,7 @@
           <p:cNvPr id="3" name="Text Placeholder 2">
             <a:extLst>
               <a:ext uri="{FF2B5EF4-FFF2-40B4-BE49-F238E27FC236}">
-                <a16:creationId xmlns:a16="http://schemas.microsoft.com/office/drawing/2014/main" xmlns="" id="{41D30E8B-B77A-4D05-A55A-DB892CB4F2D7}"/>
+                <a16:creationId xmlns:a16="http://schemas.microsoft.com/office/drawing/2014/main" id="{41D30E8B-B77A-4D05-A55A-DB892CB4F2D7}"/>
               </a:ext>
             </a:extLst>
           </p:cNvPr>
@@ -19151,7 +19107,7 @@
           <p:cNvPr id="4" name="Content Placeholder 3">
             <a:extLst>
               <a:ext uri="{FF2B5EF4-FFF2-40B4-BE49-F238E27FC236}">
-                <a16:creationId xmlns:a16="http://schemas.microsoft.com/office/drawing/2014/main" xmlns="" id="{F400F4DD-01C3-451F-B204-79FCD4EE2376}"/>
+                <a16:creationId xmlns:a16="http://schemas.microsoft.com/office/drawing/2014/main" id="{F400F4DD-01C3-451F-B204-79FCD4EE2376}"/>
               </a:ext>
             </a:extLst>
           </p:cNvPr>
@@ -19213,7 +19169,7 @@
           <p:cNvPr id="5" name="Text Placeholder 4">
             <a:extLst>
               <a:ext uri="{FF2B5EF4-FFF2-40B4-BE49-F238E27FC236}">
-                <a16:creationId xmlns:a16="http://schemas.microsoft.com/office/drawing/2014/main" xmlns="" id="{4BF58D97-4344-453F-9CAF-C71D8E37CD54}"/>
+                <a16:creationId xmlns:a16="http://schemas.microsoft.com/office/drawing/2014/main" id="{4BF58D97-4344-453F-9CAF-C71D8E37CD54}"/>
               </a:ext>
             </a:extLst>
           </p:cNvPr>
@@ -19284,7 +19240,7 @@
           <p:cNvPr id="6" name="Content Placeholder 5">
             <a:extLst>
               <a:ext uri="{FF2B5EF4-FFF2-40B4-BE49-F238E27FC236}">
-                <a16:creationId xmlns:a16="http://schemas.microsoft.com/office/drawing/2014/main" xmlns="" id="{1EA648DA-EBB0-4C73-954E-854F07CCE66F}"/>
+                <a16:creationId xmlns:a16="http://schemas.microsoft.com/office/drawing/2014/main" id="{1EA648DA-EBB0-4C73-954E-854F07CCE66F}"/>
               </a:ext>
             </a:extLst>
           </p:cNvPr>
@@ -19346,7 +19302,7 @@
           <p:cNvPr id="7" name="Date Placeholder 6">
             <a:extLst>
               <a:ext uri="{FF2B5EF4-FFF2-40B4-BE49-F238E27FC236}">
-                <a16:creationId xmlns:a16="http://schemas.microsoft.com/office/drawing/2014/main" xmlns="" id="{02A3556E-0791-4ABC-9781-0B8B642D1D4A}"/>
+                <a16:creationId xmlns:a16="http://schemas.microsoft.com/office/drawing/2014/main" id="{02A3556E-0791-4ABC-9781-0B8B642D1D4A}"/>
               </a:ext>
             </a:extLst>
           </p:cNvPr>
@@ -19376,7 +19332,7 @@
           <p:cNvPr id="8" name="Footer Placeholder 7">
             <a:extLst>
               <a:ext uri="{FF2B5EF4-FFF2-40B4-BE49-F238E27FC236}">
-                <a16:creationId xmlns:a16="http://schemas.microsoft.com/office/drawing/2014/main" xmlns="" id="{AE9E45F9-7201-4022-8A45-F19CAC246B59}"/>
+                <a16:creationId xmlns:a16="http://schemas.microsoft.com/office/drawing/2014/main" id="{AE9E45F9-7201-4022-8A45-F19CAC246B59}"/>
               </a:ext>
             </a:extLst>
           </p:cNvPr>
@@ -19401,7 +19357,7 @@
           <p:cNvPr id="9" name="Slide Number Placeholder 8">
             <a:extLst>
               <a:ext uri="{FF2B5EF4-FFF2-40B4-BE49-F238E27FC236}">
-                <a16:creationId xmlns:a16="http://schemas.microsoft.com/office/drawing/2014/main" xmlns="" id="{6B1B5659-640D-4C83-9353-49AA3E9E5EB5}"/>
+                <a16:creationId xmlns:a16="http://schemas.microsoft.com/office/drawing/2014/main" id="{6B1B5659-640D-4C83-9353-49AA3E9E5EB5}"/>
               </a:ext>
             </a:extLst>
           </p:cNvPr>
@@ -19429,7 +19385,7 @@
     </p:spTree>
     <p:extLst>
       <p:ext uri="{BB962C8B-B14F-4D97-AF65-F5344CB8AC3E}">
-        <p14:creationId xmlns:p14="http://schemas.microsoft.com/office/powerpoint/2010/main" xmlns="" val="3644975514"/>
+        <p14:creationId xmlns:p14="http://schemas.microsoft.com/office/powerpoint/2010/main" val="3644975514"/>
       </p:ext>
     </p:extLst>
   </p:cSld>
@@ -19461,7 +19417,7 @@
           <p:cNvPr id="2" name="Title 1">
             <a:extLst>
               <a:ext uri="{FF2B5EF4-FFF2-40B4-BE49-F238E27FC236}">
-                <a16:creationId xmlns:a16="http://schemas.microsoft.com/office/drawing/2014/main" xmlns="" id="{37E0B259-FEBB-4D78-9090-8E78AE3C2553}"/>
+                <a16:creationId xmlns:a16="http://schemas.microsoft.com/office/drawing/2014/main" id="{37E0B259-FEBB-4D78-9090-8E78AE3C2553}"/>
               </a:ext>
             </a:extLst>
           </p:cNvPr>
@@ -19489,7 +19445,7 @@
           <p:cNvPr id="3" name="Date Placeholder 2">
             <a:extLst>
               <a:ext uri="{FF2B5EF4-FFF2-40B4-BE49-F238E27FC236}">
-                <a16:creationId xmlns:a16="http://schemas.microsoft.com/office/drawing/2014/main" xmlns="" id="{2A84B66F-F0A6-45EE-B2C6-6D366D4A4089}"/>
+                <a16:creationId xmlns:a16="http://schemas.microsoft.com/office/drawing/2014/main" id="{2A84B66F-F0A6-45EE-B2C6-6D366D4A4089}"/>
               </a:ext>
             </a:extLst>
           </p:cNvPr>
@@ -19519,7 +19475,7 @@
           <p:cNvPr id="4" name="Footer Placeholder 3">
             <a:extLst>
               <a:ext uri="{FF2B5EF4-FFF2-40B4-BE49-F238E27FC236}">
-                <a16:creationId xmlns:a16="http://schemas.microsoft.com/office/drawing/2014/main" xmlns="" id="{E44867BD-6DF0-4883-B070-9F1C0AE28F2F}"/>
+                <a16:creationId xmlns:a16="http://schemas.microsoft.com/office/drawing/2014/main" id="{E44867BD-6DF0-4883-B070-9F1C0AE28F2F}"/>
               </a:ext>
             </a:extLst>
           </p:cNvPr>
@@ -19544,7 +19500,7 @@
           <p:cNvPr id="5" name="Slide Number Placeholder 4">
             <a:extLst>
               <a:ext uri="{FF2B5EF4-FFF2-40B4-BE49-F238E27FC236}">
-                <a16:creationId xmlns:a16="http://schemas.microsoft.com/office/drawing/2014/main" xmlns="" id="{DCDCCE0B-65B3-45C1-9B67-27B1B82E10F3}"/>
+                <a16:creationId xmlns:a16="http://schemas.microsoft.com/office/drawing/2014/main" id="{DCDCCE0B-65B3-45C1-9B67-27B1B82E10F3}"/>
               </a:ext>
             </a:extLst>
           </p:cNvPr>
@@ -19572,7 +19528,7 @@
     </p:spTree>
     <p:extLst>
       <p:ext uri="{BB962C8B-B14F-4D97-AF65-F5344CB8AC3E}">
-        <p14:creationId xmlns:p14="http://schemas.microsoft.com/office/powerpoint/2010/main" xmlns="" val="3255360765"/>
+        <p14:creationId xmlns:p14="http://schemas.microsoft.com/office/powerpoint/2010/main" val="3255360765"/>
       </p:ext>
     </p:extLst>
   </p:cSld>
@@ -19604,7 +19560,7 @@
           <p:cNvPr id="2" name="Date Placeholder 1">
             <a:extLst>
               <a:ext uri="{FF2B5EF4-FFF2-40B4-BE49-F238E27FC236}">
-                <a16:creationId xmlns:a16="http://schemas.microsoft.com/office/drawing/2014/main" xmlns="" id="{3035E0B0-A370-4BB7-BBEB-B779979C8D41}"/>
+                <a16:creationId xmlns:a16="http://schemas.microsoft.com/office/drawing/2014/main" id="{3035E0B0-A370-4BB7-BBEB-B779979C8D41}"/>
               </a:ext>
             </a:extLst>
           </p:cNvPr>
@@ -19634,7 +19590,7 @@
           <p:cNvPr id="3" name="Footer Placeholder 2">
             <a:extLst>
               <a:ext uri="{FF2B5EF4-FFF2-40B4-BE49-F238E27FC236}">
-                <a16:creationId xmlns:a16="http://schemas.microsoft.com/office/drawing/2014/main" xmlns="" id="{AEAA83E9-513C-40DA-8CC9-34B49F6FA1D6}"/>
+                <a16:creationId xmlns:a16="http://schemas.microsoft.com/office/drawing/2014/main" id="{AEAA83E9-513C-40DA-8CC9-34B49F6FA1D6}"/>
               </a:ext>
             </a:extLst>
           </p:cNvPr>
@@ -19659,7 +19615,7 @@
           <p:cNvPr id="4" name="Slide Number Placeholder 3">
             <a:extLst>
               <a:ext uri="{FF2B5EF4-FFF2-40B4-BE49-F238E27FC236}">
-                <a16:creationId xmlns:a16="http://schemas.microsoft.com/office/drawing/2014/main" xmlns="" id="{DAF9ACB8-E154-4EE3-9149-9706D343A948}"/>
+                <a16:creationId xmlns:a16="http://schemas.microsoft.com/office/drawing/2014/main" id="{DAF9ACB8-E154-4EE3-9149-9706D343A948}"/>
               </a:ext>
             </a:extLst>
           </p:cNvPr>
@@ -19687,7 +19643,7 @@
     </p:spTree>
     <p:extLst>
       <p:ext uri="{BB962C8B-B14F-4D97-AF65-F5344CB8AC3E}">
-        <p14:creationId xmlns:p14="http://schemas.microsoft.com/office/powerpoint/2010/main" xmlns="" val="1899726466"/>
+        <p14:creationId xmlns:p14="http://schemas.microsoft.com/office/powerpoint/2010/main" val="1899726466"/>
       </p:ext>
     </p:extLst>
   </p:cSld>
@@ -19719,7 +19675,7 @@
           <p:cNvPr id="2" name="Title 1">
             <a:extLst>
               <a:ext uri="{FF2B5EF4-FFF2-40B4-BE49-F238E27FC236}">
-                <a16:creationId xmlns:a16="http://schemas.microsoft.com/office/drawing/2014/main" xmlns="" id="{856B05B5-7102-4C0F-AFF8-7A3408F7626C}"/>
+                <a16:creationId xmlns:a16="http://schemas.microsoft.com/office/drawing/2014/main" id="{856B05B5-7102-4C0F-AFF8-7A3408F7626C}"/>
               </a:ext>
             </a:extLst>
           </p:cNvPr>
@@ -19756,7 +19712,7 @@
           <p:cNvPr id="3" name="Content Placeholder 2">
             <a:extLst>
               <a:ext uri="{FF2B5EF4-FFF2-40B4-BE49-F238E27FC236}">
-                <a16:creationId xmlns:a16="http://schemas.microsoft.com/office/drawing/2014/main" xmlns="" id="{05DF1FEB-7FD9-41BE-9CBF-3FE7767CAB97}"/>
+                <a16:creationId xmlns:a16="http://schemas.microsoft.com/office/drawing/2014/main" id="{05DF1FEB-7FD9-41BE-9CBF-3FE7767CAB97}"/>
               </a:ext>
             </a:extLst>
           </p:cNvPr>
@@ -19846,7 +19802,7 @@
           <p:cNvPr id="4" name="Text Placeholder 3">
             <a:extLst>
               <a:ext uri="{FF2B5EF4-FFF2-40B4-BE49-F238E27FC236}">
-                <a16:creationId xmlns:a16="http://schemas.microsoft.com/office/drawing/2014/main" xmlns="" id="{C870C6BC-781A-4CB9-A634-3646EF44621F}"/>
+                <a16:creationId xmlns:a16="http://schemas.microsoft.com/office/drawing/2014/main" id="{C870C6BC-781A-4CB9-A634-3646EF44621F}"/>
               </a:ext>
             </a:extLst>
           </p:cNvPr>
@@ -19917,7 +19873,7 @@
           <p:cNvPr id="5" name="Date Placeholder 4">
             <a:extLst>
               <a:ext uri="{FF2B5EF4-FFF2-40B4-BE49-F238E27FC236}">
-                <a16:creationId xmlns:a16="http://schemas.microsoft.com/office/drawing/2014/main" xmlns="" id="{AB23D767-3279-471A-9AA2-7196B9B7B86C}"/>
+                <a16:creationId xmlns:a16="http://schemas.microsoft.com/office/drawing/2014/main" id="{AB23D767-3279-471A-9AA2-7196B9B7B86C}"/>
               </a:ext>
             </a:extLst>
           </p:cNvPr>
@@ -19947,7 +19903,7 @@
           <p:cNvPr id="6" name="Footer Placeholder 5">
             <a:extLst>
               <a:ext uri="{FF2B5EF4-FFF2-40B4-BE49-F238E27FC236}">
-                <a16:creationId xmlns:a16="http://schemas.microsoft.com/office/drawing/2014/main" xmlns="" id="{3D26300E-3BF8-45E8-8E84-2BD6733DDE93}"/>
+                <a16:creationId xmlns:a16="http://schemas.microsoft.com/office/drawing/2014/main" id="{3D26300E-3BF8-45E8-8E84-2BD6733DDE93}"/>
               </a:ext>
             </a:extLst>
           </p:cNvPr>
@@ -19972,7 +19928,7 @@
           <p:cNvPr id="7" name="Slide Number Placeholder 6">
             <a:extLst>
               <a:ext uri="{FF2B5EF4-FFF2-40B4-BE49-F238E27FC236}">
-                <a16:creationId xmlns:a16="http://schemas.microsoft.com/office/drawing/2014/main" xmlns="" id="{82C68896-5B35-436F-B529-6BEF8AD74F6A}"/>
+                <a16:creationId xmlns:a16="http://schemas.microsoft.com/office/drawing/2014/main" id="{82C68896-5B35-436F-B529-6BEF8AD74F6A}"/>
               </a:ext>
             </a:extLst>
           </p:cNvPr>
@@ -20000,7 +19956,7 @@
     </p:spTree>
     <p:extLst>
       <p:ext uri="{BB962C8B-B14F-4D97-AF65-F5344CB8AC3E}">
-        <p14:creationId xmlns:p14="http://schemas.microsoft.com/office/powerpoint/2010/main" xmlns="" val="1213147169"/>
+        <p14:creationId xmlns:p14="http://schemas.microsoft.com/office/powerpoint/2010/main" val="1213147169"/>
       </p:ext>
     </p:extLst>
   </p:cSld>
@@ -20032,7 +19988,7 @@
           <p:cNvPr id="2" name="Title 1">
             <a:extLst>
               <a:ext uri="{FF2B5EF4-FFF2-40B4-BE49-F238E27FC236}">
-                <a16:creationId xmlns:a16="http://schemas.microsoft.com/office/drawing/2014/main" xmlns="" id="{94C0E897-1767-4BA8-A1CC-68345B4A84A7}"/>
+                <a16:creationId xmlns:a16="http://schemas.microsoft.com/office/drawing/2014/main" id="{94C0E897-1767-4BA8-A1CC-68345B4A84A7}"/>
               </a:ext>
             </a:extLst>
           </p:cNvPr>
@@ -20069,7 +20025,7 @@
           <p:cNvPr id="3" name="Picture Placeholder 2">
             <a:extLst>
               <a:ext uri="{FF2B5EF4-FFF2-40B4-BE49-F238E27FC236}">
-                <a16:creationId xmlns:a16="http://schemas.microsoft.com/office/drawing/2014/main" xmlns="" id="{F25AD2CB-23B0-4128-B792-94F9672D4AA5}"/>
+                <a16:creationId xmlns:a16="http://schemas.microsoft.com/office/drawing/2014/main" id="{F25AD2CB-23B0-4128-B792-94F9672D4AA5}"/>
               </a:ext>
             </a:extLst>
           </p:cNvPr>
@@ -20136,7 +20092,7 @@
           <p:cNvPr id="4" name="Text Placeholder 3">
             <a:extLst>
               <a:ext uri="{FF2B5EF4-FFF2-40B4-BE49-F238E27FC236}">
-                <a16:creationId xmlns:a16="http://schemas.microsoft.com/office/drawing/2014/main" xmlns="" id="{509F865B-2B5C-402B-A3C3-4C4967E1E4B1}"/>
+                <a16:creationId xmlns:a16="http://schemas.microsoft.com/office/drawing/2014/main" id="{509F865B-2B5C-402B-A3C3-4C4967E1E4B1}"/>
               </a:ext>
             </a:extLst>
           </p:cNvPr>
@@ -20207,7 +20163,7 @@
           <p:cNvPr id="5" name="Date Placeholder 4">
             <a:extLst>
               <a:ext uri="{FF2B5EF4-FFF2-40B4-BE49-F238E27FC236}">
-                <a16:creationId xmlns:a16="http://schemas.microsoft.com/office/drawing/2014/main" xmlns="" id="{ECDE67EE-652D-4D06-99F8-078095E6836B}"/>
+                <a16:creationId xmlns:a16="http://schemas.microsoft.com/office/drawing/2014/main" id="{ECDE67EE-652D-4D06-99F8-078095E6836B}"/>
               </a:ext>
             </a:extLst>
           </p:cNvPr>
@@ -20237,7 +20193,7 @@
           <p:cNvPr id="6" name="Footer Placeholder 5">
             <a:extLst>
               <a:ext uri="{FF2B5EF4-FFF2-40B4-BE49-F238E27FC236}">
-                <a16:creationId xmlns:a16="http://schemas.microsoft.com/office/drawing/2014/main" xmlns="" id="{64332ADE-D402-4C83-9AB7-4F8B397FFAC5}"/>
+                <a16:creationId xmlns:a16="http://schemas.microsoft.com/office/drawing/2014/main" id="{64332ADE-D402-4C83-9AB7-4F8B397FFAC5}"/>
               </a:ext>
             </a:extLst>
           </p:cNvPr>
@@ -20262,7 +20218,7 @@
           <p:cNvPr id="7" name="Slide Number Placeholder 6">
             <a:extLst>
               <a:ext uri="{FF2B5EF4-FFF2-40B4-BE49-F238E27FC236}">
-                <a16:creationId xmlns:a16="http://schemas.microsoft.com/office/drawing/2014/main" xmlns="" id="{086CE410-D2CA-4BC8-A69F-145519CC0BDF}"/>
+                <a16:creationId xmlns:a16="http://schemas.microsoft.com/office/drawing/2014/main" id="{086CE410-D2CA-4BC8-A69F-145519CC0BDF}"/>
               </a:ext>
             </a:extLst>
           </p:cNvPr>
@@ -20290,7 +20246,7 @@
     </p:spTree>
     <p:extLst>
       <p:ext uri="{BB962C8B-B14F-4D97-AF65-F5344CB8AC3E}">
-        <p14:creationId xmlns:p14="http://schemas.microsoft.com/office/powerpoint/2010/main" xmlns="" val="1053204173"/>
+        <p14:creationId xmlns:p14="http://schemas.microsoft.com/office/powerpoint/2010/main" val="1053204173"/>
       </p:ext>
     </p:extLst>
   </p:cSld>
@@ -20336,7 +20292,7 @@
           <p:cNvPr id="2" name="Title Placeholder 1">
             <a:extLst>
               <a:ext uri="{FF2B5EF4-FFF2-40B4-BE49-F238E27FC236}">
-                <a16:creationId xmlns:a16="http://schemas.microsoft.com/office/drawing/2014/main" xmlns="" id="{6DD33CF8-3A58-4332-AE89-44475E134200}"/>
+                <a16:creationId xmlns:a16="http://schemas.microsoft.com/office/drawing/2014/main" id="{6DD33CF8-3A58-4332-AE89-44475E134200}"/>
               </a:ext>
             </a:extLst>
           </p:cNvPr>
@@ -20374,7 +20330,7 @@
           <p:cNvPr id="3" name="Text Placeholder 2">
             <a:extLst>
               <a:ext uri="{FF2B5EF4-FFF2-40B4-BE49-F238E27FC236}">
-                <a16:creationId xmlns:a16="http://schemas.microsoft.com/office/drawing/2014/main" xmlns="" id="{D81F79D6-60AD-4D0A-9327-B28B4B1D0F54}"/>
+                <a16:creationId xmlns:a16="http://schemas.microsoft.com/office/drawing/2014/main" id="{D81F79D6-60AD-4D0A-9327-B28B4B1D0F54}"/>
               </a:ext>
             </a:extLst>
           </p:cNvPr>
@@ -20441,7 +20397,7 @@
           <p:cNvPr id="4" name="Date Placeholder 3">
             <a:extLst>
               <a:ext uri="{FF2B5EF4-FFF2-40B4-BE49-F238E27FC236}">
-                <a16:creationId xmlns:a16="http://schemas.microsoft.com/office/drawing/2014/main" xmlns="" id="{547363BE-FD8F-4E21-9A93-EDCD020E295C}"/>
+                <a16:creationId xmlns:a16="http://schemas.microsoft.com/office/drawing/2014/main" id="{547363BE-FD8F-4E21-9A93-EDCD020E295C}"/>
               </a:ext>
             </a:extLst>
           </p:cNvPr>
@@ -20489,7 +20445,7 @@
           <p:cNvPr id="5" name="Footer Placeholder 4">
             <a:extLst>
               <a:ext uri="{FF2B5EF4-FFF2-40B4-BE49-F238E27FC236}">
-                <a16:creationId xmlns:a16="http://schemas.microsoft.com/office/drawing/2014/main" xmlns="" id="{FCC76876-03B8-48C5-A406-168385F59FB2}"/>
+                <a16:creationId xmlns:a16="http://schemas.microsoft.com/office/drawing/2014/main" id="{FCC76876-03B8-48C5-A406-168385F59FB2}"/>
               </a:ext>
             </a:extLst>
           </p:cNvPr>
@@ -20532,7 +20488,7 @@
           <p:cNvPr id="6" name="Slide Number Placeholder 5">
             <a:extLst>
               <a:ext uri="{FF2B5EF4-FFF2-40B4-BE49-F238E27FC236}">
-                <a16:creationId xmlns:a16="http://schemas.microsoft.com/office/drawing/2014/main" xmlns="" id="{342212F8-AA4F-402B-B8EB-8520AD6C1AEE}"/>
+                <a16:creationId xmlns:a16="http://schemas.microsoft.com/office/drawing/2014/main" id="{342212F8-AA4F-402B-B8EB-8520AD6C1AEE}"/>
               </a:ext>
             </a:extLst>
           </p:cNvPr>
@@ -20578,7 +20534,7 @@
     </p:spTree>
     <p:extLst>
       <p:ext uri="{BB962C8B-B14F-4D97-AF65-F5344CB8AC3E}">
-        <p14:creationId xmlns:p14="http://schemas.microsoft.com/office/powerpoint/2010/main" xmlns="" val="3716681895"/>
+        <p14:creationId xmlns:p14="http://schemas.microsoft.com/office/powerpoint/2010/main" val="3716681895"/>
       </p:ext>
     </p:extLst>
   </p:cSld>
@@ -20906,7 +20862,7 @@
           <p:cNvPr id="2" name="Title Placeholder 1">
             <a:extLst>
               <a:ext uri="{FF2B5EF4-FFF2-40B4-BE49-F238E27FC236}">
-                <a16:creationId xmlns:a16="http://schemas.microsoft.com/office/drawing/2014/main" xmlns="" id="{AA76E452-A499-4E46-90F9-D25A3494DA14}"/>
+                <a16:creationId xmlns:a16="http://schemas.microsoft.com/office/drawing/2014/main" id="{AA76E452-A499-4E46-90F9-D25A3494DA14}"/>
               </a:ext>
             </a:extLst>
           </p:cNvPr>
@@ -20944,7 +20900,7 @@
           <p:cNvPr id="3" name="Text Placeholder 2">
             <a:extLst>
               <a:ext uri="{FF2B5EF4-FFF2-40B4-BE49-F238E27FC236}">
-                <a16:creationId xmlns:a16="http://schemas.microsoft.com/office/drawing/2014/main" xmlns="" id="{25820B7B-DE3C-4CC7-BBEB-22846F2DD3BD}"/>
+                <a16:creationId xmlns:a16="http://schemas.microsoft.com/office/drawing/2014/main" id="{25820B7B-DE3C-4CC7-BBEB-22846F2DD3BD}"/>
               </a:ext>
             </a:extLst>
           </p:cNvPr>
@@ -21011,7 +20967,7 @@
           <p:cNvPr id="4" name="Date Placeholder 3">
             <a:extLst>
               <a:ext uri="{FF2B5EF4-FFF2-40B4-BE49-F238E27FC236}">
-                <a16:creationId xmlns:a16="http://schemas.microsoft.com/office/drawing/2014/main" xmlns="" id="{C5122190-F377-45D7-889A-D18B5FCD1C21}"/>
+                <a16:creationId xmlns:a16="http://schemas.microsoft.com/office/drawing/2014/main" id="{C5122190-F377-45D7-889A-D18B5FCD1C21}"/>
               </a:ext>
             </a:extLst>
           </p:cNvPr>
@@ -21059,7 +21015,7 @@
           <p:cNvPr id="5" name="Footer Placeholder 4">
             <a:extLst>
               <a:ext uri="{FF2B5EF4-FFF2-40B4-BE49-F238E27FC236}">
-                <a16:creationId xmlns:a16="http://schemas.microsoft.com/office/drawing/2014/main" xmlns="" id="{6F30C83A-6EE8-4245-AE27-E4D174B7337D}"/>
+                <a16:creationId xmlns:a16="http://schemas.microsoft.com/office/drawing/2014/main" id="{6F30C83A-6EE8-4245-AE27-E4D174B7337D}"/>
               </a:ext>
             </a:extLst>
           </p:cNvPr>
@@ -21102,7 +21058,7 @@
           <p:cNvPr id="6" name="Slide Number Placeholder 5">
             <a:extLst>
               <a:ext uri="{FF2B5EF4-FFF2-40B4-BE49-F238E27FC236}">
-                <a16:creationId xmlns:a16="http://schemas.microsoft.com/office/drawing/2014/main" xmlns="" id="{9D6FE329-8792-4AB9-984E-A84A803B62BF}"/>
+                <a16:creationId xmlns:a16="http://schemas.microsoft.com/office/drawing/2014/main" id="{9D6FE329-8792-4AB9-984E-A84A803B62BF}"/>
               </a:ext>
             </a:extLst>
           </p:cNvPr>
@@ -21148,7 +21104,7 @@
     </p:spTree>
     <p:extLst>
       <p:ext uri="{BB962C8B-B14F-4D97-AF65-F5344CB8AC3E}">
-        <p14:creationId xmlns:p14="http://schemas.microsoft.com/office/powerpoint/2010/main" xmlns="" val="1632636643"/>
+        <p14:creationId xmlns:p14="http://schemas.microsoft.com/office/powerpoint/2010/main" val="1632636643"/>
       </p:ext>
     </p:extLst>
   </p:cSld>
@@ -22470,7 +22426,7 @@
     </p:spTree>
     <p:extLst>
       <p:ext uri="{BB962C8B-B14F-4D97-AF65-F5344CB8AC3E}">
-        <p14:creationId xmlns:p14="http://schemas.microsoft.com/office/powerpoint/2010/main" xmlns="" val="1435763585"/>
+        <p14:creationId xmlns:p14="http://schemas.microsoft.com/office/powerpoint/2010/main" val="1435763585"/>
       </p:ext>
     </p:extLst>
   </p:cSld>
@@ -22915,7 +22871,7 @@
           <p:cNvPr id="7" name="Picture 6">
             <a:extLst>
               <a:ext uri="{FF2B5EF4-FFF2-40B4-BE49-F238E27FC236}">
-                <a16:creationId xmlns:a16="http://schemas.microsoft.com/office/drawing/2014/main" xmlns="" id="{1656D24D-DA55-4582-A1C9-D771CE860442}"/>
+                <a16:creationId xmlns:a16="http://schemas.microsoft.com/office/drawing/2014/main" id="{1656D24D-DA55-4582-A1C9-D771CE860442}"/>
               </a:ext>
             </a:extLst>
           </p:cNvPr>
@@ -22928,7 +22884,7 @@
           <a:blip r:embed="rId2" cstate="print">
             <a:extLst>
               <a:ext uri="{28A0092B-C50C-407E-A947-70E740481C1C}">
-                <a14:useLocalDpi xmlns:a14="http://schemas.microsoft.com/office/drawing/2010/main" xmlns="" val="0"/>
+                <a14:useLocalDpi xmlns:a14="http://schemas.microsoft.com/office/drawing/2010/main" val="0"/>
               </a:ext>
             </a:extLst>
           </a:blip>
@@ -22951,7 +22907,7 @@
           <p:cNvPr id="9" name="TextBox 8">
             <a:extLst>
               <a:ext uri="{FF2B5EF4-FFF2-40B4-BE49-F238E27FC236}">
-                <a16:creationId xmlns:a16="http://schemas.microsoft.com/office/drawing/2014/main" xmlns="" id="{7701DA2D-68CD-4AB8-A529-642F60D92F91}"/>
+                <a16:creationId xmlns:a16="http://schemas.microsoft.com/office/drawing/2014/main" id="{7701DA2D-68CD-4AB8-A529-642F60D92F91}"/>
               </a:ext>
             </a:extLst>
           </p:cNvPr>
@@ -23010,15 +22966,6 @@
               </a:rPr>
               <a:t>SLIIT ITP PROJECT PROPOSAL</a:t>
             </a:r>
-            <a:r>
-              <a:rPr lang="en-US" sz="4400" b="1" dirty="0">
-                <a:solidFill>
-                  <a:schemeClr val="bg1"/>
-                </a:solidFill>
-                <a:latin typeface="Agency FB" panose="020B0503020202020204" pitchFamily="34" charset="0"/>
-              </a:rPr>
-              <a:t/>
-            </a:r>
             <a:br>
               <a:rPr lang="en-US" sz="4400" b="1" dirty="0">
                 <a:solidFill>
@@ -23069,17 +23016,6 @@
               </a:rPr>
               <a:t>ITP21F_05</a:t>
             </a:r>
-            <a:r>
-              <a:rPr lang="en-US" sz="2400" dirty="0">
-                <a:solidFill>
-                  <a:schemeClr val="bg1"/>
-                </a:solidFill>
-                <a:latin typeface="Tahoma" panose="020B0604030504040204" pitchFamily="34" charset="0"/>
-                <a:ea typeface="Tahoma" panose="020B0604030504040204" pitchFamily="34" charset="0"/>
-                <a:cs typeface="Tahoma" panose="020B0604030504040204" pitchFamily="34" charset="0"/>
-              </a:rPr>
-              <a:t/>
-            </a:r>
             <a:br>
               <a:rPr lang="en-US" sz="2400" dirty="0">
                 <a:solidFill>
@@ -23110,7 +23046,7 @@
           <p:cNvPr id="4" name="Picture 3" descr="A picture containing text, clipart&#10;&#10;Description automatically generated">
             <a:extLst>
               <a:ext uri="{FF2B5EF4-FFF2-40B4-BE49-F238E27FC236}">
-                <a16:creationId xmlns:a16="http://schemas.microsoft.com/office/drawing/2014/main" xmlns="" id="{F94C7CB8-47DE-4539-9744-68DFC45F2817}"/>
+                <a16:creationId xmlns:a16="http://schemas.microsoft.com/office/drawing/2014/main" id="{F94C7CB8-47DE-4539-9744-68DFC45F2817}"/>
               </a:ext>
             </a:extLst>
           </p:cNvPr>
@@ -23123,7 +23059,7 @@
           <a:blip r:embed="rId3" cstate="print">
             <a:extLst>
               <a:ext uri="{28A0092B-C50C-407E-A947-70E740481C1C}">
-                <a14:useLocalDpi xmlns:a14="http://schemas.microsoft.com/office/drawing/2010/main" xmlns="" val="0"/>
+                <a14:useLocalDpi xmlns:a14="http://schemas.microsoft.com/office/drawing/2010/main" val="0"/>
               </a:ext>
             </a:extLst>
           </a:blip>
@@ -23144,7 +23080,7 @@
     </p:spTree>
     <p:extLst>
       <p:ext uri="{BB962C8B-B14F-4D97-AF65-F5344CB8AC3E}">
-        <p14:creationId xmlns:p14="http://schemas.microsoft.com/office/powerpoint/2010/main" xmlns="" val="3108703955"/>
+        <p14:creationId xmlns:p14="http://schemas.microsoft.com/office/powerpoint/2010/main" val="3108703955"/>
       </p:ext>
     </p:extLst>
   </p:cSld>
@@ -23176,7 +23112,7 @@
           <p:cNvPr id="2" name="Title 1">
             <a:extLst>
               <a:ext uri="{FF2B5EF4-FFF2-40B4-BE49-F238E27FC236}">
-                <a16:creationId xmlns:a16="http://schemas.microsoft.com/office/drawing/2014/main" xmlns="" id="{0DA162D8-610A-4DDC-94B7-E9EA937F2B1E}"/>
+                <a16:creationId xmlns:a16="http://schemas.microsoft.com/office/drawing/2014/main" id="{0DA162D8-610A-4DDC-94B7-E9EA937F2B1E}"/>
               </a:ext>
             </a:extLst>
           </p:cNvPr>
@@ -23223,7 +23159,7 @@
           <p:cNvPr id="3" name="Content Placeholder 2">
             <a:extLst>
               <a:ext uri="{FF2B5EF4-FFF2-40B4-BE49-F238E27FC236}">
-                <a16:creationId xmlns:a16="http://schemas.microsoft.com/office/drawing/2014/main" xmlns="" id="{1C67FCC8-D9D6-44F7-A603-89217AE9B695}"/>
+                <a16:creationId xmlns:a16="http://schemas.microsoft.com/office/drawing/2014/main" id="{1C67FCC8-D9D6-44F7-A603-89217AE9B695}"/>
               </a:ext>
             </a:extLst>
           </p:cNvPr>
@@ -23341,7 +23277,7 @@
           <p:cNvPr id="4" name="Picture 3" descr="A picture containing text, clipart&#10;&#10;Description automatically generated">
             <a:extLst>
               <a:ext uri="{FF2B5EF4-FFF2-40B4-BE49-F238E27FC236}">
-                <a16:creationId xmlns:a16="http://schemas.microsoft.com/office/drawing/2014/main" xmlns="" id="{A2F091B7-A25D-4084-B537-93BDB0922E83}"/>
+                <a16:creationId xmlns:a16="http://schemas.microsoft.com/office/drawing/2014/main" id="{A2F091B7-A25D-4084-B537-93BDB0922E83}"/>
               </a:ext>
             </a:extLst>
           </p:cNvPr>
@@ -23354,7 +23290,7 @@
           <a:blip r:embed="rId2" cstate="print">
             <a:extLst>
               <a:ext uri="{28A0092B-C50C-407E-A947-70E740481C1C}">
-                <a14:useLocalDpi xmlns:a14="http://schemas.microsoft.com/office/drawing/2010/main" xmlns="" val="0"/>
+                <a14:useLocalDpi xmlns:a14="http://schemas.microsoft.com/office/drawing/2010/main" val="0"/>
               </a:ext>
             </a:extLst>
           </a:blip>
@@ -23377,7 +23313,7 @@
           <p:cNvPr id="6" name="Picture 5">
             <a:extLst>
               <a:ext uri="{FF2B5EF4-FFF2-40B4-BE49-F238E27FC236}">
-                <a16:creationId xmlns:a16="http://schemas.microsoft.com/office/drawing/2014/main" xmlns="" id="{F3EC8641-A3D9-4C45-AF16-AB90D97FF985}"/>
+                <a16:creationId xmlns:a16="http://schemas.microsoft.com/office/drawing/2014/main" id="{F3EC8641-A3D9-4C45-AF16-AB90D97FF985}"/>
               </a:ext>
             </a:extLst>
           </p:cNvPr>
@@ -23390,7 +23326,7 @@
           <a:blip r:embed="rId3" cstate="print">
             <a:extLst>
               <a:ext uri="{28A0092B-C50C-407E-A947-70E740481C1C}">
-                <a14:useLocalDpi xmlns:a14="http://schemas.microsoft.com/office/drawing/2010/main" xmlns="" val="0"/>
+                <a14:useLocalDpi xmlns:a14="http://schemas.microsoft.com/office/drawing/2010/main" val="0"/>
               </a:ext>
             </a:extLst>
           </a:blip>
@@ -23411,7 +23347,7 @@
     </p:spTree>
     <p:extLst>
       <p:ext uri="{BB962C8B-B14F-4D97-AF65-F5344CB8AC3E}">
-        <p14:creationId xmlns:p14="http://schemas.microsoft.com/office/powerpoint/2010/main" xmlns="" val="2392851054"/>
+        <p14:creationId xmlns:p14="http://schemas.microsoft.com/office/powerpoint/2010/main" val="2392851054"/>
       </p:ext>
     </p:extLst>
   </p:cSld>
@@ -23443,7 +23379,7 @@
           <p:cNvPr id="2" name="Title 1">
             <a:extLst>
               <a:ext uri="{FF2B5EF4-FFF2-40B4-BE49-F238E27FC236}">
-                <a16:creationId xmlns:a16="http://schemas.microsoft.com/office/drawing/2014/main" xmlns="" id="{0DA162D8-610A-4DDC-94B7-E9EA937F2B1E}"/>
+                <a16:creationId xmlns:a16="http://schemas.microsoft.com/office/drawing/2014/main" id="{0DA162D8-610A-4DDC-94B7-E9EA937F2B1E}"/>
               </a:ext>
             </a:extLst>
           </p:cNvPr>
@@ -23490,7 +23426,7 @@
           <p:cNvPr id="3" name="Content Placeholder 2">
             <a:extLst>
               <a:ext uri="{FF2B5EF4-FFF2-40B4-BE49-F238E27FC236}">
-                <a16:creationId xmlns:a16="http://schemas.microsoft.com/office/drawing/2014/main" xmlns="" id="{1C67FCC8-D9D6-44F7-A603-89217AE9B695}"/>
+                <a16:creationId xmlns:a16="http://schemas.microsoft.com/office/drawing/2014/main" id="{1C67FCC8-D9D6-44F7-A603-89217AE9B695}"/>
               </a:ext>
             </a:extLst>
           </p:cNvPr>
@@ -23626,7 +23562,7 @@
           <p:cNvPr id="4" name="Picture 3" descr="A picture containing text, clipart&#10;&#10;Description automatically generated">
             <a:extLst>
               <a:ext uri="{FF2B5EF4-FFF2-40B4-BE49-F238E27FC236}">
-                <a16:creationId xmlns:a16="http://schemas.microsoft.com/office/drawing/2014/main" xmlns="" id="{D42C10F6-00B0-4015-8A6C-786B0A3D754E}"/>
+                <a16:creationId xmlns:a16="http://schemas.microsoft.com/office/drawing/2014/main" id="{D42C10F6-00B0-4015-8A6C-786B0A3D754E}"/>
               </a:ext>
             </a:extLst>
           </p:cNvPr>
@@ -23639,7 +23575,7 @@
           <a:blip r:embed="rId2" cstate="print">
             <a:extLst>
               <a:ext uri="{28A0092B-C50C-407E-A947-70E740481C1C}">
-                <a14:useLocalDpi xmlns:a14="http://schemas.microsoft.com/office/drawing/2010/main" xmlns="" val="0"/>
+                <a14:useLocalDpi xmlns:a14="http://schemas.microsoft.com/office/drawing/2010/main" val="0"/>
               </a:ext>
             </a:extLst>
           </a:blip>
@@ -23662,7 +23598,7 @@
           <p:cNvPr id="6" name="Picture 5">
             <a:extLst>
               <a:ext uri="{FF2B5EF4-FFF2-40B4-BE49-F238E27FC236}">
-                <a16:creationId xmlns:a16="http://schemas.microsoft.com/office/drawing/2014/main" xmlns="" id="{8718FD1E-0676-416D-BCEB-E9AD891C5FA4}"/>
+                <a16:creationId xmlns:a16="http://schemas.microsoft.com/office/drawing/2014/main" id="{8718FD1E-0676-416D-BCEB-E9AD891C5FA4}"/>
               </a:ext>
             </a:extLst>
           </p:cNvPr>
@@ -23675,7 +23611,7 @@
           <a:blip r:embed="rId3" cstate="print">
             <a:extLst>
               <a:ext uri="{28A0092B-C50C-407E-A947-70E740481C1C}">
-                <a14:useLocalDpi xmlns:a14="http://schemas.microsoft.com/office/drawing/2010/main" xmlns="" val="0"/>
+                <a14:useLocalDpi xmlns:a14="http://schemas.microsoft.com/office/drawing/2010/main" val="0"/>
               </a:ext>
             </a:extLst>
           </a:blip>
@@ -23720,7 +23656,7 @@
     </p:spTree>
     <p:extLst>
       <p:ext uri="{BB962C8B-B14F-4D97-AF65-F5344CB8AC3E}">
-        <p14:creationId xmlns:p14="http://schemas.microsoft.com/office/powerpoint/2010/main" xmlns="" val="2723325249"/>
+        <p14:creationId xmlns:p14="http://schemas.microsoft.com/office/powerpoint/2010/main" val="2723325249"/>
       </p:ext>
     </p:extLst>
   </p:cSld>
@@ -23752,7 +23688,7 @@
           <p:cNvPr id="2" name="Title 1">
             <a:extLst>
               <a:ext uri="{FF2B5EF4-FFF2-40B4-BE49-F238E27FC236}">
-                <a16:creationId xmlns:a16="http://schemas.microsoft.com/office/drawing/2014/main" xmlns="" id="{0DA162D8-610A-4DDC-94B7-E9EA937F2B1E}"/>
+                <a16:creationId xmlns:a16="http://schemas.microsoft.com/office/drawing/2014/main" id="{0DA162D8-610A-4DDC-94B7-E9EA937F2B1E}"/>
               </a:ext>
             </a:extLst>
           </p:cNvPr>
@@ -23799,7 +23735,7 @@
           <p:cNvPr id="3" name="Content Placeholder 2">
             <a:extLst>
               <a:ext uri="{FF2B5EF4-FFF2-40B4-BE49-F238E27FC236}">
-                <a16:creationId xmlns:a16="http://schemas.microsoft.com/office/drawing/2014/main" xmlns="" id="{1C67FCC8-D9D6-44F7-A603-89217AE9B695}"/>
+                <a16:creationId xmlns:a16="http://schemas.microsoft.com/office/drawing/2014/main" id="{1C67FCC8-D9D6-44F7-A603-89217AE9B695}"/>
               </a:ext>
             </a:extLst>
           </p:cNvPr>
@@ -23967,7 +23903,7 @@
           <p:cNvPr id="4" name="Picture 3" descr="A picture containing text, clipart&#10;&#10;Description automatically generated">
             <a:extLst>
               <a:ext uri="{FF2B5EF4-FFF2-40B4-BE49-F238E27FC236}">
-                <a16:creationId xmlns:a16="http://schemas.microsoft.com/office/drawing/2014/main" xmlns="" id="{C7366E7F-3EED-43D6-AC8F-D83718DDA3D3}"/>
+                <a16:creationId xmlns:a16="http://schemas.microsoft.com/office/drawing/2014/main" id="{C7366E7F-3EED-43D6-AC8F-D83718DDA3D3}"/>
               </a:ext>
             </a:extLst>
           </p:cNvPr>
@@ -23980,7 +23916,7 @@
           <a:blip r:embed="rId2" cstate="print">
             <a:extLst>
               <a:ext uri="{28A0092B-C50C-407E-A947-70E740481C1C}">
-                <a14:useLocalDpi xmlns:a14="http://schemas.microsoft.com/office/drawing/2010/main" xmlns="" val="0"/>
+                <a14:useLocalDpi xmlns:a14="http://schemas.microsoft.com/office/drawing/2010/main" val="0"/>
               </a:ext>
             </a:extLst>
           </a:blip>
@@ -24003,7 +23939,7 @@
           <p:cNvPr id="5" name="Picture 4">
             <a:extLst>
               <a:ext uri="{FF2B5EF4-FFF2-40B4-BE49-F238E27FC236}">
-                <a16:creationId xmlns:a16="http://schemas.microsoft.com/office/drawing/2014/main" xmlns="" id="{3E6CD1D5-D74C-4514-B157-1D800BFF75E1}"/>
+                <a16:creationId xmlns:a16="http://schemas.microsoft.com/office/drawing/2014/main" id="{3E6CD1D5-D74C-4514-B157-1D800BFF75E1}"/>
               </a:ext>
             </a:extLst>
           </p:cNvPr>
@@ -24041,7 +23977,7 @@
     </p:spTree>
     <p:extLst>
       <p:ext uri="{BB962C8B-B14F-4D97-AF65-F5344CB8AC3E}">
-        <p14:creationId xmlns:p14="http://schemas.microsoft.com/office/powerpoint/2010/main" xmlns="" val="946840345"/>
+        <p14:creationId xmlns:p14="http://schemas.microsoft.com/office/powerpoint/2010/main" val="946840345"/>
       </p:ext>
     </p:extLst>
   </p:cSld>
@@ -24073,7 +24009,7 @@
           <p:cNvPr id="2" name="Title 1">
             <a:extLst>
               <a:ext uri="{FF2B5EF4-FFF2-40B4-BE49-F238E27FC236}">
-                <a16:creationId xmlns:a16="http://schemas.microsoft.com/office/drawing/2014/main" xmlns="" id="{0DA162D8-610A-4DDC-94B7-E9EA937F2B1E}"/>
+                <a16:creationId xmlns:a16="http://schemas.microsoft.com/office/drawing/2014/main" id="{0DA162D8-610A-4DDC-94B7-E9EA937F2B1E}"/>
               </a:ext>
             </a:extLst>
           </p:cNvPr>
@@ -24120,7 +24056,7 @@
           <p:cNvPr id="3" name="Content Placeholder 2">
             <a:extLst>
               <a:ext uri="{FF2B5EF4-FFF2-40B4-BE49-F238E27FC236}">
-                <a16:creationId xmlns:a16="http://schemas.microsoft.com/office/drawing/2014/main" xmlns="" id="{1C67FCC8-D9D6-44F7-A603-89217AE9B695}"/>
+                <a16:creationId xmlns:a16="http://schemas.microsoft.com/office/drawing/2014/main" id="{1C67FCC8-D9D6-44F7-A603-89217AE9B695}"/>
               </a:ext>
             </a:extLst>
           </p:cNvPr>
@@ -24213,7 +24149,7 @@
           <p:cNvPr id="4" name="Picture 3" descr="A picture containing text, clipart&#10;&#10;Description automatically generated">
             <a:extLst>
               <a:ext uri="{FF2B5EF4-FFF2-40B4-BE49-F238E27FC236}">
-                <a16:creationId xmlns:a16="http://schemas.microsoft.com/office/drawing/2014/main" xmlns="" id="{8D07D005-37F1-4D59-A729-05AE8A2367AE}"/>
+                <a16:creationId xmlns:a16="http://schemas.microsoft.com/office/drawing/2014/main" id="{8D07D005-37F1-4D59-A729-05AE8A2367AE}"/>
               </a:ext>
             </a:extLst>
           </p:cNvPr>
@@ -24226,7 +24162,7 @@
           <a:blip r:embed="rId2" cstate="print">
             <a:extLst>
               <a:ext uri="{28A0092B-C50C-407E-A947-70E740481C1C}">
-                <a14:useLocalDpi xmlns:a14="http://schemas.microsoft.com/office/drawing/2010/main" xmlns="" val="0"/>
+                <a14:useLocalDpi xmlns:a14="http://schemas.microsoft.com/office/drawing/2010/main" val="0"/>
               </a:ext>
             </a:extLst>
           </a:blip>
@@ -24249,7 +24185,7 @@
           <p:cNvPr id="6" name="Picture 5">
             <a:extLst>
               <a:ext uri="{FF2B5EF4-FFF2-40B4-BE49-F238E27FC236}">
-                <a16:creationId xmlns:a16="http://schemas.microsoft.com/office/drawing/2014/main" xmlns="" id="{F9AC2CA8-0995-41E4-A1E4-BB267E3FCB44}"/>
+                <a16:creationId xmlns:a16="http://schemas.microsoft.com/office/drawing/2014/main" id="{F9AC2CA8-0995-41E4-A1E4-BB267E3FCB44}"/>
               </a:ext>
             </a:extLst>
           </p:cNvPr>
@@ -24262,7 +24198,7 @@
           <a:blip r:embed="rId3" cstate="print">
             <a:extLst>
               <a:ext uri="{28A0092B-C50C-407E-A947-70E740481C1C}">
-                <a14:useLocalDpi xmlns:a14="http://schemas.microsoft.com/office/drawing/2010/main" xmlns="" val="0"/>
+                <a14:useLocalDpi xmlns:a14="http://schemas.microsoft.com/office/drawing/2010/main" val="0"/>
               </a:ext>
             </a:extLst>
           </a:blip>
@@ -24295,7 +24231,7 @@
           <p:cNvPr id="7" name="Picture 6" descr="A picture containing text, sky&#10;&#10;Description automatically generated">
             <a:extLst>
               <a:ext uri="{FF2B5EF4-FFF2-40B4-BE49-F238E27FC236}">
-                <a16:creationId xmlns:a16="http://schemas.microsoft.com/office/drawing/2014/main" xmlns="" id="{9C052FB9-20BE-425E-A2F8-FA5D6DFCC330}"/>
+                <a16:creationId xmlns:a16="http://schemas.microsoft.com/office/drawing/2014/main" id="{9C052FB9-20BE-425E-A2F8-FA5D6DFCC330}"/>
               </a:ext>
             </a:extLst>
           </p:cNvPr>
@@ -24308,7 +24244,7 @@
           <a:blip r:embed="rId4" cstate="print">
             <a:extLst>
               <a:ext uri="{28A0092B-C50C-407E-A947-70E740481C1C}">
-                <a14:useLocalDpi xmlns:a14="http://schemas.microsoft.com/office/drawing/2010/main" xmlns="" val="0"/>
+                <a14:useLocalDpi xmlns:a14="http://schemas.microsoft.com/office/drawing/2010/main" val="0"/>
               </a:ext>
             </a:extLst>
           </a:blip>
@@ -24339,7 +24275,7 @@
     </p:spTree>
     <p:extLst>
       <p:ext uri="{BB962C8B-B14F-4D97-AF65-F5344CB8AC3E}">
-        <p14:creationId xmlns:p14="http://schemas.microsoft.com/office/powerpoint/2010/main" xmlns="" val="3367062374"/>
+        <p14:creationId xmlns:p14="http://schemas.microsoft.com/office/powerpoint/2010/main" val="3367062374"/>
       </p:ext>
     </p:extLst>
   </p:cSld>
@@ -24371,7 +24307,7 @@
           <p:cNvPr id="2" name="Title 1">
             <a:extLst>
               <a:ext uri="{FF2B5EF4-FFF2-40B4-BE49-F238E27FC236}">
-                <a16:creationId xmlns:a16="http://schemas.microsoft.com/office/drawing/2014/main" xmlns="" id="{0DA162D8-610A-4DDC-94B7-E9EA937F2B1E}"/>
+                <a16:creationId xmlns:a16="http://schemas.microsoft.com/office/drawing/2014/main" id="{0DA162D8-610A-4DDC-94B7-E9EA937F2B1E}"/>
               </a:ext>
             </a:extLst>
           </p:cNvPr>
@@ -24418,7 +24354,7 @@
           <p:cNvPr id="3" name="Content Placeholder 2">
             <a:extLst>
               <a:ext uri="{FF2B5EF4-FFF2-40B4-BE49-F238E27FC236}">
-                <a16:creationId xmlns:a16="http://schemas.microsoft.com/office/drawing/2014/main" xmlns="" id="{1C67FCC8-D9D6-44F7-A603-89217AE9B695}"/>
+                <a16:creationId xmlns:a16="http://schemas.microsoft.com/office/drawing/2014/main" id="{1C67FCC8-D9D6-44F7-A603-89217AE9B695}"/>
               </a:ext>
             </a:extLst>
           </p:cNvPr>
@@ -24464,7 +24400,7 @@
         </p:spPr>
         <p:txBody>
           <a:bodyPr>
-            <a:normAutofit/>
+            <a:normAutofit lnSpcReduction="10000"/>
           </a:bodyPr>
           <a:lstStyle/>
           <a:p>
@@ -24476,7 +24412,7 @@
                 </a:solidFill>
                 <a:latin typeface="Agency FB" panose="020B0503020202020204" pitchFamily="34" charset="0"/>
               </a:rPr>
-              <a:t>The main feature under this function is the ability to record employee attendance</a:t>
+              <a:t>As users the main feature under this function is the ability to record employee attendance</a:t>
             </a:r>
           </a:p>
           <a:p>
@@ -24500,7 +24436,7 @@
                 </a:solidFill>
                 <a:latin typeface="Agency FB" panose="020B0503020202020204" pitchFamily="34" charset="0"/>
               </a:rPr>
-              <a:t>Assigning Admin Roles to do any task through the system for relative people.</a:t>
+              <a:t>Assigning Admin Roles to do any task through the system for administrative people.</a:t>
             </a:r>
           </a:p>
           <a:p>
@@ -24512,7 +24448,7 @@
                 </a:solidFill>
                 <a:latin typeface="Agency FB" panose="020B0503020202020204" pitchFamily="34" charset="0"/>
               </a:rPr>
-              <a:t>Giving them separate logins to conduct their tasks</a:t>
+              <a:t>Giving them separate logins to conduct their tasks as admins.</a:t>
             </a:r>
           </a:p>
         </p:txBody>
@@ -24522,7 +24458,7 @@
           <p:cNvPr id="4" name="Picture 3" descr="A picture containing text, clipart&#10;&#10;Description automatically generated">
             <a:extLst>
               <a:ext uri="{FF2B5EF4-FFF2-40B4-BE49-F238E27FC236}">
-                <a16:creationId xmlns:a16="http://schemas.microsoft.com/office/drawing/2014/main" xmlns="" id="{0D391662-0712-492A-AAA1-D7F33FB58FA4}"/>
+                <a16:creationId xmlns:a16="http://schemas.microsoft.com/office/drawing/2014/main" id="{0D391662-0712-492A-AAA1-D7F33FB58FA4}"/>
               </a:ext>
             </a:extLst>
           </p:cNvPr>
@@ -24535,7 +24471,7 @@
           <a:blip r:embed="rId2" cstate="print">
             <a:extLst>
               <a:ext uri="{28A0092B-C50C-407E-A947-70E740481C1C}">
-                <a14:useLocalDpi xmlns:a14="http://schemas.microsoft.com/office/drawing/2010/main" xmlns="" val="0"/>
+                <a14:useLocalDpi xmlns:a14="http://schemas.microsoft.com/office/drawing/2010/main" val="0"/>
               </a:ext>
             </a:extLst>
           </a:blip>
@@ -24558,7 +24494,7 @@
           <p:cNvPr id="6" name="Picture 5">
             <a:extLst>
               <a:ext uri="{FF2B5EF4-FFF2-40B4-BE49-F238E27FC236}">
-                <a16:creationId xmlns:a16="http://schemas.microsoft.com/office/drawing/2014/main" xmlns="" id="{2C07EBBF-C46F-4351-90F7-B69EA5E0CA93}"/>
+                <a16:creationId xmlns:a16="http://schemas.microsoft.com/office/drawing/2014/main" id="{2C07EBBF-C46F-4351-90F7-B69EA5E0CA93}"/>
               </a:ext>
             </a:extLst>
           </p:cNvPr>
@@ -24571,7 +24507,7 @@
           <a:blip r:embed="rId3" cstate="print">
             <a:extLst>
               <a:ext uri="{28A0092B-C50C-407E-A947-70E740481C1C}">
-                <a14:useLocalDpi xmlns:a14="http://schemas.microsoft.com/office/drawing/2010/main" xmlns="" val="0"/>
+                <a14:useLocalDpi xmlns:a14="http://schemas.microsoft.com/office/drawing/2010/main" val="0"/>
               </a:ext>
             </a:extLst>
           </a:blip>
@@ -24592,7 +24528,7 @@
     </p:spTree>
     <p:extLst>
       <p:ext uri="{BB962C8B-B14F-4D97-AF65-F5344CB8AC3E}">
-        <p14:creationId xmlns:p14="http://schemas.microsoft.com/office/powerpoint/2010/main" xmlns="" val="3436813593"/>
+        <p14:creationId xmlns:p14="http://schemas.microsoft.com/office/powerpoint/2010/main" val="3436813593"/>
       </p:ext>
     </p:extLst>
   </p:cSld>
@@ -24624,7 +24560,7 @@
           <p:cNvPr id="2" name="Title 1">
             <a:extLst>
               <a:ext uri="{FF2B5EF4-FFF2-40B4-BE49-F238E27FC236}">
-                <a16:creationId xmlns:a16="http://schemas.microsoft.com/office/drawing/2014/main" xmlns="" id="{0DA162D8-610A-4DDC-94B7-E9EA937F2B1E}"/>
+                <a16:creationId xmlns:a16="http://schemas.microsoft.com/office/drawing/2014/main" id="{0DA162D8-610A-4DDC-94B7-E9EA937F2B1E}"/>
               </a:ext>
             </a:extLst>
           </p:cNvPr>
@@ -24671,7 +24607,7 @@
           <p:cNvPr id="3" name="Content Placeholder 2">
             <a:extLst>
               <a:ext uri="{FF2B5EF4-FFF2-40B4-BE49-F238E27FC236}">
-                <a16:creationId xmlns:a16="http://schemas.microsoft.com/office/drawing/2014/main" xmlns="" id="{1C67FCC8-D9D6-44F7-A603-89217AE9B695}"/>
+                <a16:creationId xmlns:a16="http://schemas.microsoft.com/office/drawing/2014/main" id="{1C67FCC8-D9D6-44F7-A603-89217AE9B695}"/>
               </a:ext>
             </a:extLst>
           </p:cNvPr>
@@ -24726,7 +24662,7 @@
               <a:buChar char="v"/>
             </a:pPr>
             <a:r>
-              <a:rPr lang="en-US" b="1" dirty="0" smtClean="0">
+              <a:rPr lang="en-US" b="1" dirty="0">
                 <a:solidFill>
                   <a:schemeClr val="bg1"/>
                 </a:solidFill>
@@ -24734,7 +24670,7 @@
               <a:t>User want to identify the </a:t>
             </a:r>
             <a:r>
-              <a:rPr lang="en-US" b="1" dirty="0" err="1" smtClean="0">
+              <a:rPr lang="en-US" b="1" dirty="0" err="1">
                 <a:solidFill>
                   <a:schemeClr val="bg1"/>
                 </a:solidFill>
@@ -24742,7 +24678,7 @@
               <a:t>hammers,Air</a:t>
             </a:r>
             <a:r>
-              <a:rPr lang="en-US" b="1" dirty="0" smtClean="0">
+              <a:rPr lang="en-US" b="1" dirty="0">
                 <a:solidFill>
                   <a:schemeClr val="bg1"/>
                 </a:solidFill>
@@ -24750,7 +24686,7 @@
               <a:t> Compressors </a:t>
             </a:r>
             <a:r>
-              <a:rPr lang="en-US" b="1" dirty="0" err="1" smtClean="0">
+              <a:rPr lang="en-US" b="1" dirty="0" err="1">
                 <a:solidFill>
                   <a:schemeClr val="bg1"/>
                 </a:solidFill>
@@ -24758,7 +24694,7 @@
               <a:t>diffrently</a:t>
             </a:r>
             <a:r>
-              <a:rPr lang="en-US" b="1" dirty="0" smtClean="0">
+              <a:rPr lang="en-US" b="1" dirty="0">
                 <a:solidFill>
                   <a:schemeClr val="bg1"/>
                 </a:solidFill>
@@ -24772,7 +24708,7 @@
               <a:buChar char="v"/>
             </a:pPr>
             <a:r>
-              <a:rPr lang="en-US" b="1" dirty="0" smtClean="0">
+              <a:rPr lang="en-US" b="1" dirty="0">
                 <a:solidFill>
                   <a:schemeClr val="bg1"/>
                 </a:solidFill>
@@ -24786,7 +24722,7 @@
               <a:buChar char="v"/>
             </a:pPr>
             <a:r>
-              <a:rPr lang="en-US" b="1" dirty="0" smtClean="0">
+              <a:rPr lang="en-US" b="1" dirty="0">
                 <a:solidFill>
                   <a:schemeClr val="bg1"/>
                 </a:solidFill>
@@ -24800,7 +24736,7 @@
               <a:buChar char="v"/>
             </a:pPr>
             <a:r>
-              <a:rPr lang="en-US" b="1" dirty="0" smtClean="0">
+              <a:rPr lang="en-US" b="1" dirty="0">
                 <a:solidFill>
                   <a:schemeClr val="bg1"/>
                 </a:solidFill>
@@ -24818,7 +24754,7 @@
           <p:cNvPr id="4" name="Picture 3" descr="A picture containing text, clipart&#10;&#10;Description automatically generated">
             <a:extLst>
               <a:ext uri="{FF2B5EF4-FFF2-40B4-BE49-F238E27FC236}">
-                <a16:creationId xmlns:a16="http://schemas.microsoft.com/office/drawing/2014/main" xmlns="" id="{460C4B0F-833A-473D-9F45-A5667B8B2571}"/>
+                <a16:creationId xmlns:a16="http://schemas.microsoft.com/office/drawing/2014/main" id="{460C4B0F-833A-473D-9F45-A5667B8B2571}"/>
               </a:ext>
             </a:extLst>
           </p:cNvPr>
@@ -24831,7 +24767,7 @@
           <a:blip r:embed="rId2" cstate="print">
             <a:extLst>
               <a:ext uri="{28A0092B-C50C-407E-A947-70E740481C1C}">
-                <a14:useLocalDpi xmlns:a14="http://schemas.microsoft.com/office/drawing/2010/main" xmlns="" val="0"/>
+                <a14:useLocalDpi xmlns:a14="http://schemas.microsoft.com/office/drawing/2010/main" val="0"/>
               </a:ext>
             </a:extLst>
           </a:blip>
@@ -24876,7 +24812,7 @@
     </p:spTree>
     <p:extLst>
       <p:ext uri="{BB962C8B-B14F-4D97-AF65-F5344CB8AC3E}">
-        <p14:creationId xmlns:p14="http://schemas.microsoft.com/office/powerpoint/2010/main" xmlns="" val="384339314"/>
+        <p14:creationId xmlns:p14="http://schemas.microsoft.com/office/powerpoint/2010/main" val="384339314"/>
       </p:ext>
     </p:extLst>
   </p:cSld>
@@ -24908,7 +24844,7 @@
           <p:cNvPr id="2" name="Title 1">
             <a:extLst>
               <a:ext uri="{FF2B5EF4-FFF2-40B4-BE49-F238E27FC236}">
-                <a16:creationId xmlns:a16="http://schemas.microsoft.com/office/drawing/2014/main" xmlns="" id="{0DA162D8-610A-4DDC-94B7-E9EA937F2B1E}"/>
+                <a16:creationId xmlns:a16="http://schemas.microsoft.com/office/drawing/2014/main" id="{0DA162D8-610A-4DDC-94B7-E9EA937F2B1E}"/>
               </a:ext>
             </a:extLst>
           </p:cNvPr>
@@ -24955,7 +24891,7 @@
           <p:cNvPr id="3" name="Content Placeholder 2">
             <a:extLst>
               <a:ext uri="{FF2B5EF4-FFF2-40B4-BE49-F238E27FC236}">
-                <a16:creationId xmlns:a16="http://schemas.microsoft.com/office/drawing/2014/main" xmlns="" id="{1C67FCC8-D9D6-44F7-A603-89217AE9B695}"/>
+                <a16:creationId xmlns:a16="http://schemas.microsoft.com/office/drawing/2014/main" id="{1C67FCC8-D9D6-44F7-A603-89217AE9B695}"/>
               </a:ext>
             </a:extLst>
           </p:cNvPr>
@@ -25111,7 +25047,7 @@
           <p:cNvPr id="4" name="Picture 3" descr="A picture containing text, clipart&#10;&#10;Description automatically generated">
             <a:extLst>
               <a:ext uri="{FF2B5EF4-FFF2-40B4-BE49-F238E27FC236}">
-                <a16:creationId xmlns:a16="http://schemas.microsoft.com/office/drawing/2014/main" xmlns="" id="{B20874DF-B61F-48FE-8106-B5FBA176D3E8}"/>
+                <a16:creationId xmlns:a16="http://schemas.microsoft.com/office/drawing/2014/main" id="{B20874DF-B61F-48FE-8106-B5FBA176D3E8}"/>
               </a:ext>
             </a:extLst>
           </p:cNvPr>
@@ -25124,7 +25060,7 @@
           <a:blip r:embed="rId2" cstate="print">
             <a:extLst>
               <a:ext uri="{28A0092B-C50C-407E-A947-70E740481C1C}">
-                <a14:useLocalDpi xmlns:a14="http://schemas.microsoft.com/office/drawing/2010/main" xmlns="" val="0"/>
+                <a14:useLocalDpi xmlns:a14="http://schemas.microsoft.com/office/drawing/2010/main" val="0"/>
               </a:ext>
             </a:extLst>
           </a:blip>
@@ -25147,7 +25083,7 @@
           <p:cNvPr id="6" name="Picture 5">
             <a:extLst>
               <a:ext uri="{FF2B5EF4-FFF2-40B4-BE49-F238E27FC236}">
-                <a16:creationId xmlns:a16="http://schemas.microsoft.com/office/drawing/2014/main" xmlns="" id="{31F22A42-3974-43B2-83E0-4ECF5DD01C9C}"/>
+                <a16:creationId xmlns:a16="http://schemas.microsoft.com/office/drawing/2014/main" id="{31F22A42-3974-43B2-83E0-4ECF5DD01C9C}"/>
               </a:ext>
             </a:extLst>
           </p:cNvPr>
@@ -25160,7 +25096,7 @@
           <a:blip r:embed="rId3" cstate="print">
             <a:extLst>
               <a:ext uri="{28A0092B-C50C-407E-A947-70E740481C1C}">
-                <a14:useLocalDpi xmlns:a14="http://schemas.microsoft.com/office/drawing/2010/main" xmlns="" val="0"/>
+                <a14:useLocalDpi xmlns:a14="http://schemas.microsoft.com/office/drawing/2010/main" val="0"/>
               </a:ext>
             </a:extLst>
           </a:blip>
@@ -25181,7 +25117,7 @@
     </p:spTree>
     <p:extLst>
       <p:ext uri="{BB962C8B-B14F-4D97-AF65-F5344CB8AC3E}">
-        <p14:creationId xmlns:p14="http://schemas.microsoft.com/office/powerpoint/2010/main" xmlns="" val="1732694067"/>
+        <p14:creationId xmlns:p14="http://schemas.microsoft.com/office/powerpoint/2010/main" val="1732694067"/>
       </p:ext>
     </p:extLst>
   </p:cSld>
@@ -25213,7 +25149,7 @@
           <p:cNvPr id="2" name="Title 1">
             <a:extLst>
               <a:ext uri="{FF2B5EF4-FFF2-40B4-BE49-F238E27FC236}">
-                <a16:creationId xmlns:a16="http://schemas.microsoft.com/office/drawing/2014/main" xmlns="" id="{0DA162D8-610A-4DDC-94B7-E9EA937F2B1E}"/>
+                <a16:creationId xmlns:a16="http://schemas.microsoft.com/office/drawing/2014/main" id="{0DA162D8-610A-4DDC-94B7-E9EA937F2B1E}"/>
               </a:ext>
             </a:extLst>
           </p:cNvPr>
@@ -25260,7 +25196,7 @@
           <p:cNvPr id="3" name="Content Placeholder 2">
             <a:extLst>
               <a:ext uri="{FF2B5EF4-FFF2-40B4-BE49-F238E27FC236}">
-                <a16:creationId xmlns:a16="http://schemas.microsoft.com/office/drawing/2014/main" xmlns="" id="{1C67FCC8-D9D6-44F7-A603-89217AE9B695}"/>
+                <a16:creationId xmlns:a16="http://schemas.microsoft.com/office/drawing/2014/main" id="{1C67FCC8-D9D6-44F7-A603-89217AE9B695}"/>
               </a:ext>
             </a:extLst>
           </p:cNvPr>
@@ -25378,7 +25314,7 @@
           <p:cNvPr id="4" name="Picture 3" descr="A picture containing text, clipart&#10;&#10;Description automatically generated">
             <a:extLst>
               <a:ext uri="{FF2B5EF4-FFF2-40B4-BE49-F238E27FC236}">
-                <a16:creationId xmlns:a16="http://schemas.microsoft.com/office/drawing/2014/main" xmlns="" id="{49F7DC32-7284-4EFA-B6DA-C183CB017575}"/>
+                <a16:creationId xmlns:a16="http://schemas.microsoft.com/office/drawing/2014/main" id="{49F7DC32-7284-4EFA-B6DA-C183CB017575}"/>
               </a:ext>
             </a:extLst>
           </p:cNvPr>
@@ -25391,7 +25327,7 @@
           <a:blip r:embed="rId2" cstate="print">
             <a:extLst>
               <a:ext uri="{28A0092B-C50C-407E-A947-70E740481C1C}">
-                <a14:useLocalDpi xmlns:a14="http://schemas.microsoft.com/office/drawing/2010/main" xmlns="" val="0"/>
+                <a14:useLocalDpi xmlns:a14="http://schemas.microsoft.com/office/drawing/2010/main" val="0"/>
               </a:ext>
             </a:extLst>
           </a:blip>
@@ -25414,7 +25350,7 @@
           <p:cNvPr id="6" name="Picture 5">
             <a:extLst>
               <a:ext uri="{FF2B5EF4-FFF2-40B4-BE49-F238E27FC236}">
-                <a16:creationId xmlns:a16="http://schemas.microsoft.com/office/drawing/2014/main" xmlns="" id="{217F3DD1-CF04-49BB-A8FF-89D23AA987DE}"/>
+                <a16:creationId xmlns:a16="http://schemas.microsoft.com/office/drawing/2014/main" id="{217F3DD1-CF04-49BB-A8FF-89D23AA987DE}"/>
               </a:ext>
             </a:extLst>
           </p:cNvPr>
@@ -25427,7 +25363,7 @@
           <a:blip r:embed="rId3" cstate="print">
             <a:extLst>
               <a:ext uri="{28A0092B-C50C-407E-A947-70E740481C1C}">
-                <a14:useLocalDpi xmlns:a14="http://schemas.microsoft.com/office/drawing/2010/main" xmlns="" val="0"/>
+                <a14:useLocalDpi xmlns:a14="http://schemas.microsoft.com/office/drawing/2010/main" val="0"/>
               </a:ext>
             </a:extLst>
           </a:blip>
@@ -25448,7 +25384,7 @@
     </p:spTree>
     <p:extLst>
       <p:ext uri="{BB962C8B-B14F-4D97-AF65-F5344CB8AC3E}">
-        <p14:creationId xmlns:p14="http://schemas.microsoft.com/office/powerpoint/2010/main" xmlns="" val="1423669375"/>
+        <p14:creationId xmlns:p14="http://schemas.microsoft.com/office/powerpoint/2010/main" val="1423669375"/>
       </p:ext>
     </p:extLst>
   </p:cSld>
@@ -25480,7 +25416,7 @@
           <p:cNvPr id="2" name="Title 1">
             <a:extLst>
               <a:ext uri="{FF2B5EF4-FFF2-40B4-BE49-F238E27FC236}">
-                <a16:creationId xmlns:a16="http://schemas.microsoft.com/office/drawing/2014/main" xmlns="" id="{D4F5FDAE-9A9D-4123-9DA3-50250AFDF80B}"/>
+                <a16:creationId xmlns:a16="http://schemas.microsoft.com/office/drawing/2014/main" id="{D4F5FDAE-9A9D-4123-9DA3-50250AFDF80B}"/>
               </a:ext>
             </a:extLst>
           </p:cNvPr>
@@ -25521,7 +25457,7 @@
           <p:cNvPr id="3" name="Content Placeholder 2">
             <a:extLst>
               <a:ext uri="{FF2B5EF4-FFF2-40B4-BE49-F238E27FC236}">
-                <a16:creationId xmlns:a16="http://schemas.microsoft.com/office/drawing/2014/main" xmlns="" id="{72D72FE2-AEEE-4130-9E68-C2ED5E36FFE0}"/>
+                <a16:creationId xmlns:a16="http://schemas.microsoft.com/office/drawing/2014/main" id="{72D72FE2-AEEE-4130-9E68-C2ED5E36FFE0}"/>
               </a:ext>
             </a:extLst>
           </p:cNvPr>
@@ -25688,7 +25624,7 @@
           <p:cNvPr id="4" name="Picture 3" descr="A picture containing text, clipart&#10;&#10;Description automatically generated">
             <a:extLst>
               <a:ext uri="{FF2B5EF4-FFF2-40B4-BE49-F238E27FC236}">
-                <a16:creationId xmlns:a16="http://schemas.microsoft.com/office/drawing/2014/main" xmlns="" id="{A65188AD-3F3A-44A8-8F28-97F68F49040A}"/>
+                <a16:creationId xmlns:a16="http://schemas.microsoft.com/office/drawing/2014/main" id="{A65188AD-3F3A-44A8-8F28-97F68F49040A}"/>
               </a:ext>
             </a:extLst>
           </p:cNvPr>
@@ -25701,7 +25637,7 @@
           <a:blip r:embed="rId2" cstate="print">
             <a:extLst>
               <a:ext uri="{28A0092B-C50C-407E-A947-70E740481C1C}">
-                <a14:useLocalDpi xmlns:a14="http://schemas.microsoft.com/office/drawing/2010/main" xmlns="" val="0"/>
+                <a14:useLocalDpi xmlns:a14="http://schemas.microsoft.com/office/drawing/2010/main" val="0"/>
               </a:ext>
             </a:extLst>
           </a:blip>
@@ -25724,7 +25660,7 @@
           <p:cNvPr id="5" name="Picture 4">
             <a:extLst>
               <a:ext uri="{FF2B5EF4-FFF2-40B4-BE49-F238E27FC236}">
-                <a16:creationId xmlns:a16="http://schemas.microsoft.com/office/drawing/2014/main" xmlns="" id="{ED8E9901-F532-4A39-8EE1-CDE8B98004B8}"/>
+                <a16:creationId xmlns:a16="http://schemas.microsoft.com/office/drawing/2014/main" id="{ED8E9901-F532-4A39-8EE1-CDE8B98004B8}"/>
               </a:ext>
             </a:extLst>
           </p:cNvPr>
@@ -25737,7 +25673,7 @@
           <a:blip r:embed="rId3" cstate="print">
             <a:extLst>
               <a:ext uri="{28A0092B-C50C-407E-A947-70E740481C1C}">
-                <a14:useLocalDpi xmlns:a14="http://schemas.microsoft.com/office/drawing/2010/main" xmlns="" val="0"/>
+                <a14:useLocalDpi xmlns:a14="http://schemas.microsoft.com/office/drawing/2010/main" val="0"/>
               </a:ext>
             </a:extLst>
           </a:blip>
@@ -25758,7 +25694,7 @@
     </p:spTree>
     <p:extLst>
       <p:ext uri="{BB962C8B-B14F-4D97-AF65-F5344CB8AC3E}">
-        <p14:creationId xmlns:p14="http://schemas.microsoft.com/office/powerpoint/2010/main" xmlns="" val="433950267"/>
+        <p14:creationId xmlns:p14="http://schemas.microsoft.com/office/powerpoint/2010/main" val="433950267"/>
       </p:ext>
     </p:extLst>
   </p:cSld>
@@ -25790,7 +25726,7 @@
           <p:cNvPr id="2" name="Title 1">
             <a:extLst>
               <a:ext uri="{FF2B5EF4-FFF2-40B4-BE49-F238E27FC236}">
-                <a16:creationId xmlns:a16="http://schemas.microsoft.com/office/drawing/2014/main" xmlns="" id="{E1B9030C-6073-4349-981E-A881A5B686BC}"/>
+                <a16:creationId xmlns:a16="http://schemas.microsoft.com/office/drawing/2014/main" id="{E1B9030C-6073-4349-981E-A881A5B686BC}"/>
               </a:ext>
             </a:extLst>
           </p:cNvPr>
@@ -25831,7 +25767,7 @@
           <p:cNvPr id="9" name="Picture 8">
             <a:extLst>
               <a:ext uri="{FF2B5EF4-FFF2-40B4-BE49-F238E27FC236}">
-                <a16:creationId xmlns:a16="http://schemas.microsoft.com/office/drawing/2014/main" xmlns="" id="{924DFABA-BD71-49E6-9126-1D87AFB43A49}"/>
+                <a16:creationId xmlns:a16="http://schemas.microsoft.com/office/drawing/2014/main" id="{924DFABA-BD71-49E6-9126-1D87AFB43A49}"/>
               </a:ext>
             </a:extLst>
           </p:cNvPr>
@@ -25844,7 +25780,7 @@
           <a:blip r:embed="rId2" cstate="print">
             <a:extLst>
               <a:ext uri="{BEBA8EAE-BF5A-486C-A8C5-ECC9F3942E4B}">
-                <a14:imgProps xmlns:a14="http://schemas.microsoft.com/office/drawing/2010/main" xmlns="">
+                <a14:imgProps xmlns:a14="http://schemas.microsoft.com/office/drawing/2010/main">
                   <a14:imgLayer r:embed="rId3">
                     <a14:imgEffect>
                       <a14:colorTemperature colorTemp="11500"/>
@@ -25859,7 +25795,7 @@
                 </a14:imgProps>
               </a:ext>
               <a:ext uri="{28A0092B-C50C-407E-A947-70E740481C1C}">
-                <a14:useLocalDpi xmlns:a14="http://schemas.microsoft.com/office/drawing/2010/main" xmlns="" val="0"/>
+                <a14:useLocalDpi xmlns:a14="http://schemas.microsoft.com/office/drawing/2010/main" val="0"/>
               </a:ext>
             </a:extLst>
           </a:blip>
@@ -25880,7 +25816,7 @@
     </p:spTree>
     <p:extLst>
       <p:ext uri="{BB962C8B-B14F-4D97-AF65-F5344CB8AC3E}">
-        <p14:creationId xmlns:p14="http://schemas.microsoft.com/office/powerpoint/2010/main" xmlns="" val="427407865"/>
+        <p14:creationId xmlns:p14="http://schemas.microsoft.com/office/powerpoint/2010/main" val="427407865"/>
       </p:ext>
     </p:extLst>
   </p:cSld>
@@ -25912,7 +25848,7 @@
           <p:cNvPr id="2" name="Title 1">
             <a:extLst>
               <a:ext uri="{FF2B5EF4-FFF2-40B4-BE49-F238E27FC236}">
-                <a16:creationId xmlns:a16="http://schemas.microsoft.com/office/drawing/2014/main" xmlns="" id="{01425AA4-CAA9-4F3C-849D-E8C364A8C13E}"/>
+                <a16:creationId xmlns:a16="http://schemas.microsoft.com/office/drawing/2014/main" id="{01425AA4-CAA9-4F3C-849D-E8C364A8C13E}"/>
               </a:ext>
             </a:extLst>
           </p:cNvPr>
@@ -25963,15 +25899,6 @@
           <a:lstStyle/>
           <a:p>
             <a:pPr algn="ctr"/>
-            <a:r>
-              <a:rPr lang="en-US" sz="7200" b="1" dirty="0">
-                <a:solidFill>
-                  <a:schemeClr val="bg1"/>
-                </a:solidFill>
-                <a:latin typeface="Agency FB" panose="020B0503020202020204" pitchFamily="34" charset="0"/>
-              </a:rPr>
-              <a:t/>
-            </a:r>
             <a:br>
               <a:rPr lang="en-US" sz="7200" b="1" dirty="0">
                 <a:solidFill>
@@ -25997,12 +25924,6 @@
                 <a:latin typeface="Agency FB" panose="020B0503020202020204" pitchFamily="34" charset="0"/>
               </a:rPr>
             </a:br>
-            <a:r>
-              <a:rPr lang="en-US" b="1" dirty="0">
-                <a:latin typeface="Agency FB" panose="020B0503020202020204" pitchFamily="34" charset="0"/>
-              </a:rPr>
-              <a:t/>
-            </a:r>
             <a:br>
               <a:rPr lang="en-US" b="1" dirty="0">
                 <a:latin typeface="Agency FB" panose="020B0503020202020204" pitchFamily="34" charset="0"/>
@@ -26017,7 +25938,7 @@
           <p:cNvPr id="4" name="Picture 3" descr="A picture containing text, clipart&#10;&#10;Description automatically generated">
             <a:extLst>
               <a:ext uri="{FF2B5EF4-FFF2-40B4-BE49-F238E27FC236}">
-                <a16:creationId xmlns:a16="http://schemas.microsoft.com/office/drawing/2014/main" xmlns="" id="{50F32AAD-C21D-4A27-8407-4FAE6B64D333}"/>
+                <a16:creationId xmlns:a16="http://schemas.microsoft.com/office/drawing/2014/main" id="{50F32AAD-C21D-4A27-8407-4FAE6B64D333}"/>
               </a:ext>
             </a:extLst>
           </p:cNvPr>
@@ -26030,7 +25951,7 @@
           <a:blip r:embed="rId2" cstate="print">
             <a:extLst>
               <a:ext uri="{28A0092B-C50C-407E-A947-70E740481C1C}">
-                <a14:useLocalDpi xmlns:a14="http://schemas.microsoft.com/office/drawing/2010/main" xmlns="" val="0"/>
+                <a14:useLocalDpi xmlns:a14="http://schemas.microsoft.com/office/drawing/2010/main" val="0"/>
               </a:ext>
             </a:extLst>
           </a:blip>
@@ -26053,7 +25974,7 @@
           <p:cNvPr id="5" name="Picture 4">
             <a:extLst>
               <a:ext uri="{FF2B5EF4-FFF2-40B4-BE49-F238E27FC236}">
-                <a16:creationId xmlns:a16="http://schemas.microsoft.com/office/drawing/2014/main" xmlns="" id="{201DB346-0594-43F7-8A55-5C6331CA390D}"/>
+                <a16:creationId xmlns:a16="http://schemas.microsoft.com/office/drawing/2014/main" id="{201DB346-0594-43F7-8A55-5C6331CA390D}"/>
               </a:ext>
             </a:extLst>
           </p:cNvPr>
@@ -26066,7 +25987,7 @@
           <a:blip r:embed="rId3" cstate="print">
             <a:extLst>
               <a:ext uri="{28A0092B-C50C-407E-A947-70E740481C1C}">
-                <a14:useLocalDpi xmlns:a14="http://schemas.microsoft.com/office/drawing/2010/main" xmlns="" val="0"/>
+                <a14:useLocalDpi xmlns:a14="http://schemas.microsoft.com/office/drawing/2010/main" val="0"/>
               </a:ext>
             </a:extLst>
           </a:blip>
@@ -26087,7 +26008,7 @@
     </p:spTree>
     <p:extLst>
       <p:ext uri="{BB962C8B-B14F-4D97-AF65-F5344CB8AC3E}">
-        <p14:creationId xmlns:p14="http://schemas.microsoft.com/office/powerpoint/2010/main" xmlns="" val="671449156"/>
+        <p14:creationId xmlns:p14="http://schemas.microsoft.com/office/powerpoint/2010/main" val="671449156"/>
       </p:ext>
     </p:extLst>
   </p:cSld>
@@ -26119,7 +26040,7 @@
           <p:cNvPr id="2" name="Title 1">
             <a:extLst>
               <a:ext uri="{FF2B5EF4-FFF2-40B4-BE49-F238E27FC236}">
-                <a16:creationId xmlns:a16="http://schemas.microsoft.com/office/drawing/2014/main" xmlns="" id="{D4F5FDAE-9A9D-4123-9DA3-50250AFDF80B}"/>
+                <a16:creationId xmlns:a16="http://schemas.microsoft.com/office/drawing/2014/main" id="{D4F5FDAE-9A9D-4123-9DA3-50250AFDF80B}"/>
               </a:ext>
             </a:extLst>
           </p:cNvPr>
@@ -26160,7 +26081,7 @@
           <p:cNvPr id="3" name="Content Placeholder 2">
             <a:extLst>
               <a:ext uri="{FF2B5EF4-FFF2-40B4-BE49-F238E27FC236}">
-                <a16:creationId xmlns:a16="http://schemas.microsoft.com/office/drawing/2014/main" xmlns="" id="{72D72FE2-AEEE-4130-9E68-C2ED5E36FFE0}"/>
+                <a16:creationId xmlns:a16="http://schemas.microsoft.com/office/drawing/2014/main" id="{72D72FE2-AEEE-4130-9E68-C2ED5E36FFE0}"/>
               </a:ext>
             </a:extLst>
           </p:cNvPr>
@@ -26249,7 +26170,7 @@
           <p:cNvPr id="4" name="Picture 3" descr="A picture containing text, clipart&#10;&#10;Description automatically generated">
             <a:extLst>
               <a:ext uri="{FF2B5EF4-FFF2-40B4-BE49-F238E27FC236}">
-                <a16:creationId xmlns:a16="http://schemas.microsoft.com/office/drawing/2014/main" xmlns="" id="{BB52B6DC-9A80-4F04-8879-A90436E9C94D}"/>
+                <a16:creationId xmlns:a16="http://schemas.microsoft.com/office/drawing/2014/main" id="{BB52B6DC-9A80-4F04-8879-A90436E9C94D}"/>
               </a:ext>
             </a:extLst>
           </p:cNvPr>
@@ -26262,7 +26183,7 @@
           <a:blip r:embed="rId2" cstate="print">
             <a:extLst>
               <a:ext uri="{28A0092B-C50C-407E-A947-70E740481C1C}">
-                <a14:useLocalDpi xmlns:a14="http://schemas.microsoft.com/office/drawing/2010/main" xmlns="" val="0"/>
+                <a14:useLocalDpi xmlns:a14="http://schemas.microsoft.com/office/drawing/2010/main" val="0"/>
               </a:ext>
             </a:extLst>
           </a:blip>
@@ -26285,7 +26206,7 @@
           <p:cNvPr id="5" name="Picture 4">
             <a:extLst>
               <a:ext uri="{FF2B5EF4-FFF2-40B4-BE49-F238E27FC236}">
-                <a16:creationId xmlns:a16="http://schemas.microsoft.com/office/drawing/2014/main" xmlns="" id="{5F2A9445-2878-4FD6-A7F4-1F27757D3FC2}"/>
+                <a16:creationId xmlns:a16="http://schemas.microsoft.com/office/drawing/2014/main" id="{5F2A9445-2878-4FD6-A7F4-1F27757D3FC2}"/>
               </a:ext>
             </a:extLst>
           </p:cNvPr>
@@ -26298,7 +26219,7 @@
           <a:blip r:embed="rId3" cstate="print">
             <a:extLst>
               <a:ext uri="{28A0092B-C50C-407E-A947-70E740481C1C}">
-                <a14:useLocalDpi xmlns:a14="http://schemas.microsoft.com/office/drawing/2010/main" xmlns="" val="0"/>
+                <a14:useLocalDpi xmlns:a14="http://schemas.microsoft.com/office/drawing/2010/main" val="0"/>
               </a:ext>
             </a:extLst>
           </a:blip>
@@ -26319,7 +26240,7 @@
     </p:spTree>
     <p:extLst>
       <p:ext uri="{BB962C8B-B14F-4D97-AF65-F5344CB8AC3E}">
-        <p14:creationId xmlns:p14="http://schemas.microsoft.com/office/powerpoint/2010/main" xmlns="" val="2781614471"/>
+        <p14:creationId xmlns:p14="http://schemas.microsoft.com/office/powerpoint/2010/main" val="2781614471"/>
       </p:ext>
     </p:extLst>
   </p:cSld>
@@ -26351,7 +26272,7 @@
           <p:cNvPr id="2" name="Title 1">
             <a:extLst>
               <a:ext uri="{FF2B5EF4-FFF2-40B4-BE49-F238E27FC236}">
-                <a16:creationId xmlns:a16="http://schemas.microsoft.com/office/drawing/2014/main" xmlns="" id="{B1EFEB9B-03D6-4468-8B64-9D59F4B615C8}"/>
+                <a16:creationId xmlns:a16="http://schemas.microsoft.com/office/drawing/2014/main" id="{B1EFEB9B-03D6-4468-8B64-9D59F4B615C8}"/>
               </a:ext>
             </a:extLst>
           </p:cNvPr>
@@ -26392,7 +26313,7 @@
           <p:cNvPr id="3" name="Picture 2" descr="A picture containing text, clipart&#10;&#10;Description automatically generated">
             <a:extLst>
               <a:ext uri="{FF2B5EF4-FFF2-40B4-BE49-F238E27FC236}">
-                <a16:creationId xmlns:a16="http://schemas.microsoft.com/office/drawing/2014/main" xmlns="" id="{468D9DAB-B399-4051-AA37-E179F76F9B0D}"/>
+                <a16:creationId xmlns:a16="http://schemas.microsoft.com/office/drawing/2014/main" id="{468D9DAB-B399-4051-AA37-E179F76F9B0D}"/>
               </a:ext>
             </a:extLst>
           </p:cNvPr>
@@ -26405,7 +26326,7 @@
           <a:blip r:embed="rId2" cstate="print">
             <a:extLst>
               <a:ext uri="{28A0092B-C50C-407E-A947-70E740481C1C}">
-                <a14:useLocalDpi xmlns:a14="http://schemas.microsoft.com/office/drawing/2010/main" xmlns="" val="0"/>
+                <a14:useLocalDpi xmlns:a14="http://schemas.microsoft.com/office/drawing/2010/main" val="0"/>
               </a:ext>
             </a:extLst>
           </a:blip>
@@ -26428,7 +26349,7 @@
           <p:cNvPr id="4" name="Picture 3">
             <a:extLst>
               <a:ext uri="{FF2B5EF4-FFF2-40B4-BE49-F238E27FC236}">
-                <a16:creationId xmlns:a16="http://schemas.microsoft.com/office/drawing/2014/main" xmlns="" id="{115EEDFE-4A92-4800-819E-78CB5DD6AD77}"/>
+                <a16:creationId xmlns:a16="http://schemas.microsoft.com/office/drawing/2014/main" id="{115EEDFE-4A92-4800-819E-78CB5DD6AD77}"/>
               </a:ext>
             </a:extLst>
           </p:cNvPr>
@@ -26441,7 +26362,7 @@
           <a:blip r:embed="rId3" cstate="print">
             <a:extLst>
               <a:ext uri="{28A0092B-C50C-407E-A947-70E740481C1C}">
-                <a14:useLocalDpi xmlns:a14="http://schemas.microsoft.com/office/drawing/2010/main" xmlns="" val="0"/>
+                <a14:useLocalDpi xmlns:a14="http://schemas.microsoft.com/office/drawing/2010/main" val="0"/>
               </a:ext>
             </a:extLst>
           </a:blip>
@@ -26462,7 +26383,7 @@
     </p:spTree>
     <p:extLst>
       <p:ext uri="{BB962C8B-B14F-4D97-AF65-F5344CB8AC3E}">
-        <p14:creationId xmlns:p14="http://schemas.microsoft.com/office/powerpoint/2010/main" xmlns="" val="4201433421"/>
+        <p14:creationId xmlns:p14="http://schemas.microsoft.com/office/powerpoint/2010/main" val="4201433421"/>
       </p:ext>
     </p:extLst>
   </p:cSld>
@@ -26494,7 +26415,7 @@
           <p:cNvPr id="2" name="Title 1">
             <a:extLst>
               <a:ext uri="{FF2B5EF4-FFF2-40B4-BE49-F238E27FC236}">
-                <a16:creationId xmlns:a16="http://schemas.microsoft.com/office/drawing/2014/main" xmlns="" id="{CD246E82-81D3-41CB-9B0E-EB61F19997C2}"/>
+                <a16:creationId xmlns:a16="http://schemas.microsoft.com/office/drawing/2014/main" id="{CD246E82-81D3-41CB-9B0E-EB61F19997C2}"/>
               </a:ext>
             </a:extLst>
           </p:cNvPr>
@@ -26535,7 +26456,7 @@
           <p:cNvPr id="10" name="Content Placeholder 2">
             <a:extLst>
               <a:ext uri="{FF2B5EF4-FFF2-40B4-BE49-F238E27FC236}">
-                <a16:creationId xmlns:a16="http://schemas.microsoft.com/office/drawing/2014/main" xmlns="" id="{CC31422B-3DF9-4D62-83C3-9A9C64C66B8E}"/>
+                <a16:creationId xmlns:a16="http://schemas.microsoft.com/office/drawing/2014/main" id="{CC31422B-3DF9-4D62-83C3-9A9C64C66B8E}"/>
               </a:ext>
             </a:extLst>
           </p:cNvPr>
@@ -26546,7 +26467,7 @@
             <p:ph idx="1"/>
             <p:extLst>
               <p:ext uri="{D42A27DB-BD31-4B8C-83A1-F6EECF244321}">
-                <p14:modId xmlns:p14="http://schemas.microsoft.com/office/powerpoint/2010/main" xmlns="" val="205597005"/>
+                <p14:modId xmlns:p14="http://schemas.microsoft.com/office/powerpoint/2010/main" val="205597005"/>
               </p:ext>
             </p:extLst>
           </p:nvPr>
@@ -26566,7 +26487,7 @@
           <p:cNvPr id="11" name="Picture 10" descr="A picture containing text, clipart&#10;&#10;Description automatically generated">
             <a:extLst>
               <a:ext uri="{FF2B5EF4-FFF2-40B4-BE49-F238E27FC236}">
-                <a16:creationId xmlns:a16="http://schemas.microsoft.com/office/drawing/2014/main" xmlns="" id="{E6A946DE-0912-471C-A27E-4D8A9CDD6CF5}"/>
+                <a16:creationId xmlns:a16="http://schemas.microsoft.com/office/drawing/2014/main" id="{E6A946DE-0912-471C-A27E-4D8A9CDD6CF5}"/>
               </a:ext>
             </a:extLst>
           </p:cNvPr>
@@ -26579,7 +26500,7 @@
           <a:blip r:embed="rId7" cstate="print">
             <a:extLst>
               <a:ext uri="{28A0092B-C50C-407E-A947-70E740481C1C}">
-                <a14:useLocalDpi xmlns:a14="http://schemas.microsoft.com/office/drawing/2010/main" xmlns="" val="0"/>
+                <a14:useLocalDpi xmlns:a14="http://schemas.microsoft.com/office/drawing/2010/main" val="0"/>
               </a:ext>
             </a:extLst>
           </a:blip>
@@ -26602,7 +26523,7 @@
           <p:cNvPr id="5" name="Picture 4">
             <a:extLst>
               <a:ext uri="{FF2B5EF4-FFF2-40B4-BE49-F238E27FC236}">
-                <a16:creationId xmlns:a16="http://schemas.microsoft.com/office/drawing/2014/main" xmlns="" id="{2C57480A-5A2F-4EEF-A116-D0BBF5178C7C}"/>
+                <a16:creationId xmlns:a16="http://schemas.microsoft.com/office/drawing/2014/main" id="{2C57480A-5A2F-4EEF-A116-D0BBF5178C7C}"/>
               </a:ext>
             </a:extLst>
           </p:cNvPr>
@@ -26615,7 +26536,7 @@
           <a:blip r:embed="rId8" cstate="print">
             <a:extLst>
               <a:ext uri="{28A0092B-C50C-407E-A947-70E740481C1C}">
-                <a14:useLocalDpi xmlns:a14="http://schemas.microsoft.com/office/drawing/2010/main" xmlns="" val="0"/>
+                <a14:useLocalDpi xmlns:a14="http://schemas.microsoft.com/office/drawing/2010/main" val="0"/>
               </a:ext>
             </a:extLst>
           </a:blip>
@@ -26636,7 +26557,7 @@
     </p:spTree>
     <p:extLst>
       <p:ext uri="{BB962C8B-B14F-4D97-AF65-F5344CB8AC3E}">
-        <p14:creationId xmlns:p14="http://schemas.microsoft.com/office/powerpoint/2010/main" xmlns="" val="2446183260"/>
+        <p14:creationId xmlns:p14="http://schemas.microsoft.com/office/powerpoint/2010/main" val="2446183260"/>
       </p:ext>
     </p:extLst>
   </p:cSld>
@@ -26668,7 +26589,7 @@
           <p:cNvPr id="2" name="Title 1">
             <a:extLst>
               <a:ext uri="{FF2B5EF4-FFF2-40B4-BE49-F238E27FC236}">
-                <a16:creationId xmlns:a16="http://schemas.microsoft.com/office/drawing/2014/main" xmlns="" id="{CC2A7314-2A78-4631-80A3-67CE2478AB8A}"/>
+                <a16:creationId xmlns:a16="http://schemas.microsoft.com/office/drawing/2014/main" id="{CC2A7314-2A78-4631-80A3-67CE2478AB8A}"/>
               </a:ext>
             </a:extLst>
           </p:cNvPr>
@@ -26709,7 +26630,7 @@
           <p:cNvPr id="3" name="Content Placeholder 2">
             <a:extLst>
               <a:ext uri="{FF2B5EF4-FFF2-40B4-BE49-F238E27FC236}">
-                <a16:creationId xmlns:a16="http://schemas.microsoft.com/office/drawing/2014/main" xmlns="" id="{27AB5F53-A7F1-4ABB-AF83-73290E38794E}"/>
+                <a16:creationId xmlns:a16="http://schemas.microsoft.com/office/drawing/2014/main" id="{27AB5F53-A7F1-4ABB-AF83-73290E38794E}"/>
               </a:ext>
             </a:extLst>
           </p:cNvPr>
@@ -26815,7 +26736,7 @@
           <p:cNvPr id="4" name="Picture 3" descr="A picture containing text, clipart&#10;&#10;Description automatically generated">
             <a:extLst>
               <a:ext uri="{FF2B5EF4-FFF2-40B4-BE49-F238E27FC236}">
-                <a16:creationId xmlns:a16="http://schemas.microsoft.com/office/drawing/2014/main" xmlns="" id="{3E11A979-2111-4862-BA1E-3745179E6ED0}"/>
+                <a16:creationId xmlns:a16="http://schemas.microsoft.com/office/drawing/2014/main" id="{3E11A979-2111-4862-BA1E-3745179E6ED0}"/>
               </a:ext>
             </a:extLst>
           </p:cNvPr>
@@ -26828,7 +26749,7 @@
           <a:blip r:embed="rId2" cstate="print">
             <a:extLst>
               <a:ext uri="{28A0092B-C50C-407E-A947-70E740481C1C}">
-                <a14:useLocalDpi xmlns:a14="http://schemas.microsoft.com/office/drawing/2010/main" xmlns="" val="0"/>
+                <a14:useLocalDpi xmlns:a14="http://schemas.microsoft.com/office/drawing/2010/main" val="0"/>
               </a:ext>
             </a:extLst>
           </a:blip>
@@ -26851,7 +26772,7 @@
           <p:cNvPr id="5" name="Picture 4">
             <a:extLst>
               <a:ext uri="{FF2B5EF4-FFF2-40B4-BE49-F238E27FC236}">
-                <a16:creationId xmlns:a16="http://schemas.microsoft.com/office/drawing/2014/main" xmlns="" id="{422A30C3-7E9B-45E3-996D-DAE5EDE423DD}"/>
+                <a16:creationId xmlns:a16="http://schemas.microsoft.com/office/drawing/2014/main" id="{422A30C3-7E9B-45E3-996D-DAE5EDE423DD}"/>
               </a:ext>
             </a:extLst>
           </p:cNvPr>
@@ -26864,7 +26785,7 @@
           <a:blip r:embed="rId3" cstate="print">
             <a:extLst>
               <a:ext uri="{28A0092B-C50C-407E-A947-70E740481C1C}">
-                <a14:useLocalDpi xmlns:a14="http://schemas.microsoft.com/office/drawing/2010/main" xmlns="" val="0"/>
+                <a14:useLocalDpi xmlns:a14="http://schemas.microsoft.com/office/drawing/2010/main" val="0"/>
               </a:ext>
             </a:extLst>
           </a:blip>
@@ -26885,7 +26806,7 @@
     </p:spTree>
     <p:extLst>
       <p:ext uri="{BB962C8B-B14F-4D97-AF65-F5344CB8AC3E}">
-        <p14:creationId xmlns:p14="http://schemas.microsoft.com/office/powerpoint/2010/main" xmlns="" val="435433868"/>
+        <p14:creationId xmlns:p14="http://schemas.microsoft.com/office/powerpoint/2010/main" val="435433868"/>
       </p:ext>
     </p:extLst>
   </p:cSld>
@@ -26917,7 +26838,7 @@
           <p:cNvPr id="2" name="Title 1">
             <a:extLst>
               <a:ext uri="{FF2B5EF4-FFF2-40B4-BE49-F238E27FC236}">
-                <a16:creationId xmlns:a16="http://schemas.microsoft.com/office/drawing/2014/main" xmlns="" id="{D4F5FDAE-9A9D-4123-9DA3-50250AFDF80B}"/>
+                <a16:creationId xmlns:a16="http://schemas.microsoft.com/office/drawing/2014/main" id="{D4F5FDAE-9A9D-4123-9DA3-50250AFDF80B}"/>
               </a:ext>
             </a:extLst>
           </p:cNvPr>
@@ -26958,7 +26879,7 @@
           <p:cNvPr id="3" name="Content Placeholder 2">
             <a:extLst>
               <a:ext uri="{FF2B5EF4-FFF2-40B4-BE49-F238E27FC236}">
-                <a16:creationId xmlns:a16="http://schemas.microsoft.com/office/drawing/2014/main" xmlns="" id="{72D72FE2-AEEE-4130-9E68-C2ED5E36FFE0}"/>
+                <a16:creationId xmlns:a16="http://schemas.microsoft.com/office/drawing/2014/main" id="{72D72FE2-AEEE-4130-9E68-C2ED5E36FFE0}"/>
               </a:ext>
             </a:extLst>
           </p:cNvPr>
@@ -27127,7 +27048,7 @@
           <p:cNvPr id="4" name="Picture 3" descr="A picture containing text, clipart&#10;&#10;Description automatically generated">
             <a:extLst>
               <a:ext uri="{FF2B5EF4-FFF2-40B4-BE49-F238E27FC236}">
-                <a16:creationId xmlns:a16="http://schemas.microsoft.com/office/drawing/2014/main" xmlns="" id="{A305AC29-830A-495A-B48F-D4840BF2DEEA}"/>
+                <a16:creationId xmlns:a16="http://schemas.microsoft.com/office/drawing/2014/main" id="{A305AC29-830A-495A-B48F-D4840BF2DEEA}"/>
               </a:ext>
             </a:extLst>
           </p:cNvPr>
@@ -27140,7 +27061,7 @@
           <a:blip r:embed="rId2" cstate="print">
             <a:extLst>
               <a:ext uri="{28A0092B-C50C-407E-A947-70E740481C1C}">
-                <a14:useLocalDpi xmlns:a14="http://schemas.microsoft.com/office/drawing/2010/main" xmlns="" val="0"/>
+                <a14:useLocalDpi xmlns:a14="http://schemas.microsoft.com/office/drawing/2010/main" val="0"/>
               </a:ext>
             </a:extLst>
           </a:blip>
@@ -27163,7 +27084,7 @@
           <p:cNvPr id="5" name="Picture 4">
             <a:extLst>
               <a:ext uri="{FF2B5EF4-FFF2-40B4-BE49-F238E27FC236}">
-                <a16:creationId xmlns:a16="http://schemas.microsoft.com/office/drawing/2014/main" xmlns="" id="{40D70609-F85E-45E5-AB80-7E2FC7DAA519}"/>
+                <a16:creationId xmlns:a16="http://schemas.microsoft.com/office/drawing/2014/main" id="{40D70609-F85E-45E5-AB80-7E2FC7DAA519}"/>
               </a:ext>
             </a:extLst>
           </p:cNvPr>
@@ -27176,7 +27097,7 @@
           <a:blip r:embed="rId3" cstate="print">
             <a:extLst>
               <a:ext uri="{28A0092B-C50C-407E-A947-70E740481C1C}">
-                <a14:useLocalDpi xmlns:a14="http://schemas.microsoft.com/office/drawing/2010/main" xmlns="" val="0"/>
+                <a14:useLocalDpi xmlns:a14="http://schemas.microsoft.com/office/drawing/2010/main" val="0"/>
               </a:ext>
             </a:extLst>
           </a:blip>
@@ -27197,7 +27118,7 @@
     </p:spTree>
     <p:extLst>
       <p:ext uri="{BB962C8B-B14F-4D97-AF65-F5344CB8AC3E}">
-        <p14:creationId xmlns:p14="http://schemas.microsoft.com/office/powerpoint/2010/main" xmlns="" val="1516818224"/>
+        <p14:creationId xmlns:p14="http://schemas.microsoft.com/office/powerpoint/2010/main" val="1516818224"/>
       </p:ext>
     </p:extLst>
   </p:cSld>
@@ -27229,7 +27150,7 @@
           <p:cNvPr id="2" name="Title 1">
             <a:extLst>
               <a:ext uri="{FF2B5EF4-FFF2-40B4-BE49-F238E27FC236}">
-                <a16:creationId xmlns:a16="http://schemas.microsoft.com/office/drawing/2014/main" xmlns="" id="{D4F5FDAE-9A9D-4123-9DA3-50250AFDF80B}"/>
+                <a16:creationId xmlns:a16="http://schemas.microsoft.com/office/drawing/2014/main" id="{D4F5FDAE-9A9D-4123-9DA3-50250AFDF80B}"/>
               </a:ext>
             </a:extLst>
           </p:cNvPr>
@@ -27270,7 +27191,7 @@
           <p:cNvPr id="3" name="Content Placeholder 2">
             <a:extLst>
               <a:ext uri="{FF2B5EF4-FFF2-40B4-BE49-F238E27FC236}">
-                <a16:creationId xmlns:a16="http://schemas.microsoft.com/office/drawing/2014/main" xmlns="" id="{72D72FE2-AEEE-4130-9E68-C2ED5E36FFE0}"/>
+                <a16:creationId xmlns:a16="http://schemas.microsoft.com/office/drawing/2014/main" id="{72D72FE2-AEEE-4130-9E68-C2ED5E36FFE0}"/>
               </a:ext>
             </a:extLst>
           </p:cNvPr>
@@ -27385,7 +27306,7 @@
           <p:cNvPr id="4" name="Picture 3" descr="A picture containing text, clipart&#10;&#10;Description automatically generated">
             <a:extLst>
               <a:ext uri="{FF2B5EF4-FFF2-40B4-BE49-F238E27FC236}">
-                <a16:creationId xmlns:a16="http://schemas.microsoft.com/office/drawing/2014/main" xmlns="" id="{6C4FC489-5E08-4FDC-88C0-ED109444B700}"/>
+                <a16:creationId xmlns:a16="http://schemas.microsoft.com/office/drawing/2014/main" id="{6C4FC489-5E08-4FDC-88C0-ED109444B700}"/>
               </a:ext>
             </a:extLst>
           </p:cNvPr>
@@ -27398,7 +27319,7 @@
           <a:blip r:embed="rId2" cstate="print">
             <a:extLst>
               <a:ext uri="{28A0092B-C50C-407E-A947-70E740481C1C}">
-                <a14:useLocalDpi xmlns:a14="http://schemas.microsoft.com/office/drawing/2010/main" xmlns="" val="0"/>
+                <a14:useLocalDpi xmlns:a14="http://schemas.microsoft.com/office/drawing/2010/main" val="0"/>
               </a:ext>
             </a:extLst>
           </a:blip>
@@ -27421,7 +27342,7 @@
           <p:cNvPr id="5" name="Picture 4">
             <a:extLst>
               <a:ext uri="{FF2B5EF4-FFF2-40B4-BE49-F238E27FC236}">
-                <a16:creationId xmlns:a16="http://schemas.microsoft.com/office/drawing/2014/main" xmlns="" id="{A052D5B9-FDEC-4F03-92B2-73A68BD0CC0F}"/>
+                <a16:creationId xmlns:a16="http://schemas.microsoft.com/office/drawing/2014/main" id="{A052D5B9-FDEC-4F03-92B2-73A68BD0CC0F}"/>
               </a:ext>
             </a:extLst>
           </p:cNvPr>
@@ -27434,7 +27355,7 @@
           <a:blip r:embed="rId3" cstate="print">
             <a:extLst>
               <a:ext uri="{28A0092B-C50C-407E-A947-70E740481C1C}">
-                <a14:useLocalDpi xmlns:a14="http://schemas.microsoft.com/office/drawing/2010/main" xmlns="" val="0"/>
+                <a14:useLocalDpi xmlns:a14="http://schemas.microsoft.com/office/drawing/2010/main" val="0"/>
               </a:ext>
             </a:extLst>
           </a:blip>
@@ -27455,7 +27376,7 @@
     </p:spTree>
     <p:extLst>
       <p:ext uri="{BB962C8B-B14F-4D97-AF65-F5344CB8AC3E}">
-        <p14:creationId xmlns:p14="http://schemas.microsoft.com/office/powerpoint/2010/main" xmlns="" val="4140100457"/>
+        <p14:creationId xmlns:p14="http://schemas.microsoft.com/office/powerpoint/2010/main" val="4140100457"/>
       </p:ext>
     </p:extLst>
   </p:cSld>
@@ -27487,7 +27408,7 @@
           <p:cNvPr id="2" name="Title 1">
             <a:extLst>
               <a:ext uri="{FF2B5EF4-FFF2-40B4-BE49-F238E27FC236}">
-                <a16:creationId xmlns:a16="http://schemas.microsoft.com/office/drawing/2014/main" xmlns="" id="{D4F5FDAE-9A9D-4123-9DA3-50250AFDF80B}"/>
+                <a16:creationId xmlns:a16="http://schemas.microsoft.com/office/drawing/2014/main" id="{D4F5FDAE-9A9D-4123-9DA3-50250AFDF80B}"/>
               </a:ext>
             </a:extLst>
           </p:cNvPr>
@@ -27528,7 +27449,7 @@
           <p:cNvPr id="3" name="Content Placeholder 2">
             <a:extLst>
               <a:ext uri="{FF2B5EF4-FFF2-40B4-BE49-F238E27FC236}">
-                <a16:creationId xmlns:a16="http://schemas.microsoft.com/office/drawing/2014/main" xmlns="" id="{72D72FE2-AEEE-4130-9E68-C2ED5E36FFE0}"/>
+                <a16:creationId xmlns:a16="http://schemas.microsoft.com/office/drawing/2014/main" id="{72D72FE2-AEEE-4130-9E68-C2ED5E36FFE0}"/>
               </a:ext>
             </a:extLst>
           </p:cNvPr>
@@ -27718,7 +27639,7 @@
           <p:cNvPr id="4" name="Picture 3" descr="A picture containing text, clipart&#10;&#10;Description automatically generated">
             <a:extLst>
               <a:ext uri="{FF2B5EF4-FFF2-40B4-BE49-F238E27FC236}">
-                <a16:creationId xmlns:a16="http://schemas.microsoft.com/office/drawing/2014/main" xmlns="" id="{99F4AE78-29C4-48E1-8513-E5DD8ECD8284}"/>
+                <a16:creationId xmlns:a16="http://schemas.microsoft.com/office/drawing/2014/main" id="{99F4AE78-29C4-48E1-8513-E5DD8ECD8284}"/>
               </a:ext>
             </a:extLst>
           </p:cNvPr>
@@ -27731,7 +27652,7 @@
           <a:blip r:embed="rId2" cstate="print">
             <a:extLst>
               <a:ext uri="{28A0092B-C50C-407E-A947-70E740481C1C}">
-                <a14:useLocalDpi xmlns:a14="http://schemas.microsoft.com/office/drawing/2010/main" xmlns="" val="0"/>
+                <a14:useLocalDpi xmlns:a14="http://schemas.microsoft.com/office/drawing/2010/main" val="0"/>
               </a:ext>
             </a:extLst>
           </a:blip>
@@ -27754,7 +27675,7 @@
           <p:cNvPr id="5" name="Picture 4">
             <a:extLst>
               <a:ext uri="{FF2B5EF4-FFF2-40B4-BE49-F238E27FC236}">
-                <a16:creationId xmlns:a16="http://schemas.microsoft.com/office/drawing/2014/main" xmlns="" id="{C8631A82-6B1E-49BA-9433-F69763D2A5CF}"/>
+                <a16:creationId xmlns:a16="http://schemas.microsoft.com/office/drawing/2014/main" id="{C8631A82-6B1E-49BA-9433-F69763D2A5CF}"/>
               </a:ext>
             </a:extLst>
           </p:cNvPr>
@@ -27767,7 +27688,7 @@
           <a:blip r:embed="rId3" cstate="print">
             <a:extLst>
               <a:ext uri="{28A0092B-C50C-407E-A947-70E740481C1C}">
-                <a14:useLocalDpi xmlns:a14="http://schemas.microsoft.com/office/drawing/2010/main" xmlns="" val="0"/>
+                <a14:useLocalDpi xmlns:a14="http://schemas.microsoft.com/office/drawing/2010/main" val="0"/>
               </a:ext>
             </a:extLst>
           </a:blip>
@@ -27788,7 +27709,7 @@
     </p:spTree>
     <p:extLst>
       <p:ext uri="{BB962C8B-B14F-4D97-AF65-F5344CB8AC3E}">
-        <p14:creationId xmlns:p14="http://schemas.microsoft.com/office/powerpoint/2010/main" xmlns="" val="655610335"/>
+        <p14:creationId xmlns:p14="http://schemas.microsoft.com/office/powerpoint/2010/main" val="655610335"/>
       </p:ext>
     </p:extLst>
   </p:cSld>
@@ -27835,7 +27756,7 @@
           <p:cNvPr id="2" name="Title 1">
             <a:extLst>
               <a:ext uri="{FF2B5EF4-FFF2-40B4-BE49-F238E27FC236}">
-                <a16:creationId xmlns:a16="http://schemas.microsoft.com/office/drawing/2014/main" xmlns="" id="{D4F5FDAE-9A9D-4123-9DA3-50250AFDF80B}"/>
+                <a16:creationId xmlns:a16="http://schemas.microsoft.com/office/drawing/2014/main" id="{D4F5FDAE-9A9D-4123-9DA3-50250AFDF80B}"/>
               </a:ext>
             </a:extLst>
           </p:cNvPr>
@@ -27876,7 +27797,7 @@
           <p:cNvPr id="3" name="Picture 2" descr="A picture containing text, clipart&#10;&#10;Description automatically generated">
             <a:extLst>
               <a:ext uri="{FF2B5EF4-FFF2-40B4-BE49-F238E27FC236}">
-                <a16:creationId xmlns:a16="http://schemas.microsoft.com/office/drawing/2014/main" xmlns="" id="{B5B6F42E-D682-4289-9A27-F034356FF273}"/>
+                <a16:creationId xmlns:a16="http://schemas.microsoft.com/office/drawing/2014/main" id="{B5B6F42E-D682-4289-9A27-F034356FF273}"/>
               </a:ext>
             </a:extLst>
           </p:cNvPr>
@@ -27889,7 +27810,7 @@
           <a:blip r:embed="rId3" cstate="print">
             <a:extLst>
               <a:ext uri="{28A0092B-C50C-407E-A947-70E740481C1C}">
-                <a14:useLocalDpi xmlns:a14="http://schemas.microsoft.com/office/drawing/2010/main" xmlns="" val="0"/>
+                <a14:useLocalDpi xmlns:a14="http://schemas.microsoft.com/office/drawing/2010/main" val="0"/>
               </a:ext>
             </a:extLst>
           </a:blip>
@@ -27912,7 +27833,7 @@
           <p:cNvPr id="4" name="Picture 3">
             <a:extLst>
               <a:ext uri="{FF2B5EF4-FFF2-40B4-BE49-F238E27FC236}">
-                <a16:creationId xmlns:a16="http://schemas.microsoft.com/office/drawing/2014/main" xmlns="" id="{88D02F46-0E78-4C9A-ABEE-9AA58B8B0AA0}"/>
+                <a16:creationId xmlns:a16="http://schemas.microsoft.com/office/drawing/2014/main" id="{88D02F46-0E78-4C9A-ABEE-9AA58B8B0AA0}"/>
               </a:ext>
             </a:extLst>
           </p:cNvPr>
@@ -27925,7 +27846,7 @@
           <a:blip r:embed="rId4" cstate="print">
             <a:extLst>
               <a:ext uri="{28A0092B-C50C-407E-A947-70E740481C1C}">
-                <a14:useLocalDpi xmlns:a14="http://schemas.microsoft.com/office/drawing/2010/main" xmlns="" val="0"/>
+                <a14:useLocalDpi xmlns:a14="http://schemas.microsoft.com/office/drawing/2010/main" val="0"/>
               </a:ext>
             </a:extLst>
           </a:blip>
@@ -27948,7 +27869,7 @@
           <p:cNvPr id="15" name="TextBox 14">
             <a:extLst>
               <a:ext uri="{FF2B5EF4-FFF2-40B4-BE49-F238E27FC236}">
-                <a16:creationId xmlns:a16="http://schemas.microsoft.com/office/drawing/2014/main" xmlns="" id="{1D2E6625-7392-4302-BD06-A28EDA7C50FE}"/>
+                <a16:creationId xmlns:a16="http://schemas.microsoft.com/office/drawing/2014/main" id="{1D2E6625-7392-4302-BD06-A28EDA7C50FE}"/>
               </a:ext>
             </a:extLst>
           </p:cNvPr>
@@ -28014,7 +27935,7 @@
           <p:cNvPr id="16" name="TextBox 15">
             <a:extLst>
               <a:ext uri="{FF2B5EF4-FFF2-40B4-BE49-F238E27FC236}">
-                <a16:creationId xmlns:a16="http://schemas.microsoft.com/office/drawing/2014/main" xmlns="" id="{CF5FB746-8EC5-49D7-B624-9DA4B1444C81}"/>
+                <a16:creationId xmlns:a16="http://schemas.microsoft.com/office/drawing/2014/main" id="{CF5FB746-8EC5-49D7-B624-9DA4B1444C81}"/>
               </a:ext>
             </a:extLst>
           </p:cNvPr>
@@ -28080,7 +28001,7 @@
           <p:cNvPr id="17" name="TextBox 16">
             <a:extLst>
               <a:ext uri="{FF2B5EF4-FFF2-40B4-BE49-F238E27FC236}">
-                <a16:creationId xmlns:a16="http://schemas.microsoft.com/office/drawing/2014/main" xmlns="" id="{55C74035-59A6-4CCF-82C3-C7E0DAEC1BA9}"/>
+                <a16:creationId xmlns:a16="http://schemas.microsoft.com/office/drawing/2014/main" id="{55C74035-59A6-4CCF-82C3-C7E0DAEC1BA9}"/>
               </a:ext>
             </a:extLst>
           </p:cNvPr>
@@ -28146,7 +28067,7 @@
           <p:cNvPr id="19" name="TextBox 18">
             <a:extLst>
               <a:ext uri="{FF2B5EF4-FFF2-40B4-BE49-F238E27FC236}">
-                <a16:creationId xmlns:a16="http://schemas.microsoft.com/office/drawing/2014/main" xmlns="" id="{F339F6B7-C949-40C8-8FC6-86E46ED1D49D}"/>
+                <a16:creationId xmlns:a16="http://schemas.microsoft.com/office/drawing/2014/main" id="{F339F6B7-C949-40C8-8FC6-86E46ED1D49D}"/>
               </a:ext>
             </a:extLst>
           </p:cNvPr>
@@ -28212,7 +28133,7 @@
           <p:cNvPr id="20" name="TextBox 19">
             <a:extLst>
               <a:ext uri="{FF2B5EF4-FFF2-40B4-BE49-F238E27FC236}">
-                <a16:creationId xmlns:a16="http://schemas.microsoft.com/office/drawing/2014/main" xmlns="" id="{53AF60E6-F980-49EE-B5A7-0B685C590049}"/>
+                <a16:creationId xmlns:a16="http://schemas.microsoft.com/office/drawing/2014/main" id="{53AF60E6-F980-49EE-B5A7-0B685C590049}"/>
               </a:ext>
             </a:extLst>
           </p:cNvPr>
@@ -28278,7 +28199,7 @@
           <p:cNvPr id="21" name="TextBox 20">
             <a:extLst>
               <a:ext uri="{FF2B5EF4-FFF2-40B4-BE49-F238E27FC236}">
-                <a16:creationId xmlns:a16="http://schemas.microsoft.com/office/drawing/2014/main" xmlns="" id="{F5AF7E63-342E-4850-9360-02DF19EEA192}"/>
+                <a16:creationId xmlns:a16="http://schemas.microsoft.com/office/drawing/2014/main" id="{F5AF7E63-342E-4850-9360-02DF19EEA192}"/>
               </a:ext>
             </a:extLst>
           </p:cNvPr>
@@ -28361,7 +28282,7 @@
           <p:cNvPr id="22" name="TextBox 21">
             <a:extLst>
               <a:ext uri="{FF2B5EF4-FFF2-40B4-BE49-F238E27FC236}">
-                <a16:creationId xmlns:a16="http://schemas.microsoft.com/office/drawing/2014/main" xmlns="" id="{B7C2C259-DB3C-416D-AEB6-786F24F7419A}"/>
+                <a16:creationId xmlns:a16="http://schemas.microsoft.com/office/drawing/2014/main" id="{B7C2C259-DB3C-416D-AEB6-786F24F7419A}"/>
               </a:ext>
             </a:extLst>
           </p:cNvPr>
@@ -28427,7 +28348,7 @@
           <p:cNvPr id="23" name="Arrow: Left-Right 22">
             <a:extLst>
               <a:ext uri="{FF2B5EF4-FFF2-40B4-BE49-F238E27FC236}">
-                <a16:creationId xmlns:a16="http://schemas.microsoft.com/office/drawing/2014/main" xmlns="" id="{D90864F5-8F84-465B-B3F8-66FA3F4B9754}"/>
+                <a16:creationId xmlns:a16="http://schemas.microsoft.com/office/drawing/2014/main" id="{D90864F5-8F84-465B-B3F8-66FA3F4B9754}"/>
               </a:ext>
             </a:extLst>
           </p:cNvPr>
@@ -28481,7 +28402,7 @@
           <p:cNvPr id="24" name="Arrow: Left-Right 23">
             <a:extLst>
               <a:ext uri="{FF2B5EF4-FFF2-40B4-BE49-F238E27FC236}">
-                <a16:creationId xmlns:a16="http://schemas.microsoft.com/office/drawing/2014/main" xmlns="" id="{751A05C6-CBCB-4E27-87BB-C6FA3FA9A9DD}"/>
+                <a16:creationId xmlns:a16="http://schemas.microsoft.com/office/drawing/2014/main" id="{751A05C6-CBCB-4E27-87BB-C6FA3FA9A9DD}"/>
               </a:ext>
             </a:extLst>
           </p:cNvPr>
@@ -28535,7 +28456,7 @@
           <p:cNvPr id="25" name="Arrow: Left-Right 24">
             <a:extLst>
               <a:ext uri="{FF2B5EF4-FFF2-40B4-BE49-F238E27FC236}">
-                <a16:creationId xmlns:a16="http://schemas.microsoft.com/office/drawing/2014/main" xmlns="" id="{168954EA-9DC8-4650-B453-0DE30AD239A2}"/>
+                <a16:creationId xmlns:a16="http://schemas.microsoft.com/office/drawing/2014/main" id="{168954EA-9DC8-4650-B453-0DE30AD239A2}"/>
               </a:ext>
             </a:extLst>
           </p:cNvPr>
@@ -28589,7 +28510,7 @@
           <p:cNvPr id="26" name="Arrow: Left-Right 25">
             <a:extLst>
               <a:ext uri="{FF2B5EF4-FFF2-40B4-BE49-F238E27FC236}">
-                <a16:creationId xmlns:a16="http://schemas.microsoft.com/office/drawing/2014/main" xmlns="" id="{5E732A3E-D5C6-482C-A6FC-E52221C622E8}"/>
+                <a16:creationId xmlns:a16="http://schemas.microsoft.com/office/drawing/2014/main" id="{5E732A3E-D5C6-482C-A6FC-E52221C622E8}"/>
               </a:ext>
             </a:extLst>
           </p:cNvPr>
@@ -28643,7 +28564,7 @@
           <p:cNvPr id="27" name="Arrow: Left-Right 26">
             <a:extLst>
               <a:ext uri="{FF2B5EF4-FFF2-40B4-BE49-F238E27FC236}">
-                <a16:creationId xmlns:a16="http://schemas.microsoft.com/office/drawing/2014/main" xmlns="" id="{FB4B1322-F4EE-4419-88C0-79D0ED96727D}"/>
+                <a16:creationId xmlns:a16="http://schemas.microsoft.com/office/drawing/2014/main" id="{FB4B1322-F4EE-4419-88C0-79D0ED96727D}"/>
               </a:ext>
             </a:extLst>
           </p:cNvPr>
@@ -28697,7 +28618,7 @@
           <p:cNvPr id="28" name="Arrow: Left-Right 27">
             <a:extLst>
               <a:ext uri="{FF2B5EF4-FFF2-40B4-BE49-F238E27FC236}">
-                <a16:creationId xmlns:a16="http://schemas.microsoft.com/office/drawing/2014/main" xmlns="" id="{24BE8584-110F-4B2B-BC30-3A1AD4EF4CEC}"/>
+                <a16:creationId xmlns:a16="http://schemas.microsoft.com/office/drawing/2014/main" id="{24BE8584-110F-4B2B-BC30-3A1AD4EF4CEC}"/>
               </a:ext>
             </a:extLst>
           </p:cNvPr>
@@ -28751,7 +28672,7 @@
           <p:cNvPr id="29" name="Arrow: Left-Right 28">
             <a:extLst>
               <a:ext uri="{FF2B5EF4-FFF2-40B4-BE49-F238E27FC236}">
-                <a16:creationId xmlns:a16="http://schemas.microsoft.com/office/drawing/2014/main" xmlns="" id="{0214662F-9CCA-45A3-B3E9-F0914D9D5E28}"/>
+                <a16:creationId xmlns:a16="http://schemas.microsoft.com/office/drawing/2014/main" id="{0214662F-9CCA-45A3-B3E9-F0914D9D5E28}"/>
               </a:ext>
             </a:extLst>
           </p:cNvPr>
@@ -28805,7 +28726,7 @@
           <p:cNvPr id="30" name="Arrow: Left-Right 29">
             <a:extLst>
               <a:ext uri="{FF2B5EF4-FFF2-40B4-BE49-F238E27FC236}">
-                <a16:creationId xmlns:a16="http://schemas.microsoft.com/office/drawing/2014/main" xmlns="" id="{BEB7F62D-C548-4B21-ACDD-ADDA5655F210}"/>
+                <a16:creationId xmlns:a16="http://schemas.microsoft.com/office/drawing/2014/main" id="{BEB7F62D-C548-4B21-ACDD-ADDA5655F210}"/>
               </a:ext>
             </a:extLst>
           </p:cNvPr>
@@ -28859,7 +28780,7 @@
           <p:cNvPr id="36" name="Picture 35">
             <a:extLst>
               <a:ext uri="{FF2B5EF4-FFF2-40B4-BE49-F238E27FC236}">
-                <a16:creationId xmlns:a16="http://schemas.microsoft.com/office/drawing/2014/main" xmlns="" id="{2C197F14-6564-41CE-BEAD-89FDBEF21643}"/>
+                <a16:creationId xmlns:a16="http://schemas.microsoft.com/office/drawing/2014/main" id="{2C197F14-6564-41CE-BEAD-89FDBEF21643}"/>
               </a:ext>
             </a:extLst>
           </p:cNvPr>
@@ -28872,7 +28793,7 @@
           <a:blip r:embed="rId5" cstate="print">
             <a:extLst>
               <a:ext uri="{28A0092B-C50C-407E-A947-70E740481C1C}">
-                <a14:useLocalDpi xmlns:a14="http://schemas.microsoft.com/office/drawing/2010/main" xmlns="" val="0"/>
+                <a14:useLocalDpi xmlns:a14="http://schemas.microsoft.com/office/drawing/2010/main" val="0"/>
               </a:ext>
             </a:extLst>
           </a:blip>
@@ -28905,7 +28826,7 @@
           <p:cNvPr id="38" name="TextBox 37">
             <a:extLst>
               <a:ext uri="{FF2B5EF4-FFF2-40B4-BE49-F238E27FC236}">
-                <a16:creationId xmlns:a16="http://schemas.microsoft.com/office/drawing/2014/main" xmlns="" id="{D04B45CD-A263-4661-A91A-530C7581B8A6}"/>
+                <a16:creationId xmlns:a16="http://schemas.microsoft.com/office/drawing/2014/main" id="{D04B45CD-A263-4661-A91A-530C7581B8A6}"/>
               </a:ext>
             </a:extLst>
           </p:cNvPr>
@@ -28988,7 +28909,7 @@
           <p:cNvPr id="39" name="Arrow: Left-Right 38">
             <a:extLst>
               <a:ext uri="{FF2B5EF4-FFF2-40B4-BE49-F238E27FC236}">
-                <a16:creationId xmlns:a16="http://schemas.microsoft.com/office/drawing/2014/main" xmlns="" id="{DE64B65F-1FDC-40CA-B0C6-4C6F2AA993C1}"/>
+                <a16:creationId xmlns:a16="http://schemas.microsoft.com/office/drawing/2014/main" id="{DE64B65F-1FDC-40CA-B0C6-4C6F2AA993C1}"/>
               </a:ext>
             </a:extLst>
           </p:cNvPr>
@@ -29042,7 +28963,7 @@
           <p:cNvPr id="40" name="TextBox 39">
             <a:extLst>
               <a:ext uri="{FF2B5EF4-FFF2-40B4-BE49-F238E27FC236}">
-                <a16:creationId xmlns:a16="http://schemas.microsoft.com/office/drawing/2014/main" xmlns="" id="{3CF27990-079C-4B36-8928-C1D2B7FCFEA4}"/>
+                <a16:creationId xmlns:a16="http://schemas.microsoft.com/office/drawing/2014/main" id="{3CF27990-079C-4B36-8928-C1D2B7FCFEA4}"/>
               </a:ext>
             </a:extLst>
           </p:cNvPr>
@@ -29125,7 +29046,7 @@
           <p:cNvPr id="41" name="Arrow: Left-Right 40">
             <a:extLst>
               <a:ext uri="{FF2B5EF4-FFF2-40B4-BE49-F238E27FC236}">
-                <a16:creationId xmlns:a16="http://schemas.microsoft.com/office/drawing/2014/main" xmlns="" id="{BF237D00-1F11-4884-9E37-16DB7D4CF6DB}"/>
+                <a16:creationId xmlns:a16="http://schemas.microsoft.com/office/drawing/2014/main" id="{BF237D00-1F11-4884-9E37-16DB7D4CF6DB}"/>
               </a:ext>
             </a:extLst>
           </p:cNvPr>
@@ -29179,7 +29100,7 @@
           <p:cNvPr id="42" name="TextBox 41">
             <a:extLst>
               <a:ext uri="{FF2B5EF4-FFF2-40B4-BE49-F238E27FC236}">
-                <a16:creationId xmlns:a16="http://schemas.microsoft.com/office/drawing/2014/main" xmlns="" id="{ECEC1076-9EAD-4580-9087-6D34936AD973}"/>
+                <a16:creationId xmlns:a16="http://schemas.microsoft.com/office/drawing/2014/main" id="{ECEC1076-9EAD-4580-9087-6D34936AD973}"/>
               </a:ext>
             </a:extLst>
           </p:cNvPr>
@@ -29245,7 +29166,7 @@
           <p:cNvPr id="6" name="Picture 5">
             <a:extLst>
               <a:ext uri="{FF2B5EF4-FFF2-40B4-BE49-F238E27FC236}">
-                <a16:creationId xmlns:a16="http://schemas.microsoft.com/office/drawing/2014/main" xmlns="" id="{502A9887-AF0C-4681-9B0B-A0D6B2E9A9DA}"/>
+                <a16:creationId xmlns:a16="http://schemas.microsoft.com/office/drawing/2014/main" id="{502A9887-AF0C-4681-9B0B-A0D6B2E9A9DA}"/>
               </a:ext>
             </a:extLst>
           </p:cNvPr>
@@ -29258,7 +29179,7 @@
           <a:blip r:embed="rId6" cstate="print">
             <a:extLst>
               <a:ext uri="{28A0092B-C50C-407E-A947-70E740481C1C}">
-                <a14:useLocalDpi xmlns:a14="http://schemas.microsoft.com/office/drawing/2010/main" xmlns="" val="0"/>
+                <a14:useLocalDpi xmlns:a14="http://schemas.microsoft.com/office/drawing/2010/main" val="0"/>
               </a:ext>
             </a:extLst>
           </a:blip>
@@ -29281,7 +29202,7 @@
           <p:cNvPr id="8" name="Picture 7">
             <a:extLst>
               <a:ext uri="{FF2B5EF4-FFF2-40B4-BE49-F238E27FC236}">
-                <a16:creationId xmlns:a16="http://schemas.microsoft.com/office/drawing/2014/main" xmlns="" id="{36D63B3D-49E9-42D2-BD02-1CC92B8F5F70}"/>
+                <a16:creationId xmlns:a16="http://schemas.microsoft.com/office/drawing/2014/main" id="{36D63B3D-49E9-42D2-BD02-1CC92B8F5F70}"/>
               </a:ext>
             </a:extLst>
           </p:cNvPr>
@@ -29294,7 +29215,7 @@
           <a:blip r:embed="rId7" cstate="print">
             <a:extLst>
               <a:ext uri="{28A0092B-C50C-407E-A947-70E740481C1C}">
-                <a14:useLocalDpi xmlns:a14="http://schemas.microsoft.com/office/drawing/2010/main" xmlns="" val="0"/>
+                <a14:useLocalDpi xmlns:a14="http://schemas.microsoft.com/office/drawing/2010/main" val="0"/>
               </a:ext>
             </a:extLst>
           </a:blip>
@@ -29330,7 +29251,7 @@
           <p:cNvPr id="10" name="Picture 9">
             <a:extLst>
               <a:ext uri="{FF2B5EF4-FFF2-40B4-BE49-F238E27FC236}">
-                <a16:creationId xmlns:a16="http://schemas.microsoft.com/office/drawing/2014/main" xmlns="" id="{D26E208A-270C-4EB9-88A2-A551A1FF0D05}"/>
+                <a16:creationId xmlns:a16="http://schemas.microsoft.com/office/drawing/2014/main" id="{D26E208A-270C-4EB9-88A2-A551A1FF0D05}"/>
               </a:ext>
             </a:extLst>
           </p:cNvPr>
@@ -29343,7 +29264,7 @@
           <a:blip r:embed="rId8" cstate="print">
             <a:extLst>
               <a:ext uri="{28A0092B-C50C-407E-A947-70E740481C1C}">
-                <a14:useLocalDpi xmlns:a14="http://schemas.microsoft.com/office/drawing/2010/main" xmlns="" val="0"/>
+                <a14:useLocalDpi xmlns:a14="http://schemas.microsoft.com/office/drawing/2010/main" val="0"/>
               </a:ext>
             </a:extLst>
           </a:blip>
@@ -29366,7 +29287,7 @@
           <p:cNvPr id="12" name="Picture 11">
             <a:extLst>
               <a:ext uri="{FF2B5EF4-FFF2-40B4-BE49-F238E27FC236}">
-                <a16:creationId xmlns:a16="http://schemas.microsoft.com/office/drawing/2014/main" xmlns="" id="{A8C52244-CBE4-48AD-AC54-8F68A1CEDCC3}"/>
+                <a16:creationId xmlns:a16="http://schemas.microsoft.com/office/drawing/2014/main" id="{A8C52244-CBE4-48AD-AC54-8F68A1CEDCC3}"/>
               </a:ext>
             </a:extLst>
           </p:cNvPr>
@@ -29379,7 +29300,7 @@
           <a:blip r:embed="rId9" cstate="print">
             <a:extLst>
               <a:ext uri="{28A0092B-C50C-407E-A947-70E740481C1C}">
-                <a14:useLocalDpi xmlns:a14="http://schemas.microsoft.com/office/drawing/2010/main" xmlns="" val="0"/>
+                <a14:useLocalDpi xmlns:a14="http://schemas.microsoft.com/office/drawing/2010/main" val="0"/>
               </a:ext>
             </a:extLst>
           </a:blip>
@@ -29402,7 +29323,7 @@
           <p:cNvPr id="14" name="Picture 13">
             <a:extLst>
               <a:ext uri="{FF2B5EF4-FFF2-40B4-BE49-F238E27FC236}">
-                <a16:creationId xmlns:a16="http://schemas.microsoft.com/office/drawing/2014/main" xmlns="" id="{F28AF772-2525-4B69-8A1F-DEFABC6D358B}"/>
+                <a16:creationId xmlns:a16="http://schemas.microsoft.com/office/drawing/2014/main" id="{F28AF772-2525-4B69-8A1F-DEFABC6D358B}"/>
               </a:ext>
             </a:extLst>
           </p:cNvPr>
@@ -29415,7 +29336,7 @@
           <a:blip r:embed="rId10" cstate="print">
             <a:extLst>
               <a:ext uri="{28A0092B-C50C-407E-A947-70E740481C1C}">
-                <a14:useLocalDpi xmlns:a14="http://schemas.microsoft.com/office/drawing/2010/main" xmlns="" val="0"/>
+                <a14:useLocalDpi xmlns:a14="http://schemas.microsoft.com/office/drawing/2010/main" val="0"/>
               </a:ext>
             </a:extLst>
           </a:blip>
@@ -29438,7 +29359,7 @@
           <p:cNvPr id="31" name="Picture 30">
             <a:extLst>
               <a:ext uri="{FF2B5EF4-FFF2-40B4-BE49-F238E27FC236}">
-                <a16:creationId xmlns:a16="http://schemas.microsoft.com/office/drawing/2014/main" xmlns="" id="{8D6D4B1E-600D-4196-A458-DEC88229D48B}"/>
+                <a16:creationId xmlns:a16="http://schemas.microsoft.com/office/drawing/2014/main" id="{8D6D4B1E-600D-4196-A458-DEC88229D48B}"/>
               </a:ext>
             </a:extLst>
           </p:cNvPr>
@@ -29451,7 +29372,7 @@
           <a:blip r:embed="rId11" cstate="print">
             <a:extLst>
               <a:ext uri="{28A0092B-C50C-407E-A947-70E740481C1C}">
-                <a14:useLocalDpi xmlns:a14="http://schemas.microsoft.com/office/drawing/2010/main" xmlns="" val="0"/>
+                <a14:useLocalDpi xmlns:a14="http://schemas.microsoft.com/office/drawing/2010/main" val="0"/>
               </a:ext>
             </a:extLst>
           </a:blip>
@@ -29474,7 +29395,7 @@
           <p:cNvPr id="33" name="Picture 32">
             <a:extLst>
               <a:ext uri="{FF2B5EF4-FFF2-40B4-BE49-F238E27FC236}">
-                <a16:creationId xmlns:a16="http://schemas.microsoft.com/office/drawing/2014/main" xmlns="" id="{19B1E4D3-E33C-4039-8F55-52F30EE9CDA4}"/>
+                <a16:creationId xmlns:a16="http://schemas.microsoft.com/office/drawing/2014/main" id="{19B1E4D3-E33C-4039-8F55-52F30EE9CDA4}"/>
               </a:ext>
             </a:extLst>
           </p:cNvPr>
@@ -29487,7 +29408,7 @@
           <a:blip r:embed="rId12" cstate="print">
             <a:extLst>
               <a:ext uri="{28A0092B-C50C-407E-A947-70E740481C1C}">
-                <a14:useLocalDpi xmlns:a14="http://schemas.microsoft.com/office/drawing/2010/main" xmlns="" val="0"/>
+                <a14:useLocalDpi xmlns:a14="http://schemas.microsoft.com/office/drawing/2010/main" val="0"/>
               </a:ext>
             </a:extLst>
           </a:blip>
@@ -29513,7 +29434,7 @@
           <p:cNvPr id="35" name="Picture 34">
             <a:extLst>
               <a:ext uri="{FF2B5EF4-FFF2-40B4-BE49-F238E27FC236}">
-                <a16:creationId xmlns:a16="http://schemas.microsoft.com/office/drawing/2014/main" xmlns="" id="{BA024F8A-4AA1-421F-A1BC-632D335651C9}"/>
+                <a16:creationId xmlns:a16="http://schemas.microsoft.com/office/drawing/2014/main" id="{BA024F8A-4AA1-421F-A1BC-632D335651C9}"/>
               </a:ext>
             </a:extLst>
           </p:cNvPr>
@@ -29526,7 +29447,7 @@
           <a:blip r:embed="rId13" cstate="print">
             <a:extLst>
               <a:ext uri="{28A0092B-C50C-407E-A947-70E740481C1C}">
-                <a14:useLocalDpi xmlns:a14="http://schemas.microsoft.com/office/drawing/2010/main" xmlns="" val="0"/>
+                <a14:useLocalDpi xmlns:a14="http://schemas.microsoft.com/office/drawing/2010/main" val="0"/>
               </a:ext>
             </a:extLst>
           </a:blip>
@@ -29573,7 +29494,7 @@
           <p:cNvPr id="43" name="Picture 42">
             <a:extLst>
               <a:ext uri="{FF2B5EF4-FFF2-40B4-BE49-F238E27FC236}">
-                <a16:creationId xmlns:a16="http://schemas.microsoft.com/office/drawing/2014/main" xmlns="" id="{B015DA43-E5ED-4A45-8A41-E936BB6D78D4}"/>
+                <a16:creationId xmlns:a16="http://schemas.microsoft.com/office/drawing/2014/main" id="{B015DA43-E5ED-4A45-8A41-E936BB6D78D4}"/>
               </a:ext>
             </a:extLst>
           </p:cNvPr>
@@ -29586,7 +29507,7 @@
           <a:blip r:embed="rId14" cstate="print">
             <a:extLst>
               <a:ext uri="{28A0092B-C50C-407E-A947-70E740481C1C}">
-                <a14:useLocalDpi xmlns:a14="http://schemas.microsoft.com/office/drawing/2010/main" xmlns="" val="0"/>
+                <a14:useLocalDpi xmlns:a14="http://schemas.microsoft.com/office/drawing/2010/main" val="0"/>
               </a:ext>
             </a:extLst>
           </a:blip>
@@ -29609,7 +29530,7 @@
           <p:cNvPr id="45" name="Picture 44">
             <a:extLst>
               <a:ext uri="{FF2B5EF4-FFF2-40B4-BE49-F238E27FC236}">
-                <a16:creationId xmlns:a16="http://schemas.microsoft.com/office/drawing/2014/main" xmlns="" id="{3443144A-BE25-4DCE-8DEE-1F91B5948441}"/>
+                <a16:creationId xmlns:a16="http://schemas.microsoft.com/office/drawing/2014/main" id="{3443144A-BE25-4DCE-8DEE-1F91B5948441}"/>
               </a:ext>
             </a:extLst>
           </p:cNvPr>
@@ -29622,7 +29543,7 @@
           <a:blip r:embed="rId15" cstate="print">
             <a:extLst>
               <a:ext uri="{28A0092B-C50C-407E-A947-70E740481C1C}">
-                <a14:useLocalDpi xmlns:a14="http://schemas.microsoft.com/office/drawing/2010/main" xmlns="" val="0"/>
+                <a14:useLocalDpi xmlns:a14="http://schemas.microsoft.com/office/drawing/2010/main" val="0"/>
               </a:ext>
             </a:extLst>
           </a:blip>
@@ -29643,7 +29564,7 @@
     </p:spTree>
     <p:extLst>
       <p:ext uri="{BB962C8B-B14F-4D97-AF65-F5344CB8AC3E}">
-        <p14:creationId xmlns:p14="http://schemas.microsoft.com/office/powerpoint/2010/main" xmlns="" val="556926227"/>
+        <p14:creationId xmlns:p14="http://schemas.microsoft.com/office/powerpoint/2010/main" val="556926227"/>
       </p:ext>
     </p:extLst>
   </p:cSld>
@@ -29675,7 +29596,7 @@
           <p:cNvPr id="2" name="Title 1">
             <a:extLst>
               <a:ext uri="{FF2B5EF4-FFF2-40B4-BE49-F238E27FC236}">
-                <a16:creationId xmlns:a16="http://schemas.microsoft.com/office/drawing/2014/main" xmlns="" id="{D4F5FDAE-9A9D-4123-9DA3-50250AFDF80B}"/>
+                <a16:creationId xmlns:a16="http://schemas.microsoft.com/office/drawing/2014/main" id="{D4F5FDAE-9A9D-4123-9DA3-50250AFDF80B}"/>
               </a:ext>
             </a:extLst>
           </p:cNvPr>
@@ -29716,7 +29637,7 @@
           <p:cNvPr id="3" name="Picture 2" descr="A picture containing text, clipart&#10;&#10;Description automatically generated">
             <a:extLst>
               <a:ext uri="{FF2B5EF4-FFF2-40B4-BE49-F238E27FC236}">
-                <a16:creationId xmlns:a16="http://schemas.microsoft.com/office/drawing/2014/main" xmlns="" id="{72DA355B-D212-4A41-98E6-796E40DDC543}"/>
+                <a16:creationId xmlns:a16="http://schemas.microsoft.com/office/drawing/2014/main" id="{72DA355B-D212-4A41-98E6-796E40DDC543}"/>
               </a:ext>
             </a:extLst>
           </p:cNvPr>
@@ -29729,7 +29650,7 @@
           <a:blip r:embed="rId2" cstate="print">
             <a:extLst>
               <a:ext uri="{28A0092B-C50C-407E-A947-70E740481C1C}">
-                <a14:useLocalDpi xmlns:a14="http://schemas.microsoft.com/office/drawing/2010/main" xmlns="" val="0"/>
+                <a14:useLocalDpi xmlns:a14="http://schemas.microsoft.com/office/drawing/2010/main" val="0"/>
               </a:ext>
             </a:extLst>
           </a:blip>
@@ -29752,7 +29673,7 @@
           <p:cNvPr id="4" name="Picture 3">
             <a:extLst>
               <a:ext uri="{FF2B5EF4-FFF2-40B4-BE49-F238E27FC236}">
-                <a16:creationId xmlns:a16="http://schemas.microsoft.com/office/drawing/2014/main" xmlns="" id="{D0E8B214-4ADC-4B05-9A43-FEE673FE46F8}"/>
+                <a16:creationId xmlns:a16="http://schemas.microsoft.com/office/drawing/2014/main" id="{D0E8B214-4ADC-4B05-9A43-FEE673FE46F8}"/>
               </a:ext>
             </a:extLst>
           </p:cNvPr>
@@ -29765,7 +29686,7 @@
           <a:blip r:embed="rId3" cstate="print">
             <a:extLst>
               <a:ext uri="{28A0092B-C50C-407E-A947-70E740481C1C}">
-                <a14:useLocalDpi xmlns:a14="http://schemas.microsoft.com/office/drawing/2010/main" xmlns="" val="0"/>
+                <a14:useLocalDpi xmlns:a14="http://schemas.microsoft.com/office/drawing/2010/main" val="0"/>
               </a:ext>
             </a:extLst>
           </a:blip>
@@ -29788,7 +29709,7 @@
           <p:cNvPr id="5" name="TextBox 4">
             <a:extLst>
               <a:ext uri="{FF2B5EF4-FFF2-40B4-BE49-F238E27FC236}">
-                <a16:creationId xmlns:a16="http://schemas.microsoft.com/office/drawing/2014/main" xmlns="" id="{AA0238F0-C296-46CC-A2ED-BD3E15F40FA8}"/>
+                <a16:creationId xmlns:a16="http://schemas.microsoft.com/office/drawing/2014/main" id="{AA0238F0-C296-46CC-A2ED-BD3E15F40FA8}"/>
               </a:ext>
             </a:extLst>
           </p:cNvPr>
@@ -30012,7 +29933,7 @@
     </p:spTree>
     <p:extLst>
       <p:ext uri="{BB962C8B-B14F-4D97-AF65-F5344CB8AC3E}">
-        <p14:creationId xmlns:p14="http://schemas.microsoft.com/office/powerpoint/2010/main" xmlns="" val="3008720091"/>
+        <p14:creationId xmlns:p14="http://schemas.microsoft.com/office/powerpoint/2010/main" val="3008720091"/>
       </p:ext>
     </p:extLst>
   </p:cSld>
@@ -30311,7 +30232,7 @@
   <a:extraClrSchemeLst/>
   <a:extLst>
     <a:ext uri="{05A4C25C-085E-4340-85A3-A5531E510DB2}">
-      <thm15:themeFamily xmlns:thm15="http://schemas.microsoft.com/office/thememl/2012/main" xmlns="" name="Office Theme" id="{62F939B6-93AF-4DB8-9C6B-D6C7DFDC589F}" vid="{4A3C46E8-61CC-4603-A589-7422A47A8E4A}"/>
+      <thm15:themeFamily xmlns:thm15="http://schemas.microsoft.com/office/thememl/2012/main" name="Office Theme" id="{62F939B6-93AF-4DB8-9C6B-D6C7DFDC589F}" vid="{4A3C46E8-61CC-4603-A589-7422A47A8E4A}"/>
     </a:ext>
   </a:extLst>
 </a:theme>
@@ -30606,7 +30527,7 @@
   <a:extraClrSchemeLst/>
   <a:extLst>
     <a:ext uri="{05A4C25C-085E-4340-85A3-A5531E510DB2}">
-      <thm15:themeFamily xmlns:thm15="http://schemas.microsoft.com/office/thememl/2012/main" xmlns="" name="Office Theme" id="{62F939B6-93AF-4DB8-9C6B-D6C7DFDC589F}" vid="{4A3C46E8-61CC-4603-A589-7422A47A8E4A}"/>
+      <thm15:themeFamily xmlns:thm15="http://schemas.microsoft.com/office/thememl/2012/main" name="Office Theme" id="{62F939B6-93AF-4DB8-9C6B-D6C7DFDC589F}" vid="{4A3C46E8-61CC-4603-A589-7422A47A8E4A}"/>
     </a:ext>
   </a:extLst>
 </a:theme>
@@ -30870,7 +30791,7 @@
   <a:extraClrSchemeLst/>
   <a:extLst>
     <a:ext uri="{05A4C25C-085E-4340-85A3-A5531E510DB2}">
-      <thm15:themeFamily xmlns:thm15="http://schemas.microsoft.com/office/thememl/2012/main" xmlns="" name="Ion Boardroom" id="{FC33163D-4339-46B1-8EED-24C834239D99}" vid="{B8502691-933B-45FE-8764-BA278511EF27}"/>
+      <thm15:themeFamily xmlns:thm15="http://schemas.microsoft.com/office/thememl/2012/main" name="Ion Boardroom" id="{FC33163D-4339-46B1-8EED-24C834239D99}" vid="{B8502691-933B-45FE-8764-BA278511EF27}"/>
     </a:ext>
   </a:extLst>
 </a:theme>

--- a/Project Proposal New.pptx
+++ b/Project Proposal New.pptx
@@ -24667,39 +24667,7 @@
                   <a:schemeClr val="bg1"/>
                 </a:solidFill>
               </a:rPr>
-              <a:t>User want to identify the </a:t>
-            </a:r>
-            <a:r>
-              <a:rPr lang="en-US" b="1" dirty="0" err="1">
-                <a:solidFill>
-                  <a:schemeClr val="bg1"/>
-                </a:solidFill>
-              </a:rPr>
-              <a:t>hammers,Air</a:t>
-            </a:r>
-            <a:r>
-              <a:rPr lang="en-US" b="1" dirty="0">
-                <a:solidFill>
-                  <a:schemeClr val="bg1"/>
-                </a:solidFill>
-              </a:rPr>
-              <a:t> Compressors </a:t>
-            </a:r>
-            <a:r>
-              <a:rPr lang="en-US" b="1" dirty="0" err="1">
-                <a:solidFill>
-                  <a:schemeClr val="bg1"/>
-                </a:solidFill>
-              </a:rPr>
-              <a:t>diffrently</a:t>
-            </a:r>
-            <a:r>
-              <a:rPr lang="en-US" b="1" dirty="0">
-                <a:solidFill>
-                  <a:schemeClr val="bg1"/>
-                </a:solidFill>
-              </a:rPr>
-              <a:t> by dividing according to their given id number.</a:t>
+              <a:t>User want to identify the hammers, Air Compressors differently by dividing according to their given id number.</a:t>
             </a:r>
           </a:p>
           <a:p>
@@ -24807,6 +24775,16 @@
           <a:prstGeom prst="rect">
             <a:avLst/>
           </a:prstGeom>
+          <a:ln>
+            <a:noFill/>
+          </a:ln>
+          <a:effectLst>
+            <a:outerShdw blurRad="292100" dist="139700" dir="2700000" algn="tl" rotWithShape="0">
+              <a:srgbClr val="333333">
+                <a:alpha val="65000"/>
+              </a:srgbClr>
+            </a:outerShdw>
+          </a:effectLst>
         </p:spPr>
       </p:pic>
     </p:spTree>

--- a/Project Proposal New.pptx
+++ b/Project Proposal New.pptx
@@ -24653,61 +24653,49 @@
         </p:spPr>
         <p:txBody>
           <a:bodyPr>
-            <a:normAutofit lnSpcReduction="10000"/>
+            <a:normAutofit fontScale="92500" lnSpcReduction="10000"/>
           </a:bodyPr>
           <a:lstStyle/>
           <a:p>
-            <a:pPr>
-              <a:buFont typeface="Wingdings" pitchFamily="2" charset="2"/>
-              <a:buChar char="v"/>
-            </a:pPr>
-            <a:r>
-              <a:rPr lang="en-US" b="1" dirty="0">
+            <a:r>
+              <a:rPr lang="en-US" sz="3200" b="1" dirty="0">
                 <a:solidFill>
                   <a:schemeClr val="bg1"/>
                 </a:solidFill>
+                <a:latin typeface="Agency FB" panose="020B0503020202020204" pitchFamily="34" charset="0"/>
               </a:rPr>
               <a:t>User want to identify the hammers, Air Compressors differently by dividing according to their given id number.</a:t>
             </a:r>
           </a:p>
           <a:p>
-            <a:pPr>
-              <a:buFont typeface="Wingdings" pitchFamily="2" charset="2"/>
-              <a:buChar char="v"/>
-            </a:pPr>
-            <a:r>
-              <a:rPr lang="en-US" b="1" dirty="0">
+            <a:r>
+              <a:rPr lang="en-US" sz="3200" b="1" dirty="0">
                 <a:solidFill>
                   <a:schemeClr val="bg1"/>
                 </a:solidFill>
+                <a:latin typeface="Agency FB" panose="020B0503020202020204" pitchFamily="34" charset="0"/>
               </a:rPr>
               <a:t>User want to know the next oil refilling date of hammers.</a:t>
             </a:r>
           </a:p>
           <a:p>
-            <a:pPr>
-              <a:buFont typeface="Wingdings" pitchFamily="2" charset="2"/>
-              <a:buChar char="v"/>
-            </a:pPr>
-            <a:r>
-              <a:rPr lang="en-US" b="1" dirty="0">
+            <a:r>
+              <a:rPr lang="en-US" sz="3200" b="1" dirty="0">
                 <a:solidFill>
                   <a:schemeClr val="bg1"/>
                 </a:solidFill>
+                <a:latin typeface="Agency FB" panose="020B0503020202020204" pitchFamily="34" charset="0"/>
               </a:rPr>
               <a:t>Service dates of hammers and air compressors and status of current stock in  service equipments storage.</a:t>
             </a:r>
           </a:p>
           <a:p>
-            <a:pPr>
-              <a:buFont typeface="Wingdings" pitchFamily="2" charset="2"/>
-              <a:buChar char="v"/>
-            </a:pPr>
-            <a:r>
-              <a:rPr lang="en-US" b="1" dirty="0">
+            <a:r>
+              <a:rPr lang="en-US" sz="3200" b="1" dirty="0">
                 <a:solidFill>
                   <a:schemeClr val="bg1"/>
                 </a:solidFill>
+                <a:latin typeface="Agency FB" panose="020B0503020202020204" pitchFamily="34" charset="0"/>
               </a:rPr>
               <a:t>Generate reports according to the expenses regarding the machine repairs and spare parts.</a:t>
             </a:r>
